--- a/document/데이터 분석(시각화)/TFT 게임 전 서버 Top10 플레이어 매치 데이터 분석.pptx
+++ b/document/데이터 분석(시각화)/TFT 게임 전 서버 Top10 플레이어 매치 데이터 분석.pptx
@@ -1,6 +1,6 @@
 
 <file path=ppt/presentation.xml><?xml version="1.0" encoding="utf-8"?>
-<p:presentation xmlns:a="http://schemas.openxmlformats.org/drawingml/2006/main" xmlns:r="http://schemas.openxmlformats.org/officeDocument/2006/relationships" xmlns:p="http://schemas.openxmlformats.org/presentationml/2006/main" saveSubsetFonts="1">
+<p:presentation xmlns:a="http://schemas.openxmlformats.org/drawingml/2006/main" xmlns:r="http://schemas.openxmlformats.org/officeDocument/2006/relationships" xmlns:p="http://schemas.openxmlformats.org/presentationml/2006/main" embedTrueTypeFonts="1" saveSubsetFonts="1">
   <p:sldMasterIdLst>
     <p:sldMasterId id="2147483660" r:id="rId1"/>
   </p:sldMasterIdLst>
@@ -10,29 +10,60 @@
     <p:sldId id="259" r:id="rId4"/>
     <p:sldId id="260" r:id="rId5"/>
     <p:sldId id="262" r:id="rId6"/>
-    <p:sldId id="271" r:id="rId7"/>
-    <p:sldId id="263" r:id="rId8"/>
-    <p:sldId id="270" r:id="rId9"/>
-    <p:sldId id="264" r:id="rId10"/>
-    <p:sldId id="272" r:id="rId11"/>
-    <p:sldId id="273" r:id="rId12"/>
-    <p:sldId id="274" r:id="rId13"/>
-    <p:sldId id="275" r:id="rId14"/>
-    <p:sldId id="276" r:id="rId15"/>
-    <p:sldId id="266" r:id="rId16"/>
-    <p:sldId id="277" r:id="rId17"/>
-    <p:sldId id="267" r:id="rId18"/>
-    <p:sldId id="278" r:id="rId19"/>
-    <p:sldId id="279" r:id="rId20"/>
-    <p:sldId id="280" r:id="rId21"/>
-    <p:sldId id="268" r:id="rId22"/>
-    <p:sldId id="281" r:id="rId23"/>
-    <p:sldId id="282" r:id="rId24"/>
-    <p:sldId id="283" r:id="rId25"/>
+    <p:sldId id="263" r:id="rId7"/>
+    <p:sldId id="270" r:id="rId8"/>
+    <p:sldId id="264" r:id="rId9"/>
+    <p:sldId id="272" r:id="rId10"/>
+    <p:sldId id="273" r:id="rId11"/>
+    <p:sldId id="274" r:id="rId12"/>
+    <p:sldId id="275" r:id="rId13"/>
+    <p:sldId id="276" r:id="rId14"/>
+    <p:sldId id="266" r:id="rId15"/>
+    <p:sldId id="277" r:id="rId16"/>
+    <p:sldId id="267" r:id="rId17"/>
+    <p:sldId id="278" r:id="rId18"/>
+    <p:sldId id="279" r:id="rId19"/>
+    <p:sldId id="280" r:id="rId20"/>
+    <p:sldId id="268" r:id="rId21"/>
+    <p:sldId id="281" r:id="rId22"/>
+    <p:sldId id="282" r:id="rId23"/>
+    <p:sldId id="283" r:id="rId24"/>
+    <p:sldId id="285" r:id="rId25"/>
     <p:sldId id="269" r:id="rId26"/>
+    <p:sldId id="286" r:id="rId27"/>
   </p:sldIdLst>
   <p:sldSz cx="12192000" cy="6858000"/>
   <p:notesSz cx="6858000" cy="9144000"/>
+  <p:embeddedFontLst>
+    <p:embeddedFont>
+      <p:font typeface="Noto Sans KR Light" panose="020B0200000000000000" pitchFamily="50" charset="-127"/>
+      <p:regular r:id="rId28"/>
+    </p:embeddedFont>
+    <p:embeddedFont>
+      <p:font typeface="Noto Sans KR Medium" panose="020B0200000000000000" pitchFamily="50" charset="-127"/>
+      <p:regular r:id="rId29"/>
+    </p:embeddedFont>
+    <p:embeddedFont>
+      <p:font typeface="Poppins" panose="00000500000000000000" pitchFamily="2" charset="0"/>
+      <p:regular r:id="rId30"/>
+      <p:bold r:id="rId31"/>
+      <p:italic r:id="rId32"/>
+      <p:boldItalic r:id="rId33"/>
+    </p:embeddedFont>
+    <p:embeddedFont>
+      <p:font typeface="맑은 고딕" panose="020B0503020000020004" pitchFamily="50" charset="-127"/>
+      <p:regular r:id="rId34"/>
+      <p:bold r:id="rId35"/>
+    </p:embeddedFont>
+    <p:embeddedFont>
+      <p:font typeface="배달의민족 한나체 Air OTF" panose="020B0600000101010101" pitchFamily="34" charset="-127"/>
+      <p:regular r:id="rId36"/>
+    </p:embeddedFont>
+    <p:embeddedFont>
+      <p:font typeface="배달의민족 한나체 Pro OTF" panose="020B0600000101010101" pitchFamily="34" charset="-127"/>
+      <p:regular r:id="rId37"/>
+    </p:embeddedFont>
+  </p:embeddedFontLst>
   <p:defaultTextStyle>
     <a:defPPr>
       <a:defRPr lang="ko-KR"/>
@@ -5371,10 +5402,10 @@
       </p:sp>
       <p:pic>
         <p:nvPicPr>
-          <p:cNvPr id="6" name="그림 5">
-            <a:extLst>
-              <a:ext uri="{FF2B5EF4-FFF2-40B4-BE49-F238E27FC236}">
-                <a16:creationId xmlns:a16="http://schemas.microsoft.com/office/drawing/2014/main" id="{5AF1F0A8-07CA-502F-2662-37D29F555E5D}"/>
+          <p:cNvPr id="4" name="그림 3">
+            <a:extLst>
+              <a:ext uri="{FF2B5EF4-FFF2-40B4-BE49-F238E27FC236}">
+                <a16:creationId xmlns:a16="http://schemas.microsoft.com/office/drawing/2014/main" id="{6AD7AF6A-8BDE-A82A-ECD3-2352072AAF86}"/>
               </a:ext>
             </a:extLst>
           </p:cNvPr>
@@ -5391,18 +5422,664 @@
         </p:blipFill>
         <p:spPr>
           <a:xfrm>
-            <a:off x="1656406" y="1246252"/>
-            <a:ext cx="8879188" cy="5306640"/>
+            <a:off x="1108737" y="1451816"/>
+            <a:ext cx="6027907" cy="4433808"/>
           </a:xfrm>
           <a:prstGeom prst="rect">
             <a:avLst/>
           </a:prstGeom>
         </p:spPr>
       </p:pic>
+      <p:sp>
+        <p:nvSpPr>
+          <p:cNvPr id="5" name="Line 283">
+            <a:extLst>
+              <a:ext uri="{FF2B5EF4-FFF2-40B4-BE49-F238E27FC236}">
+                <a16:creationId xmlns:a16="http://schemas.microsoft.com/office/drawing/2014/main" id="{E1ACA32E-F239-1FD2-FE1B-18FF83D989BD}"/>
+              </a:ext>
+            </a:extLst>
+          </p:cNvPr>
+          <p:cNvSpPr>
+            <a:spLocks noChangeShapeType="1"/>
+          </p:cNvSpPr>
+          <p:nvPr/>
+        </p:nvSpPr>
+        <p:spPr bwMode="auto">
+          <a:xfrm>
+            <a:off x="8223786" y="1502402"/>
+            <a:ext cx="2862268" cy="0"/>
+          </a:xfrm>
+          <a:prstGeom prst="line">
+            <a:avLst/>
+          </a:prstGeom>
+          <a:noFill/>
+          <a:ln w="25400" cap="rnd">
+            <a:solidFill>
+              <a:srgbClr val="FFCF37"/>
+            </a:solidFill>
+            <a:round/>
+            <a:headEnd/>
+            <a:tailEnd/>
+          </a:ln>
+          <a:effectLst/>
+          <a:extLst>
+            <a:ext uri="{909E8E84-426E-40DD-AFC4-6F175D3DCCD1}">
+              <a14:hiddenFill xmlns:a14="http://schemas.microsoft.com/office/drawing/2010/main">
+                <a:noFill/>
+              </a14:hiddenFill>
+            </a:ext>
+            <a:ext uri="{AF507438-7753-43E0-B8FC-AC1667EBCBE1}">
+              <a14:hiddenEffects xmlns:a14="http://schemas.microsoft.com/office/drawing/2010/main">
+                <a:effectLst>
+                  <a:outerShdw dist="35921" dir="2700000" algn="ctr" rotWithShape="0">
+                    <a:srgbClr val="808080"/>
+                  </a:outerShdw>
+                </a:effectLst>
+              </a14:hiddenEffects>
+            </a:ext>
+          </a:extLst>
+        </p:spPr>
+        <p:txBody>
+          <a:bodyPr/>
+          <a:lstStyle/>
+          <a:p>
+            <a:endParaRPr lang="en-US" sz="4900" dirty="0">
+              <a:latin typeface="Poppins" panose="00000500000000000000" pitchFamily="2" charset="0"/>
+            </a:endParaRPr>
+          </a:p>
+        </p:txBody>
+      </p:sp>
+      <p:sp>
+        <p:nvSpPr>
+          <p:cNvPr id="6" name="TextBox 5">
+            <a:extLst>
+              <a:ext uri="{FF2B5EF4-FFF2-40B4-BE49-F238E27FC236}">
+                <a16:creationId xmlns:a16="http://schemas.microsoft.com/office/drawing/2014/main" id="{98FFBBFD-0E3D-3A32-7BB4-CFB64FC47650}"/>
+              </a:ext>
+            </a:extLst>
+          </p:cNvPr>
+          <p:cNvSpPr txBox="1"/>
+          <p:nvPr/>
+        </p:nvSpPr>
+        <p:spPr>
+          <a:xfrm>
+            <a:off x="8699210" y="1096976"/>
+            <a:ext cx="1911414" cy="400110"/>
+          </a:xfrm>
+          <a:prstGeom prst="rect">
+            <a:avLst/>
+          </a:prstGeom>
+          <a:noFill/>
+        </p:spPr>
+        <p:txBody>
+          <a:bodyPr wrap="square">
+            <a:spAutoFit/>
+          </a:bodyPr>
+          <a:lstStyle/>
+          <a:p>
+            <a:pPr>
+              <a:defRPr/>
+            </a:pPr>
+            <a:r>
+              <a:rPr lang="ko-KR" altLang="en-US" sz="2000" kern="0">
+                <a:ln w="9525">
+                  <a:noFill/>
+                </a:ln>
+                <a:solidFill>
+                  <a:srgbClr val="005A9E"/>
+                </a:solidFill>
+                <a:latin typeface="배달의민족 한나체 Pro OTF" panose="020B0600000101010101" pitchFamily="34" charset="-127"/>
+                <a:ea typeface="배달의민족 한나체 Pro OTF" panose="020B0600000101010101" pitchFamily="34" charset="-127"/>
+              </a:rPr>
+              <a:t>범위가 좁은 </a:t>
+            </a:r>
+            <a:r>
+              <a:rPr lang="ko-KR" altLang="en-US" sz="2000" kern="0" dirty="0">
+                <a:ln w="9525">
+                  <a:noFill/>
+                </a:ln>
+                <a:solidFill>
+                  <a:srgbClr val="005A9E"/>
+                </a:solidFill>
+                <a:latin typeface="배달의민족 한나체 Pro OTF" panose="020B0600000101010101" pitchFamily="34" charset="-127"/>
+                <a:ea typeface="배달의민족 한나체 Pro OTF" panose="020B0600000101010101" pitchFamily="34" charset="-127"/>
+              </a:rPr>
+              <a:t>지역</a:t>
+            </a:r>
+            <a:endParaRPr lang="ko-KR" altLang="en-US" sz="2000" dirty="0">
+              <a:solidFill>
+                <a:srgbClr val="005A9E"/>
+              </a:solidFill>
+              <a:latin typeface="배달의민족 한나체 Pro OTF" panose="020B0600000101010101" pitchFamily="34" charset="-127"/>
+              <a:ea typeface="배달의민족 한나체 Pro OTF" panose="020B0600000101010101" pitchFamily="34" charset="-127"/>
+            </a:endParaRPr>
+          </a:p>
+        </p:txBody>
+      </p:sp>
+      <p:sp>
+        <p:nvSpPr>
+          <p:cNvPr id="7" name="TextBox 6">
+            <a:extLst>
+              <a:ext uri="{FF2B5EF4-FFF2-40B4-BE49-F238E27FC236}">
+                <a16:creationId xmlns:a16="http://schemas.microsoft.com/office/drawing/2014/main" id="{557EAC28-C42E-A769-9885-04E3A91CFA47}"/>
+              </a:ext>
+            </a:extLst>
+          </p:cNvPr>
+          <p:cNvSpPr txBox="1"/>
+          <p:nvPr/>
+        </p:nvSpPr>
+        <p:spPr>
+          <a:xfrm>
+            <a:off x="7952578" y="1528533"/>
+            <a:ext cx="3404681" cy="487569"/>
+          </a:xfrm>
+          <a:prstGeom prst="rect">
+            <a:avLst/>
+          </a:prstGeom>
+          <a:noFill/>
+        </p:spPr>
+        <p:txBody>
+          <a:bodyPr wrap="square" rtlCol="0">
+            <a:spAutoFit/>
+          </a:bodyPr>
+          <a:lstStyle/>
+          <a:p>
+            <a:pPr algn="ctr">
+              <a:lnSpc>
+                <a:spcPts val="3600"/>
+              </a:lnSpc>
+            </a:pPr>
+            <a:r>
+              <a:rPr lang="ko-KR" altLang="en-US" sz="1600" spc="-20" dirty="0">
+                <a:latin typeface="Noto Sans KR Light" panose="020B0200000000000000" pitchFamily="50" charset="-127"/>
+                <a:ea typeface="Noto Sans KR Light" panose="020B0200000000000000" pitchFamily="50" charset="-127"/>
+                <a:cs typeface="Poppins" panose="00000500000000000000" pitchFamily="2" charset="0"/>
+              </a:rPr>
+              <a:t>대부분의 경기가 비슷한 날짜에 수집됨</a:t>
+            </a:r>
+            <a:endParaRPr lang="en-US" sz="1600" spc="-20" dirty="0">
+              <a:latin typeface="Noto Sans KR Light" panose="020B0200000000000000" pitchFamily="50" charset="-127"/>
+              <a:ea typeface="Noto Sans KR Light" panose="020B0200000000000000" pitchFamily="50" charset="-127"/>
+              <a:cs typeface="Poppins" panose="00000500000000000000" pitchFamily="2" charset="0"/>
+            </a:endParaRPr>
+          </a:p>
+        </p:txBody>
+      </p:sp>
+      <p:sp>
+        <p:nvSpPr>
+          <p:cNvPr id="11" name="Line 283">
+            <a:extLst>
+              <a:ext uri="{FF2B5EF4-FFF2-40B4-BE49-F238E27FC236}">
+                <a16:creationId xmlns:a16="http://schemas.microsoft.com/office/drawing/2014/main" id="{8A36B5F0-A199-A894-EDCF-212B62C35BE1}"/>
+              </a:ext>
+            </a:extLst>
+          </p:cNvPr>
+          <p:cNvSpPr>
+            <a:spLocks noChangeShapeType="1"/>
+          </p:cNvSpPr>
+          <p:nvPr/>
+        </p:nvSpPr>
+        <p:spPr bwMode="auto">
+          <a:xfrm>
+            <a:off x="8223786" y="2697376"/>
+            <a:ext cx="2862268" cy="0"/>
+          </a:xfrm>
+          <a:prstGeom prst="line">
+            <a:avLst/>
+          </a:prstGeom>
+          <a:noFill/>
+          <a:ln w="25400" cap="rnd">
+            <a:solidFill>
+              <a:srgbClr val="FFCF37"/>
+            </a:solidFill>
+            <a:round/>
+            <a:headEnd/>
+            <a:tailEnd/>
+          </a:ln>
+          <a:effectLst/>
+          <a:extLst>
+            <a:ext uri="{909E8E84-426E-40DD-AFC4-6F175D3DCCD1}">
+              <a14:hiddenFill xmlns:a14="http://schemas.microsoft.com/office/drawing/2010/main">
+                <a:noFill/>
+              </a14:hiddenFill>
+            </a:ext>
+            <a:ext uri="{AF507438-7753-43E0-B8FC-AC1667EBCBE1}">
+              <a14:hiddenEffects xmlns:a14="http://schemas.microsoft.com/office/drawing/2010/main">
+                <a:effectLst>
+                  <a:outerShdw dist="35921" dir="2700000" algn="ctr" rotWithShape="0">
+                    <a:srgbClr val="808080"/>
+                  </a:outerShdw>
+                </a:effectLst>
+              </a14:hiddenEffects>
+            </a:ext>
+          </a:extLst>
+        </p:spPr>
+        <p:txBody>
+          <a:bodyPr/>
+          <a:lstStyle/>
+          <a:p>
+            <a:endParaRPr lang="en-US" sz="4900" dirty="0">
+              <a:latin typeface="Poppins" panose="00000500000000000000" pitchFamily="2" charset="0"/>
+            </a:endParaRPr>
+          </a:p>
+        </p:txBody>
+      </p:sp>
+      <p:sp>
+        <p:nvSpPr>
+          <p:cNvPr id="12" name="TextBox 11">
+            <a:extLst>
+              <a:ext uri="{FF2B5EF4-FFF2-40B4-BE49-F238E27FC236}">
+                <a16:creationId xmlns:a16="http://schemas.microsoft.com/office/drawing/2014/main" id="{BF34649E-67F7-34C7-EB0F-528094235E86}"/>
+              </a:ext>
+            </a:extLst>
+          </p:cNvPr>
+          <p:cNvSpPr txBox="1"/>
+          <p:nvPr/>
+        </p:nvSpPr>
+        <p:spPr>
+          <a:xfrm>
+            <a:off x="8491873" y="2297266"/>
+            <a:ext cx="2326087" cy="400110"/>
+          </a:xfrm>
+          <a:prstGeom prst="rect">
+            <a:avLst/>
+          </a:prstGeom>
+          <a:noFill/>
+        </p:spPr>
+        <p:txBody>
+          <a:bodyPr wrap="square">
+            <a:spAutoFit/>
+          </a:bodyPr>
+          <a:lstStyle/>
+          <a:p>
+            <a:pPr>
+              <a:defRPr/>
+            </a:pPr>
+            <a:r>
+              <a:rPr lang="ko-KR" altLang="en-US" sz="2000" kern="0">
+                <a:ln w="9525">
+                  <a:noFill/>
+                </a:ln>
+                <a:solidFill>
+                  <a:srgbClr val="005A9E"/>
+                </a:solidFill>
+                <a:latin typeface="배달의민족 한나체 Pro OTF" panose="020B0600000101010101" pitchFamily="34" charset="-127"/>
+                <a:ea typeface="배달의민족 한나체 Pro OTF" panose="020B0600000101010101" pitchFamily="34" charset="-127"/>
+              </a:rPr>
+              <a:t>플레이어 수와의 관계</a:t>
+            </a:r>
+            <a:endParaRPr lang="ko-KR" altLang="en-US" sz="2000" dirty="0">
+              <a:solidFill>
+                <a:srgbClr val="005A9E"/>
+              </a:solidFill>
+              <a:latin typeface="배달의민족 한나체 Pro OTF" panose="020B0600000101010101" pitchFamily="34" charset="-127"/>
+              <a:ea typeface="배달의민족 한나체 Pro OTF" panose="020B0600000101010101" pitchFamily="34" charset="-127"/>
+            </a:endParaRPr>
+          </a:p>
+        </p:txBody>
+      </p:sp>
+      <p:sp>
+        <p:nvSpPr>
+          <p:cNvPr id="14" name="Rounded Rectangle 319">
+            <a:extLst>
+              <a:ext uri="{FF2B5EF4-FFF2-40B4-BE49-F238E27FC236}">
+                <a16:creationId xmlns:a16="http://schemas.microsoft.com/office/drawing/2014/main" id="{EB597B59-B16B-71A2-E6C3-81D39AF30883}"/>
+              </a:ext>
+            </a:extLst>
+          </p:cNvPr>
+          <p:cNvSpPr>
+            <a:spLocks noChangeArrowheads="1"/>
+          </p:cNvSpPr>
+          <p:nvPr/>
+        </p:nvSpPr>
+        <p:spPr bwMode="auto">
+          <a:xfrm>
+            <a:off x="3010478" y="6216846"/>
+            <a:ext cx="2224424" cy="294283"/>
+          </a:xfrm>
+          <a:prstGeom prst="roundRect">
+            <a:avLst>
+              <a:gd name="adj" fmla="val 50000"/>
+            </a:avLst>
+          </a:prstGeom>
+          <a:solidFill>
+            <a:schemeClr val="accent5">
+              <a:lumMod val="75000"/>
+            </a:schemeClr>
+          </a:solidFill>
+          <a:ln>
+            <a:noFill/>
+          </a:ln>
+          <a:effectLst/>
+        </p:spPr>
+        <p:txBody>
+          <a:bodyPr wrap="none" anchor="ctr"/>
+          <a:lstStyle/>
+          <a:p>
+            <a:pPr algn="ctr"/>
+            <a:r>
+              <a:rPr lang="ko-KR" altLang="en-US" sz="1400" dirty="0">
+                <a:solidFill>
+                  <a:schemeClr val="bg1"/>
+                </a:solidFill>
+                <a:latin typeface="배달의민족 한나체 Pro OTF" panose="020B0600000101010101" pitchFamily="34" charset="-127"/>
+                <a:ea typeface="배달의민족 한나체 Pro OTF" panose="020B0600000101010101" pitchFamily="34" charset="-127"/>
+              </a:rPr>
+              <a:t>서버 별 게임 날짜 분포</a:t>
+            </a:r>
+            <a:endParaRPr lang="en-US" sz="1400" dirty="0">
+              <a:solidFill>
+                <a:schemeClr val="bg1"/>
+              </a:solidFill>
+              <a:latin typeface="배달의민족 한나체 Pro OTF" panose="020B0600000101010101" pitchFamily="34" charset="-127"/>
+              <a:ea typeface="배달의민족 한나체 Pro OTF" panose="020B0600000101010101" pitchFamily="34" charset="-127"/>
+            </a:endParaRPr>
+          </a:p>
+        </p:txBody>
+      </p:sp>
+      <p:sp>
+        <p:nvSpPr>
+          <p:cNvPr id="16" name="TextBox 15">
+            <a:extLst>
+              <a:ext uri="{FF2B5EF4-FFF2-40B4-BE49-F238E27FC236}">
+                <a16:creationId xmlns:a16="http://schemas.microsoft.com/office/drawing/2014/main" id="{B117E691-8674-77A0-9CCC-7456CA72139C}"/>
+              </a:ext>
+            </a:extLst>
+          </p:cNvPr>
+          <p:cNvSpPr txBox="1"/>
+          <p:nvPr/>
+        </p:nvSpPr>
+        <p:spPr>
+          <a:xfrm>
+            <a:off x="7952575" y="2720148"/>
+            <a:ext cx="3404681" cy="1410899"/>
+          </a:xfrm>
+          <a:prstGeom prst="rect">
+            <a:avLst/>
+          </a:prstGeom>
+          <a:noFill/>
+        </p:spPr>
+        <p:txBody>
+          <a:bodyPr wrap="square" rtlCol="0">
+            <a:spAutoFit/>
+          </a:bodyPr>
+          <a:lstStyle/>
+          <a:p>
+            <a:pPr algn="ctr">
+              <a:lnSpc>
+                <a:spcPts val="3600"/>
+              </a:lnSpc>
+            </a:pPr>
+            <a:r>
+              <a:rPr lang="ko-KR" altLang="en-US" sz="1600" spc="-20" dirty="0">
+                <a:latin typeface="Noto Sans KR Light" panose="020B0200000000000000" pitchFamily="50" charset="-127"/>
+                <a:ea typeface="Noto Sans KR Light" panose="020B0200000000000000" pitchFamily="50" charset="-127"/>
+                <a:cs typeface="Poppins" panose="00000500000000000000" pitchFamily="2" charset="0"/>
+              </a:rPr>
+              <a:t>짧은 기간에 그만큼의 플레이어를 만남</a:t>
+            </a:r>
+            <a:endParaRPr lang="en-US" altLang="ko-KR" sz="1600" spc="-20" dirty="0">
+              <a:latin typeface="Noto Sans KR Light" panose="020B0200000000000000" pitchFamily="50" charset="-127"/>
+              <a:ea typeface="Noto Sans KR Light" panose="020B0200000000000000" pitchFamily="50" charset="-127"/>
+              <a:cs typeface="Poppins" panose="00000500000000000000" pitchFamily="2" charset="0"/>
+            </a:endParaRPr>
+          </a:p>
+          <a:p>
+            <a:pPr algn="ctr">
+              <a:lnSpc>
+                <a:spcPts val="3600"/>
+              </a:lnSpc>
+            </a:pPr>
+            <a:r>
+              <a:rPr lang="ko-KR" altLang="en-US" sz="1600" spc="-20" dirty="0">
+                <a:latin typeface="Noto Sans KR Light" panose="020B0200000000000000" pitchFamily="50" charset="-127"/>
+                <a:ea typeface="Noto Sans KR Light" panose="020B0200000000000000" pitchFamily="50" charset="-127"/>
+                <a:cs typeface="Poppins" panose="00000500000000000000" pitchFamily="2" charset="0"/>
+              </a:rPr>
+              <a:t>범위가 좁고 플레이어 수가 많은</a:t>
+            </a:r>
+            <a:endParaRPr lang="en-US" altLang="ko-KR" sz="1600" spc="-20" dirty="0">
+              <a:latin typeface="Noto Sans KR Light" panose="020B0200000000000000" pitchFamily="50" charset="-127"/>
+              <a:ea typeface="Noto Sans KR Light" panose="020B0200000000000000" pitchFamily="50" charset="-127"/>
+              <a:cs typeface="Poppins" panose="00000500000000000000" pitchFamily="2" charset="0"/>
+            </a:endParaRPr>
+          </a:p>
+          <a:p>
+            <a:pPr algn="ctr">
+              <a:lnSpc>
+                <a:spcPts val="3600"/>
+              </a:lnSpc>
+            </a:pPr>
+            <a:r>
+              <a:rPr lang="en-US" altLang="ko-KR" sz="1600" spc="-20" dirty="0">
+                <a:latin typeface="Noto Sans KR Light" panose="020B0200000000000000" pitchFamily="50" charset="-127"/>
+                <a:ea typeface="Noto Sans KR Light" panose="020B0200000000000000" pitchFamily="50" charset="-127"/>
+                <a:cs typeface="Poppins" panose="00000500000000000000" pitchFamily="2" charset="0"/>
+              </a:rPr>
+              <a:t>NA1 </a:t>
+            </a:r>
+            <a:r>
+              <a:rPr lang="ko-KR" altLang="en-US" sz="1600" spc="-20" dirty="0">
+                <a:latin typeface="Noto Sans KR Light" panose="020B0200000000000000" pitchFamily="50" charset="-127"/>
+                <a:ea typeface="Noto Sans KR Light" panose="020B0200000000000000" pitchFamily="50" charset="-127"/>
+                <a:cs typeface="Poppins" panose="00000500000000000000" pitchFamily="2" charset="0"/>
+              </a:rPr>
+              <a:t>지역이 많이 활발함을 의미</a:t>
+            </a:r>
+            <a:endParaRPr lang="en-US" altLang="ko-KR" sz="1600" spc="-20" dirty="0">
+              <a:latin typeface="Noto Sans KR Light" panose="020B0200000000000000" pitchFamily="50" charset="-127"/>
+              <a:ea typeface="Noto Sans KR Light" panose="020B0200000000000000" pitchFamily="50" charset="-127"/>
+              <a:cs typeface="Poppins" panose="00000500000000000000" pitchFamily="2" charset="0"/>
+            </a:endParaRPr>
+          </a:p>
+        </p:txBody>
+      </p:sp>
+      <p:sp>
+        <p:nvSpPr>
+          <p:cNvPr id="17" name="Line 283">
+            <a:extLst>
+              <a:ext uri="{FF2B5EF4-FFF2-40B4-BE49-F238E27FC236}">
+                <a16:creationId xmlns:a16="http://schemas.microsoft.com/office/drawing/2014/main" id="{4F848C26-8719-F90D-879F-236F8DC99FB8}"/>
+              </a:ext>
+            </a:extLst>
+          </p:cNvPr>
+          <p:cNvSpPr>
+            <a:spLocks noChangeShapeType="1"/>
+          </p:cNvSpPr>
+          <p:nvPr/>
+        </p:nvSpPr>
+        <p:spPr bwMode="auto">
+          <a:xfrm>
+            <a:off x="8223786" y="4693812"/>
+            <a:ext cx="2862268" cy="0"/>
+          </a:xfrm>
+          <a:prstGeom prst="line">
+            <a:avLst/>
+          </a:prstGeom>
+          <a:noFill/>
+          <a:ln w="25400" cap="rnd">
+            <a:solidFill>
+              <a:srgbClr val="FFCF37"/>
+            </a:solidFill>
+            <a:round/>
+            <a:headEnd/>
+            <a:tailEnd/>
+          </a:ln>
+          <a:effectLst/>
+          <a:extLst>
+            <a:ext uri="{909E8E84-426E-40DD-AFC4-6F175D3DCCD1}">
+              <a14:hiddenFill xmlns:a14="http://schemas.microsoft.com/office/drawing/2010/main">
+                <a:noFill/>
+              </a14:hiddenFill>
+            </a:ext>
+            <a:ext uri="{AF507438-7753-43E0-B8FC-AC1667EBCBE1}">
+              <a14:hiddenEffects xmlns:a14="http://schemas.microsoft.com/office/drawing/2010/main">
+                <a:effectLst>
+                  <a:outerShdw dist="35921" dir="2700000" algn="ctr" rotWithShape="0">
+                    <a:srgbClr val="808080"/>
+                  </a:outerShdw>
+                </a:effectLst>
+              </a14:hiddenEffects>
+            </a:ext>
+          </a:extLst>
+        </p:spPr>
+        <p:txBody>
+          <a:bodyPr/>
+          <a:lstStyle/>
+          <a:p>
+            <a:endParaRPr lang="en-US" sz="4900" dirty="0">
+              <a:latin typeface="Poppins" panose="00000500000000000000" pitchFamily="2" charset="0"/>
+            </a:endParaRPr>
+          </a:p>
+        </p:txBody>
+      </p:sp>
+      <p:sp>
+        <p:nvSpPr>
+          <p:cNvPr id="18" name="TextBox 17">
+            <a:extLst>
+              <a:ext uri="{FF2B5EF4-FFF2-40B4-BE49-F238E27FC236}">
+                <a16:creationId xmlns:a16="http://schemas.microsoft.com/office/drawing/2014/main" id="{0848D154-27A3-EB68-16F1-F92E6F6CA5E6}"/>
+              </a:ext>
+            </a:extLst>
+          </p:cNvPr>
+          <p:cNvSpPr txBox="1"/>
+          <p:nvPr/>
+        </p:nvSpPr>
+        <p:spPr>
+          <a:xfrm>
+            <a:off x="9301196" y="4319833"/>
+            <a:ext cx="707437" cy="400110"/>
+          </a:xfrm>
+          <a:prstGeom prst="rect">
+            <a:avLst/>
+          </a:prstGeom>
+          <a:noFill/>
+        </p:spPr>
+        <p:txBody>
+          <a:bodyPr wrap="square">
+            <a:spAutoFit/>
+          </a:bodyPr>
+          <a:lstStyle/>
+          <a:p>
+            <a:pPr>
+              <a:defRPr/>
+            </a:pPr>
+            <a:r>
+              <a:rPr lang="ko-KR" altLang="en-US" sz="2000" kern="0">
+                <a:ln w="9525">
+                  <a:noFill/>
+                </a:ln>
+                <a:solidFill>
+                  <a:srgbClr val="005A9E"/>
+                </a:solidFill>
+                <a:latin typeface="배달의민족 한나체 Pro OTF" panose="020B0600000101010101" pitchFamily="34" charset="-127"/>
+                <a:ea typeface="배달의민족 한나체 Pro OTF" panose="020B0600000101010101" pitchFamily="34" charset="-127"/>
+              </a:rPr>
+              <a:t>결론</a:t>
+            </a:r>
+            <a:endParaRPr lang="ko-KR" altLang="en-US" sz="2000" dirty="0">
+              <a:solidFill>
+                <a:srgbClr val="005A9E"/>
+              </a:solidFill>
+              <a:latin typeface="배달의민족 한나체 Pro OTF" panose="020B0600000101010101" pitchFamily="34" charset="-127"/>
+              <a:ea typeface="배달의민족 한나체 Pro OTF" panose="020B0600000101010101" pitchFamily="34" charset="-127"/>
+            </a:endParaRPr>
+          </a:p>
+        </p:txBody>
+      </p:sp>
+      <p:sp>
+        <p:nvSpPr>
+          <p:cNvPr id="19" name="TextBox 18">
+            <a:extLst>
+              <a:ext uri="{FF2B5EF4-FFF2-40B4-BE49-F238E27FC236}">
+                <a16:creationId xmlns:a16="http://schemas.microsoft.com/office/drawing/2014/main" id="{D58FE6F7-2CDA-69C7-AFA5-18FC26E97405}"/>
+              </a:ext>
+            </a:extLst>
+          </p:cNvPr>
+          <p:cNvSpPr txBox="1"/>
+          <p:nvPr/>
+        </p:nvSpPr>
+        <p:spPr>
+          <a:xfrm>
+            <a:off x="7952578" y="4719943"/>
+            <a:ext cx="3404681" cy="1410899"/>
+          </a:xfrm>
+          <a:prstGeom prst="rect">
+            <a:avLst/>
+          </a:prstGeom>
+          <a:noFill/>
+        </p:spPr>
+        <p:txBody>
+          <a:bodyPr wrap="square" rtlCol="0">
+            <a:spAutoFit/>
+          </a:bodyPr>
+          <a:lstStyle/>
+          <a:p>
+            <a:pPr algn="ctr">
+              <a:lnSpc>
+                <a:spcPts val="3600"/>
+              </a:lnSpc>
+            </a:pPr>
+            <a:r>
+              <a:rPr lang="ko-KR" altLang="en-US" sz="1600" spc="-20" dirty="0">
+                <a:latin typeface="Noto Sans KR Light" panose="020B0200000000000000" pitchFamily="50" charset="-127"/>
+                <a:ea typeface="Noto Sans KR Light" panose="020B0200000000000000" pitchFamily="50" charset="-127"/>
+                <a:cs typeface="Poppins" panose="00000500000000000000" pitchFamily="2" charset="0"/>
+              </a:rPr>
+              <a:t>더욱 더 최신의 다양한 </a:t>
+            </a:r>
+            <a:endParaRPr lang="en-US" altLang="ko-KR" sz="1600" spc="-20" dirty="0">
+              <a:latin typeface="Noto Sans KR Light" panose="020B0200000000000000" pitchFamily="50" charset="-127"/>
+              <a:ea typeface="Noto Sans KR Light" panose="020B0200000000000000" pitchFamily="50" charset="-127"/>
+              <a:cs typeface="Poppins" panose="00000500000000000000" pitchFamily="2" charset="0"/>
+            </a:endParaRPr>
+          </a:p>
+          <a:p>
+            <a:pPr algn="ctr">
+              <a:lnSpc>
+                <a:spcPts val="3600"/>
+              </a:lnSpc>
+            </a:pPr>
+            <a:r>
+              <a:rPr lang="ko-KR" altLang="en-US" sz="1600" spc="-20" dirty="0">
+                <a:latin typeface="Noto Sans KR Light" panose="020B0200000000000000" pitchFamily="50" charset="-127"/>
+                <a:ea typeface="Noto Sans KR Light" panose="020B0200000000000000" pitchFamily="50" charset="-127"/>
+                <a:cs typeface="Poppins" panose="00000500000000000000" pitchFamily="2" charset="0"/>
+              </a:rPr>
+              <a:t>메타 확인이 필요하다면 </a:t>
+            </a:r>
+            <a:endParaRPr lang="en-US" altLang="ko-KR" sz="1600" spc="-20" dirty="0">
+              <a:latin typeface="Noto Sans KR Light" panose="020B0200000000000000" pitchFamily="50" charset="-127"/>
+              <a:ea typeface="Noto Sans KR Light" panose="020B0200000000000000" pitchFamily="50" charset="-127"/>
+              <a:cs typeface="Poppins" panose="00000500000000000000" pitchFamily="2" charset="0"/>
+            </a:endParaRPr>
+          </a:p>
+          <a:p>
+            <a:pPr algn="ctr">
+              <a:lnSpc>
+                <a:spcPts val="3600"/>
+              </a:lnSpc>
+            </a:pPr>
+            <a:r>
+              <a:rPr lang="ko-KR" altLang="en-US" sz="1600" spc="-20" dirty="0">
+                <a:latin typeface="Noto Sans KR Light" panose="020B0200000000000000" pitchFamily="50" charset="-127"/>
+                <a:ea typeface="Noto Sans KR Light" panose="020B0200000000000000" pitchFamily="50" charset="-127"/>
+                <a:cs typeface="Poppins" panose="00000500000000000000" pitchFamily="2" charset="0"/>
+              </a:rPr>
+              <a:t>활발한 서버를 선택하는 것이 유리</a:t>
+            </a:r>
+            <a:endParaRPr lang="en-US" altLang="ko-KR" sz="1600" spc="-20" dirty="0">
+              <a:latin typeface="Noto Sans KR Light" panose="020B0200000000000000" pitchFamily="50" charset="-127"/>
+              <a:ea typeface="Noto Sans KR Light" panose="020B0200000000000000" pitchFamily="50" charset="-127"/>
+              <a:cs typeface="Poppins" panose="00000500000000000000" pitchFamily="2" charset="0"/>
+            </a:endParaRPr>
+          </a:p>
+        </p:txBody>
+      </p:sp>
     </p:spTree>
     <p:extLst>
       <p:ext uri="{BB962C8B-B14F-4D97-AF65-F5344CB8AC3E}">
-        <p14:creationId xmlns:p14="http://schemas.microsoft.com/office/powerpoint/2010/main" val="67581241"/>
+        <p14:creationId xmlns:p14="http://schemas.microsoft.com/office/powerpoint/2010/main" val="585448549"/>
       </p:ext>
     </p:extLst>
   </p:cSld>
@@ -5657,10 +6334,10 @@
       </p:sp>
       <p:pic>
         <p:nvPicPr>
-          <p:cNvPr id="4" name="그림 3">
-            <a:extLst>
-              <a:ext uri="{FF2B5EF4-FFF2-40B4-BE49-F238E27FC236}">
-                <a16:creationId xmlns:a16="http://schemas.microsoft.com/office/drawing/2014/main" id="{6AD7AF6A-8BDE-A82A-ECD3-2352072AAF86}"/>
+          <p:cNvPr id="6" name="그림 5">
+            <a:extLst>
+              <a:ext uri="{FF2B5EF4-FFF2-40B4-BE49-F238E27FC236}">
+                <a16:creationId xmlns:a16="http://schemas.microsoft.com/office/drawing/2014/main" id="{A1C15B9D-88BB-71CB-DA64-D31D361A6640}"/>
               </a:ext>
             </a:extLst>
           </p:cNvPr>
@@ -5677,18 +6354,87 @@
         </p:blipFill>
         <p:spPr>
           <a:xfrm>
-            <a:off x="535022" y="1129289"/>
-            <a:ext cx="7373566" cy="5423603"/>
+            <a:off x="2507806" y="1893039"/>
+            <a:ext cx="7176387" cy="3464463"/>
           </a:xfrm>
           <a:prstGeom prst="rect">
             <a:avLst/>
           </a:prstGeom>
         </p:spPr>
       </p:pic>
+      <p:sp>
+        <p:nvSpPr>
+          <p:cNvPr id="4" name="Rounded Rectangle 319">
+            <a:extLst>
+              <a:ext uri="{FF2B5EF4-FFF2-40B4-BE49-F238E27FC236}">
+                <a16:creationId xmlns:a16="http://schemas.microsoft.com/office/drawing/2014/main" id="{365AC200-1C54-370F-20A6-7BFA1A1F34FD}"/>
+              </a:ext>
+            </a:extLst>
+          </p:cNvPr>
+          <p:cNvSpPr>
+            <a:spLocks noChangeArrowheads="1"/>
+          </p:cNvSpPr>
+          <p:nvPr/>
+        </p:nvSpPr>
+        <p:spPr bwMode="auto">
+          <a:xfrm>
+            <a:off x="4439045" y="5720736"/>
+            <a:ext cx="3313908" cy="294283"/>
+          </a:xfrm>
+          <a:prstGeom prst="roundRect">
+            <a:avLst>
+              <a:gd name="adj" fmla="val 50000"/>
+            </a:avLst>
+          </a:prstGeom>
+          <a:solidFill>
+            <a:schemeClr val="accent5">
+              <a:lumMod val="75000"/>
+            </a:schemeClr>
+          </a:solidFill>
+          <a:ln>
+            <a:noFill/>
+          </a:ln>
+          <a:effectLst/>
+        </p:spPr>
+        <p:txBody>
+          <a:bodyPr wrap="none" anchor="ctr"/>
+          <a:lstStyle/>
+          <a:p>
+            <a:pPr algn="ctr"/>
+            <a:r>
+              <a:rPr lang="en-US" sz="1400" dirty="0">
+                <a:solidFill>
+                  <a:schemeClr val="bg1"/>
+                </a:solidFill>
+                <a:latin typeface="배달의민족 한나체 Pro OTF" panose="020B0600000101010101" pitchFamily="34" charset="-127"/>
+                <a:ea typeface="배달의민족 한나체 Pro OTF" panose="020B0600000101010101" pitchFamily="34" charset="-127"/>
+              </a:rPr>
+              <a:t>NA1 </a:t>
+            </a:r>
+            <a:r>
+              <a:rPr lang="ko-KR" altLang="en-US" sz="1400" dirty="0">
+                <a:solidFill>
+                  <a:schemeClr val="bg1"/>
+                </a:solidFill>
+                <a:latin typeface="배달의민족 한나체 Pro OTF" panose="020B0600000101010101" pitchFamily="34" charset="-127"/>
+                <a:ea typeface="배달의민족 한나체 Pro OTF" panose="020B0600000101010101" pitchFamily="34" charset="-127"/>
+              </a:rPr>
+              <a:t>서버 플레이어의 게임 날짜 분포</a:t>
+            </a:r>
+            <a:endParaRPr lang="en-US" sz="1400" dirty="0">
+              <a:solidFill>
+                <a:schemeClr val="bg1"/>
+              </a:solidFill>
+              <a:latin typeface="배달의민족 한나체 Pro OTF" panose="020B0600000101010101" pitchFamily="34" charset="-127"/>
+              <a:ea typeface="배달의민족 한나체 Pro OTF" panose="020B0600000101010101" pitchFamily="34" charset="-127"/>
+            </a:endParaRPr>
+          </a:p>
+        </p:txBody>
+      </p:sp>
     </p:spTree>
     <p:extLst>
       <p:ext uri="{BB962C8B-B14F-4D97-AF65-F5344CB8AC3E}">
-        <p14:creationId xmlns:p14="http://schemas.microsoft.com/office/powerpoint/2010/main" val="585448549"/>
+        <p14:creationId xmlns:p14="http://schemas.microsoft.com/office/powerpoint/2010/main" val="1018031683"/>
       </p:ext>
     </p:extLst>
   </p:cSld>
@@ -5840,55 +6586,6 @@
       </p:sp>
       <p:sp>
         <p:nvSpPr>
-          <p:cNvPr id="2" name="TextBox 1">
-            <a:extLst>
-              <a:ext uri="{FF2B5EF4-FFF2-40B4-BE49-F238E27FC236}">
-                <a16:creationId xmlns:a16="http://schemas.microsoft.com/office/drawing/2014/main" id="{7C674086-FAFA-F982-41E9-7673C946EE01}"/>
-              </a:ext>
-            </a:extLst>
-          </p:cNvPr>
-          <p:cNvSpPr txBox="1"/>
-          <p:nvPr/>
-        </p:nvSpPr>
-        <p:spPr>
-          <a:xfrm>
-            <a:off x="2401682" y="426201"/>
-            <a:ext cx="3381435" cy="400110"/>
-          </a:xfrm>
-          <a:prstGeom prst="rect">
-            <a:avLst/>
-          </a:prstGeom>
-          <a:noFill/>
-        </p:spPr>
-        <p:txBody>
-          <a:bodyPr wrap="square">
-            <a:spAutoFit/>
-          </a:bodyPr>
-          <a:lstStyle/>
-          <a:p>
-            <a:pPr>
-              <a:defRPr/>
-            </a:pPr>
-            <a:r>
-              <a:rPr lang="ko-KR" altLang="en-US" sz="2000" kern="0" dirty="0">
-                <a:ln w="9525">
-                  <a:noFill/>
-                </a:ln>
-                <a:solidFill>
-                  <a:schemeClr val="tx2">
-                    <a:lumMod val="75000"/>
-                  </a:schemeClr>
-                </a:solidFill>
-                <a:latin typeface="배달의민족 한나체 Pro OTF" panose="020B0600000101010101" pitchFamily="34" charset="-127"/>
-                <a:ea typeface="배달의민족 한나체 Pro OTF" panose="020B0600000101010101" pitchFamily="34" charset="-127"/>
-              </a:rPr>
-              <a:t>플레이어 분포 분석</a:t>
-            </a:r>
-          </a:p>
-        </p:txBody>
-      </p:sp>
-      <p:sp>
-        <p:nvSpPr>
           <p:cNvPr id="3" name="TextBox 2">
             <a:extLst>
               <a:ext uri="{FF2B5EF4-FFF2-40B4-BE49-F238E27FC236}">
@@ -5941,12 +6638,61 @@
           </a:p>
         </p:txBody>
       </p:sp>
+      <p:sp>
+        <p:nvSpPr>
+          <p:cNvPr id="4" name="TextBox 3">
+            <a:extLst>
+              <a:ext uri="{FF2B5EF4-FFF2-40B4-BE49-F238E27FC236}">
+                <a16:creationId xmlns:a16="http://schemas.microsoft.com/office/drawing/2014/main" id="{DB84466D-97FB-C924-24FF-50F6A872FDF8}"/>
+              </a:ext>
+            </a:extLst>
+          </p:cNvPr>
+          <p:cNvSpPr txBox="1"/>
+          <p:nvPr/>
+        </p:nvSpPr>
+        <p:spPr>
+          <a:xfrm>
+            <a:off x="2401682" y="426201"/>
+            <a:ext cx="3381435" cy="400110"/>
+          </a:xfrm>
+          <a:prstGeom prst="rect">
+            <a:avLst/>
+          </a:prstGeom>
+          <a:noFill/>
+        </p:spPr>
+        <p:txBody>
+          <a:bodyPr wrap="square">
+            <a:spAutoFit/>
+          </a:bodyPr>
+          <a:lstStyle/>
+          <a:p>
+            <a:pPr>
+              <a:defRPr/>
+            </a:pPr>
+            <a:r>
+              <a:rPr lang="ko-KR" altLang="en-US" sz="2000" kern="0" dirty="0">
+                <a:ln w="9525">
+                  <a:noFill/>
+                </a:ln>
+                <a:solidFill>
+                  <a:schemeClr val="tx2">
+                    <a:lumMod val="75000"/>
+                  </a:schemeClr>
+                </a:solidFill>
+                <a:latin typeface="배달의민족 한나체 Pro OTF" panose="020B0600000101010101" pitchFamily="34" charset="-127"/>
+                <a:ea typeface="배달의민족 한나체 Pro OTF" panose="020B0600000101010101" pitchFamily="34" charset="-127"/>
+              </a:rPr>
+              <a:t>순위 상관관계 분석</a:t>
+            </a:r>
+          </a:p>
+        </p:txBody>
+      </p:sp>
       <p:pic>
         <p:nvPicPr>
           <p:cNvPr id="6" name="그림 5">
             <a:extLst>
               <a:ext uri="{FF2B5EF4-FFF2-40B4-BE49-F238E27FC236}">
-                <a16:creationId xmlns:a16="http://schemas.microsoft.com/office/drawing/2014/main" id="{A1C15B9D-88BB-71CB-DA64-D31D361A6640}"/>
+                <a16:creationId xmlns:a16="http://schemas.microsoft.com/office/drawing/2014/main" id="{4BED5CA2-7695-D208-17DA-B636D35339E8}"/>
               </a:ext>
             </a:extLst>
           </p:cNvPr>
@@ -5963,18 +6709,256 @@
         </p:blipFill>
         <p:spPr>
           <a:xfrm>
-            <a:off x="501214" y="1961132"/>
-            <a:ext cx="7176387" cy="3464463"/>
+            <a:off x="1539712" y="1585608"/>
+            <a:ext cx="4790643" cy="4411007"/>
           </a:xfrm>
           <a:prstGeom prst="rect">
             <a:avLst/>
           </a:prstGeom>
         </p:spPr>
       </p:pic>
+      <p:sp>
+        <p:nvSpPr>
+          <p:cNvPr id="2" name="Line 283">
+            <a:extLst>
+              <a:ext uri="{FF2B5EF4-FFF2-40B4-BE49-F238E27FC236}">
+                <a16:creationId xmlns:a16="http://schemas.microsoft.com/office/drawing/2014/main" id="{62E58CE5-3E54-159A-86D1-004B39B35B27}"/>
+              </a:ext>
+            </a:extLst>
+          </p:cNvPr>
+          <p:cNvSpPr>
+            <a:spLocks noChangeShapeType="1"/>
+          </p:cNvSpPr>
+          <p:nvPr/>
+        </p:nvSpPr>
+        <p:spPr bwMode="auto">
+          <a:xfrm>
+            <a:off x="7518815" y="2980090"/>
+            <a:ext cx="2862268" cy="0"/>
+          </a:xfrm>
+          <a:prstGeom prst="line">
+            <a:avLst/>
+          </a:prstGeom>
+          <a:noFill/>
+          <a:ln w="25400" cap="rnd">
+            <a:solidFill>
+              <a:srgbClr val="FFCF37"/>
+            </a:solidFill>
+            <a:round/>
+            <a:headEnd/>
+            <a:tailEnd/>
+          </a:ln>
+          <a:effectLst/>
+          <a:extLst>
+            <a:ext uri="{909E8E84-426E-40DD-AFC4-6F175D3DCCD1}">
+              <a14:hiddenFill xmlns:a14="http://schemas.microsoft.com/office/drawing/2010/main">
+                <a:noFill/>
+              </a14:hiddenFill>
+            </a:ext>
+            <a:ext uri="{AF507438-7753-43E0-B8FC-AC1667EBCBE1}">
+              <a14:hiddenEffects xmlns:a14="http://schemas.microsoft.com/office/drawing/2010/main">
+                <a:effectLst>
+                  <a:outerShdw dist="35921" dir="2700000" algn="ctr" rotWithShape="0">
+                    <a:srgbClr val="808080"/>
+                  </a:outerShdw>
+                </a:effectLst>
+              </a14:hiddenEffects>
+            </a:ext>
+          </a:extLst>
+        </p:spPr>
+        <p:txBody>
+          <a:bodyPr/>
+          <a:lstStyle/>
+          <a:p>
+            <a:endParaRPr lang="en-US" sz="4900" dirty="0">
+              <a:latin typeface="Poppins" panose="00000500000000000000" pitchFamily="2" charset="0"/>
+            </a:endParaRPr>
+          </a:p>
+        </p:txBody>
+      </p:sp>
+      <p:sp>
+        <p:nvSpPr>
+          <p:cNvPr id="5" name="TextBox 4">
+            <a:extLst>
+              <a:ext uri="{FF2B5EF4-FFF2-40B4-BE49-F238E27FC236}">
+                <a16:creationId xmlns:a16="http://schemas.microsoft.com/office/drawing/2014/main" id="{CEE7D7AE-C448-782B-59BD-B2F14DEDD4EF}"/>
+              </a:ext>
+            </a:extLst>
+          </p:cNvPr>
+          <p:cNvSpPr txBox="1"/>
+          <p:nvPr/>
+        </p:nvSpPr>
+        <p:spPr>
+          <a:xfrm>
+            <a:off x="8148188" y="2484583"/>
+            <a:ext cx="1603512" cy="400110"/>
+          </a:xfrm>
+          <a:prstGeom prst="rect">
+            <a:avLst/>
+          </a:prstGeom>
+          <a:noFill/>
+        </p:spPr>
+        <p:txBody>
+          <a:bodyPr wrap="square">
+            <a:spAutoFit/>
+          </a:bodyPr>
+          <a:lstStyle/>
+          <a:p>
+            <a:pPr>
+              <a:defRPr/>
+            </a:pPr>
+            <a:r>
+              <a:rPr lang="ko-KR" altLang="en-US" sz="2000" kern="0" dirty="0">
+                <a:ln w="9525">
+                  <a:noFill/>
+                </a:ln>
+                <a:solidFill>
+                  <a:srgbClr val="005A9E"/>
+                </a:solidFill>
+                <a:latin typeface="배달의민족 한나체 Pro OTF" panose="020B0600000101010101" pitchFamily="34" charset="-127"/>
+                <a:ea typeface="배달의민족 한나체 Pro OTF" panose="020B0600000101010101" pitchFamily="34" charset="-127"/>
+              </a:rPr>
+              <a:t>순위와의 관계</a:t>
+            </a:r>
+            <a:endParaRPr lang="ko-KR" altLang="en-US" sz="2000" dirty="0">
+              <a:solidFill>
+                <a:srgbClr val="005A9E"/>
+              </a:solidFill>
+              <a:latin typeface="배달의민족 한나체 Pro OTF" panose="020B0600000101010101" pitchFamily="34" charset="-127"/>
+              <a:ea typeface="배달의민족 한나체 Pro OTF" panose="020B0600000101010101" pitchFamily="34" charset="-127"/>
+            </a:endParaRPr>
+          </a:p>
+        </p:txBody>
+      </p:sp>
+      <p:sp>
+        <p:nvSpPr>
+          <p:cNvPr id="7" name="TextBox 6">
+            <a:extLst>
+              <a:ext uri="{FF2B5EF4-FFF2-40B4-BE49-F238E27FC236}">
+                <a16:creationId xmlns:a16="http://schemas.microsoft.com/office/drawing/2014/main" id="{BC24DD4A-DCB1-E0F3-300D-2387687A3841}"/>
+              </a:ext>
+            </a:extLst>
+          </p:cNvPr>
+          <p:cNvSpPr txBox="1"/>
+          <p:nvPr/>
+        </p:nvSpPr>
+        <p:spPr>
+          <a:xfrm>
+            <a:off x="7247607" y="3006221"/>
+            <a:ext cx="3404681" cy="1872564"/>
+          </a:xfrm>
+          <a:prstGeom prst="rect">
+            <a:avLst/>
+          </a:prstGeom>
+          <a:noFill/>
+        </p:spPr>
+        <p:txBody>
+          <a:bodyPr wrap="square" rtlCol="0">
+            <a:spAutoFit/>
+          </a:bodyPr>
+          <a:lstStyle/>
+          <a:p>
+            <a:pPr algn="ctr">
+              <a:lnSpc>
+                <a:spcPts val="3600"/>
+              </a:lnSpc>
+            </a:pPr>
+            <a:r>
+              <a:rPr lang="ko-KR" altLang="en-US" sz="1600" spc="-20" dirty="0">
+                <a:latin typeface="Noto Sans KR Medium" panose="020B0200000000000000" pitchFamily="50" charset="-127"/>
+                <a:ea typeface="Noto Sans KR Medium" panose="020B0200000000000000" pitchFamily="50" charset="-127"/>
+                <a:cs typeface="Poppins" panose="00000500000000000000" pitchFamily="2" charset="0"/>
+              </a:rPr>
+              <a:t>유닛 비용의 합</a:t>
+            </a:r>
+            <a:r>
+              <a:rPr lang="en-US" altLang="ko-KR" sz="1600" spc="-20" dirty="0">
+                <a:latin typeface="Noto Sans KR Medium" panose="020B0200000000000000" pitchFamily="50" charset="-127"/>
+                <a:ea typeface="Noto Sans KR Medium" panose="020B0200000000000000" pitchFamily="50" charset="-127"/>
+                <a:cs typeface="Poppins" panose="00000500000000000000" pitchFamily="2" charset="0"/>
+              </a:rPr>
+              <a:t>, </a:t>
+            </a:r>
+            <a:r>
+              <a:rPr lang="ko-KR" altLang="en-US" sz="1600" spc="-20" dirty="0">
+                <a:latin typeface="Noto Sans KR Medium" panose="020B0200000000000000" pitchFamily="50" charset="-127"/>
+                <a:ea typeface="Noto Sans KR Medium" panose="020B0200000000000000" pitchFamily="50" charset="-127"/>
+                <a:cs typeface="Poppins" panose="00000500000000000000" pitchFamily="2" charset="0"/>
+              </a:rPr>
+              <a:t>유닛 개수 </a:t>
+            </a:r>
+            <a:endParaRPr lang="en-US" altLang="ko-KR" sz="1600" spc="-20" dirty="0">
+              <a:latin typeface="Noto Sans KR Medium" panose="020B0200000000000000" pitchFamily="50" charset="-127"/>
+              <a:ea typeface="Noto Sans KR Medium" panose="020B0200000000000000" pitchFamily="50" charset="-127"/>
+              <a:cs typeface="Poppins" panose="00000500000000000000" pitchFamily="2" charset="0"/>
+            </a:endParaRPr>
+          </a:p>
+          <a:p>
+            <a:pPr algn="ctr">
+              <a:lnSpc>
+                <a:spcPts val="3600"/>
+              </a:lnSpc>
+            </a:pPr>
+            <a:r>
+              <a:rPr lang="ko-KR" altLang="en-US" sz="1400" spc="-20" dirty="0">
+                <a:latin typeface="Noto Sans KR Light" panose="020B0200000000000000" pitchFamily="50" charset="-127"/>
+                <a:ea typeface="Noto Sans KR Light" panose="020B0200000000000000" pitchFamily="50" charset="-127"/>
+                <a:cs typeface="Poppins" panose="00000500000000000000" pitchFamily="2" charset="0"/>
+              </a:rPr>
+              <a:t>중간 정도의 음의 상관관계</a:t>
+            </a:r>
+            <a:endParaRPr lang="en-US" altLang="ko-KR" sz="1400" spc="-20" dirty="0">
+              <a:latin typeface="Noto Sans KR Light" panose="020B0200000000000000" pitchFamily="50" charset="-127"/>
+              <a:ea typeface="Noto Sans KR Light" panose="020B0200000000000000" pitchFamily="50" charset="-127"/>
+              <a:cs typeface="Poppins" panose="00000500000000000000" pitchFamily="2" charset="0"/>
+            </a:endParaRPr>
+          </a:p>
+          <a:p>
+            <a:pPr algn="ctr">
+              <a:lnSpc>
+                <a:spcPts val="3600"/>
+              </a:lnSpc>
+            </a:pPr>
+            <a:r>
+              <a:rPr lang="ko-KR" altLang="en-US" sz="1600" spc="-20" dirty="0">
+                <a:latin typeface="Noto Sans KR Medium" panose="020B0200000000000000" pitchFamily="50" charset="-127"/>
+                <a:ea typeface="Noto Sans KR Medium" panose="020B0200000000000000" pitchFamily="50" charset="-127"/>
+                <a:cs typeface="Poppins" panose="00000500000000000000" pitchFamily="2" charset="0"/>
+              </a:rPr>
+              <a:t>유닛의 평균 단계</a:t>
+            </a:r>
+            <a:endParaRPr lang="en-US" altLang="ko-KR" sz="1600" spc="-20" dirty="0">
+              <a:latin typeface="Noto Sans KR Medium" panose="020B0200000000000000" pitchFamily="50" charset="-127"/>
+              <a:ea typeface="Noto Sans KR Medium" panose="020B0200000000000000" pitchFamily="50" charset="-127"/>
+              <a:cs typeface="Poppins" panose="00000500000000000000" pitchFamily="2" charset="0"/>
+            </a:endParaRPr>
+          </a:p>
+          <a:p>
+            <a:pPr algn="ctr">
+              <a:lnSpc>
+                <a:spcPts val="3600"/>
+              </a:lnSpc>
+            </a:pPr>
+            <a:r>
+              <a:rPr lang="ko-KR" altLang="en-US" sz="1400" spc="-20" dirty="0">
+                <a:latin typeface="Noto Sans KR Light" panose="020B0200000000000000" pitchFamily="50" charset="-127"/>
+                <a:ea typeface="Noto Sans KR Light" panose="020B0200000000000000" pitchFamily="50" charset="-127"/>
+                <a:cs typeface="Poppins" panose="00000500000000000000" pitchFamily="2" charset="0"/>
+              </a:rPr>
+              <a:t>약한 음의 상관관계</a:t>
+            </a:r>
+            <a:endParaRPr lang="en-US" sz="1400" spc="-20" dirty="0">
+              <a:latin typeface="Noto Sans KR Light" panose="020B0200000000000000" pitchFamily="50" charset="-127"/>
+              <a:ea typeface="Noto Sans KR Light" panose="020B0200000000000000" pitchFamily="50" charset="-127"/>
+              <a:cs typeface="Poppins" panose="00000500000000000000" pitchFamily="2" charset="0"/>
+            </a:endParaRPr>
+          </a:p>
+        </p:txBody>
+      </p:sp>
     </p:spTree>
     <p:extLst>
       <p:ext uri="{BB962C8B-B14F-4D97-AF65-F5344CB8AC3E}">
-        <p14:creationId xmlns:p14="http://schemas.microsoft.com/office/powerpoint/2010/main" val="1018031683"/>
+        <p14:creationId xmlns:p14="http://schemas.microsoft.com/office/powerpoint/2010/main" val="3800876997"/>
       </p:ext>
     </p:extLst>
   </p:cSld>
@@ -6229,10 +7213,10 @@
       </p:sp>
       <p:pic>
         <p:nvPicPr>
-          <p:cNvPr id="6" name="그림 5">
-            <a:extLst>
-              <a:ext uri="{FF2B5EF4-FFF2-40B4-BE49-F238E27FC236}">
-                <a16:creationId xmlns:a16="http://schemas.microsoft.com/office/drawing/2014/main" id="{4BED5CA2-7695-D208-17DA-B636D35339E8}"/>
+          <p:cNvPr id="8" name="그림 7">
+            <a:extLst>
+              <a:ext uri="{FF2B5EF4-FFF2-40B4-BE49-F238E27FC236}">
+                <a16:creationId xmlns:a16="http://schemas.microsoft.com/office/drawing/2014/main" id="{43DA31DF-E5DF-D337-3A91-4D3B025743ED}"/>
               </a:ext>
             </a:extLst>
           </p:cNvPr>
@@ -6249,18 +7233,77 @@
         </p:blipFill>
         <p:spPr>
           <a:xfrm>
-            <a:off x="992474" y="1536970"/>
-            <a:ext cx="4790643" cy="4411007"/>
+            <a:off x="2903640" y="1186075"/>
+            <a:ext cx="6384720" cy="4815892"/>
           </a:xfrm>
           <a:prstGeom prst="rect">
             <a:avLst/>
           </a:prstGeom>
         </p:spPr>
       </p:pic>
+      <p:sp>
+        <p:nvSpPr>
+          <p:cNvPr id="2" name="Rounded Rectangle 319">
+            <a:extLst>
+              <a:ext uri="{FF2B5EF4-FFF2-40B4-BE49-F238E27FC236}">
+                <a16:creationId xmlns:a16="http://schemas.microsoft.com/office/drawing/2014/main" id="{54295E06-0E05-26AF-E1D4-E2FAD32AAC40}"/>
+              </a:ext>
+            </a:extLst>
+          </p:cNvPr>
+          <p:cNvSpPr>
+            <a:spLocks noChangeArrowheads="1"/>
+          </p:cNvSpPr>
+          <p:nvPr/>
+        </p:nvSpPr>
+        <p:spPr bwMode="auto">
+          <a:xfrm>
+            <a:off x="4439046" y="6258609"/>
+            <a:ext cx="3313908" cy="294283"/>
+          </a:xfrm>
+          <a:prstGeom prst="roundRect">
+            <a:avLst>
+              <a:gd name="adj" fmla="val 50000"/>
+            </a:avLst>
+          </a:prstGeom>
+          <a:solidFill>
+            <a:schemeClr val="accent5">
+              <a:lumMod val="75000"/>
+            </a:schemeClr>
+          </a:solidFill>
+          <a:ln>
+            <a:noFill/>
+          </a:ln>
+          <a:effectLst/>
+        </p:spPr>
+        <p:txBody>
+          <a:bodyPr wrap="none" anchor="ctr"/>
+          <a:lstStyle/>
+          <a:p>
+            <a:pPr algn="ctr"/>
+            <a:r>
+              <a:rPr lang="ko-KR" altLang="en-US" sz="1400" dirty="0">
+                <a:solidFill>
+                  <a:schemeClr val="bg1"/>
+                </a:solidFill>
+                <a:latin typeface="배달의민족 한나체 Pro OTF" panose="020B0600000101010101" pitchFamily="34" charset="-127"/>
+                <a:ea typeface="배달의민족 한나체 Pro OTF" panose="020B0600000101010101" pitchFamily="34" charset="-127"/>
+              </a:rPr>
+              <a:t>각 항목의 히스토그램과 라인 그래프</a:t>
+            </a:r>
+            <a:endParaRPr lang="en-US" sz="1400" dirty="0">
+              <a:solidFill>
+                <a:schemeClr val="bg1"/>
+              </a:solidFill>
+              <a:latin typeface="배달의민족 한나체 Pro OTF" panose="020B0600000101010101" pitchFamily="34" charset="-127"/>
+              <a:ea typeface="배달의민족 한나체 Pro OTF" panose="020B0600000101010101" pitchFamily="34" charset="-127"/>
+            </a:endParaRPr>
+          </a:p>
+        </p:txBody>
+      </p:sp>
     </p:spTree>
     <p:extLst>
       <p:ext uri="{BB962C8B-B14F-4D97-AF65-F5344CB8AC3E}">
-        <p14:creationId xmlns:p14="http://schemas.microsoft.com/office/powerpoint/2010/main" val="3800876997"/>
+        <p14:creationId xmlns:p14="http://schemas.microsoft.com/office/powerpoint/2010/main" val="3753171842"/>
       </p:ext>
     </p:extLst>
   </p:cSld>
@@ -6469,7 +7512,7 @@
           <p:cNvPr id="4" name="TextBox 3">
             <a:extLst>
               <a:ext uri="{FF2B5EF4-FFF2-40B4-BE49-F238E27FC236}">
-                <a16:creationId xmlns:a16="http://schemas.microsoft.com/office/drawing/2014/main" id="{DB84466D-97FB-C924-24FF-50F6A872FDF8}"/>
+                <a16:creationId xmlns:a16="http://schemas.microsoft.com/office/drawing/2014/main" id="{E7E266F2-1AFC-CC50-8CAD-9593820C5EFA}"/>
               </a:ext>
             </a:extLst>
           </p:cNvPr>
@@ -6508,17 +7551,17 @@
                 <a:latin typeface="배달의민족 한나체 Pro OTF" panose="020B0600000101010101" pitchFamily="34" charset="-127"/>
                 <a:ea typeface="배달의민족 한나체 Pro OTF" panose="020B0600000101010101" pitchFamily="34" charset="-127"/>
               </a:rPr>
-              <a:t>순위 상관관계 분석</a:t>
+              <a:t>특성 연관규칙 분석</a:t>
             </a:r>
           </a:p>
         </p:txBody>
       </p:sp>
       <p:pic>
         <p:nvPicPr>
-          <p:cNvPr id="8" name="그림 7">
-            <a:extLst>
-              <a:ext uri="{FF2B5EF4-FFF2-40B4-BE49-F238E27FC236}">
-                <a16:creationId xmlns:a16="http://schemas.microsoft.com/office/drawing/2014/main" id="{43DA31DF-E5DF-D337-3A91-4D3B025743ED}"/>
+          <p:cNvPr id="6" name="그림 5">
+            <a:extLst>
+              <a:ext uri="{FF2B5EF4-FFF2-40B4-BE49-F238E27FC236}">
+                <a16:creationId xmlns:a16="http://schemas.microsoft.com/office/drawing/2014/main" id="{0C512D35-240C-EBD6-FB16-2C2B05BD5D54}"/>
               </a:ext>
             </a:extLst>
           </p:cNvPr>
@@ -6535,18 +7578,324 @@
         </p:blipFill>
         <p:spPr>
           <a:xfrm>
-            <a:off x="2613467" y="1010976"/>
-            <a:ext cx="6965065" cy="5253637"/>
+            <a:off x="2112584" y="1408586"/>
+            <a:ext cx="7966831" cy="3612809"/>
           </a:xfrm>
           <a:prstGeom prst="rect">
             <a:avLst/>
           </a:prstGeom>
         </p:spPr>
       </p:pic>
+      <p:sp>
+        <p:nvSpPr>
+          <p:cNvPr id="14" name="Freeform 135">
+            <a:extLst>
+              <a:ext uri="{FF2B5EF4-FFF2-40B4-BE49-F238E27FC236}">
+                <a16:creationId xmlns:a16="http://schemas.microsoft.com/office/drawing/2014/main" id="{F5396658-63AA-68F2-8146-7CDF28F74E08}"/>
+              </a:ext>
+            </a:extLst>
+          </p:cNvPr>
+          <p:cNvSpPr>
+            <a:spLocks noChangeArrowheads="1"/>
+          </p:cNvSpPr>
+          <p:nvPr/>
+        </p:nvSpPr>
+        <p:spPr bwMode="auto">
+          <a:xfrm>
+            <a:off x="1562659" y="5213637"/>
+            <a:ext cx="9066679" cy="1410899"/>
+          </a:xfrm>
+          <a:prstGeom prst="roundRect">
+            <a:avLst>
+              <a:gd name="adj" fmla="val 6484"/>
+            </a:avLst>
+          </a:prstGeom>
+          <a:solidFill>
+            <a:schemeClr val="bg1">
+              <a:lumMod val="85000"/>
+              <a:alpha val="15000"/>
+            </a:schemeClr>
+          </a:solidFill>
+          <a:ln>
+            <a:noFill/>
+          </a:ln>
+          <a:effectLst/>
+        </p:spPr>
+        <p:txBody>
+          <a:bodyPr wrap="none" anchor="ctr"/>
+          <a:lstStyle>
+            <a:defPPr>
+              <a:defRPr lang="en-US"/>
+            </a:defPPr>
+            <a:lvl1pPr marL="0" algn="l" defTabSz="1828434" rtl="0" eaLnBrk="1" latinLnBrk="0" hangingPunct="1">
+              <a:defRPr sz="3600" kern="1200">
+                <a:solidFill>
+                  <a:schemeClr val="tx1"/>
+                </a:solidFill>
+                <a:latin typeface="+mn-lt"/>
+                <a:ea typeface="+mn-ea"/>
+                <a:cs typeface="+mn-cs"/>
+              </a:defRPr>
+            </a:lvl1pPr>
+            <a:lvl2pPr marL="914217" algn="l" defTabSz="1828434" rtl="0" eaLnBrk="1" latinLnBrk="0" hangingPunct="1">
+              <a:defRPr sz="3600" kern="1200">
+                <a:solidFill>
+                  <a:schemeClr val="tx1"/>
+                </a:solidFill>
+                <a:latin typeface="+mn-lt"/>
+                <a:ea typeface="+mn-ea"/>
+                <a:cs typeface="+mn-cs"/>
+              </a:defRPr>
+            </a:lvl2pPr>
+            <a:lvl3pPr marL="1828434" algn="l" defTabSz="1828434" rtl="0" eaLnBrk="1" latinLnBrk="0" hangingPunct="1">
+              <a:defRPr sz="3600" kern="1200">
+                <a:solidFill>
+                  <a:schemeClr val="tx1"/>
+                </a:solidFill>
+                <a:latin typeface="+mn-lt"/>
+                <a:ea typeface="+mn-ea"/>
+                <a:cs typeface="+mn-cs"/>
+              </a:defRPr>
+            </a:lvl3pPr>
+            <a:lvl4pPr marL="2742651" algn="l" defTabSz="1828434" rtl="0" eaLnBrk="1" latinLnBrk="0" hangingPunct="1">
+              <a:defRPr sz="3600" kern="1200">
+                <a:solidFill>
+                  <a:schemeClr val="tx1"/>
+                </a:solidFill>
+                <a:latin typeface="+mn-lt"/>
+                <a:ea typeface="+mn-ea"/>
+                <a:cs typeface="+mn-cs"/>
+              </a:defRPr>
+            </a:lvl4pPr>
+            <a:lvl5pPr marL="3656868" algn="l" defTabSz="1828434" rtl="0" eaLnBrk="1" latinLnBrk="0" hangingPunct="1">
+              <a:defRPr sz="3600" kern="1200">
+                <a:solidFill>
+                  <a:schemeClr val="tx1"/>
+                </a:solidFill>
+                <a:latin typeface="+mn-lt"/>
+                <a:ea typeface="+mn-ea"/>
+                <a:cs typeface="+mn-cs"/>
+              </a:defRPr>
+            </a:lvl5pPr>
+            <a:lvl6pPr marL="4571086" algn="l" defTabSz="1828434" rtl="0" eaLnBrk="1" latinLnBrk="0" hangingPunct="1">
+              <a:defRPr sz="3600" kern="1200">
+                <a:solidFill>
+                  <a:schemeClr val="tx1"/>
+                </a:solidFill>
+                <a:latin typeface="+mn-lt"/>
+                <a:ea typeface="+mn-ea"/>
+                <a:cs typeface="+mn-cs"/>
+              </a:defRPr>
+            </a:lvl6pPr>
+            <a:lvl7pPr marL="5485303" algn="l" defTabSz="1828434" rtl="0" eaLnBrk="1" latinLnBrk="0" hangingPunct="1">
+              <a:defRPr sz="3600" kern="1200">
+                <a:solidFill>
+                  <a:schemeClr val="tx1"/>
+                </a:solidFill>
+                <a:latin typeface="+mn-lt"/>
+                <a:ea typeface="+mn-ea"/>
+                <a:cs typeface="+mn-cs"/>
+              </a:defRPr>
+            </a:lvl7pPr>
+            <a:lvl8pPr marL="6399520" algn="l" defTabSz="1828434" rtl="0" eaLnBrk="1" latinLnBrk="0" hangingPunct="1">
+              <a:defRPr sz="3600" kern="1200">
+                <a:solidFill>
+                  <a:schemeClr val="tx1"/>
+                </a:solidFill>
+                <a:latin typeface="+mn-lt"/>
+                <a:ea typeface="+mn-ea"/>
+                <a:cs typeface="+mn-cs"/>
+              </a:defRPr>
+            </a:lvl8pPr>
+            <a:lvl9pPr marL="7313737" algn="l" defTabSz="1828434" rtl="0" eaLnBrk="1" latinLnBrk="0" hangingPunct="1">
+              <a:defRPr sz="3600" kern="1200">
+                <a:solidFill>
+                  <a:schemeClr val="tx1"/>
+                </a:solidFill>
+                <a:latin typeface="+mn-lt"/>
+                <a:ea typeface="+mn-ea"/>
+                <a:cs typeface="+mn-cs"/>
+              </a:defRPr>
+            </a:lvl9pPr>
+          </a:lstStyle>
+          <a:p>
+            <a:endParaRPr lang="en-US" dirty="0"/>
+          </a:p>
+        </p:txBody>
+      </p:sp>
+      <p:sp>
+        <p:nvSpPr>
+          <p:cNvPr id="16" name="TextBox 15">
+            <a:extLst>
+              <a:ext uri="{FF2B5EF4-FFF2-40B4-BE49-F238E27FC236}">
+                <a16:creationId xmlns:a16="http://schemas.microsoft.com/office/drawing/2014/main" id="{39CBEE21-EDB8-C1A9-1B06-3F690E50847F}"/>
+              </a:ext>
+            </a:extLst>
+          </p:cNvPr>
+          <p:cNvSpPr txBox="1"/>
+          <p:nvPr/>
+        </p:nvSpPr>
+        <p:spPr>
+          <a:xfrm>
+            <a:off x="1028645" y="5151721"/>
+            <a:ext cx="10134706" cy="1410899"/>
+          </a:xfrm>
+          <a:prstGeom prst="rect">
+            <a:avLst/>
+          </a:prstGeom>
+          <a:noFill/>
+        </p:spPr>
+        <p:txBody>
+          <a:bodyPr wrap="square" rtlCol="0">
+            <a:spAutoFit/>
+          </a:bodyPr>
+          <a:lstStyle/>
+          <a:p>
+            <a:pPr algn="ctr">
+              <a:lnSpc>
+                <a:spcPts val="3600"/>
+              </a:lnSpc>
+            </a:pPr>
+            <a:r>
+              <a:rPr lang="ko-KR" altLang="en-US" sz="1600" spc="-20" dirty="0">
+                <a:latin typeface="Noto Sans KR Light" panose="020B0200000000000000" pitchFamily="50" charset="-127"/>
+                <a:ea typeface="Noto Sans KR Light" panose="020B0200000000000000" pitchFamily="50" charset="-127"/>
+                <a:cs typeface="Poppins" panose="00000500000000000000" pitchFamily="2" charset="0"/>
+              </a:rPr>
+              <a:t>각 플레이어가 게임에서 사용한 특성의 연관규칙을 분석</a:t>
+            </a:r>
+            <a:endParaRPr lang="en-US" altLang="ko-KR" sz="1600" spc="-20" dirty="0">
+              <a:latin typeface="Noto Sans KR Light" panose="020B0200000000000000" pitchFamily="50" charset="-127"/>
+              <a:ea typeface="Noto Sans KR Light" panose="020B0200000000000000" pitchFamily="50" charset="-127"/>
+              <a:cs typeface="Poppins" panose="00000500000000000000" pitchFamily="2" charset="0"/>
+            </a:endParaRPr>
+          </a:p>
+          <a:p>
+            <a:pPr algn="ctr">
+              <a:lnSpc>
+                <a:spcPts val="3600"/>
+              </a:lnSpc>
+            </a:pPr>
+            <a:r>
+              <a:rPr lang="ko-KR" altLang="en-US" sz="1600" spc="-20" dirty="0">
+                <a:latin typeface="Noto Sans KR Light" panose="020B0200000000000000" pitchFamily="50" charset="-127"/>
+                <a:ea typeface="Noto Sans KR Light" panose="020B0200000000000000" pitchFamily="50" charset="-127"/>
+                <a:cs typeface="Poppins" panose="00000500000000000000" pitchFamily="2" charset="0"/>
+              </a:rPr>
+              <a:t>지지도 </a:t>
+            </a:r>
+            <a:r>
+              <a:rPr lang="en-US" altLang="ko-KR" sz="1600" spc="-20" dirty="0">
+                <a:latin typeface="Noto Sans KR Light" panose="020B0200000000000000" pitchFamily="50" charset="-127"/>
+                <a:ea typeface="Noto Sans KR Light" panose="020B0200000000000000" pitchFamily="50" charset="-127"/>
+                <a:cs typeface="Poppins" panose="00000500000000000000" pitchFamily="2" charset="0"/>
+              </a:rPr>
+              <a:t>5% </a:t>
+            </a:r>
+            <a:r>
+              <a:rPr lang="ko-KR" altLang="en-US" sz="1600" spc="-20" dirty="0">
+                <a:latin typeface="Noto Sans KR Light" panose="020B0200000000000000" pitchFamily="50" charset="-127"/>
+                <a:ea typeface="Noto Sans KR Light" panose="020B0200000000000000" pitchFamily="50" charset="-127"/>
+                <a:cs typeface="Poppins" panose="00000500000000000000" pitchFamily="2" charset="0"/>
+              </a:rPr>
+              <a:t>이상</a:t>
+            </a:r>
+            <a:r>
+              <a:rPr lang="en-US" altLang="ko-KR" sz="1600" spc="-20" dirty="0">
+                <a:latin typeface="Noto Sans KR Light" panose="020B0200000000000000" pitchFamily="50" charset="-127"/>
+                <a:ea typeface="Noto Sans KR Light" panose="020B0200000000000000" pitchFamily="50" charset="-127"/>
+                <a:cs typeface="Poppins" panose="00000500000000000000" pitchFamily="2" charset="0"/>
+              </a:rPr>
+              <a:t>, </a:t>
+            </a:r>
+            <a:r>
+              <a:rPr lang="ko-KR" altLang="en-US" sz="1600" spc="-20" dirty="0">
+                <a:latin typeface="Noto Sans KR Light" panose="020B0200000000000000" pitchFamily="50" charset="-127"/>
+                <a:ea typeface="Noto Sans KR Light" panose="020B0200000000000000" pitchFamily="50" charset="-127"/>
+                <a:cs typeface="Poppins" panose="00000500000000000000" pitchFamily="2" charset="0"/>
+              </a:rPr>
+              <a:t>신뢰도 </a:t>
+            </a:r>
+            <a:r>
+              <a:rPr lang="en-US" altLang="ko-KR" sz="1600" spc="-20" dirty="0">
+                <a:latin typeface="Noto Sans KR Light" panose="020B0200000000000000" pitchFamily="50" charset="-127"/>
+                <a:ea typeface="Noto Sans KR Light" panose="020B0200000000000000" pitchFamily="50" charset="-127"/>
+                <a:cs typeface="Poppins" panose="00000500000000000000" pitchFamily="2" charset="0"/>
+              </a:rPr>
+              <a:t>80% </a:t>
+            </a:r>
+            <a:r>
+              <a:rPr lang="ko-KR" altLang="en-US" sz="1600" spc="-20" dirty="0">
+                <a:latin typeface="Noto Sans KR Light" panose="020B0200000000000000" pitchFamily="50" charset="-127"/>
+                <a:ea typeface="Noto Sans KR Light" panose="020B0200000000000000" pitchFamily="50" charset="-127"/>
+                <a:cs typeface="Poppins" panose="00000500000000000000" pitchFamily="2" charset="0"/>
+              </a:rPr>
+              <a:t>이상의 조합의 지지도</a:t>
+            </a:r>
+            <a:r>
+              <a:rPr lang="en-US" altLang="ko-KR" sz="1600" spc="-20" dirty="0">
+                <a:latin typeface="Noto Sans KR Light" panose="020B0200000000000000" pitchFamily="50" charset="-127"/>
+                <a:ea typeface="Noto Sans KR Light" panose="020B0200000000000000" pitchFamily="50" charset="-127"/>
+                <a:cs typeface="Poppins" panose="00000500000000000000" pitchFamily="2" charset="0"/>
+              </a:rPr>
+              <a:t>, </a:t>
+            </a:r>
+            <a:r>
+              <a:rPr lang="ko-KR" altLang="en-US" sz="1600" spc="-20" dirty="0">
+                <a:latin typeface="Noto Sans KR Light" panose="020B0200000000000000" pitchFamily="50" charset="-127"/>
+                <a:ea typeface="Noto Sans KR Light" panose="020B0200000000000000" pitchFamily="50" charset="-127"/>
+                <a:cs typeface="Poppins" panose="00000500000000000000" pitchFamily="2" charset="0"/>
+              </a:rPr>
+              <a:t>신뢰도 </a:t>
+            </a:r>
+            <a:r>
+              <a:rPr lang="ko-KR" altLang="en-US" sz="1600" spc="-20" dirty="0" err="1">
+                <a:latin typeface="Noto Sans KR Light" panose="020B0200000000000000" pitchFamily="50" charset="-127"/>
+                <a:ea typeface="Noto Sans KR Light" panose="020B0200000000000000" pitchFamily="50" charset="-127"/>
+                <a:cs typeface="Poppins" panose="00000500000000000000" pitchFamily="2" charset="0"/>
+              </a:rPr>
+              <a:t>산점도</a:t>
+            </a:r>
+            <a:r>
+              <a:rPr lang="ko-KR" altLang="en-US" sz="1600" spc="-20" dirty="0">
+                <a:latin typeface="Noto Sans KR Light" panose="020B0200000000000000" pitchFamily="50" charset="-127"/>
+                <a:ea typeface="Noto Sans KR Light" panose="020B0200000000000000" pitchFamily="50" charset="-127"/>
+                <a:cs typeface="Poppins" panose="00000500000000000000" pitchFamily="2" charset="0"/>
+              </a:rPr>
+              <a:t> 그래프</a:t>
+            </a:r>
+            <a:endParaRPr lang="en-US" altLang="ko-KR" sz="1600" spc="-20" dirty="0">
+              <a:latin typeface="Noto Sans KR Light" panose="020B0200000000000000" pitchFamily="50" charset="-127"/>
+              <a:ea typeface="Noto Sans KR Light" panose="020B0200000000000000" pitchFamily="50" charset="-127"/>
+              <a:cs typeface="Poppins" panose="00000500000000000000" pitchFamily="2" charset="0"/>
+            </a:endParaRPr>
+          </a:p>
+          <a:p>
+            <a:pPr algn="ctr">
+              <a:lnSpc>
+                <a:spcPts val="3600"/>
+              </a:lnSpc>
+            </a:pPr>
+            <a:r>
+              <a:rPr lang="ko-KR" altLang="en-US" sz="1600" spc="-20" dirty="0">
+                <a:latin typeface="Noto Sans KR Light" panose="020B0200000000000000" pitchFamily="50" charset="-127"/>
+                <a:ea typeface="Noto Sans KR Light" panose="020B0200000000000000" pitchFamily="50" charset="-127"/>
+                <a:cs typeface="Poppins" panose="00000500000000000000" pitchFamily="2" charset="0"/>
+              </a:rPr>
+              <a:t>원의 크기와 색깔은 향상도를 나타냄</a:t>
+            </a:r>
+            <a:endParaRPr lang="en-US" sz="1600" spc="-20" dirty="0">
+              <a:latin typeface="Noto Sans KR Light" panose="020B0200000000000000" pitchFamily="50" charset="-127"/>
+              <a:ea typeface="Noto Sans KR Light" panose="020B0200000000000000" pitchFamily="50" charset="-127"/>
+              <a:cs typeface="Poppins" panose="00000500000000000000" pitchFamily="2" charset="0"/>
+            </a:endParaRPr>
+          </a:p>
+        </p:txBody>
+      </p:sp>
     </p:spTree>
     <p:extLst>
       <p:ext uri="{BB962C8B-B14F-4D97-AF65-F5344CB8AC3E}">
-        <p14:creationId xmlns:p14="http://schemas.microsoft.com/office/powerpoint/2010/main" val="3753171842"/>
+        <p14:creationId xmlns:p14="http://schemas.microsoft.com/office/powerpoint/2010/main" val="3075922942"/>
       </p:ext>
     </p:extLst>
   </p:cSld>
@@ -6801,10 +8150,10 @@
       </p:sp>
       <p:pic>
         <p:nvPicPr>
-          <p:cNvPr id="6" name="그림 5">
-            <a:extLst>
-              <a:ext uri="{FF2B5EF4-FFF2-40B4-BE49-F238E27FC236}">
-                <a16:creationId xmlns:a16="http://schemas.microsoft.com/office/drawing/2014/main" id="{0C512D35-240C-EBD6-FB16-2C2B05BD5D54}"/>
+          <p:cNvPr id="5" name="그림 4">
+            <a:extLst>
+              <a:ext uri="{FF2B5EF4-FFF2-40B4-BE49-F238E27FC236}">
+                <a16:creationId xmlns:a16="http://schemas.microsoft.com/office/drawing/2014/main" id="{A19245F1-F187-1EDE-0978-2FABF13B4CC7}"/>
               </a:ext>
             </a:extLst>
           </p:cNvPr>
@@ -6821,18 +8170,486 @@
         </p:blipFill>
         <p:spPr>
           <a:xfrm>
-            <a:off x="1524242" y="1581357"/>
-            <a:ext cx="9143515" cy="4555134"/>
+            <a:off x="817358" y="1225780"/>
+            <a:ext cx="6945315" cy="5093647"/>
           </a:xfrm>
           <a:prstGeom prst="rect">
             <a:avLst/>
           </a:prstGeom>
         </p:spPr>
       </p:pic>
+      <p:sp>
+        <p:nvSpPr>
+          <p:cNvPr id="2" name="Line 283">
+            <a:extLst>
+              <a:ext uri="{FF2B5EF4-FFF2-40B4-BE49-F238E27FC236}">
+                <a16:creationId xmlns:a16="http://schemas.microsoft.com/office/drawing/2014/main" id="{38420912-F174-D90D-CB2A-2AAF0F98E15D}"/>
+              </a:ext>
+            </a:extLst>
+          </p:cNvPr>
+          <p:cNvSpPr>
+            <a:spLocks noChangeShapeType="1"/>
+          </p:cNvSpPr>
+          <p:nvPr/>
+        </p:nvSpPr>
+        <p:spPr bwMode="auto">
+          <a:xfrm>
+            <a:off x="8428066" y="1998512"/>
+            <a:ext cx="2862268" cy="0"/>
+          </a:xfrm>
+          <a:prstGeom prst="line">
+            <a:avLst/>
+          </a:prstGeom>
+          <a:noFill/>
+          <a:ln w="25400" cap="rnd">
+            <a:solidFill>
+              <a:srgbClr val="FFCF37"/>
+            </a:solidFill>
+            <a:round/>
+            <a:headEnd/>
+            <a:tailEnd/>
+          </a:ln>
+          <a:effectLst/>
+          <a:extLst>
+            <a:ext uri="{909E8E84-426E-40DD-AFC4-6F175D3DCCD1}">
+              <a14:hiddenFill xmlns:a14="http://schemas.microsoft.com/office/drawing/2010/main">
+                <a:noFill/>
+              </a14:hiddenFill>
+            </a:ext>
+            <a:ext uri="{AF507438-7753-43E0-B8FC-AC1667EBCBE1}">
+              <a14:hiddenEffects xmlns:a14="http://schemas.microsoft.com/office/drawing/2010/main">
+                <a:effectLst>
+                  <a:outerShdw dist="35921" dir="2700000" algn="ctr" rotWithShape="0">
+                    <a:srgbClr val="808080"/>
+                  </a:outerShdw>
+                </a:effectLst>
+              </a14:hiddenEffects>
+            </a:ext>
+          </a:extLst>
+        </p:spPr>
+        <p:txBody>
+          <a:bodyPr/>
+          <a:lstStyle/>
+          <a:p>
+            <a:endParaRPr lang="en-US" sz="4900" dirty="0">
+              <a:latin typeface="Poppins" panose="00000500000000000000" pitchFamily="2" charset="0"/>
+            </a:endParaRPr>
+          </a:p>
+        </p:txBody>
+      </p:sp>
+      <p:sp>
+        <p:nvSpPr>
+          <p:cNvPr id="6" name="TextBox 5">
+            <a:extLst>
+              <a:ext uri="{FF2B5EF4-FFF2-40B4-BE49-F238E27FC236}">
+                <a16:creationId xmlns:a16="http://schemas.microsoft.com/office/drawing/2014/main" id="{82049B61-FC26-DC95-81F5-914871B8ADEE}"/>
+              </a:ext>
+            </a:extLst>
+          </p:cNvPr>
+          <p:cNvSpPr txBox="1"/>
+          <p:nvPr/>
+        </p:nvSpPr>
+        <p:spPr>
+          <a:xfrm>
+            <a:off x="8632288" y="1598402"/>
+            <a:ext cx="2658046" cy="400110"/>
+          </a:xfrm>
+          <a:prstGeom prst="rect">
+            <a:avLst/>
+          </a:prstGeom>
+          <a:noFill/>
+        </p:spPr>
+        <p:txBody>
+          <a:bodyPr wrap="square">
+            <a:spAutoFit/>
+          </a:bodyPr>
+          <a:lstStyle/>
+          <a:p>
+            <a:pPr>
+              <a:defRPr/>
+            </a:pPr>
+            <a:r>
+              <a:rPr lang="ko-KR" altLang="en-US" sz="2000" kern="0">
+                <a:ln w="9525">
+                  <a:noFill/>
+                </a:ln>
+                <a:solidFill>
+                  <a:srgbClr val="005A9E"/>
+                </a:solidFill>
+                <a:latin typeface="배달의민족 한나체 Pro OTF" panose="020B0600000101010101" pitchFamily="34" charset="-127"/>
+                <a:ea typeface="배달의민족 한나체 Pro OTF" panose="020B0600000101010101" pitchFamily="34" charset="-127"/>
+              </a:rPr>
+              <a:t>가장 신뢰도가 높은 조합</a:t>
+            </a:r>
+            <a:endParaRPr lang="ko-KR" altLang="en-US" sz="2000" dirty="0">
+              <a:solidFill>
+                <a:srgbClr val="005A9E"/>
+              </a:solidFill>
+              <a:latin typeface="배달의민족 한나체 Pro OTF" panose="020B0600000101010101" pitchFamily="34" charset="-127"/>
+              <a:ea typeface="배달의민족 한나체 Pro OTF" panose="020B0600000101010101" pitchFamily="34" charset="-127"/>
+            </a:endParaRPr>
+          </a:p>
+        </p:txBody>
+      </p:sp>
+      <p:sp>
+        <p:nvSpPr>
+          <p:cNvPr id="7" name="TextBox 6">
+            <a:extLst>
+              <a:ext uri="{FF2B5EF4-FFF2-40B4-BE49-F238E27FC236}">
+                <a16:creationId xmlns:a16="http://schemas.microsoft.com/office/drawing/2014/main" id="{EEDA5B5F-14BF-FD98-6060-4F398A0D27EC}"/>
+              </a:ext>
+            </a:extLst>
+          </p:cNvPr>
+          <p:cNvSpPr txBox="1"/>
+          <p:nvPr/>
+        </p:nvSpPr>
+        <p:spPr>
+          <a:xfrm>
+            <a:off x="8156858" y="2024643"/>
+            <a:ext cx="3404681" cy="949234"/>
+          </a:xfrm>
+          <a:prstGeom prst="rect">
+            <a:avLst/>
+          </a:prstGeom>
+          <a:noFill/>
+        </p:spPr>
+        <p:txBody>
+          <a:bodyPr wrap="square" rtlCol="0">
+            <a:spAutoFit/>
+          </a:bodyPr>
+          <a:lstStyle/>
+          <a:p>
+            <a:pPr algn="ctr">
+              <a:lnSpc>
+                <a:spcPts val="3600"/>
+              </a:lnSpc>
+            </a:pPr>
+            <a:r>
+              <a:rPr lang="ko-KR" altLang="en-US" sz="1600" spc="-20" dirty="0">
+                <a:latin typeface="Noto Sans KR Light" panose="020B0200000000000000" pitchFamily="50" charset="-127"/>
+                <a:ea typeface="Noto Sans KR Light" panose="020B0200000000000000" pitchFamily="50" charset="-127"/>
+                <a:cs typeface="Poppins" panose="00000500000000000000" pitchFamily="2" charset="0"/>
+              </a:rPr>
+              <a:t>사수</a:t>
+            </a:r>
+            <a:r>
+              <a:rPr lang="en-US" altLang="ko-KR" sz="1600" spc="-20" dirty="0">
+                <a:latin typeface="Noto Sans KR Light" panose="020B0200000000000000" pitchFamily="50" charset="-127"/>
+                <a:ea typeface="Noto Sans KR Light" panose="020B0200000000000000" pitchFamily="50" charset="-127"/>
+                <a:cs typeface="Poppins" panose="00000500000000000000" pitchFamily="2" charset="0"/>
+              </a:rPr>
+              <a:t> </a:t>
+            </a:r>
+            <a:r>
+              <a:rPr lang="ko-KR" altLang="en-US" sz="1600" spc="-20" dirty="0">
+                <a:latin typeface="Noto Sans KR Light" panose="020B0200000000000000" pitchFamily="50" charset="-127"/>
+                <a:ea typeface="Noto Sans KR Light" panose="020B0200000000000000" pitchFamily="50" charset="-127"/>
+                <a:cs typeface="Poppins" panose="00000500000000000000" pitchFamily="2" charset="0"/>
+              </a:rPr>
+              <a:t>→ 자운</a:t>
+            </a:r>
+            <a:r>
+              <a:rPr lang="en-US" altLang="ko-KR" sz="1600" spc="-20" dirty="0">
+                <a:latin typeface="Noto Sans KR Light" panose="020B0200000000000000" pitchFamily="50" charset="-127"/>
+                <a:ea typeface="Noto Sans KR Light" panose="020B0200000000000000" pitchFamily="50" charset="-127"/>
+                <a:cs typeface="Poppins" panose="00000500000000000000" pitchFamily="2" charset="0"/>
+              </a:rPr>
+              <a:t>, </a:t>
+            </a:r>
+            <a:r>
+              <a:rPr lang="ko-KR" altLang="en-US" sz="1600" spc="-20" dirty="0">
+                <a:latin typeface="Noto Sans KR Light" panose="020B0200000000000000" pitchFamily="50" charset="-127"/>
+                <a:ea typeface="Noto Sans KR Light" panose="020B0200000000000000" pitchFamily="50" charset="-127"/>
+                <a:cs typeface="Poppins" panose="00000500000000000000" pitchFamily="2" charset="0"/>
+              </a:rPr>
+              <a:t>연쇄 마법사 → 책략가</a:t>
+            </a:r>
+            <a:endParaRPr lang="en-US" altLang="ko-KR" sz="1600" spc="-20" dirty="0">
+              <a:latin typeface="Noto Sans KR Light" panose="020B0200000000000000" pitchFamily="50" charset="-127"/>
+              <a:ea typeface="Noto Sans KR Light" panose="020B0200000000000000" pitchFamily="50" charset="-127"/>
+              <a:cs typeface="Poppins" panose="00000500000000000000" pitchFamily="2" charset="0"/>
+            </a:endParaRPr>
+          </a:p>
+          <a:p>
+            <a:pPr algn="ctr">
+              <a:lnSpc>
+                <a:spcPts val="3600"/>
+              </a:lnSpc>
+            </a:pPr>
+            <a:r>
+              <a:rPr lang="ko-KR" altLang="en-US" sz="1600" spc="-20" dirty="0">
+                <a:latin typeface="Noto Sans KR Light" panose="020B0200000000000000" pitchFamily="50" charset="-127"/>
+                <a:ea typeface="Noto Sans KR Light" panose="020B0200000000000000" pitchFamily="50" charset="-127"/>
+                <a:cs typeface="Poppins" panose="00000500000000000000" pitchFamily="2" charset="0"/>
+              </a:rPr>
+              <a:t>신뢰도 </a:t>
+            </a:r>
+            <a:r>
+              <a:rPr lang="en-US" altLang="ko-KR" sz="1600" spc="-20" dirty="0">
+                <a:latin typeface="Noto Sans KR Light" panose="020B0200000000000000" pitchFamily="50" charset="-127"/>
+                <a:ea typeface="Noto Sans KR Light" panose="020B0200000000000000" pitchFamily="50" charset="-127"/>
+                <a:cs typeface="Poppins" panose="00000500000000000000" pitchFamily="2" charset="0"/>
+              </a:rPr>
+              <a:t>92%</a:t>
+            </a:r>
+            <a:r>
+              <a:rPr lang="ko-KR" altLang="en-US" sz="1600" spc="-20" dirty="0">
+                <a:latin typeface="Noto Sans KR Light" panose="020B0200000000000000" pitchFamily="50" charset="-127"/>
+                <a:ea typeface="Noto Sans KR Light" panose="020B0200000000000000" pitchFamily="50" charset="-127"/>
+                <a:cs typeface="Poppins" panose="00000500000000000000" pitchFamily="2" charset="0"/>
+              </a:rPr>
+              <a:t>로 동일</a:t>
+            </a:r>
+            <a:endParaRPr lang="en-US" sz="1600" spc="-20" dirty="0">
+              <a:latin typeface="Noto Sans KR Light" panose="020B0200000000000000" pitchFamily="50" charset="-127"/>
+              <a:ea typeface="Noto Sans KR Light" panose="020B0200000000000000" pitchFamily="50" charset="-127"/>
+              <a:cs typeface="Poppins" panose="00000500000000000000" pitchFamily="2" charset="0"/>
+            </a:endParaRPr>
+          </a:p>
+        </p:txBody>
+      </p:sp>
+      <p:sp>
+        <p:nvSpPr>
+          <p:cNvPr id="8" name="Line 283">
+            <a:extLst>
+              <a:ext uri="{FF2B5EF4-FFF2-40B4-BE49-F238E27FC236}">
+                <a16:creationId xmlns:a16="http://schemas.microsoft.com/office/drawing/2014/main" id="{776E1F3B-DB79-4301-7A86-047F7088E686}"/>
+              </a:ext>
+            </a:extLst>
+          </p:cNvPr>
+          <p:cNvSpPr>
+            <a:spLocks noChangeShapeType="1"/>
+          </p:cNvSpPr>
+          <p:nvPr/>
+        </p:nvSpPr>
+        <p:spPr bwMode="auto">
+          <a:xfrm>
+            <a:off x="8428066" y="3676048"/>
+            <a:ext cx="2862268" cy="0"/>
+          </a:xfrm>
+          <a:prstGeom prst="line">
+            <a:avLst/>
+          </a:prstGeom>
+          <a:noFill/>
+          <a:ln w="25400" cap="rnd">
+            <a:solidFill>
+              <a:srgbClr val="FFCF37"/>
+            </a:solidFill>
+            <a:round/>
+            <a:headEnd/>
+            <a:tailEnd/>
+          </a:ln>
+          <a:effectLst/>
+          <a:extLst>
+            <a:ext uri="{909E8E84-426E-40DD-AFC4-6F175D3DCCD1}">
+              <a14:hiddenFill xmlns:a14="http://schemas.microsoft.com/office/drawing/2010/main">
+                <a:noFill/>
+              </a14:hiddenFill>
+            </a:ext>
+            <a:ext uri="{AF507438-7753-43E0-B8FC-AC1667EBCBE1}">
+              <a14:hiddenEffects xmlns:a14="http://schemas.microsoft.com/office/drawing/2010/main">
+                <a:effectLst>
+                  <a:outerShdw dist="35921" dir="2700000" algn="ctr" rotWithShape="0">
+                    <a:srgbClr val="808080"/>
+                  </a:outerShdw>
+                </a:effectLst>
+              </a14:hiddenEffects>
+            </a:ext>
+          </a:extLst>
+        </p:spPr>
+        <p:txBody>
+          <a:bodyPr/>
+          <a:lstStyle/>
+          <a:p>
+            <a:endParaRPr lang="en-US" sz="4900" dirty="0">
+              <a:latin typeface="Poppins" panose="00000500000000000000" pitchFamily="2" charset="0"/>
+            </a:endParaRPr>
+          </a:p>
+        </p:txBody>
+      </p:sp>
+      <p:sp>
+        <p:nvSpPr>
+          <p:cNvPr id="9" name="TextBox 8">
+            <a:extLst>
+              <a:ext uri="{FF2B5EF4-FFF2-40B4-BE49-F238E27FC236}">
+                <a16:creationId xmlns:a16="http://schemas.microsoft.com/office/drawing/2014/main" id="{EF10A82E-2569-7E68-00EC-EE3BC278DEB6}"/>
+              </a:ext>
+            </a:extLst>
+          </p:cNvPr>
+          <p:cNvSpPr txBox="1"/>
+          <p:nvPr/>
+        </p:nvSpPr>
+        <p:spPr>
+          <a:xfrm>
+            <a:off x="9615792" y="3298710"/>
+            <a:ext cx="691037" cy="400110"/>
+          </a:xfrm>
+          <a:prstGeom prst="rect">
+            <a:avLst/>
+          </a:prstGeom>
+          <a:noFill/>
+        </p:spPr>
+        <p:txBody>
+          <a:bodyPr wrap="square">
+            <a:spAutoFit/>
+          </a:bodyPr>
+          <a:lstStyle/>
+          <a:p>
+            <a:pPr>
+              <a:defRPr/>
+            </a:pPr>
+            <a:r>
+              <a:rPr lang="ko-KR" altLang="en-US" sz="2000" kern="0">
+                <a:ln w="9525">
+                  <a:noFill/>
+                </a:ln>
+                <a:solidFill>
+                  <a:srgbClr val="005A9E"/>
+                </a:solidFill>
+                <a:latin typeface="배달의민족 한나체 Pro OTF" panose="020B0600000101010101" pitchFamily="34" charset="-127"/>
+                <a:ea typeface="배달의민족 한나체 Pro OTF" panose="020B0600000101010101" pitchFamily="34" charset="-127"/>
+              </a:rPr>
+              <a:t>결론</a:t>
+            </a:r>
+            <a:endParaRPr lang="ko-KR" altLang="en-US" sz="2000" dirty="0">
+              <a:solidFill>
+                <a:srgbClr val="005A9E"/>
+              </a:solidFill>
+              <a:latin typeface="배달의민족 한나체 Pro OTF" panose="020B0600000101010101" pitchFamily="34" charset="-127"/>
+              <a:ea typeface="배달의민족 한나체 Pro OTF" panose="020B0600000101010101" pitchFamily="34" charset="-127"/>
+            </a:endParaRPr>
+          </a:p>
+        </p:txBody>
+      </p:sp>
+      <p:sp>
+        <p:nvSpPr>
+          <p:cNvPr id="10" name="TextBox 9">
+            <a:extLst>
+              <a:ext uri="{FF2B5EF4-FFF2-40B4-BE49-F238E27FC236}">
+                <a16:creationId xmlns:a16="http://schemas.microsoft.com/office/drawing/2014/main" id="{60B6B1B2-5078-6D9A-7A30-024AB00D64ED}"/>
+              </a:ext>
+            </a:extLst>
+          </p:cNvPr>
+          <p:cNvSpPr txBox="1"/>
+          <p:nvPr/>
+        </p:nvSpPr>
+        <p:spPr>
+          <a:xfrm>
+            <a:off x="8047529" y="3698820"/>
+            <a:ext cx="3623338" cy="1872564"/>
+          </a:xfrm>
+          <a:prstGeom prst="rect">
+            <a:avLst/>
+          </a:prstGeom>
+          <a:noFill/>
+        </p:spPr>
+        <p:txBody>
+          <a:bodyPr wrap="square" rtlCol="0">
+            <a:spAutoFit/>
+          </a:bodyPr>
+          <a:lstStyle/>
+          <a:p>
+            <a:pPr algn="ctr">
+              <a:lnSpc>
+                <a:spcPts val="3600"/>
+              </a:lnSpc>
+            </a:pPr>
+            <a:r>
+              <a:rPr lang="ko-KR" altLang="en-US" sz="1600" spc="-20" dirty="0">
+                <a:latin typeface="Noto Sans KR Light" panose="020B0200000000000000" pitchFamily="50" charset="-127"/>
+                <a:ea typeface="Noto Sans KR Light" panose="020B0200000000000000" pitchFamily="50" charset="-127"/>
+                <a:cs typeface="Poppins" panose="00000500000000000000" pitchFamily="2" charset="0"/>
+              </a:rPr>
+              <a:t>신뢰도가 높은 조합의 결과 특성에 대해서</a:t>
+            </a:r>
+            <a:endParaRPr lang="en-US" altLang="ko-KR" sz="1600" spc="-20" dirty="0">
+              <a:latin typeface="Noto Sans KR Light" panose="020B0200000000000000" pitchFamily="50" charset="-127"/>
+              <a:ea typeface="Noto Sans KR Light" panose="020B0200000000000000" pitchFamily="50" charset="-127"/>
+              <a:cs typeface="Poppins" panose="00000500000000000000" pitchFamily="2" charset="0"/>
+            </a:endParaRPr>
+          </a:p>
+          <a:p>
+            <a:pPr algn="ctr">
+              <a:lnSpc>
+                <a:spcPts val="3600"/>
+              </a:lnSpc>
+            </a:pPr>
+            <a:r>
+              <a:rPr lang="ko-KR" altLang="en-US" sz="1600" spc="-20" dirty="0">
+                <a:latin typeface="Noto Sans KR Light" panose="020B0200000000000000" pitchFamily="50" charset="-127"/>
+                <a:ea typeface="Noto Sans KR Light" panose="020B0200000000000000" pitchFamily="50" charset="-127"/>
+                <a:cs typeface="Poppins" panose="00000500000000000000" pitchFamily="2" charset="0"/>
+              </a:rPr>
+              <a:t>향후 버프나 </a:t>
+            </a:r>
+            <a:r>
+              <a:rPr lang="ko-KR" altLang="en-US" sz="1600" spc="-20" dirty="0" err="1">
+                <a:latin typeface="Noto Sans KR Light" panose="020B0200000000000000" pitchFamily="50" charset="-127"/>
+                <a:ea typeface="Noto Sans KR Light" panose="020B0200000000000000" pitchFamily="50" charset="-127"/>
+                <a:cs typeface="Poppins" panose="00000500000000000000" pitchFamily="2" charset="0"/>
+              </a:rPr>
+              <a:t>너프를</a:t>
+            </a:r>
+            <a:r>
+              <a:rPr lang="ko-KR" altLang="en-US" sz="1600" spc="-20" dirty="0">
+                <a:latin typeface="Noto Sans KR Light" panose="020B0200000000000000" pitchFamily="50" charset="-127"/>
+                <a:ea typeface="Noto Sans KR Light" panose="020B0200000000000000" pitchFamily="50" charset="-127"/>
+                <a:cs typeface="Poppins" panose="00000500000000000000" pitchFamily="2" charset="0"/>
+              </a:rPr>
+              <a:t> 진행한다면</a:t>
+            </a:r>
+            <a:endParaRPr lang="en-US" altLang="ko-KR" sz="1600" spc="-20" dirty="0">
+              <a:latin typeface="Noto Sans KR Light" panose="020B0200000000000000" pitchFamily="50" charset="-127"/>
+              <a:ea typeface="Noto Sans KR Light" panose="020B0200000000000000" pitchFamily="50" charset="-127"/>
+              <a:cs typeface="Poppins" panose="00000500000000000000" pitchFamily="2" charset="0"/>
+            </a:endParaRPr>
+          </a:p>
+          <a:p>
+            <a:pPr algn="ctr">
+              <a:lnSpc>
+                <a:spcPts val="3600"/>
+              </a:lnSpc>
+            </a:pPr>
+            <a:r>
+              <a:rPr lang="ko-KR" altLang="en-US" sz="1600" spc="-20" dirty="0">
+                <a:latin typeface="Noto Sans KR Light" panose="020B0200000000000000" pitchFamily="50" charset="-127"/>
+                <a:ea typeface="Noto Sans KR Light" panose="020B0200000000000000" pitchFamily="50" charset="-127"/>
+                <a:cs typeface="Poppins" panose="00000500000000000000" pitchFamily="2" charset="0"/>
+              </a:rPr>
+              <a:t>조건의 특성의 승률에도 영향을 미칠</a:t>
+            </a:r>
+            <a:endParaRPr lang="en-US" altLang="ko-KR" sz="1600" spc="-20" dirty="0">
+              <a:latin typeface="Noto Sans KR Light" panose="020B0200000000000000" pitchFamily="50" charset="-127"/>
+              <a:ea typeface="Noto Sans KR Light" panose="020B0200000000000000" pitchFamily="50" charset="-127"/>
+              <a:cs typeface="Poppins" panose="00000500000000000000" pitchFamily="2" charset="0"/>
+            </a:endParaRPr>
+          </a:p>
+          <a:p>
+            <a:pPr algn="ctr">
+              <a:lnSpc>
+                <a:spcPts val="3600"/>
+              </a:lnSpc>
+            </a:pPr>
+            <a:r>
+              <a:rPr lang="ko-KR" altLang="en-US" sz="1600" spc="-20" dirty="0">
+                <a:latin typeface="Noto Sans KR Light" panose="020B0200000000000000" pitchFamily="50" charset="-127"/>
+                <a:ea typeface="Noto Sans KR Light" panose="020B0200000000000000" pitchFamily="50" charset="-127"/>
+                <a:cs typeface="Poppins" panose="00000500000000000000" pitchFamily="2" charset="0"/>
+              </a:rPr>
+              <a:t>가능성이 있기에 고려가 필요</a:t>
+            </a:r>
+            <a:endParaRPr lang="en-US" altLang="ko-KR" sz="1600" spc="-20" dirty="0">
+              <a:latin typeface="Noto Sans KR Light" panose="020B0200000000000000" pitchFamily="50" charset="-127"/>
+              <a:ea typeface="Noto Sans KR Light" panose="020B0200000000000000" pitchFamily="50" charset="-127"/>
+              <a:cs typeface="Poppins" panose="00000500000000000000" pitchFamily="2" charset="0"/>
+            </a:endParaRPr>
+          </a:p>
+        </p:txBody>
+      </p:sp>
     </p:spTree>
     <p:extLst>
       <p:ext uri="{BB962C8B-B14F-4D97-AF65-F5344CB8AC3E}">
-        <p14:creationId xmlns:p14="http://schemas.microsoft.com/office/powerpoint/2010/main" val="3075922942"/>
+        <p14:creationId xmlns:p14="http://schemas.microsoft.com/office/powerpoint/2010/main" val="2167289031"/>
       </p:ext>
     </p:extLst>
   </p:cSld>
@@ -6984,6 +8801,55 @@
       </p:sp>
       <p:sp>
         <p:nvSpPr>
+          <p:cNvPr id="2" name="TextBox 1">
+            <a:extLst>
+              <a:ext uri="{FF2B5EF4-FFF2-40B4-BE49-F238E27FC236}">
+                <a16:creationId xmlns:a16="http://schemas.microsoft.com/office/drawing/2014/main" id="{7C674086-FAFA-F982-41E9-7673C946EE01}"/>
+              </a:ext>
+            </a:extLst>
+          </p:cNvPr>
+          <p:cNvSpPr txBox="1"/>
+          <p:nvPr/>
+        </p:nvSpPr>
+        <p:spPr>
+          <a:xfrm>
+            <a:off x="2401682" y="426201"/>
+            <a:ext cx="3381435" cy="400110"/>
+          </a:xfrm>
+          <a:prstGeom prst="rect">
+            <a:avLst/>
+          </a:prstGeom>
+          <a:noFill/>
+        </p:spPr>
+        <p:txBody>
+          <a:bodyPr wrap="square">
+            <a:spAutoFit/>
+          </a:bodyPr>
+          <a:lstStyle/>
+          <a:p>
+            <a:pPr>
+              <a:defRPr/>
+            </a:pPr>
+            <a:r>
+              <a:rPr lang="ko-KR" altLang="en-US" sz="2000" kern="0" dirty="0">
+                <a:ln w="9525">
+                  <a:noFill/>
+                </a:ln>
+                <a:solidFill>
+                  <a:schemeClr val="tx2">
+                    <a:lumMod val="75000"/>
+                  </a:schemeClr>
+                </a:solidFill>
+                <a:latin typeface="배달의민족 한나체 Pro OTF" panose="020B0600000101010101" pitchFamily="34" charset="-127"/>
+                <a:ea typeface="배달의민족 한나체 Pro OTF" panose="020B0600000101010101" pitchFamily="34" charset="-127"/>
+              </a:rPr>
+              <a:t>유닛 조합 통계 분석</a:t>
+            </a:r>
+          </a:p>
+        </p:txBody>
+      </p:sp>
+      <p:sp>
+        <p:nvSpPr>
           <p:cNvPr id="3" name="TextBox 2">
             <a:extLst>
               <a:ext uri="{FF2B5EF4-FFF2-40B4-BE49-F238E27FC236}">
@@ -7036,61 +8902,12 @@
           </a:p>
         </p:txBody>
       </p:sp>
-      <p:sp>
-        <p:nvSpPr>
-          <p:cNvPr id="4" name="TextBox 3">
-            <a:extLst>
-              <a:ext uri="{FF2B5EF4-FFF2-40B4-BE49-F238E27FC236}">
-                <a16:creationId xmlns:a16="http://schemas.microsoft.com/office/drawing/2014/main" id="{E7E266F2-1AFC-CC50-8CAD-9593820C5EFA}"/>
-              </a:ext>
-            </a:extLst>
-          </p:cNvPr>
-          <p:cNvSpPr txBox="1"/>
-          <p:nvPr/>
-        </p:nvSpPr>
-        <p:spPr>
-          <a:xfrm>
-            <a:off x="2401682" y="426201"/>
-            <a:ext cx="3381435" cy="400110"/>
-          </a:xfrm>
-          <a:prstGeom prst="rect">
-            <a:avLst/>
-          </a:prstGeom>
-          <a:noFill/>
-        </p:spPr>
-        <p:txBody>
-          <a:bodyPr wrap="square">
-            <a:spAutoFit/>
-          </a:bodyPr>
-          <a:lstStyle/>
-          <a:p>
-            <a:pPr>
-              <a:defRPr/>
-            </a:pPr>
-            <a:r>
-              <a:rPr lang="ko-KR" altLang="en-US" sz="2000" kern="0" dirty="0">
-                <a:ln w="9525">
-                  <a:noFill/>
-                </a:ln>
-                <a:solidFill>
-                  <a:schemeClr val="tx2">
-                    <a:lumMod val="75000"/>
-                  </a:schemeClr>
-                </a:solidFill>
-                <a:latin typeface="배달의민족 한나체 Pro OTF" panose="020B0600000101010101" pitchFamily="34" charset="-127"/>
-                <a:ea typeface="배달의민족 한나체 Pro OTF" panose="020B0600000101010101" pitchFamily="34" charset="-127"/>
-              </a:rPr>
-              <a:t>특성 연관규칙 분석</a:t>
-            </a:r>
-          </a:p>
-        </p:txBody>
-      </p:sp>
       <p:pic>
         <p:nvPicPr>
           <p:cNvPr id="5" name="그림 4">
             <a:extLst>
               <a:ext uri="{FF2B5EF4-FFF2-40B4-BE49-F238E27FC236}">
-                <a16:creationId xmlns:a16="http://schemas.microsoft.com/office/drawing/2014/main" id="{A19245F1-F187-1EDE-0978-2FABF13B4CC7}"/>
+                <a16:creationId xmlns:a16="http://schemas.microsoft.com/office/drawing/2014/main" id="{CE948959-4519-2EF5-A82B-1F10EE6B02DD}"/>
               </a:ext>
             </a:extLst>
           </p:cNvPr>
@@ -7107,18 +8924,276 @@
         </p:blipFill>
         <p:spPr>
           <a:xfrm>
-            <a:off x="574166" y="1088266"/>
-            <a:ext cx="7451154" cy="5464626"/>
+            <a:off x="2263360" y="1089723"/>
+            <a:ext cx="7665279" cy="4260099"/>
           </a:xfrm>
           <a:prstGeom prst="rect">
             <a:avLst/>
           </a:prstGeom>
         </p:spPr>
       </p:pic>
+      <p:sp>
+        <p:nvSpPr>
+          <p:cNvPr id="4" name="Freeform 135">
+            <a:extLst>
+              <a:ext uri="{FF2B5EF4-FFF2-40B4-BE49-F238E27FC236}">
+                <a16:creationId xmlns:a16="http://schemas.microsoft.com/office/drawing/2014/main" id="{7C64F1A1-C427-8CCD-2B04-9408F458AD13}"/>
+              </a:ext>
+            </a:extLst>
+          </p:cNvPr>
+          <p:cNvSpPr>
+            <a:spLocks noChangeArrowheads="1"/>
+          </p:cNvSpPr>
+          <p:nvPr/>
+        </p:nvSpPr>
+        <p:spPr bwMode="auto">
+          <a:xfrm>
+            <a:off x="1913010" y="5315045"/>
+            <a:ext cx="8365978" cy="1410899"/>
+          </a:xfrm>
+          <a:prstGeom prst="roundRect">
+            <a:avLst>
+              <a:gd name="adj" fmla="val 6484"/>
+            </a:avLst>
+          </a:prstGeom>
+          <a:solidFill>
+            <a:schemeClr val="bg1">
+              <a:lumMod val="85000"/>
+              <a:alpha val="15000"/>
+            </a:schemeClr>
+          </a:solidFill>
+          <a:ln>
+            <a:noFill/>
+          </a:ln>
+          <a:effectLst/>
+        </p:spPr>
+        <p:txBody>
+          <a:bodyPr wrap="none" anchor="ctr"/>
+          <a:lstStyle>
+            <a:defPPr>
+              <a:defRPr lang="en-US"/>
+            </a:defPPr>
+            <a:lvl1pPr marL="0" algn="l" defTabSz="1828434" rtl="0" eaLnBrk="1" latinLnBrk="0" hangingPunct="1">
+              <a:defRPr sz="3600" kern="1200">
+                <a:solidFill>
+                  <a:schemeClr val="tx1"/>
+                </a:solidFill>
+                <a:latin typeface="+mn-lt"/>
+                <a:ea typeface="+mn-ea"/>
+                <a:cs typeface="+mn-cs"/>
+              </a:defRPr>
+            </a:lvl1pPr>
+            <a:lvl2pPr marL="914217" algn="l" defTabSz="1828434" rtl="0" eaLnBrk="1" latinLnBrk="0" hangingPunct="1">
+              <a:defRPr sz="3600" kern="1200">
+                <a:solidFill>
+                  <a:schemeClr val="tx1"/>
+                </a:solidFill>
+                <a:latin typeface="+mn-lt"/>
+                <a:ea typeface="+mn-ea"/>
+                <a:cs typeface="+mn-cs"/>
+              </a:defRPr>
+            </a:lvl2pPr>
+            <a:lvl3pPr marL="1828434" algn="l" defTabSz="1828434" rtl="0" eaLnBrk="1" latinLnBrk="0" hangingPunct="1">
+              <a:defRPr sz="3600" kern="1200">
+                <a:solidFill>
+                  <a:schemeClr val="tx1"/>
+                </a:solidFill>
+                <a:latin typeface="+mn-lt"/>
+                <a:ea typeface="+mn-ea"/>
+                <a:cs typeface="+mn-cs"/>
+              </a:defRPr>
+            </a:lvl3pPr>
+            <a:lvl4pPr marL="2742651" algn="l" defTabSz="1828434" rtl="0" eaLnBrk="1" latinLnBrk="0" hangingPunct="1">
+              <a:defRPr sz="3600" kern="1200">
+                <a:solidFill>
+                  <a:schemeClr val="tx1"/>
+                </a:solidFill>
+                <a:latin typeface="+mn-lt"/>
+                <a:ea typeface="+mn-ea"/>
+                <a:cs typeface="+mn-cs"/>
+              </a:defRPr>
+            </a:lvl4pPr>
+            <a:lvl5pPr marL="3656868" algn="l" defTabSz="1828434" rtl="0" eaLnBrk="1" latinLnBrk="0" hangingPunct="1">
+              <a:defRPr sz="3600" kern="1200">
+                <a:solidFill>
+                  <a:schemeClr val="tx1"/>
+                </a:solidFill>
+                <a:latin typeface="+mn-lt"/>
+                <a:ea typeface="+mn-ea"/>
+                <a:cs typeface="+mn-cs"/>
+              </a:defRPr>
+            </a:lvl5pPr>
+            <a:lvl6pPr marL="4571086" algn="l" defTabSz="1828434" rtl="0" eaLnBrk="1" latinLnBrk="0" hangingPunct="1">
+              <a:defRPr sz="3600" kern="1200">
+                <a:solidFill>
+                  <a:schemeClr val="tx1"/>
+                </a:solidFill>
+                <a:latin typeface="+mn-lt"/>
+                <a:ea typeface="+mn-ea"/>
+                <a:cs typeface="+mn-cs"/>
+              </a:defRPr>
+            </a:lvl6pPr>
+            <a:lvl7pPr marL="5485303" algn="l" defTabSz="1828434" rtl="0" eaLnBrk="1" latinLnBrk="0" hangingPunct="1">
+              <a:defRPr sz="3600" kern="1200">
+                <a:solidFill>
+                  <a:schemeClr val="tx1"/>
+                </a:solidFill>
+                <a:latin typeface="+mn-lt"/>
+                <a:ea typeface="+mn-ea"/>
+                <a:cs typeface="+mn-cs"/>
+              </a:defRPr>
+            </a:lvl7pPr>
+            <a:lvl8pPr marL="6399520" algn="l" defTabSz="1828434" rtl="0" eaLnBrk="1" latinLnBrk="0" hangingPunct="1">
+              <a:defRPr sz="3600" kern="1200">
+                <a:solidFill>
+                  <a:schemeClr val="tx1"/>
+                </a:solidFill>
+                <a:latin typeface="+mn-lt"/>
+                <a:ea typeface="+mn-ea"/>
+                <a:cs typeface="+mn-cs"/>
+              </a:defRPr>
+            </a:lvl8pPr>
+            <a:lvl9pPr marL="7313737" algn="l" defTabSz="1828434" rtl="0" eaLnBrk="1" latinLnBrk="0" hangingPunct="1">
+              <a:defRPr sz="3600" kern="1200">
+                <a:solidFill>
+                  <a:schemeClr val="tx1"/>
+                </a:solidFill>
+                <a:latin typeface="+mn-lt"/>
+                <a:ea typeface="+mn-ea"/>
+                <a:cs typeface="+mn-cs"/>
+              </a:defRPr>
+            </a:lvl9pPr>
+          </a:lstStyle>
+          <a:p>
+            <a:endParaRPr lang="en-US" dirty="0"/>
+          </a:p>
+        </p:txBody>
+      </p:sp>
+      <p:sp>
+        <p:nvSpPr>
+          <p:cNvPr id="6" name="TextBox 5">
+            <a:extLst>
+              <a:ext uri="{FF2B5EF4-FFF2-40B4-BE49-F238E27FC236}">
+                <a16:creationId xmlns:a16="http://schemas.microsoft.com/office/drawing/2014/main" id="{215E5371-4F5F-DED3-A59A-322C4F95A492}"/>
+              </a:ext>
+            </a:extLst>
+          </p:cNvPr>
+          <p:cNvSpPr txBox="1"/>
+          <p:nvPr/>
+        </p:nvSpPr>
+        <p:spPr>
+          <a:xfrm>
+            <a:off x="2023731" y="5276669"/>
+            <a:ext cx="8144536" cy="1410899"/>
+          </a:xfrm>
+          <a:prstGeom prst="rect">
+            <a:avLst/>
+          </a:prstGeom>
+          <a:noFill/>
+        </p:spPr>
+        <p:txBody>
+          <a:bodyPr wrap="square" rtlCol="0">
+            <a:spAutoFit/>
+          </a:bodyPr>
+          <a:lstStyle/>
+          <a:p>
+            <a:pPr algn="ctr">
+              <a:lnSpc>
+                <a:spcPts val="3600"/>
+              </a:lnSpc>
+            </a:pPr>
+            <a:r>
+              <a:rPr lang="ko-KR" altLang="en-US" sz="1600" spc="-20" dirty="0">
+                <a:latin typeface="Noto Sans KR Light" panose="020B0200000000000000" pitchFamily="50" charset="-127"/>
+                <a:ea typeface="Noto Sans KR Light" panose="020B0200000000000000" pitchFamily="50" charset="-127"/>
+                <a:cs typeface="Poppins" panose="00000500000000000000" pitchFamily="2" charset="0"/>
+              </a:rPr>
+              <a:t>각 플레이어가 게임에서 사용한 유닛 조합의 모든 부분집합을 구하여 분석을 수행</a:t>
+            </a:r>
+            <a:endParaRPr lang="en-US" altLang="ko-KR" sz="1600" spc="-20" dirty="0">
+              <a:latin typeface="Noto Sans KR Light" panose="020B0200000000000000" pitchFamily="50" charset="-127"/>
+              <a:ea typeface="Noto Sans KR Light" panose="020B0200000000000000" pitchFamily="50" charset="-127"/>
+              <a:cs typeface="Poppins" panose="00000500000000000000" pitchFamily="2" charset="0"/>
+            </a:endParaRPr>
+          </a:p>
+          <a:p>
+            <a:pPr algn="ctr">
+              <a:lnSpc>
+                <a:spcPts val="3600"/>
+              </a:lnSpc>
+            </a:pPr>
+            <a:r>
+              <a:rPr lang="ko-KR" altLang="en-US" sz="1600" spc="-20" dirty="0">
+                <a:latin typeface="Noto Sans KR Light" panose="020B0200000000000000" pitchFamily="50" charset="-127"/>
+                <a:ea typeface="Noto Sans KR Light" panose="020B0200000000000000" pitchFamily="50" charset="-127"/>
+                <a:cs typeface="Poppins" panose="00000500000000000000" pitchFamily="2" charset="0"/>
+              </a:rPr>
+              <a:t>각 조합의 등장 비율과 해당 조합의 평균순위의 </a:t>
+            </a:r>
+            <a:r>
+              <a:rPr lang="ko-KR" altLang="en-US" sz="1600" spc="-20" dirty="0" err="1">
+                <a:latin typeface="Noto Sans KR Light" panose="020B0200000000000000" pitchFamily="50" charset="-127"/>
+                <a:ea typeface="Noto Sans KR Light" panose="020B0200000000000000" pitchFamily="50" charset="-127"/>
+                <a:cs typeface="Poppins" panose="00000500000000000000" pitchFamily="2" charset="0"/>
+              </a:rPr>
+              <a:t>산점도</a:t>
+            </a:r>
+            <a:r>
+              <a:rPr lang="ko-KR" altLang="en-US" sz="1600" spc="-20" dirty="0">
+                <a:latin typeface="Noto Sans KR Light" panose="020B0200000000000000" pitchFamily="50" charset="-127"/>
+                <a:ea typeface="Noto Sans KR Light" panose="020B0200000000000000" pitchFamily="50" charset="-127"/>
+                <a:cs typeface="Poppins" panose="00000500000000000000" pitchFamily="2" charset="0"/>
+              </a:rPr>
+              <a:t> 그래프</a:t>
+            </a:r>
+            <a:endParaRPr lang="en-US" altLang="ko-KR" sz="1600" spc="-20" dirty="0">
+              <a:latin typeface="Noto Sans KR Light" panose="020B0200000000000000" pitchFamily="50" charset="-127"/>
+              <a:ea typeface="Noto Sans KR Light" panose="020B0200000000000000" pitchFamily="50" charset="-127"/>
+              <a:cs typeface="Poppins" panose="00000500000000000000" pitchFamily="2" charset="0"/>
+            </a:endParaRPr>
+          </a:p>
+          <a:p>
+            <a:pPr algn="ctr">
+              <a:lnSpc>
+                <a:spcPts val="3600"/>
+              </a:lnSpc>
+            </a:pPr>
+            <a:r>
+              <a:rPr lang="ko-KR" altLang="en-US" sz="1600" spc="-20" dirty="0">
+                <a:latin typeface="Noto Sans KR Light" panose="020B0200000000000000" pitchFamily="50" charset="-127"/>
+                <a:ea typeface="Noto Sans KR Light" panose="020B0200000000000000" pitchFamily="50" charset="-127"/>
+                <a:cs typeface="Poppins" panose="00000500000000000000" pitchFamily="2" charset="0"/>
+              </a:rPr>
+              <a:t>원의 크기는 등장비율</a:t>
+            </a:r>
+            <a:r>
+              <a:rPr lang="en-US" altLang="ko-KR" sz="1600" spc="-20" dirty="0">
+                <a:latin typeface="Noto Sans KR Light" panose="020B0200000000000000" pitchFamily="50" charset="-127"/>
+                <a:ea typeface="Noto Sans KR Light" panose="020B0200000000000000" pitchFamily="50" charset="-127"/>
+                <a:cs typeface="Poppins" panose="00000500000000000000" pitchFamily="2" charset="0"/>
+              </a:rPr>
+              <a:t>, </a:t>
+            </a:r>
+            <a:r>
+              <a:rPr lang="ko-KR" altLang="en-US" sz="1600" spc="-20" dirty="0">
+                <a:latin typeface="Noto Sans KR Light" panose="020B0200000000000000" pitchFamily="50" charset="-127"/>
+                <a:ea typeface="Noto Sans KR Light" panose="020B0200000000000000" pitchFamily="50" charset="-127"/>
+                <a:cs typeface="Poppins" panose="00000500000000000000" pitchFamily="2" charset="0"/>
+              </a:rPr>
+              <a:t>색깔은 조합의 길이를 나타냄</a:t>
+            </a:r>
+            <a:endParaRPr lang="en-US" sz="1600" spc="-20" dirty="0">
+              <a:latin typeface="Noto Sans KR Light" panose="020B0200000000000000" pitchFamily="50" charset="-127"/>
+              <a:ea typeface="Noto Sans KR Light" panose="020B0200000000000000" pitchFamily="50" charset="-127"/>
+              <a:cs typeface="Poppins" panose="00000500000000000000" pitchFamily="2" charset="0"/>
+            </a:endParaRPr>
+          </a:p>
+        </p:txBody>
+      </p:sp>
     </p:spTree>
     <p:extLst>
       <p:ext uri="{BB962C8B-B14F-4D97-AF65-F5344CB8AC3E}">
-        <p14:creationId xmlns:p14="http://schemas.microsoft.com/office/powerpoint/2010/main" val="2167289031"/>
+        <p14:creationId xmlns:p14="http://schemas.microsoft.com/office/powerpoint/2010/main" val="4161393636"/>
       </p:ext>
     </p:extLst>
   </p:cSld>
@@ -7376,7 +9451,7 @@
           <p:cNvPr id="5" name="그림 4">
             <a:extLst>
               <a:ext uri="{FF2B5EF4-FFF2-40B4-BE49-F238E27FC236}">
-                <a16:creationId xmlns:a16="http://schemas.microsoft.com/office/drawing/2014/main" id="{CE948959-4519-2EF5-A82B-1F10EE6B02DD}"/>
+                <a16:creationId xmlns:a16="http://schemas.microsoft.com/office/drawing/2014/main" id="{230014F1-4DD7-9AB9-E2EC-5E8395B42AFC}"/>
               </a:ext>
             </a:extLst>
           </p:cNvPr>
@@ -7393,18 +9468,911 @@
         </p:blipFill>
         <p:spPr>
           <a:xfrm>
-            <a:off x="1848372" y="1222499"/>
-            <a:ext cx="7869490" cy="5518769"/>
+            <a:off x="935369" y="1297031"/>
+            <a:ext cx="6342897" cy="4972637"/>
           </a:xfrm>
           <a:prstGeom prst="rect">
             <a:avLst/>
           </a:prstGeom>
         </p:spPr>
       </p:pic>
+      <p:sp>
+        <p:nvSpPr>
+          <p:cNvPr id="7" name="Line 283">
+            <a:extLst>
+              <a:ext uri="{FF2B5EF4-FFF2-40B4-BE49-F238E27FC236}">
+                <a16:creationId xmlns:a16="http://schemas.microsoft.com/office/drawing/2014/main" id="{A27B39A2-3E8F-DBFE-379D-3375F648B05F}"/>
+              </a:ext>
+            </a:extLst>
+          </p:cNvPr>
+          <p:cNvSpPr>
+            <a:spLocks noChangeShapeType="1"/>
+          </p:cNvSpPr>
+          <p:nvPr/>
+        </p:nvSpPr>
+        <p:spPr bwMode="auto">
+          <a:xfrm>
+            <a:off x="8223786" y="1502402"/>
+            <a:ext cx="2862268" cy="0"/>
+          </a:xfrm>
+          <a:prstGeom prst="line">
+            <a:avLst/>
+          </a:prstGeom>
+          <a:noFill/>
+          <a:ln w="25400" cap="rnd">
+            <a:solidFill>
+              <a:srgbClr val="FFCF37"/>
+            </a:solidFill>
+            <a:round/>
+            <a:headEnd/>
+            <a:tailEnd/>
+          </a:ln>
+          <a:effectLst/>
+          <a:extLst>
+            <a:ext uri="{909E8E84-426E-40DD-AFC4-6F175D3DCCD1}">
+              <a14:hiddenFill xmlns:a14="http://schemas.microsoft.com/office/drawing/2010/main">
+                <a:noFill/>
+              </a14:hiddenFill>
+            </a:ext>
+            <a:ext uri="{AF507438-7753-43E0-B8FC-AC1667EBCBE1}">
+              <a14:hiddenEffects xmlns:a14="http://schemas.microsoft.com/office/drawing/2010/main">
+                <a:effectLst>
+                  <a:outerShdw dist="35921" dir="2700000" algn="ctr" rotWithShape="0">
+                    <a:srgbClr val="808080"/>
+                  </a:outerShdw>
+                </a:effectLst>
+              </a14:hiddenEffects>
+            </a:ext>
+          </a:extLst>
+        </p:spPr>
+        <p:txBody>
+          <a:bodyPr/>
+          <a:lstStyle/>
+          <a:p>
+            <a:endParaRPr lang="en-US" sz="4900" dirty="0">
+              <a:latin typeface="Poppins" panose="00000500000000000000" pitchFamily="2" charset="0"/>
+            </a:endParaRPr>
+          </a:p>
+        </p:txBody>
+      </p:sp>
+      <p:sp>
+        <p:nvSpPr>
+          <p:cNvPr id="8" name="TextBox 7">
+            <a:extLst>
+              <a:ext uri="{FF2B5EF4-FFF2-40B4-BE49-F238E27FC236}">
+                <a16:creationId xmlns:a16="http://schemas.microsoft.com/office/drawing/2014/main" id="{5DD0CDBA-E0B0-4641-CE95-4C6F47DBCED4}"/>
+              </a:ext>
+            </a:extLst>
+          </p:cNvPr>
+          <p:cNvSpPr txBox="1"/>
+          <p:nvPr/>
+        </p:nvSpPr>
+        <p:spPr>
+          <a:xfrm>
+            <a:off x="8223786" y="1096976"/>
+            <a:ext cx="2862268" cy="400110"/>
+          </a:xfrm>
+          <a:prstGeom prst="rect">
+            <a:avLst/>
+          </a:prstGeom>
+          <a:noFill/>
+        </p:spPr>
+        <p:txBody>
+          <a:bodyPr wrap="square">
+            <a:spAutoFit/>
+          </a:bodyPr>
+          <a:lstStyle/>
+          <a:p>
+            <a:pPr>
+              <a:defRPr/>
+            </a:pPr>
+            <a:r>
+              <a:rPr lang="ko-KR" altLang="en-US" sz="2000" kern="0">
+                <a:ln w="9525">
+                  <a:noFill/>
+                </a:ln>
+                <a:solidFill>
+                  <a:srgbClr val="005A9E"/>
+                </a:solidFill>
+                <a:latin typeface="배달의민족 한나체 Pro OTF" panose="020B0600000101010101" pitchFamily="34" charset="-127"/>
+                <a:ea typeface="배달의민족 한나체 Pro OTF" panose="020B0600000101010101" pitchFamily="34" charset="-127"/>
+              </a:rPr>
+              <a:t>많이 집계된 평균 순위 구간</a:t>
+            </a:r>
+            <a:endParaRPr lang="ko-KR" altLang="en-US" sz="2000" dirty="0">
+              <a:solidFill>
+                <a:srgbClr val="005A9E"/>
+              </a:solidFill>
+              <a:latin typeface="배달의민족 한나체 Pro OTF" panose="020B0600000101010101" pitchFamily="34" charset="-127"/>
+              <a:ea typeface="배달의민족 한나체 Pro OTF" panose="020B0600000101010101" pitchFamily="34" charset="-127"/>
+            </a:endParaRPr>
+          </a:p>
+        </p:txBody>
+      </p:sp>
+      <p:sp>
+        <p:nvSpPr>
+          <p:cNvPr id="9" name="TextBox 8">
+            <a:extLst>
+              <a:ext uri="{FF2B5EF4-FFF2-40B4-BE49-F238E27FC236}">
+                <a16:creationId xmlns:a16="http://schemas.microsoft.com/office/drawing/2014/main" id="{F7224CE8-415D-39D1-AA96-19ADBAD88602}"/>
+              </a:ext>
+            </a:extLst>
+          </p:cNvPr>
+          <p:cNvSpPr txBox="1"/>
+          <p:nvPr/>
+        </p:nvSpPr>
+        <p:spPr>
+          <a:xfrm>
+            <a:off x="7952578" y="1528533"/>
+            <a:ext cx="3404681" cy="493661"/>
+          </a:xfrm>
+          <a:prstGeom prst="rect">
+            <a:avLst/>
+          </a:prstGeom>
+          <a:noFill/>
+        </p:spPr>
+        <p:txBody>
+          <a:bodyPr wrap="square" rtlCol="0">
+            <a:spAutoFit/>
+          </a:bodyPr>
+          <a:lstStyle/>
+          <a:p>
+            <a:pPr algn="ctr">
+              <a:lnSpc>
+                <a:spcPts val="3600"/>
+              </a:lnSpc>
+            </a:pPr>
+            <a:r>
+              <a:rPr lang="ko-KR" altLang="en-US" sz="1600" spc="-20" dirty="0">
+                <a:latin typeface="Noto Sans KR Light" panose="020B0200000000000000" pitchFamily="50" charset="-127"/>
+                <a:ea typeface="Noto Sans KR Light" panose="020B0200000000000000" pitchFamily="50" charset="-127"/>
+                <a:cs typeface="Poppins" panose="00000500000000000000" pitchFamily="2" charset="0"/>
+              </a:rPr>
+              <a:t>예상</a:t>
+            </a:r>
+            <a:r>
+              <a:rPr lang="en-US" altLang="ko-KR" sz="1600" spc="-20" dirty="0">
+                <a:latin typeface="Noto Sans KR Light" panose="020B0200000000000000" pitchFamily="50" charset="-127"/>
+                <a:ea typeface="Noto Sans KR Light" panose="020B0200000000000000" pitchFamily="50" charset="-127"/>
+                <a:cs typeface="Poppins" panose="00000500000000000000" pitchFamily="2" charset="0"/>
+              </a:rPr>
+              <a:t> </a:t>
+            </a:r>
+            <a:r>
+              <a:rPr lang="ko-KR" altLang="ko-KR" sz="1600" kern="1200" spc="-20" dirty="0">
+                <a:solidFill>
+                  <a:srgbClr val="000000"/>
+                </a:solidFill>
+                <a:effectLst/>
+                <a:latin typeface="Noto Sans KR Light" panose="020B0200000000000000" pitchFamily="50" charset="-127"/>
+                <a:ea typeface="Noto Sans KR Light" panose="020B0200000000000000" pitchFamily="50" charset="-127"/>
+                <a:cs typeface="Poppins" panose="00000500000000000000" pitchFamily="2" charset="0"/>
+              </a:rPr>
+              <a:t>→</a:t>
+            </a:r>
+            <a:r>
+              <a:rPr lang="en-US" altLang="ko-KR" sz="1600" kern="1200" spc="-20" dirty="0">
+                <a:solidFill>
+                  <a:srgbClr val="000000"/>
+                </a:solidFill>
+                <a:effectLst/>
+                <a:latin typeface="Noto Sans KR Light" panose="020B0200000000000000" pitchFamily="50" charset="-127"/>
+                <a:ea typeface="Noto Sans KR Light" panose="020B0200000000000000" pitchFamily="50" charset="-127"/>
+                <a:cs typeface="Poppins" panose="00000500000000000000" pitchFamily="2" charset="0"/>
+              </a:rPr>
+              <a:t> </a:t>
+            </a:r>
+            <a:r>
+              <a:rPr lang="en-US" altLang="ko-KR" sz="1600" spc="-20" dirty="0">
+                <a:solidFill>
+                  <a:srgbClr val="000000"/>
+                </a:solidFill>
+                <a:latin typeface="Noto Sans KR Light" panose="020B0200000000000000" pitchFamily="50" charset="-127"/>
+                <a:ea typeface="Noto Sans KR Light" panose="020B0200000000000000" pitchFamily="50" charset="-127"/>
+                <a:cs typeface="Poppins" panose="00000500000000000000" pitchFamily="2" charset="0"/>
+              </a:rPr>
+              <a:t>4.5, </a:t>
+            </a:r>
+            <a:r>
+              <a:rPr lang="ko-KR" altLang="en-US" sz="1600" spc="-20" dirty="0">
+                <a:solidFill>
+                  <a:srgbClr val="000000"/>
+                </a:solidFill>
+                <a:latin typeface="Noto Sans KR Light" panose="020B0200000000000000" pitchFamily="50" charset="-127"/>
+                <a:ea typeface="Noto Sans KR Light" panose="020B0200000000000000" pitchFamily="50" charset="-127"/>
+                <a:cs typeface="Poppins" panose="00000500000000000000" pitchFamily="2" charset="0"/>
+              </a:rPr>
+              <a:t>실제 </a:t>
+            </a:r>
+            <a:r>
+              <a:rPr lang="ko-KR" altLang="ko-KR" sz="1600" kern="1200" spc="-20" dirty="0">
+                <a:solidFill>
+                  <a:srgbClr val="000000"/>
+                </a:solidFill>
+                <a:effectLst/>
+                <a:latin typeface="Noto Sans KR Light" panose="020B0200000000000000" pitchFamily="50" charset="-127"/>
+                <a:ea typeface="Noto Sans KR Light" panose="020B0200000000000000" pitchFamily="50" charset="-127"/>
+                <a:cs typeface="Poppins" panose="00000500000000000000" pitchFamily="2" charset="0"/>
+              </a:rPr>
+              <a:t>→</a:t>
+            </a:r>
+            <a:r>
+              <a:rPr lang="en-US" altLang="ko-KR" sz="1600" spc="-20" dirty="0">
+                <a:solidFill>
+                  <a:srgbClr val="000000"/>
+                </a:solidFill>
+                <a:latin typeface="Noto Sans KR Light" panose="020B0200000000000000" pitchFamily="50" charset="-127"/>
+                <a:ea typeface="Noto Sans KR Light" panose="020B0200000000000000" pitchFamily="50" charset="-127"/>
+                <a:cs typeface="Poppins" panose="00000500000000000000" pitchFamily="2" charset="0"/>
+              </a:rPr>
+              <a:t> 3.5 </a:t>
+            </a:r>
+            <a:r>
+              <a:rPr lang="ko-KR" altLang="en-US" sz="1600" spc="-20" dirty="0">
+                <a:solidFill>
+                  <a:srgbClr val="000000"/>
+                </a:solidFill>
+                <a:latin typeface="Noto Sans KR Light" panose="020B0200000000000000" pitchFamily="50" charset="-127"/>
+                <a:ea typeface="Noto Sans KR Light" panose="020B0200000000000000" pitchFamily="50" charset="-127"/>
+                <a:cs typeface="Poppins" panose="00000500000000000000" pitchFamily="2" charset="0"/>
+              </a:rPr>
+              <a:t>주변</a:t>
+            </a:r>
+            <a:endParaRPr lang="en-US" sz="1600" spc="-20" dirty="0">
+              <a:latin typeface="Noto Sans KR Light" panose="020B0200000000000000" pitchFamily="50" charset="-127"/>
+              <a:ea typeface="Noto Sans KR Light" panose="020B0200000000000000" pitchFamily="50" charset="-127"/>
+              <a:cs typeface="Poppins" panose="00000500000000000000" pitchFamily="2" charset="0"/>
+            </a:endParaRPr>
+          </a:p>
+        </p:txBody>
+      </p:sp>
+      <p:sp>
+        <p:nvSpPr>
+          <p:cNvPr id="10" name="Line 283">
+            <a:extLst>
+              <a:ext uri="{FF2B5EF4-FFF2-40B4-BE49-F238E27FC236}">
+                <a16:creationId xmlns:a16="http://schemas.microsoft.com/office/drawing/2014/main" id="{9A3D4147-6CC8-0E16-A0E8-337A14CD1E56}"/>
+              </a:ext>
+            </a:extLst>
+          </p:cNvPr>
+          <p:cNvSpPr>
+            <a:spLocks noChangeShapeType="1"/>
+          </p:cNvSpPr>
+          <p:nvPr/>
+        </p:nvSpPr>
+        <p:spPr bwMode="auto">
+          <a:xfrm>
+            <a:off x="8223786" y="2671031"/>
+            <a:ext cx="2862268" cy="0"/>
+          </a:xfrm>
+          <a:prstGeom prst="line">
+            <a:avLst/>
+          </a:prstGeom>
+          <a:noFill/>
+          <a:ln w="25400" cap="rnd">
+            <a:solidFill>
+              <a:srgbClr val="FFCF37"/>
+            </a:solidFill>
+            <a:round/>
+            <a:headEnd/>
+            <a:tailEnd/>
+          </a:ln>
+          <a:effectLst/>
+          <a:extLst>
+            <a:ext uri="{909E8E84-426E-40DD-AFC4-6F175D3DCCD1}">
+              <a14:hiddenFill xmlns:a14="http://schemas.microsoft.com/office/drawing/2010/main">
+                <a:noFill/>
+              </a14:hiddenFill>
+            </a:ext>
+            <a:ext uri="{AF507438-7753-43E0-B8FC-AC1667EBCBE1}">
+              <a14:hiddenEffects xmlns:a14="http://schemas.microsoft.com/office/drawing/2010/main">
+                <a:effectLst>
+                  <a:outerShdw dist="35921" dir="2700000" algn="ctr" rotWithShape="0">
+                    <a:srgbClr val="808080"/>
+                  </a:outerShdw>
+                </a:effectLst>
+              </a14:hiddenEffects>
+            </a:ext>
+          </a:extLst>
+        </p:spPr>
+        <p:txBody>
+          <a:bodyPr/>
+          <a:lstStyle/>
+          <a:p>
+            <a:endParaRPr lang="en-US" sz="4900" dirty="0">
+              <a:latin typeface="Poppins" panose="00000500000000000000" pitchFamily="2" charset="0"/>
+            </a:endParaRPr>
+          </a:p>
+        </p:txBody>
+      </p:sp>
+      <p:sp>
+        <p:nvSpPr>
+          <p:cNvPr id="11" name="TextBox 10">
+            <a:extLst>
+              <a:ext uri="{FF2B5EF4-FFF2-40B4-BE49-F238E27FC236}">
+                <a16:creationId xmlns:a16="http://schemas.microsoft.com/office/drawing/2014/main" id="{336B42ED-7E5F-C3F4-BE9E-44A8FBE34C95}"/>
+              </a:ext>
+            </a:extLst>
+          </p:cNvPr>
+          <p:cNvSpPr txBox="1"/>
+          <p:nvPr/>
+        </p:nvSpPr>
+        <p:spPr>
+          <a:xfrm>
+            <a:off x="9348306" y="2301188"/>
+            <a:ext cx="613215" cy="400110"/>
+          </a:xfrm>
+          <a:prstGeom prst="rect">
+            <a:avLst/>
+          </a:prstGeom>
+          <a:noFill/>
+        </p:spPr>
+        <p:txBody>
+          <a:bodyPr wrap="square">
+            <a:spAutoFit/>
+          </a:bodyPr>
+          <a:lstStyle/>
+          <a:p>
+            <a:pPr>
+              <a:defRPr/>
+            </a:pPr>
+            <a:r>
+              <a:rPr lang="ko-KR" altLang="en-US" sz="2000" kern="0" dirty="0">
+                <a:ln w="9525">
+                  <a:noFill/>
+                </a:ln>
+                <a:solidFill>
+                  <a:srgbClr val="005A9E"/>
+                </a:solidFill>
+                <a:latin typeface="배달의민족 한나체 Pro OTF" panose="020B0600000101010101" pitchFamily="34" charset="-127"/>
+                <a:ea typeface="배달의민족 한나체 Pro OTF" panose="020B0600000101010101" pitchFamily="34" charset="-127"/>
+              </a:rPr>
+              <a:t>이유</a:t>
+            </a:r>
+            <a:endParaRPr lang="ko-KR" altLang="en-US" sz="2000" dirty="0">
+              <a:solidFill>
+                <a:srgbClr val="005A9E"/>
+              </a:solidFill>
+              <a:latin typeface="배달의민족 한나체 Pro OTF" panose="020B0600000101010101" pitchFamily="34" charset="-127"/>
+              <a:ea typeface="배달의민족 한나체 Pro OTF" panose="020B0600000101010101" pitchFamily="34" charset="-127"/>
+            </a:endParaRPr>
+          </a:p>
+        </p:txBody>
+      </p:sp>
+      <p:sp>
+        <p:nvSpPr>
+          <p:cNvPr id="12" name="TextBox 11">
+            <a:extLst>
+              <a:ext uri="{FF2B5EF4-FFF2-40B4-BE49-F238E27FC236}">
+                <a16:creationId xmlns:a16="http://schemas.microsoft.com/office/drawing/2014/main" id="{3C9FA18E-F265-6F17-335A-9008430E3007}"/>
+              </a:ext>
+            </a:extLst>
+          </p:cNvPr>
+          <p:cNvSpPr txBox="1"/>
+          <p:nvPr/>
+        </p:nvSpPr>
+        <p:spPr>
+          <a:xfrm>
+            <a:off x="7393021" y="2693803"/>
+            <a:ext cx="4494179" cy="1347035"/>
+          </a:xfrm>
+          <a:prstGeom prst="rect">
+            <a:avLst/>
+          </a:prstGeom>
+          <a:noFill/>
+        </p:spPr>
+        <p:txBody>
+          <a:bodyPr wrap="square" rtlCol="0">
+            <a:spAutoFit/>
+          </a:bodyPr>
+          <a:lstStyle/>
+          <a:p>
+            <a:pPr algn="ctr">
+              <a:lnSpc>
+                <a:spcPct val="150000"/>
+              </a:lnSpc>
+            </a:pPr>
+            <a:r>
+              <a:rPr lang="ko-KR" altLang="en-US" sz="1400" spc="-20" dirty="0">
+                <a:latin typeface="Noto Sans KR Light" panose="020B0200000000000000" pitchFamily="50" charset="-127"/>
+                <a:ea typeface="Noto Sans KR Light" panose="020B0200000000000000" pitchFamily="50" charset="-127"/>
+                <a:cs typeface="Poppins" panose="00000500000000000000" pitchFamily="2" charset="0"/>
+              </a:rPr>
+              <a:t>이전에 분석한 결과에 따르면</a:t>
+            </a:r>
+            <a:endParaRPr lang="en-US" altLang="ko-KR" sz="1400" spc="-20" dirty="0">
+              <a:latin typeface="Noto Sans KR Light" panose="020B0200000000000000" pitchFamily="50" charset="-127"/>
+              <a:ea typeface="Noto Sans KR Light" panose="020B0200000000000000" pitchFamily="50" charset="-127"/>
+              <a:cs typeface="Poppins" panose="00000500000000000000" pitchFamily="2" charset="0"/>
+            </a:endParaRPr>
+          </a:p>
+          <a:p>
+            <a:pPr algn="ctr">
+              <a:lnSpc>
+                <a:spcPct val="150000"/>
+              </a:lnSpc>
+            </a:pPr>
+            <a:r>
+              <a:rPr lang="ko-KR" altLang="en-US" sz="1400" spc="-20" dirty="0">
+                <a:latin typeface="Noto Sans KR Light" panose="020B0200000000000000" pitchFamily="50" charset="-127"/>
+                <a:ea typeface="Noto Sans KR Light" panose="020B0200000000000000" pitchFamily="50" charset="-127"/>
+                <a:cs typeface="Poppins" panose="00000500000000000000" pitchFamily="2" charset="0"/>
+              </a:rPr>
+              <a:t>유닛의 개수와 순위는 음의 상관관계를 가짐</a:t>
+            </a:r>
+            <a:endParaRPr lang="en-US" altLang="ko-KR" sz="1400" spc="-20" dirty="0">
+              <a:latin typeface="Noto Sans KR Light" panose="020B0200000000000000" pitchFamily="50" charset="-127"/>
+              <a:ea typeface="Noto Sans KR Light" panose="020B0200000000000000" pitchFamily="50" charset="-127"/>
+              <a:cs typeface="Poppins" panose="00000500000000000000" pitchFamily="2" charset="0"/>
+            </a:endParaRPr>
+          </a:p>
+          <a:p>
+            <a:pPr algn="ctr">
+              <a:lnSpc>
+                <a:spcPct val="150000"/>
+              </a:lnSpc>
+            </a:pPr>
+            <a:r>
+              <a:rPr lang="ko-KR" altLang="en-US" sz="1400" spc="-20" dirty="0">
+                <a:latin typeface="Noto Sans KR Light" panose="020B0200000000000000" pitchFamily="50" charset="-127"/>
+                <a:ea typeface="Noto Sans KR Light" panose="020B0200000000000000" pitchFamily="50" charset="-127"/>
+                <a:cs typeface="Poppins" panose="00000500000000000000" pitchFamily="2" charset="0"/>
+              </a:rPr>
+              <a:t>유닛의 개수가 많은 조합은 상대적으로 상위 등수를 차지</a:t>
+            </a:r>
+            <a:endParaRPr lang="en-US" altLang="ko-KR" sz="1400" spc="-20" dirty="0">
+              <a:latin typeface="Noto Sans KR Light" panose="020B0200000000000000" pitchFamily="50" charset="-127"/>
+              <a:ea typeface="Noto Sans KR Light" panose="020B0200000000000000" pitchFamily="50" charset="-127"/>
+              <a:cs typeface="Poppins" panose="00000500000000000000" pitchFamily="2" charset="0"/>
+            </a:endParaRPr>
+          </a:p>
+          <a:p>
+            <a:pPr algn="ctr">
+              <a:lnSpc>
+                <a:spcPct val="150000"/>
+              </a:lnSpc>
+            </a:pPr>
+            <a:r>
+              <a:rPr lang="en-US" altLang="ko-KR" sz="1400" kern="1200" spc="-20" dirty="0">
+                <a:solidFill>
+                  <a:srgbClr val="000000"/>
+                </a:solidFill>
+                <a:effectLst/>
+                <a:latin typeface="Noto Sans KR Light" panose="020B0200000000000000" pitchFamily="50" charset="-127"/>
+                <a:ea typeface="Noto Sans KR Light" panose="020B0200000000000000" pitchFamily="50" charset="-127"/>
+                <a:cs typeface="Poppins" panose="00000500000000000000" pitchFamily="2" charset="0"/>
+              </a:rPr>
+              <a:t> </a:t>
+            </a:r>
+            <a:r>
+              <a:rPr lang="ko-KR" altLang="en-US" sz="1400" spc="-20" dirty="0">
+                <a:latin typeface="Noto Sans KR Light" panose="020B0200000000000000" pitchFamily="50" charset="-127"/>
+                <a:ea typeface="Noto Sans KR Light" panose="020B0200000000000000" pitchFamily="50" charset="-127"/>
+                <a:cs typeface="Poppins" panose="00000500000000000000" pitchFamily="2" charset="0"/>
+              </a:rPr>
+              <a:t>상위 등수의 부분집합이 더 많이 등장</a:t>
+            </a:r>
+            <a:endParaRPr lang="en-US" altLang="ko-KR" sz="1400" spc="-20" dirty="0">
+              <a:latin typeface="Noto Sans KR Light" panose="020B0200000000000000" pitchFamily="50" charset="-127"/>
+              <a:ea typeface="Noto Sans KR Light" panose="020B0200000000000000" pitchFamily="50" charset="-127"/>
+              <a:cs typeface="Poppins" panose="00000500000000000000" pitchFamily="2" charset="0"/>
+            </a:endParaRPr>
+          </a:p>
+        </p:txBody>
+      </p:sp>
+      <p:sp>
+        <p:nvSpPr>
+          <p:cNvPr id="13" name="Line 283">
+            <a:extLst>
+              <a:ext uri="{FF2B5EF4-FFF2-40B4-BE49-F238E27FC236}">
+                <a16:creationId xmlns:a16="http://schemas.microsoft.com/office/drawing/2014/main" id="{CF1CDDA1-3100-37F9-57AF-8AE26731E6FF}"/>
+              </a:ext>
+            </a:extLst>
+          </p:cNvPr>
+          <p:cNvSpPr>
+            <a:spLocks noChangeShapeType="1"/>
+          </p:cNvSpPr>
+          <p:nvPr/>
+        </p:nvSpPr>
+        <p:spPr bwMode="auto">
+          <a:xfrm>
+            <a:off x="8223786" y="4693812"/>
+            <a:ext cx="2862268" cy="0"/>
+          </a:xfrm>
+          <a:prstGeom prst="line">
+            <a:avLst/>
+          </a:prstGeom>
+          <a:noFill/>
+          <a:ln w="25400" cap="rnd">
+            <a:solidFill>
+              <a:srgbClr val="FFCF37"/>
+            </a:solidFill>
+            <a:round/>
+            <a:headEnd/>
+            <a:tailEnd/>
+          </a:ln>
+          <a:effectLst/>
+          <a:extLst>
+            <a:ext uri="{909E8E84-426E-40DD-AFC4-6F175D3DCCD1}">
+              <a14:hiddenFill xmlns:a14="http://schemas.microsoft.com/office/drawing/2010/main">
+                <a:noFill/>
+              </a14:hiddenFill>
+            </a:ext>
+            <a:ext uri="{AF507438-7753-43E0-B8FC-AC1667EBCBE1}">
+              <a14:hiddenEffects xmlns:a14="http://schemas.microsoft.com/office/drawing/2010/main">
+                <a:effectLst>
+                  <a:outerShdw dist="35921" dir="2700000" algn="ctr" rotWithShape="0">
+                    <a:srgbClr val="808080"/>
+                  </a:outerShdw>
+                </a:effectLst>
+              </a14:hiddenEffects>
+            </a:ext>
+          </a:extLst>
+        </p:spPr>
+        <p:txBody>
+          <a:bodyPr/>
+          <a:lstStyle/>
+          <a:p>
+            <a:endParaRPr lang="en-US" sz="4900" dirty="0">
+              <a:latin typeface="Poppins" panose="00000500000000000000" pitchFamily="2" charset="0"/>
+            </a:endParaRPr>
+          </a:p>
+        </p:txBody>
+      </p:sp>
+      <p:sp>
+        <p:nvSpPr>
+          <p:cNvPr id="14" name="TextBox 13">
+            <a:extLst>
+              <a:ext uri="{FF2B5EF4-FFF2-40B4-BE49-F238E27FC236}">
+                <a16:creationId xmlns:a16="http://schemas.microsoft.com/office/drawing/2014/main" id="{97C87528-FD2F-0241-04C8-39EFA61AF8E6}"/>
+              </a:ext>
+            </a:extLst>
+          </p:cNvPr>
+          <p:cNvSpPr txBox="1"/>
+          <p:nvPr/>
+        </p:nvSpPr>
+        <p:spPr>
+          <a:xfrm>
+            <a:off x="9348306" y="4319833"/>
+            <a:ext cx="660325" cy="400110"/>
+          </a:xfrm>
+          <a:prstGeom prst="rect">
+            <a:avLst/>
+          </a:prstGeom>
+          <a:noFill/>
+        </p:spPr>
+        <p:txBody>
+          <a:bodyPr wrap="square">
+            <a:spAutoFit/>
+          </a:bodyPr>
+          <a:lstStyle/>
+          <a:p>
+            <a:pPr>
+              <a:defRPr/>
+            </a:pPr>
+            <a:r>
+              <a:rPr lang="ko-KR" altLang="en-US" sz="2000" kern="0" dirty="0">
+                <a:ln w="9525">
+                  <a:noFill/>
+                </a:ln>
+                <a:solidFill>
+                  <a:srgbClr val="005A9E"/>
+                </a:solidFill>
+                <a:latin typeface="배달의민족 한나체 Pro OTF" panose="020B0600000101010101" pitchFamily="34" charset="-127"/>
+                <a:ea typeface="배달의민족 한나체 Pro OTF" panose="020B0600000101010101" pitchFamily="34" charset="-127"/>
+              </a:rPr>
+              <a:t>결론</a:t>
+            </a:r>
+            <a:endParaRPr lang="ko-KR" altLang="en-US" sz="2000" dirty="0">
+              <a:solidFill>
+                <a:srgbClr val="005A9E"/>
+              </a:solidFill>
+              <a:latin typeface="배달의민족 한나체 Pro OTF" panose="020B0600000101010101" pitchFamily="34" charset="-127"/>
+              <a:ea typeface="배달의민족 한나체 Pro OTF" panose="020B0600000101010101" pitchFamily="34" charset="-127"/>
+            </a:endParaRPr>
+          </a:p>
+        </p:txBody>
+      </p:sp>
+      <p:sp>
+        <p:nvSpPr>
+          <p:cNvPr id="17" name="Rounded Rectangle 319">
+            <a:extLst>
+              <a:ext uri="{FF2B5EF4-FFF2-40B4-BE49-F238E27FC236}">
+                <a16:creationId xmlns:a16="http://schemas.microsoft.com/office/drawing/2014/main" id="{DC96D97D-0135-C0FE-C225-B8C27225DE00}"/>
+              </a:ext>
+            </a:extLst>
+          </p:cNvPr>
+          <p:cNvSpPr>
+            <a:spLocks noChangeArrowheads="1"/>
+          </p:cNvSpPr>
+          <p:nvPr/>
+        </p:nvSpPr>
+        <p:spPr bwMode="auto">
+          <a:xfrm>
+            <a:off x="2297915" y="6378982"/>
+            <a:ext cx="3588968" cy="294283"/>
+          </a:xfrm>
+          <a:prstGeom prst="roundRect">
+            <a:avLst>
+              <a:gd name="adj" fmla="val 50000"/>
+            </a:avLst>
+          </a:prstGeom>
+          <a:solidFill>
+            <a:schemeClr val="accent5">
+              <a:lumMod val="75000"/>
+            </a:schemeClr>
+          </a:solidFill>
+          <a:ln>
+            <a:noFill/>
+          </a:ln>
+          <a:effectLst/>
+        </p:spPr>
+        <p:txBody>
+          <a:bodyPr wrap="none" anchor="ctr"/>
+          <a:lstStyle/>
+          <a:p>
+            <a:pPr algn="ctr"/>
+            <a:r>
+              <a:rPr lang="ko-KR" altLang="en-US" sz="1400" dirty="0">
+                <a:solidFill>
+                  <a:schemeClr val="bg1"/>
+                </a:solidFill>
+                <a:latin typeface="배달의민족 한나체 Pro OTF" panose="020B0600000101010101" pitchFamily="34" charset="-127"/>
+                <a:ea typeface="배달의민족 한나체 Pro OTF" panose="020B0600000101010101" pitchFamily="34" charset="-127"/>
+              </a:rPr>
+              <a:t>생성한 유닛 조합의 평균순위 히스토그램</a:t>
+            </a:r>
+            <a:endParaRPr lang="en-US" sz="1400" dirty="0">
+              <a:solidFill>
+                <a:schemeClr val="bg1"/>
+              </a:solidFill>
+              <a:latin typeface="배달의민족 한나체 Pro OTF" panose="020B0600000101010101" pitchFamily="34" charset="-127"/>
+              <a:ea typeface="배달의민족 한나체 Pro OTF" panose="020B0600000101010101" pitchFamily="34" charset="-127"/>
+            </a:endParaRPr>
+          </a:p>
+        </p:txBody>
+      </p:sp>
+      <p:sp>
+        <p:nvSpPr>
+          <p:cNvPr id="19" name="화살표: 갈매기형 수장 18">
+            <a:extLst>
+              <a:ext uri="{FF2B5EF4-FFF2-40B4-BE49-F238E27FC236}">
+                <a16:creationId xmlns:a16="http://schemas.microsoft.com/office/drawing/2014/main" id="{2933491F-3364-86C9-ABB3-54F6ACE586B0}"/>
+              </a:ext>
+            </a:extLst>
+          </p:cNvPr>
+          <p:cNvSpPr/>
+          <p:nvPr/>
+        </p:nvSpPr>
+        <p:spPr>
+          <a:xfrm>
+            <a:off x="8132323" y="3794808"/>
+            <a:ext cx="140101" cy="156354"/>
+          </a:xfrm>
+          <a:prstGeom prst="chevron">
+            <a:avLst/>
+          </a:prstGeom>
+          <a:solidFill>
+            <a:srgbClr val="FF9797"/>
+          </a:solidFill>
+          <a:ln>
+            <a:noFill/>
+          </a:ln>
+        </p:spPr>
+        <p:style>
+          <a:lnRef idx="2">
+            <a:schemeClr val="accent1">
+              <a:shade val="15000"/>
+            </a:schemeClr>
+          </a:lnRef>
+          <a:fillRef idx="1">
+            <a:schemeClr val="accent1"/>
+          </a:fillRef>
+          <a:effectRef idx="0">
+            <a:schemeClr val="accent1"/>
+          </a:effectRef>
+          <a:fontRef idx="minor">
+            <a:schemeClr val="lt1"/>
+          </a:fontRef>
+        </p:style>
+        <p:txBody>
+          <a:bodyPr rtlCol="0" anchor="ctr"/>
+          <a:lstStyle/>
+          <a:p>
+            <a:pPr algn="ctr"/>
+            <a:endParaRPr lang="ko-KR" altLang="en-US">
+              <a:solidFill>
+                <a:schemeClr val="tx1"/>
+              </a:solidFill>
+            </a:endParaRPr>
+          </a:p>
+        </p:txBody>
+      </p:sp>
+      <p:sp>
+        <p:nvSpPr>
+          <p:cNvPr id="20" name="TextBox 19">
+            <a:extLst>
+              <a:ext uri="{FF2B5EF4-FFF2-40B4-BE49-F238E27FC236}">
+                <a16:creationId xmlns:a16="http://schemas.microsoft.com/office/drawing/2014/main" id="{224F09F6-C160-1ECF-7781-15CC373ADE1A}"/>
+              </a:ext>
+            </a:extLst>
+          </p:cNvPr>
+          <p:cNvSpPr txBox="1"/>
+          <p:nvPr/>
+        </p:nvSpPr>
+        <p:spPr>
+          <a:xfrm>
+            <a:off x="7407823" y="4693812"/>
+            <a:ext cx="4494179" cy="1347035"/>
+          </a:xfrm>
+          <a:prstGeom prst="rect">
+            <a:avLst/>
+          </a:prstGeom>
+          <a:noFill/>
+        </p:spPr>
+        <p:txBody>
+          <a:bodyPr wrap="square" rtlCol="0">
+            <a:spAutoFit/>
+          </a:bodyPr>
+          <a:lstStyle/>
+          <a:p>
+            <a:pPr algn="ctr">
+              <a:lnSpc>
+                <a:spcPct val="150000"/>
+              </a:lnSpc>
+            </a:pPr>
+            <a:r>
+              <a:rPr lang="ko-KR" altLang="en-US" sz="1400" spc="-20" dirty="0">
+                <a:latin typeface="Noto Sans KR Light" panose="020B0200000000000000" pitchFamily="50" charset="-127"/>
+                <a:ea typeface="Noto Sans KR Light" panose="020B0200000000000000" pitchFamily="50" charset="-127"/>
+                <a:cs typeface="Poppins" panose="00000500000000000000" pitchFamily="2" charset="0"/>
+              </a:rPr>
+              <a:t>따라서</a:t>
+            </a:r>
+            <a:r>
+              <a:rPr lang="en-US" altLang="ko-KR" sz="1400" spc="-20" dirty="0">
+                <a:latin typeface="Noto Sans KR Light" panose="020B0200000000000000" pitchFamily="50" charset="-127"/>
+                <a:ea typeface="Noto Sans KR Light" panose="020B0200000000000000" pitchFamily="50" charset="-127"/>
+                <a:cs typeface="Poppins" panose="00000500000000000000" pitchFamily="2" charset="0"/>
+              </a:rPr>
+              <a:t>, </a:t>
+            </a:r>
+            <a:r>
+              <a:rPr lang="ko-KR" altLang="en-US" sz="1400" spc="-20" dirty="0">
+                <a:latin typeface="Noto Sans KR Light" panose="020B0200000000000000" pitchFamily="50" charset="-127"/>
+                <a:ea typeface="Noto Sans KR Light" panose="020B0200000000000000" pitchFamily="50" charset="-127"/>
+                <a:cs typeface="Poppins" panose="00000500000000000000" pitchFamily="2" charset="0"/>
+              </a:rPr>
+              <a:t>유닛 간의 밸런스를 파악하기 위해서는</a:t>
+            </a:r>
+            <a:endParaRPr lang="en-US" altLang="ko-KR" sz="1400" spc="-20" dirty="0">
+              <a:latin typeface="Noto Sans KR Light" panose="020B0200000000000000" pitchFamily="50" charset="-127"/>
+              <a:ea typeface="Noto Sans KR Light" panose="020B0200000000000000" pitchFamily="50" charset="-127"/>
+              <a:cs typeface="Poppins" panose="00000500000000000000" pitchFamily="2" charset="0"/>
+            </a:endParaRPr>
+          </a:p>
+          <a:p>
+            <a:pPr algn="ctr">
+              <a:lnSpc>
+                <a:spcPct val="150000"/>
+              </a:lnSpc>
+            </a:pPr>
+            <a:r>
+              <a:rPr lang="ko-KR" altLang="en-US" sz="1400" spc="-20" dirty="0">
+                <a:latin typeface="Noto Sans KR Light" panose="020B0200000000000000" pitchFamily="50" charset="-127"/>
+                <a:ea typeface="Noto Sans KR Light" panose="020B0200000000000000" pitchFamily="50" charset="-127"/>
+                <a:cs typeface="Poppins" panose="00000500000000000000" pitchFamily="2" charset="0"/>
+              </a:rPr>
+              <a:t>가장 영향이 적은 단일 유닛에 대한 히스토그램을 확인</a:t>
+            </a:r>
+            <a:endParaRPr lang="en-US" altLang="ko-KR" sz="1400" spc="-20" dirty="0">
+              <a:latin typeface="Noto Sans KR Light" panose="020B0200000000000000" pitchFamily="50" charset="-127"/>
+              <a:ea typeface="Noto Sans KR Light" panose="020B0200000000000000" pitchFamily="50" charset="-127"/>
+              <a:cs typeface="Poppins" panose="00000500000000000000" pitchFamily="2" charset="0"/>
+            </a:endParaRPr>
+          </a:p>
+          <a:p>
+            <a:pPr algn="ctr">
+              <a:lnSpc>
+                <a:spcPct val="150000"/>
+              </a:lnSpc>
+            </a:pPr>
+            <a:r>
+              <a:rPr lang="ko-KR" altLang="en-US" sz="1400" spc="-20" dirty="0">
+                <a:latin typeface="Noto Sans KR Light" panose="020B0200000000000000" pitchFamily="50" charset="-127"/>
+                <a:ea typeface="Noto Sans KR Light" panose="020B0200000000000000" pitchFamily="50" charset="-127"/>
+                <a:cs typeface="Poppins" panose="00000500000000000000" pitchFamily="2" charset="0"/>
+              </a:rPr>
+              <a:t>평균순위 </a:t>
+            </a:r>
+            <a:r>
+              <a:rPr lang="en-US" altLang="ko-KR" sz="1400" spc="-20" dirty="0">
+                <a:latin typeface="Noto Sans KR Light" panose="020B0200000000000000" pitchFamily="50" charset="-127"/>
+                <a:ea typeface="Noto Sans KR Light" panose="020B0200000000000000" pitchFamily="50" charset="-127"/>
+                <a:cs typeface="Poppins" panose="00000500000000000000" pitchFamily="2" charset="0"/>
+              </a:rPr>
+              <a:t>4.5</a:t>
+            </a:r>
+            <a:r>
+              <a:rPr lang="ko-KR" altLang="en-US" sz="1400" spc="-20" dirty="0">
+                <a:latin typeface="Noto Sans KR Light" panose="020B0200000000000000" pitchFamily="50" charset="-127"/>
+                <a:ea typeface="Noto Sans KR Light" panose="020B0200000000000000" pitchFamily="50" charset="-127"/>
+                <a:cs typeface="Poppins" panose="00000500000000000000" pitchFamily="2" charset="0"/>
+              </a:rPr>
+              <a:t>를 기준으로</a:t>
+            </a:r>
+            <a:r>
+              <a:rPr lang="en-US" altLang="ko-KR" sz="1400" spc="-20" dirty="0">
+                <a:latin typeface="Noto Sans KR Light" panose="020B0200000000000000" pitchFamily="50" charset="-127"/>
+                <a:ea typeface="Noto Sans KR Light" panose="020B0200000000000000" pitchFamily="50" charset="-127"/>
+                <a:cs typeface="Poppins" panose="00000500000000000000" pitchFamily="2" charset="0"/>
+              </a:rPr>
+              <a:t> </a:t>
+            </a:r>
+            <a:r>
+              <a:rPr lang="ko-KR" altLang="en-US" sz="1400" spc="-20" dirty="0">
+                <a:latin typeface="Noto Sans KR Light" panose="020B0200000000000000" pitchFamily="50" charset="-127"/>
+                <a:ea typeface="Noto Sans KR Light" panose="020B0200000000000000" pitchFamily="50" charset="-127"/>
+                <a:cs typeface="Poppins" panose="00000500000000000000" pitchFamily="2" charset="0"/>
+              </a:rPr>
+              <a:t>양끝단의 유닛들은</a:t>
+            </a:r>
+            <a:endParaRPr lang="en-US" altLang="ko-KR" sz="1400" spc="-20" dirty="0">
+              <a:latin typeface="Noto Sans KR Light" panose="020B0200000000000000" pitchFamily="50" charset="-127"/>
+              <a:ea typeface="Noto Sans KR Light" panose="020B0200000000000000" pitchFamily="50" charset="-127"/>
+              <a:cs typeface="Poppins" panose="00000500000000000000" pitchFamily="2" charset="0"/>
+            </a:endParaRPr>
+          </a:p>
+          <a:p>
+            <a:pPr algn="ctr">
+              <a:lnSpc>
+                <a:spcPct val="150000"/>
+              </a:lnSpc>
+            </a:pPr>
+            <a:r>
+              <a:rPr lang="ko-KR" altLang="en-US" sz="1400" spc="-20" dirty="0">
+                <a:latin typeface="Noto Sans KR Light" panose="020B0200000000000000" pitchFamily="50" charset="-127"/>
+                <a:ea typeface="Noto Sans KR Light" panose="020B0200000000000000" pitchFamily="50" charset="-127"/>
+                <a:cs typeface="Poppins" panose="00000500000000000000" pitchFamily="2" charset="0"/>
+              </a:rPr>
+              <a:t>추후 버프</a:t>
+            </a:r>
+            <a:r>
+              <a:rPr lang="en-US" altLang="ko-KR" sz="1400" spc="-20" dirty="0">
+                <a:latin typeface="Noto Sans KR Light" panose="020B0200000000000000" pitchFamily="50" charset="-127"/>
+                <a:ea typeface="Noto Sans KR Light" panose="020B0200000000000000" pitchFamily="50" charset="-127"/>
+                <a:cs typeface="Poppins" panose="00000500000000000000" pitchFamily="2" charset="0"/>
+              </a:rPr>
+              <a:t>, </a:t>
+            </a:r>
+            <a:r>
+              <a:rPr lang="ko-KR" altLang="en-US" sz="1400" spc="-20" dirty="0" err="1">
+                <a:latin typeface="Noto Sans KR Light" panose="020B0200000000000000" pitchFamily="50" charset="-127"/>
+                <a:ea typeface="Noto Sans KR Light" panose="020B0200000000000000" pitchFamily="50" charset="-127"/>
+                <a:cs typeface="Poppins" panose="00000500000000000000" pitchFamily="2" charset="0"/>
+              </a:rPr>
+              <a:t>너프의</a:t>
+            </a:r>
+            <a:r>
+              <a:rPr lang="ko-KR" altLang="en-US" sz="1400" spc="-20" dirty="0">
+                <a:latin typeface="Noto Sans KR Light" panose="020B0200000000000000" pitchFamily="50" charset="-127"/>
+                <a:ea typeface="Noto Sans KR Light" panose="020B0200000000000000" pitchFamily="50" charset="-127"/>
+                <a:cs typeface="Poppins" panose="00000500000000000000" pitchFamily="2" charset="0"/>
+              </a:rPr>
+              <a:t> 대상으로 고려 가능</a:t>
+            </a:r>
+            <a:endParaRPr lang="en-US" altLang="ko-KR" sz="1400" spc="-20" dirty="0">
+              <a:latin typeface="Noto Sans KR Light" panose="020B0200000000000000" pitchFamily="50" charset="-127"/>
+              <a:ea typeface="Noto Sans KR Light" panose="020B0200000000000000" pitchFamily="50" charset="-127"/>
+              <a:cs typeface="Poppins" panose="00000500000000000000" pitchFamily="2" charset="0"/>
+            </a:endParaRPr>
+          </a:p>
+        </p:txBody>
+      </p:sp>
     </p:spTree>
     <p:extLst>
       <p:ext uri="{BB962C8B-B14F-4D97-AF65-F5344CB8AC3E}">
-        <p14:creationId xmlns:p14="http://schemas.microsoft.com/office/powerpoint/2010/main" val="4161393636"/>
+        <p14:creationId xmlns:p14="http://schemas.microsoft.com/office/powerpoint/2010/main" val="507917335"/>
       </p:ext>
     </p:extLst>
   </p:cSld>
@@ -7659,10 +10627,10 @@
       </p:sp>
       <p:pic>
         <p:nvPicPr>
-          <p:cNvPr id="6" name="그림 5">
-            <a:extLst>
-              <a:ext uri="{FF2B5EF4-FFF2-40B4-BE49-F238E27FC236}">
-                <a16:creationId xmlns:a16="http://schemas.microsoft.com/office/drawing/2014/main" id="{E6648A99-B644-DFB8-80E7-31DA4A5C0754}"/>
+          <p:cNvPr id="5" name="그림 4">
+            <a:extLst>
+              <a:ext uri="{FF2B5EF4-FFF2-40B4-BE49-F238E27FC236}">
+                <a16:creationId xmlns:a16="http://schemas.microsoft.com/office/drawing/2014/main" id="{F4B2C814-64F4-C314-122C-6AAEF20961FB}"/>
               </a:ext>
             </a:extLst>
           </p:cNvPr>
@@ -7679,18 +10647,245 @@
         </p:blipFill>
         <p:spPr>
           <a:xfrm>
-            <a:off x="1021868" y="1257656"/>
-            <a:ext cx="6141061" cy="5295236"/>
+            <a:off x="5156603" y="1409915"/>
+            <a:ext cx="5023463" cy="4748456"/>
           </a:xfrm>
           <a:prstGeom prst="rect">
             <a:avLst/>
           </a:prstGeom>
         </p:spPr>
       </p:pic>
+      <p:sp>
+        <p:nvSpPr>
+          <p:cNvPr id="7" name="Rounded Rectangle 319">
+            <a:extLst>
+              <a:ext uri="{FF2B5EF4-FFF2-40B4-BE49-F238E27FC236}">
+                <a16:creationId xmlns:a16="http://schemas.microsoft.com/office/drawing/2014/main" id="{C37012D5-4B8F-9562-F3B4-0FA1E9298B52}"/>
+              </a:ext>
+            </a:extLst>
+          </p:cNvPr>
+          <p:cNvSpPr>
+            <a:spLocks noChangeArrowheads="1"/>
+          </p:cNvSpPr>
+          <p:nvPr/>
+        </p:nvSpPr>
+        <p:spPr bwMode="auto">
+          <a:xfrm>
+            <a:off x="3790544" y="6380570"/>
+            <a:ext cx="4610911" cy="294283"/>
+          </a:xfrm>
+          <a:prstGeom prst="roundRect">
+            <a:avLst>
+              <a:gd name="adj" fmla="val 50000"/>
+            </a:avLst>
+          </a:prstGeom>
+          <a:solidFill>
+            <a:schemeClr val="accent5">
+              <a:lumMod val="75000"/>
+            </a:schemeClr>
+          </a:solidFill>
+          <a:ln>
+            <a:noFill/>
+          </a:ln>
+          <a:effectLst/>
+        </p:spPr>
+        <p:txBody>
+          <a:bodyPr wrap="none" anchor="ctr"/>
+          <a:lstStyle/>
+          <a:p>
+            <a:pPr algn="ctr"/>
+            <a:r>
+              <a:rPr lang="ko-KR" altLang="en-US" sz="1400" dirty="0">
+                <a:solidFill>
+                  <a:schemeClr val="bg1"/>
+                </a:solidFill>
+                <a:latin typeface="배달의민족 한나체 Pro OTF" panose="020B0600000101010101" pitchFamily="34" charset="-127"/>
+                <a:ea typeface="배달의민족 한나체 Pro OTF" panose="020B0600000101010101" pitchFamily="34" charset="-127"/>
+              </a:rPr>
+              <a:t>단일 유닛의 평균순위</a:t>
+            </a:r>
+            <a:r>
+              <a:rPr lang="en-US" altLang="ko-KR" sz="1400" dirty="0">
+                <a:solidFill>
+                  <a:schemeClr val="bg1"/>
+                </a:solidFill>
+                <a:latin typeface="배달의민족 한나체 Pro OTF" panose="020B0600000101010101" pitchFamily="34" charset="-127"/>
+                <a:ea typeface="배달의민족 한나체 Pro OTF" panose="020B0600000101010101" pitchFamily="34" charset="-127"/>
+              </a:rPr>
+              <a:t>, </a:t>
+            </a:r>
+            <a:r>
+              <a:rPr lang="ko-KR" altLang="en-US" sz="1400" dirty="0">
+                <a:solidFill>
+                  <a:schemeClr val="bg1"/>
+                </a:solidFill>
+                <a:latin typeface="배달의민족 한나체 Pro OTF" panose="020B0600000101010101" pitchFamily="34" charset="-127"/>
+                <a:ea typeface="배달의민족 한나체 Pro OTF" panose="020B0600000101010101" pitchFamily="34" charset="-127"/>
+              </a:rPr>
+              <a:t>비율 기준 </a:t>
+            </a:r>
+            <a:r>
+              <a:rPr lang="en-US" altLang="ko-KR" sz="1400" dirty="0">
+                <a:solidFill>
+                  <a:schemeClr val="bg1"/>
+                </a:solidFill>
+                <a:latin typeface="배달의민족 한나체 Pro OTF" panose="020B0600000101010101" pitchFamily="34" charset="-127"/>
+                <a:ea typeface="배달의민족 한나체 Pro OTF" panose="020B0600000101010101" pitchFamily="34" charset="-127"/>
+              </a:rPr>
+              <a:t>TOP, BOTTOM 10</a:t>
+            </a:r>
+            <a:r>
+              <a:rPr lang="ko-KR" altLang="en-US" sz="1400" dirty="0">
+                <a:solidFill>
+                  <a:schemeClr val="bg1"/>
+                </a:solidFill>
+                <a:latin typeface="배달의민족 한나체 Pro OTF" panose="020B0600000101010101" pitchFamily="34" charset="-127"/>
+                <a:ea typeface="배달의민족 한나체 Pro OTF" panose="020B0600000101010101" pitchFamily="34" charset="-127"/>
+              </a:rPr>
+              <a:t> </a:t>
+            </a:r>
+            <a:endParaRPr lang="en-US" sz="1400" dirty="0">
+              <a:solidFill>
+                <a:schemeClr val="bg1"/>
+              </a:solidFill>
+              <a:latin typeface="배달의민족 한나체 Pro OTF" panose="020B0600000101010101" pitchFamily="34" charset="-127"/>
+              <a:ea typeface="배달의민족 한나체 Pro OTF" panose="020B0600000101010101" pitchFamily="34" charset="-127"/>
+            </a:endParaRPr>
+          </a:p>
+        </p:txBody>
+      </p:sp>
+      <p:pic>
+        <p:nvPicPr>
+          <p:cNvPr id="9" name="그림 8">
+            <a:extLst>
+              <a:ext uri="{FF2B5EF4-FFF2-40B4-BE49-F238E27FC236}">
+                <a16:creationId xmlns:a16="http://schemas.microsoft.com/office/drawing/2014/main" id="{DB18B619-72AA-B53B-842C-25D7CC751A7D}"/>
+              </a:ext>
+            </a:extLst>
+          </p:cNvPr>
+          <p:cNvPicPr>
+            <a:picLocks noChangeAspect="1"/>
+          </p:cNvPicPr>
+          <p:nvPr/>
+        </p:nvPicPr>
+        <p:blipFill>
+          <a:blip r:embed="rId3"/>
+          <a:stretch>
+            <a:fillRect/>
+          </a:stretch>
+        </p:blipFill>
+        <p:spPr>
+          <a:xfrm>
+            <a:off x="2011934" y="1478772"/>
+            <a:ext cx="2448267" cy="4610743"/>
+          </a:xfrm>
+          <a:prstGeom prst="rect">
+            <a:avLst/>
+          </a:prstGeom>
+        </p:spPr>
+      </p:pic>
+      <p:sp>
+        <p:nvSpPr>
+          <p:cNvPr id="10" name="TextBox 9">
+            <a:extLst>
+              <a:ext uri="{FF2B5EF4-FFF2-40B4-BE49-F238E27FC236}">
+                <a16:creationId xmlns:a16="http://schemas.microsoft.com/office/drawing/2014/main" id="{CCD19849-0253-54D5-913A-6355CA3E0A7C}"/>
+              </a:ext>
+            </a:extLst>
+          </p:cNvPr>
+          <p:cNvSpPr txBox="1"/>
+          <p:nvPr/>
+        </p:nvSpPr>
+        <p:spPr>
+          <a:xfrm>
+            <a:off x="2801630" y="1010976"/>
+            <a:ext cx="1290769" cy="307777"/>
+          </a:xfrm>
+          <a:prstGeom prst="rect">
+            <a:avLst/>
+          </a:prstGeom>
+          <a:noFill/>
+        </p:spPr>
+        <p:txBody>
+          <a:bodyPr wrap="square">
+            <a:spAutoFit/>
+          </a:bodyPr>
+          <a:lstStyle/>
+          <a:p>
+            <a:pPr>
+              <a:defRPr/>
+            </a:pPr>
+            <a:r>
+              <a:rPr lang="ko-KR" altLang="en-US" sz="1400" kern="0" dirty="0">
+                <a:ln w="9525">
+                  <a:noFill/>
+                </a:ln>
+                <a:solidFill>
+                  <a:schemeClr val="accent1">
+                    <a:lumMod val="75000"/>
+                  </a:schemeClr>
+                </a:solidFill>
+                <a:latin typeface="배달의민족 한나체 Pro OTF" panose="020B0600000101010101" pitchFamily="34" charset="-127"/>
+                <a:ea typeface="배달의민족 한나체 Pro OTF" panose="020B0600000101010101" pitchFamily="34" charset="-127"/>
+              </a:rPr>
+              <a:t>이전 패치 버전</a:t>
+            </a:r>
+          </a:p>
+        </p:txBody>
+      </p:sp>
+      <p:sp>
+        <p:nvSpPr>
+          <p:cNvPr id="11" name="TextBox 10">
+            <a:extLst>
+              <a:ext uri="{FF2B5EF4-FFF2-40B4-BE49-F238E27FC236}">
+                <a16:creationId xmlns:a16="http://schemas.microsoft.com/office/drawing/2014/main" id="{538CD72A-0505-F9C0-E1A2-85AB41AE95E3}"/>
+              </a:ext>
+            </a:extLst>
+          </p:cNvPr>
+          <p:cNvSpPr txBox="1"/>
+          <p:nvPr/>
+        </p:nvSpPr>
+        <p:spPr>
+          <a:xfrm>
+            <a:off x="7431698" y="1010976"/>
+            <a:ext cx="856267" cy="307777"/>
+          </a:xfrm>
+          <a:prstGeom prst="rect">
+            <a:avLst/>
+          </a:prstGeom>
+          <a:noFill/>
+        </p:spPr>
+        <p:txBody>
+          <a:bodyPr wrap="square">
+            <a:spAutoFit/>
+          </a:bodyPr>
+          <a:lstStyle/>
+          <a:p>
+            <a:pPr>
+              <a:defRPr/>
+            </a:pPr>
+            <a:r>
+              <a:rPr lang="ko-KR" altLang="en-US" sz="1400" kern="0" dirty="0">
+                <a:ln w="9525">
+                  <a:noFill/>
+                </a:ln>
+                <a:solidFill>
+                  <a:schemeClr val="accent1">
+                    <a:lumMod val="75000"/>
+                  </a:schemeClr>
+                </a:solidFill>
+                <a:latin typeface="배달의민족 한나체 Pro OTF" panose="020B0600000101010101" pitchFamily="34" charset="-127"/>
+                <a:ea typeface="배달의민족 한나체 Pro OTF" panose="020B0600000101010101" pitchFamily="34" charset="-127"/>
+              </a:rPr>
+              <a:t>현재 버전</a:t>
+            </a:r>
+          </a:p>
+        </p:txBody>
+      </p:sp>
     </p:spTree>
     <p:extLst>
       <p:ext uri="{BB962C8B-B14F-4D97-AF65-F5344CB8AC3E}">
-        <p14:creationId xmlns:p14="http://schemas.microsoft.com/office/powerpoint/2010/main" val="507917335"/>
+        <p14:creationId xmlns:p14="http://schemas.microsoft.com/office/powerpoint/2010/main" val="1865875821"/>
       </p:ext>
     </p:extLst>
   </p:cSld>
@@ -7945,10 +11140,10 @@
       </p:sp>
       <p:pic>
         <p:nvPicPr>
-          <p:cNvPr id="5" name="그림 4">
-            <a:extLst>
-              <a:ext uri="{FF2B5EF4-FFF2-40B4-BE49-F238E27FC236}">
-                <a16:creationId xmlns:a16="http://schemas.microsoft.com/office/drawing/2014/main" id="{F4B2C814-64F4-C314-122C-6AAEF20961FB}"/>
+          <p:cNvPr id="4" name="그림 3">
+            <a:extLst>
+              <a:ext uri="{FF2B5EF4-FFF2-40B4-BE49-F238E27FC236}">
+                <a16:creationId xmlns:a16="http://schemas.microsoft.com/office/drawing/2014/main" id="{D9C393AC-8716-C88C-CE0C-2D1FB38B7F8B}"/>
               </a:ext>
             </a:extLst>
           </p:cNvPr>
@@ -7965,18 +11160,137 @@
         </p:blipFill>
         <p:spPr>
           <a:xfrm>
-            <a:off x="1044143" y="1360514"/>
-            <a:ext cx="5220429" cy="4934639"/>
+            <a:off x="2220243" y="1291754"/>
+            <a:ext cx="7751506" cy="4770927"/>
           </a:xfrm>
           <a:prstGeom prst="rect">
             <a:avLst/>
           </a:prstGeom>
         </p:spPr>
       </p:pic>
+      <p:sp>
+        <p:nvSpPr>
+          <p:cNvPr id="5" name="Rounded Rectangle 319">
+            <a:extLst>
+              <a:ext uri="{FF2B5EF4-FFF2-40B4-BE49-F238E27FC236}">
+                <a16:creationId xmlns:a16="http://schemas.microsoft.com/office/drawing/2014/main" id="{4909F9CF-1C85-2D14-5F4F-77A6E1535F67}"/>
+              </a:ext>
+            </a:extLst>
+          </p:cNvPr>
+          <p:cNvSpPr>
+            <a:spLocks noChangeArrowheads="1"/>
+          </p:cNvSpPr>
+          <p:nvPr/>
+        </p:nvSpPr>
+        <p:spPr bwMode="auto">
+          <a:xfrm>
+            <a:off x="4265573" y="6210996"/>
+            <a:ext cx="3660846" cy="294283"/>
+          </a:xfrm>
+          <a:prstGeom prst="roundRect">
+            <a:avLst>
+              <a:gd name="adj" fmla="val 50000"/>
+            </a:avLst>
+          </a:prstGeom>
+          <a:solidFill>
+            <a:schemeClr val="accent5">
+              <a:lumMod val="75000"/>
+            </a:schemeClr>
+          </a:solidFill>
+          <a:ln>
+            <a:noFill/>
+          </a:ln>
+          <a:effectLst/>
+        </p:spPr>
+        <p:txBody>
+          <a:bodyPr wrap="none" anchor="ctr"/>
+          <a:lstStyle/>
+          <a:p>
+            <a:pPr algn="ctr"/>
+            <a:r>
+              <a:rPr lang="ko-KR" altLang="en-US" sz="1400" dirty="0">
+                <a:solidFill>
+                  <a:schemeClr val="bg1"/>
+                </a:solidFill>
+                <a:latin typeface="배달의민족 한나체 Pro OTF" panose="020B0600000101010101" pitchFamily="34" charset="-127"/>
+                <a:ea typeface="배달의민족 한나체 Pro OTF" panose="020B0600000101010101" pitchFamily="34" charset="-127"/>
+              </a:rPr>
+              <a:t>길이가 </a:t>
+            </a:r>
+            <a:r>
+              <a:rPr lang="en-US" altLang="ko-KR" sz="1400" dirty="0">
+                <a:solidFill>
+                  <a:schemeClr val="bg1"/>
+                </a:solidFill>
+                <a:latin typeface="배달의민족 한나체 Pro OTF" panose="020B0600000101010101" pitchFamily="34" charset="-127"/>
+                <a:ea typeface="배달의민족 한나체 Pro OTF" panose="020B0600000101010101" pitchFamily="34" charset="-127"/>
+              </a:rPr>
+              <a:t>7</a:t>
+            </a:r>
+            <a:r>
+              <a:rPr lang="ko-KR" altLang="en-US" sz="1400" dirty="0">
+                <a:solidFill>
+                  <a:schemeClr val="bg1"/>
+                </a:solidFill>
+                <a:latin typeface="배달의민족 한나체 Pro OTF" panose="020B0600000101010101" pitchFamily="34" charset="-127"/>
+                <a:ea typeface="배달의민족 한나체 Pro OTF" panose="020B0600000101010101" pitchFamily="34" charset="-127"/>
+              </a:rPr>
+              <a:t>인 유닛 조합의</a:t>
+            </a:r>
+            <a:r>
+              <a:rPr lang="en-US" altLang="ko-KR" sz="1400" dirty="0">
+                <a:solidFill>
+                  <a:schemeClr val="bg1"/>
+                </a:solidFill>
+                <a:latin typeface="배달의민족 한나체 Pro OTF" panose="020B0600000101010101" pitchFamily="34" charset="-127"/>
+                <a:ea typeface="배달의민족 한나체 Pro OTF" panose="020B0600000101010101" pitchFamily="34" charset="-127"/>
+              </a:rPr>
+              <a:t> </a:t>
+            </a:r>
+            <a:r>
+              <a:rPr lang="ko-KR" altLang="en-US" sz="1400" dirty="0">
+                <a:solidFill>
+                  <a:schemeClr val="bg1"/>
+                </a:solidFill>
+                <a:latin typeface="배달의민족 한나체 Pro OTF" panose="020B0600000101010101" pitchFamily="34" charset="-127"/>
+                <a:ea typeface="배달의민족 한나체 Pro OTF" panose="020B0600000101010101" pitchFamily="34" charset="-127"/>
+              </a:rPr>
+              <a:t>비율 기준 </a:t>
+            </a:r>
+            <a:r>
+              <a:rPr lang="en-US" altLang="ko-KR" sz="1400" dirty="0">
+                <a:solidFill>
+                  <a:schemeClr val="bg1"/>
+                </a:solidFill>
+                <a:latin typeface="배달의민족 한나체 Pro OTF" panose="020B0600000101010101" pitchFamily="34" charset="-127"/>
+                <a:ea typeface="배달의민족 한나체 Pro OTF" panose="020B0600000101010101" pitchFamily="34" charset="-127"/>
+              </a:rPr>
+              <a:t>TOP 10</a:t>
+            </a:r>
+            <a:r>
+              <a:rPr lang="ko-KR" altLang="en-US" sz="1400" dirty="0">
+                <a:solidFill>
+                  <a:schemeClr val="bg1"/>
+                </a:solidFill>
+                <a:latin typeface="배달의민족 한나체 Pro OTF" panose="020B0600000101010101" pitchFamily="34" charset="-127"/>
+                <a:ea typeface="배달의민족 한나체 Pro OTF" panose="020B0600000101010101" pitchFamily="34" charset="-127"/>
+              </a:rPr>
+              <a:t> </a:t>
+            </a:r>
+            <a:endParaRPr lang="en-US" sz="1400" dirty="0">
+              <a:solidFill>
+                <a:schemeClr val="bg1"/>
+              </a:solidFill>
+              <a:latin typeface="배달의민족 한나체 Pro OTF" panose="020B0600000101010101" pitchFamily="34" charset="-127"/>
+              <a:ea typeface="배달의민족 한나체 Pro OTF" panose="020B0600000101010101" pitchFamily="34" charset="-127"/>
+            </a:endParaRPr>
+          </a:p>
+        </p:txBody>
+      </p:sp>
     </p:spTree>
     <p:extLst>
       <p:ext uri="{BB962C8B-B14F-4D97-AF65-F5344CB8AC3E}">
-        <p14:creationId xmlns:p14="http://schemas.microsoft.com/office/powerpoint/2010/main" val="1865875821"/>
+        <p14:creationId xmlns:p14="http://schemas.microsoft.com/office/powerpoint/2010/main" val="1863002844"/>
       </p:ext>
     </p:extLst>
   </p:cSld>
@@ -9541,7 +12855,29 @@
                 <a:ea typeface="배달의민족 한나체 Pro OTF" panose="020B0600000101010101" pitchFamily="34" charset="-127"/>
                 <a:cs typeface="Poppins" pitchFamily="2" charset="77"/>
               </a:rPr>
-              <a:t>결론 및 개선</a:t>
+              <a:t>결론 </a:t>
+            </a:r>
+            <a:r>
+              <a:rPr lang="en-US" altLang="ko-KR" sz="2000" b="1" spc="-23" dirty="0">
+                <a:solidFill>
+                  <a:srgbClr val="005A9E"/>
+                </a:solidFill>
+                <a:latin typeface="배달의민족 한나체 Pro OTF" panose="020B0600000101010101" pitchFamily="34" charset="-127"/>
+                <a:ea typeface="배달의민족 한나체 Pro OTF" panose="020B0600000101010101" pitchFamily="34" charset="-127"/>
+                <a:cs typeface="Poppins" pitchFamily="2" charset="77"/>
+              </a:rPr>
+              <a:t>&amp; </a:t>
+            </a:r>
+            <a:r>
+              <a:rPr lang="ko-KR" altLang="en-US" sz="2000" b="1" spc="-23" dirty="0">
+                <a:solidFill>
+                  <a:srgbClr val="005A9E"/>
+                </a:solidFill>
+                <a:latin typeface="배달의민족 한나체 Pro OTF" panose="020B0600000101010101" pitchFamily="34" charset="-127"/>
+                <a:ea typeface="배달의민족 한나체 Pro OTF" panose="020B0600000101010101" pitchFamily="34" charset="-127"/>
+                <a:cs typeface="Poppins" pitchFamily="2" charset="77"/>
+              </a:rPr>
+              <a:t>향후 과제</a:t>
             </a:r>
             <a:endParaRPr lang="en-US" sz="2000" b="1" spc="-23" dirty="0">
               <a:solidFill>
@@ -10077,7 +13413,7 @@
                 <a:latin typeface="배달의민족 한나체 Pro OTF" panose="020B0600000101010101" pitchFamily="34" charset="-127"/>
                 <a:ea typeface="배달의민족 한나체 Pro OTF" panose="020B0600000101010101" pitchFamily="34" charset="-127"/>
               </a:rPr>
-              <a:t>유닛 조합 통계 분석</a:t>
+              <a:t>특성 조합 통계 분석</a:t>
             </a:r>
           </a:p>
         </p:txBody>
@@ -10138,10 +13474,10 @@
       </p:sp>
       <p:pic>
         <p:nvPicPr>
-          <p:cNvPr id="4" name="그림 3">
-            <a:extLst>
-              <a:ext uri="{FF2B5EF4-FFF2-40B4-BE49-F238E27FC236}">
-                <a16:creationId xmlns:a16="http://schemas.microsoft.com/office/drawing/2014/main" id="{D9C393AC-8716-C88C-CE0C-2D1FB38B7F8B}"/>
+          <p:cNvPr id="9" name="그림 8">
+            <a:extLst>
+              <a:ext uri="{FF2B5EF4-FFF2-40B4-BE49-F238E27FC236}">
+                <a16:creationId xmlns:a16="http://schemas.microsoft.com/office/drawing/2014/main" id="{051E0242-07AE-E273-5235-153AE8338F14}"/>
               </a:ext>
             </a:extLst>
           </p:cNvPr>
@@ -10158,18 +13494,276 @@
         </p:blipFill>
         <p:spPr>
           <a:xfrm>
-            <a:off x="2220247" y="1448800"/>
-            <a:ext cx="7751506" cy="4770927"/>
+            <a:off x="2224262" y="1222648"/>
+            <a:ext cx="7743473" cy="3990449"/>
           </a:xfrm>
           <a:prstGeom prst="rect">
             <a:avLst/>
           </a:prstGeom>
         </p:spPr>
       </p:pic>
+      <p:sp>
+        <p:nvSpPr>
+          <p:cNvPr id="19" name="Freeform 135">
+            <a:extLst>
+              <a:ext uri="{FF2B5EF4-FFF2-40B4-BE49-F238E27FC236}">
+                <a16:creationId xmlns:a16="http://schemas.microsoft.com/office/drawing/2014/main" id="{4F19B06A-A6F8-4C56-FCDD-32D0583B8818}"/>
+              </a:ext>
+            </a:extLst>
+          </p:cNvPr>
+          <p:cNvSpPr>
+            <a:spLocks noChangeArrowheads="1"/>
+          </p:cNvSpPr>
+          <p:nvPr/>
+        </p:nvSpPr>
+        <p:spPr bwMode="auto">
+          <a:xfrm>
+            <a:off x="1913010" y="5315045"/>
+            <a:ext cx="8365978" cy="1410899"/>
+          </a:xfrm>
+          <a:prstGeom prst="roundRect">
+            <a:avLst>
+              <a:gd name="adj" fmla="val 6484"/>
+            </a:avLst>
+          </a:prstGeom>
+          <a:solidFill>
+            <a:schemeClr val="bg1">
+              <a:lumMod val="85000"/>
+              <a:alpha val="15000"/>
+            </a:schemeClr>
+          </a:solidFill>
+          <a:ln>
+            <a:noFill/>
+          </a:ln>
+          <a:effectLst/>
+        </p:spPr>
+        <p:txBody>
+          <a:bodyPr wrap="none" anchor="ctr"/>
+          <a:lstStyle>
+            <a:defPPr>
+              <a:defRPr lang="en-US"/>
+            </a:defPPr>
+            <a:lvl1pPr marL="0" algn="l" defTabSz="1828434" rtl="0" eaLnBrk="1" latinLnBrk="0" hangingPunct="1">
+              <a:defRPr sz="3600" kern="1200">
+                <a:solidFill>
+                  <a:schemeClr val="tx1"/>
+                </a:solidFill>
+                <a:latin typeface="+mn-lt"/>
+                <a:ea typeface="+mn-ea"/>
+                <a:cs typeface="+mn-cs"/>
+              </a:defRPr>
+            </a:lvl1pPr>
+            <a:lvl2pPr marL="914217" algn="l" defTabSz="1828434" rtl="0" eaLnBrk="1" latinLnBrk="0" hangingPunct="1">
+              <a:defRPr sz="3600" kern="1200">
+                <a:solidFill>
+                  <a:schemeClr val="tx1"/>
+                </a:solidFill>
+                <a:latin typeface="+mn-lt"/>
+                <a:ea typeface="+mn-ea"/>
+                <a:cs typeface="+mn-cs"/>
+              </a:defRPr>
+            </a:lvl2pPr>
+            <a:lvl3pPr marL="1828434" algn="l" defTabSz="1828434" rtl="0" eaLnBrk="1" latinLnBrk="0" hangingPunct="1">
+              <a:defRPr sz="3600" kern="1200">
+                <a:solidFill>
+                  <a:schemeClr val="tx1"/>
+                </a:solidFill>
+                <a:latin typeface="+mn-lt"/>
+                <a:ea typeface="+mn-ea"/>
+                <a:cs typeface="+mn-cs"/>
+              </a:defRPr>
+            </a:lvl3pPr>
+            <a:lvl4pPr marL="2742651" algn="l" defTabSz="1828434" rtl="0" eaLnBrk="1" latinLnBrk="0" hangingPunct="1">
+              <a:defRPr sz="3600" kern="1200">
+                <a:solidFill>
+                  <a:schemeClr val="tx1"/>
+                </a:solidFill>
+                <a:latin typeface="+mn-lt"/>
+                <a:ea typeface="+mn-ea"/>
+                <a:cs typeface="+mn-cs"/>
+              </a:defRPr>
+            </a:lvl4pPr>
+            <a:lvl5pPr marL="3656868" algn="l" defTabSz="1828434" rtl="0" eaLnBrk="1" latinLnBrk="0" hangingPunct="1">
+              <a:defRPr sz="3600" kern="1200">
+                <a:solidFill>
+                  <a:schemeClr val="tx1"/>
+                </a:solidFill>
+                <a:latin typeface="+mn-lt"/>
+                <a:ea typeface="+mn-ea"/>
+                <a:cs typeface="+mn-cs"/>
+              </a:defRPr>
+            </a:lvl5pPr>
+            <a:lvl6pPr marL="4571086" algn="l" defTabSz="1828434" rtl="0" eaLnBrk="1" latinLnBrk="0" hangingPunct="1">
+              <a:defRPr sz="3600" kern="1200">
+                <a:solidFill>
+                  <a:schemeClr val="tx1"/>
+                </a:solidFill>
+                <a:latin typeface="+mn-lt"/>
+                <a:ea typeface="+mn-ea"/>
+                <a:cs typeface="+mn-cs"/>
+              </a:defRPr>
+            </a:lvl6pPr>
+            <a:lvl7pPr marL="5485303" algn="l" defTabSz="1828434" rtl="0" eaLnBrk="1" latinLnBrk="0" hangingPunct="1">
+              <a:defRPr sz="3600" kern="1200">
+                <a:solidFill>
+                  <a:schemeClr val="tx1"/>
+                </a:solidFill>
+                <a:latin typeface="+mn-lt"/>
+                <a:ea typeface="+mn-ea"/>
+                <a:cs typeface="+mn-cs"/>
+              </a:defRPr>
+            </a:lvl7pPr>
+            <a:lvl8pPr marL="6399520" algn="l" defTabSz="1828434" rtl="0" eaLnBrk="1" latinLnBrk="0" hangingPunct="1">
+              <a:defRPr sz="3600" kern="1200">
+                <a:solidFill>
+                  <a:schemeClr val="tx1"/>
+                </a:solidFill>
+                <a:latin typeface="+mn-lt"/>
+                <a:ea typeface="+mn-ea"/>
+                <a:cs typeface="+mn-cs"/>
+              </a:defRPr>
+            </a:lvl8pPr>
+            <a:lvl9pPr marL="7313737" algn="l" defTabSz="1828434" rtl="0" eaLnBrk="1" latinLnBrk="0" hangingPunct="1">
+              <a:defRPr sz="3600" kern="1200">
+                <a:solidFill>
+                  <a:schemeClr val="tx1"/>
+                </a:solidFill>
+                <a:latin typeface="+mn-lt"/>
+                <a:ea typeface="+mn-ea"/>
+                <a:cs typeface="+mn-cs"/>
+              </a:defRPr>
+            </a:lvl9pPr>
+          </a:lstStyle>
+          <a:p>
+            <a:endParaRPr lang="en-US" dirty="0"/>
+          </a:p>
+        </p:txBody>
+      </p:sp>
+      <p:sp>
+        <p:nvSpPr>
+          <p:cNvPr id="20" name="TextBox 19">
+            <a:extLst>
+              <a:ext uri="{FF2B5EF4-FFF2-40B4-BE49-F238E27FC236}">
+                <a16:creationId xmlns:a16="http://schemas.microsoft.com/office/drawing/2014/main" id="{28E082D3-1A2A-1D74-87A3-ECB608071C1C}"/>
+              </a:ext>
+            </a:extLst>
+          </p:cNvPr>
+          <p:cNvSpPr txBox="1"/>
+          <p:nvPr/>
+        </p:nvSpPr>
+        <p:spPr>
+          <a:xfrm>
+            <a:off x="2023731" y="5276669"/>
+            <a:ext cx="8144536" cy="1410899"/>
+          </a:xfrm>
+          <a:prstGeom prst="rect">
+            <a:avLst/>
+          </a:prstGeom>
+          <a:noFill/>
+        </p:spPr>
+        <p:txBody>
+          <a:bodyPr wrap="square" rtlCol="0">
+            <a:spAutoFit/>
+          </a:bodyPr>
+          <a:lstStyle/>
+          <a:p>
+            <a:pPr algn="ctr">
+              <a:lnSpc>
+                <a:spcPts val="3600"/>
+              </a:lnSpc>
+            </a:pPr>
+            <a:r>
+              <a:rPr lang="ko-KR" altLang="en-US" sz="1600" spc="-20" dirty="0">
+                <a:latin typeface="Noto Sans KR Light" panose="020B0200000000000000" pitchFamily="50" charset="-127"/>
+                <a:ea typeface="Noto Sans KR Light" panose="020B0200000000000000" pitchFamily="50" charset="-127"/>
+                <a:cs typeface="Poppins" panose="00000500000000000000" pitchFamily="2" charset="0"/>
+              </a:rPr>
+              <a:t>각 플레이어가 게임에서 사용한 특성 조합의 모든 부분집합을 구하여 분석을 수행</a:t>
+            </a:r>
+            <a:endParaRPr lang="en-US" altLang="ko-KR" sz="1600" spc="-20" dirty="0">
+              <a:latin typeface="Noto Sans KR Light" panose="020B0200000000000000" pitchFamily="50" charset="-127"/>
+              <a:ea typeface="Noto Sans KR Light" panose="020B0200000000000000" pitchFamily="50" charset="-127"/>
+              <a:cs typeface="Poppins" panose="00000500000000000000" pitchFamily="2" charset="0"/>
+            </a:endParaRPr>
+          </a:p>
+          <a:p>
+            <a:pPr algn="ctr">
+              <a:lnSpc>
+                <a:spcPts val="3600"/>
+              </a:lnSpc>
+            </a:pPr>
+            <a:r>
+              <a:rPr lang="ko-KR" altLang="en-US" sz="1600" spc="-20" dirty="0">
+                <a:latin typeface="Noto Sans KR Light" panose="020B0200000000000000" pitchFamily="50" charset="-127"/>
+                <a:ea typeface="Noto Sans KR Light" panose="020B0200000000000000" pitchFamily="50" charset="-127"/>
+                <a:cs typeface="Poppins" panose="00000500000000000000" pitchFamily="2" charset="0"/>
+              </a:rPr>
+              <a:t>각 조합의 등장 비율과 해당 조합의 평균순위의 </a:t>
+            </a:r>
+            <a:r>
+              <a:rPr lang="ko-KR" altLang="en-US" sz="1600" spc="-20" dirty="0" err="1">
+                <a:latin typeface="Noto Sans KR Light" panose="020B0200000000000000" pitchFamily="50" charset="-127"/>
+                <a:ea typeface="Noto Sans KR Light" panose="020B0200000000000000" pitchFamily="50" charset="-127"/>
+                <a:cs typeface="Poppins" panose="00000500000000000000" pitchFamily="2" charset="0"/>
+              </a:rPr>
+              <a:t>산점도</a:t>
+            </a:r>
+            <a:r>
+              <a:rPr lang="ko-KR" altLang="en-US" sz="1600" spc="-20" dirty="0">
+                <a:latin typeface="Noto Sans KR Light" panose="020B0200000000000000" pitchFamily="50" charset="-127"/>
+                <a:ea typeface="Noto Sans KR Light" panose="020B0200000000000000" pitchFamily="50" charset="-127"/>
+                <a:cs typeface="Poppins" panose="00000500000000000000" pitchFamily="2" charset="0"/>
+              </a:rPr>
+              <a:t> 그래프</a:t>
+            </a:r>
+            <a:endParaRPr lang="en-US" altLang="ko-KR" sz="1600" spc="-20" dirty="0">
+              <a:latin typeface="Noto Sans KR Light" panose="020B0200000000000000" pitchFamily="50" charset="-127"/>
+              <a:ea typeface="Noto Sans KR Light" panose="020B0200000000000000" pitchFamily="50" charset="-127"/>
+              <a:cs typeface="Poppins" panose="00000500000000000000" pitchFamily="2" charset="0"/>
+            </a:endParaRPr>
+          </a:p>
+          <a:p>
+            <a:pPr algn="ctr">
+              <a:lnSpc>
+                <a:spcPts val="3600"/>
+              </a:lnSpc>
+            </a:pPr>
+            <a:r>
+              <a:rPr lang="ko-KR" altLang="en-US" sz="1600" spc="-20" dirty="0">
+                <a:latin typeface="Noto Sans KR Light" panose="020B0200000000000000" pitchFamily="50" charset="-127"/>
+                <a:ea typeface="Noto Sans KR Light" panose="020B0200000000000000" pitchFamily="50" charset="-127"/>
+                <a:cs typeface="Poppins" panose="00000500000000000000" pitchFamily="2" charset="0"/>
+              </a:rPr>
+              <a:t>원의 크기는 등장비율</a:t>
+            </a:r>
+            <a:r>
+              <a:rPr lang="en-US" altLang="ko-KR" sz="1600" spc="-20" dirty="0">
+                <a:latin typeface="Noto Sans KR Light" panose="020B0200000000000000" pitchFamily="50" charset="-127"/>
+                <a:ea typeface="Noto Sans KR Light" panose="020B0200000000000000" pitchFamily="50" charset="-127"/>
+                <a:cs typeface="Poppins" panose="00000500000000000000" pitchFamily="2" charset="0"/>
+              </a:rPr>
+              <a:t>, </a:t>
+            </a:r>
+            <a:r>
+              <a:rPr lang="ko-KR" altLang="en-US" sz="1600" spc="-20" dirty="0">
+                <a:latin typeface="Noto Sans KR Light" panose="020B0200000000000000" pitchFamily="50" charset="-127"/>
+                <a:ea typeface="Noto Sans KR Light" panose="020B0200000000000000" pitchFamily="50" charset="-127"/>
+                <a:cs typeface="Poppins" panose="00000500000000000000" pitchFamily="2" charset="0"/>
+              </a:rPr>
+              <a:t>색깔은 조합의 길이를 나타냄</a:t>
+            </a:r>
+            <a:endParaRPr lang="en-US" sz="1600" spc="-20" dirty="0">
+              <a:latin typeface="Noto Sans KR Light" panose="020B0200000000000000" pitchFamily="50" charset="-127"/>
+              <a:ea typeface="Noto Sans KR Light" panose="020B0200000000000000" pitchFamily="50" charset="-127"/>
+              <a:cs typeface="Poppins" panose="00000500000000000000" pitchFamily="2" charset="0"/>
+            </a:endParaRPr>
+          </a:p>
+        </p:txBody>
+      </p:sp>
     </p:spTree>
     <p:extLst>
       <p:ext uri="{BB962C8B-B14F-4D97-AF65-F5344CB8AC3E}">
-        <p14:creationId xmlns:p14="http://schemas.microsoft.com/office/powerpoint/2010/main" val="1863002844"/>
+        <p14:creationId xmlns:p14="http://schemas.microsoft.com/office/powerpoint/2010/main" val="3492336288"/>
       </p:ext>
     </p:extLst>
   </p:cSld>
@@ -10424,10 +14018,10 @@
       </p:sp>
       <p:pic>
         <p:nvPicPr>
-          <p:cNvPr id="9" name="그림 8">
-            <a:extLst>
-              <a:ext uri="{FF2B5EF4-FFF2-40B4-BE49-F238E27FC236}">
-                <a16:creationId xmlns:a16="http://schemas.microsoft.com/office/drawing/2014/main" id="{051E0242-07AE-E273-5235-153AE8338F14}"/>
+          <p:cNvPr id="6" name="그림 5">
+            <a:extLst>
+              <a:ext uri="{FF2B5EF4-FFF2-40B4-BE49-F238E27FC236}">
+                <a16:creationId xmlns:a16="http://schemas.microsoft.com/office/drawing/2014/main" id="{20350CDD-2013-089E-2522-8A26F071204D}"/>
               </a:ext>
             </a:extLst>
           </p:cNvPr>
@@ -10444,18 +14038,355 @@
         </p:blipFill>
         <p:spPr>
           <a:xfrm>
-            <a:off x="2334382" y="1252760"/>
-            <a:ext cx="7523236" cy="5179039"/>
+            <a:off x="739046" y="1381111"/>
+            <a:ext cx="6706705" cy="4854102"/>
           </a:xfrm>
           <a:prstGeom prst="rect">
             <a:avLst/>
           </a:prstGeom>
         </p:spPr>
       </p:pic>
+      <p:sp>
+        <p:nvSpPr>
+          <p:cNvPr id="7" name="Line 283">
+            <a:extLst>
+              <a:ext uri="{FF2B5EF4-FFF2-40B4-BE49-F238E27FC236}">
+                <a16:creationId xmlns:a16="http://schemas.microsoft.com/office/drawing/2014/main" id="{C10CA64B-A07F-A664-8B5B-2CD609077736}"/>
+              </a:ext>
+            </a:extLst>
+          </p:cNvPr>
+          <p:cNvSpPr>
+            <a:spLocks noChangeShapeType="1"/>
+          </p:cNvSpPr>
+          <p:nvPr/>
+        </p:nvSpPr>
+        <p:spPr bwMode="auto">
+          <a:xfrm>
+            <a:off x="8223786" y="3049837"/>
+            <a:ext cx="2862268" cy="0"/>
+          </a:xfrm>
+          <a:prstGeom prst="line">
+            <a:avLst/>
+          </a:prstGeom>
+          <a:noFill/>
+          <a:ln w="25400" cap="rnd">
+            <a:solidFill>
+              <a:srgbClr val="FFCF37"/>
+            </a:solidFill>
+            <a:round/>
+            <a:headEnd/>
+            <a:tailEnd/>
+          </a:ln>
+          <a:effectLst/>
+          <a:extLst>
+            <a:ext uri="{909E8E84-426E-40DD-AFC4-6F175D3DCCD1}">
+              <a14:hiddenFill xmlns:a14="http://schemas.microsoft.com/office/drawing/2010/main">
+                <a:noFill/>
+              </a14:hiddenFill>
+            </a:ext>
+            <a:ext uri="{AF507438-7753-43E0-B8FC-AC1667EBCBE1}">
+              <a14:hiddenEffects xmlns:a14="http://schemas.microsoft.com/office/drawing/2010/main">
+                <a:effectLst>
+                  <a:outerShdw dist="35921" dir="2700000" algn="ctr" rotWithShape="0">
+                    <a:srgbClr val="808080"/>
+                  </a:outerShdw>
+                </a:effectLst>
+              </a14:hiddenEffects>
+            </a:ext>
+          </a:extLst>
+        </p:spPr>
+        <p:txBody>
+          <a:bodyPr/>
+          <a:lstStyle/>
+          <a:p>
+            <a:endParaRPr lang="en-US" sz="4900" dirty="0">
+              <a:latin typeface="Poppins" panose="00000500000000000000" pitchFamily="2" charset="0"/>
+            </a:endParaRPr>
+          </a:p>
+        </p:txBody>
+      </p:sp>
+      <p:sp>
+        <p:nvSpPr>
+          <p:cNvPr id="8" name="TextBox 7">
+            <a:extLst>
+              <a:ext uri="{FF2B5EF4-FFF2-40B4-BE49-F238E27FC236}">
+                <a16:creationId xmlns:a16="http://schemas.microsoft.com/office/drawing/2014/main" id="{BB1D3C7D-C776-DF7C-8B92-655F9E471DF1}"/>
+              </a:ext>
+            </a:extLst>
+          </p:cNvPr>
+          <p:cNvSpPr txBox="1"/>
+          <p:nvPr/>
+        </p:nvSpPr>
+        <p:spPr>
+          <a:xfrm>
+            <a:off x="9348306" y="2675858"/>
+            <a:ext cx="660325" cy="400110"/>
+          </a:xfrm>
+          <a:prstGeom prst="rect">
+            <a:avLst/>
+          </a:prstGeom>
+          <a:noFill/>
+        </p:spPr>
+        <p:txBody>
+          <a:bodyPr wrap="square">
+            <a:spAutoFit/>
+          </a:bodyPr>
+          <a:lstStyle/>
+          <a:p>
+            <a:pPr>
+              <a:defRPr/>
+            </a:pPr>
+            <a:r>
+              <a:rPr lang="ko-KR" altLang="en-US" sz="2000" kern="0" dirty="0">
+                <a:ln w="9525">
+                  <a:noFill/>
+                </a:ln>
+                <a:solidFill>
+                  <a:srgbClr val="005A9E"/>
+                </a:solidFill>
+                <a:latin typeface="배달의민족 한나체 Pro OTF" panose="020B0600000101010101" pitchFamily="34" charset="-127"/>
+                <a:ea typeface="배달의민족 한나체 Pro OTF" panose="020B0600000101010101" pitchFamily="34" charset="-127"/>
+              </a:rPr>
+              <a:t>결론</a:t>
+            </a:r>
+            <a:endParaRPr lang="ko-KR" altLang="en-US" sz="2000" dirty="0">
+              <a:solidFill>
+                <a:srgbClr val="005A9E"/>
+              </a:solidFill>
+              <a:latin typeface="배달의민족 한나체 Pro OTF" panose="020B0600000101010101" pitchFamily="34" charset="-127"/>
+              <a:ea typeface="배달의민족 한나체 Pro OTF" panose="020B0600000101010101" pitchFamily="34" charset="-127"/>
+            </a:endParaRPr>
+          </a:p>
+        </p:txBody>
+      </p:sp>
+      <p:sp>
+        <p:nvSpPr>
+          <p:cNvPr id="9" name="TextBox 8">
+            <a:extLst>
+              <a:ext uri="{FF2B5EF4-FFF2-40B4-BE49-F238E27FC236}">
+                <a16:creationId xmlns:a16="http://schemas.microsoft.com/office/drawing/2014/main" id="{FEC253E8-BEDA-577C-5ACE-C336129A11FD}"/>
+              </a:ext>
+            </a:extLst>
+          </p:cNvPr>
+          <p:cNvSpPr txBox="1"/>
+          <p:nvPr/>
+        </p:nvSpPr>
+        <p:spPr>
+          <a:xfrm>
+            <a:off x="7407823" y="3134645"/>
+            <a:ext cx="4494179" cy="1347035"/>
+          </a:xfrm>
+          <a:prstGeom prst="rect">
+            <a:avLst/>
+          </a:prstGeom>
+          <a:noFill/>
+        </p:spPr>
+        <p:txBody>
+          <a:bodyPr wrap="square" rtlCol="0">
+            <a:spAutoFit/>
+          </a:bodyPr>
+          <a:lstStyle/>
+          <a:p>
+            <a:pPr algn="ctr">
+              <a:lnSpc>
+                <a:spcPct val="150000"/>
+              </a:lnSpc>
+            </a:pPr>
+            <a:r>
+              <a:rPr lang="ko-KR" altLang="en-US" sz="1400" spc="-20" dirty="0">
+                <a:latin typeface="Noto Sans KR Light" panose="020B0200000000000000" pitchFamily="50" charset="-127"/>
+                <a:ea typeface="Noto Sans KR Light" panose="020B0200000000000000" pitchFamily="50" charset="-127"/>
+                <a:cs typeface="Poppins" panose="00000500000000000000" pitchFamily="2" charset="0"/>
+              </a:rPr>
+              <a:t>특성 간의 밸런스를 파악하기 위해서는</a:t>
+            </a:r>
+            <a:endParaRPr lang="en-US" altLang="ko-KR" sz="1400" spc="-20" dirty="0">
+              <a:latin typeface="Noto Sans KR Light" panose="020B0200000000000000" pitchFamily="50" charset="-127"/>
+              <a:ea typeface="Noto Sans KR Light" panose="020B0200000000000000" pitchFamily="50" charset="-127"/>
+              <a:cs typeface="Poppins" panose="00000500000000000000" pitchFamily="2" charset="0"/>
+            </a:endParaRPr>
+          </a:p>
+          <a:p>
+            <a:pPr algn="ctr">
+              <a:lnSpc>
+                <a:spcPct val="150000"/>
+              </a:lnSpc>
+            </a:pPr>
+            <a:r>
+              <a:rPr lang="ko-KR" altLang="en-US" sz="1400" spc="-20" dirty="0">
+                <a:latin typeface="Noto Sans KR Light" panose="020B0200000000000000" pitchFamily="50" charset="-127"/>
+                <a:ea typeface="Noto Sans KR Light" panose="020B0200000000000000" pitchFamily="50" charset="-127"/>
+                <a:cs typeface="Poppins" panose="00000500000000000000" pitchFamily="2" charset="0"/>
+              </a:rPr>
+              <a:t>가장 영향이 적은 단일 특성에 대한 히스토그램을 확인</a:t>
+            </a:r>
+            <a:endParaRPr lang="en-US" altLang="ko-KR" sz="1400" spc="-20" dirty="0">
+              <a:latin typeface="Noto Sans KR Light" panose="020B0200000000000000" pitchFamily="50" charset="-127"/>
+              <a:ea typeface="Noto Sans KR Light" panose="020B0200000000000000" pitchFamily="50" charset="-127"/>
+              <a:cs typeface="Poppins" panose="00000500000000000000" pitchFamily="2" charset="0"/>
+            </a:endParaRPr>
+          </a:p>
+          <a:p>
+            <a:pPr algn="ctr">
+              <a:lnSpc>
+                <a:spcPct val="150000"/>
+              </a:lnSpc>
+            </a:pPr>
+            <a:r>
+              <a:rPr lang="ko-KR" altLang="en-US" sz="1400" spc="-20" dirty="0">
+                <a:latin typeface="Noto Sans KR Light" panose="020B0200000000000000" pitchFamily="50" charset="-127"/>
+                <a:ea typeface="Noto Sans KR Light" panose="020B0200000000000000" pitchFamily="50" charset="-127"/>
+                <a:cs typeface="Poppins" panose="00000500000000000000" pitchFamily="2" charset="0"/>
+              </a:rPr>
+              <a:t>평균순위 </a:t>
+            </a:r>
+            <a:r>
+              <a:rPr lang="en-US" altLang="ko-KR" sz="1400" spc="-20" dirty="0">
+                <a:latin typeface="Noto Sans KR Light" panose="020B0200000000000000" pitchFamily="50" charset="-127"/>
+                <a:ea typeface="Noto Sans KR Light" panose="020B0200000000000000" pitchFamily="50" charset="-127"/>
+                <a:cs typeface="Poppins" panose="00000500000000000000" pitchFamily="2" charset="0"/>
+              </a:rPr>
+              <a:t>4.5</a:t>
+            </a:r>
+            <a:r>
+              <a:rPr lang="ko-KR" altLang="en-US" sz="1400" spc="-20" dirty="0">
+                <a:latin typeface="Noto Sans KR Light" panose="020B0200000000000000" pitchFamily="50" charset="-127"/>
+                <a:ea typeface="Noto Sans KR Light" panose="020B0200000000000000" pitchFamily="50" charset="-127"/>
+                <a:cs typeface="Poppins" panose="00000500000000000000" pitchFamily="2" charset="0"/>
+              </a:rPr>
+              <a:t>를 기준으로</a:t>
+            </a:r>
+            <a:r>
+              <a:rPr lang="en-US" altLang="ko-KR" sz="1400" spc="-20" dirty="0">
+                <a:latin typeface="Noto Sans KR Light" panose="020B0200000000000000" pitchFamily="50" charset="-127"/>
+                <a:ea typeface="Noto Sans KR Light" panose="020B0200000000000000" pitchFamily="50" charset="-127"/>
+                <a:cs typeface="Poppins" panose="00000500000000000000" pitchFamily="2" charset="0"/>
+              </a:rPr>
+              <a:t> </a:t>
+            </a:r>
+            <a:r>
+              <a:rPr lang="ko-KR" altLang="en-US" sz="1400" spc="-20" dirty="0">
+                <a:latin typeface="Noto Sans KR Light" panose="020B0200000000000000" pitchFamily="50" charset="-127"/>
+                <a:ea typeface="Noto Sans KR Light" panose="020B0200000000000000" pitchFamily="50" charset="-127"/>
+                <a:cs typeface="Poppins" panose="00000500000000000000" pitchFamily="2" charset="0"/>
+              </a:rPr>
+              <a:t>양끝단의 특성들은</a:t>
+            </a:r>
+            <a:endParaRPr lang="en-US" altLang="ko-KR" sz="1400" spc="-20" dirty="0">
+              <a:latin typeface="Noto Sans KR Light" panose="020B0200000000000000" pitchFamily="50" charset="-127"/>
+              <a:ea typeface="Noto Sans KR Light" panose="020B0200000000000000" pitchFamily="50" charset="-127"/>
+              <a:cs typeface="Poppins" panose="00000500000000000000" pitchFamily="2" charset="0"/>
+            </a:endParaRPr>
+          </a:p>
+          <a:p>
+            <a:pPr algn="ctr">
+              <a:lnSpc>
+                <a:spcPct val="150000"/>
+              </a:lnSpc>
+            </a:pPr>
+            <a:r>
+              <a:rPr lang="ko-KR" altLang="en-US" sz="1400" spc="-20" dirty="0">
+                <a:latin typeface="Noto Sans KR Light" panose="020B0200000000000000" pitchFamily="50" charset="-127"/>
+                <a:ea typeface="Noto Sans KR Light" panose="020B0200000000000000" pitchFamily="50" charset="-127"/>
+                <a:cs typeface="Poppins" panose="00000500000000000000" pitchFamily="2" charset="0"/>
+              </a:rPr>
+              <a:t>추후 버프</a:t>
+            </a:r>
+            <a:r>
+              <a:rPr lang="en-US" altLang="ko-KR" sz="1400" spc="-20" dirty="0">
+                <a:latin typeface="Noto Sans KR Light" panose="020B0200000000000000" pitchFamily="50" charset="-127"/>
+                <a:ea typeface="Noto Sans KR Light" panose="020B0200000000000000" pitchFamily="50" charset="-127"/>
+                <a:cs typeface="Poppins" panose="00000500000000000000" pitchFamily="2" charset="0"/>
+              </a:rPr>
+              <a:t>, </a:t>
+            </a:r>
+            <a:r>
+              <a:rPr lang="ko-KR" altLang="en-US" sz="1400" spc="-20" dirty="0" err="1">
+                <a:latin typeface="Noto Sans KR Light" panose="020B0200000000000000" pitchFamily="50" charset="-127"/>
+                <a:ea typeface="Noto Sans KR Light" panose="020B0200000000000000" pitchFamily="50" charset="-127"/>
+                <a:cs typeface="Poppins" panose="00000500000000000000" pitchFamily="2" charset="0"/>
+              </a:rPr>
+              <a:t>너프의</a:t>
+            </a:r>
+            <a:r>
+              <a:rPr lang="ko-KR" altLang="en-US" sz="1400" spc="-20" dirty="0">
+                <a:latin typeface="Noto Sans KR Light" panose="020B0200000000000000" pitchFamily="50" charset="-127"/>
+                <a:ea typeface="Noto Sans KR Light" panose="020B0200000000000000" pitchFamily="50" charset="-127"/>
+                <a:cs typeface="Poppins" panose="00000500000000000000" pitchFamily="2" charset="0"/>
+              </a:rPr>
+              <a:t> 대상으로 고려 가능</a:t>
+            </a:r>
+            <a:endParaRPr lang="en-US" altLang="ko-KR" sz="1400" spc="-20" dirty="0">
+              <a:latin typeface="Noto Sans KR Light" panose="020B0200000000000000" pitchFamily="50" charset="-127"/>
+              <a:ea typeface="Noto Sans KR Light" panose="020B0200000000000000" pitchFamily="50" charset="-127"/>
+              <a:cs typeface="Poppins" panose="00000500000000000000" pitchFamily="2" charset="0"/>
+            </a:endParaRPr>
+          </a:p>
+        </p:txBody>
+      </p:sp>
+      <p:sp>
+        <p:nvSpPr>
+          <p:cNvPr id="10" name="Rounded Rectangle 319">
+            <a:extLst>
+              <a:ext uri="{FF2B5EF4-FFF2-40B4-BE49-F238E27FC236}">
+                <a16:creationId xmlns:a16="http://schemas.microsoft.com/office/drawing/2014/main" id="{CE759F73-C094-ECFA-7201-37CFD1A3B6CB}"/>
+              </a:ext>
+            </a:extLst>
+          </p:cNvPr>
+          <p:cNvSpPr>
+            <a:spLocks noChangeArrowheads="1"/>
+          </p:cNvSpPr>
+          <p:nvPr/>
+        </p:nvSpPr>
+        <p:spPr bwMode="auto">
+          <a:xfrm>
+            <a:off x="2297915" y="6378982"/>
+            <a:ext cx="3588968" cy="294283"/>
+          </a:xfrm>
+          <a:prstGeom prst="roundRect">
+            <a:avLst>
+              <a:gd name="adj" fmla="val 50000"/>
+            </a:avLst>
+          </a:prstGeom>
+          <a:solidFill>
+            <a:schemeClr val="accent5">
+              <a:lumMod val="75000"/>
+            </a:schemeClr>
+          </a:solidFill>
+          <a:ln>
+            <a:noFill/>
+          </a:ln>
+          <a:effectLst/>
+        </p:spPr>
+        <p:txBody>
+          <a:bodyPr wrap="none" anchor="ctr"/>
+          <a:lstStyle/>
+          <a:p>
+            <a:pPr algn="ctr"/>
+            <a:r>
+              <a:rPr lang="ko-KR" altLang="en-US" sz="1400" dirty="0">
+                <a:solidFill>
+                  <a:schemeClr val="bg1"/>
+                </a:solidFill>
+                <a:latin typeface="배달의민족 한나체 Pro OTF" panose="020B0600000101010101" pitchFamily="34" charset="-127"/>
+                <a:ea typeface="배달의민족 한나체 Pro OTF" panose="020B0600000101010101" pitchFamily="34" charset="-127"/>
+              </a:rPr>
+              <a:t>생성한 특성 조합의 평균순위 히스토그램</a:t>
+            </a:r>
+            <a:endParaRPr lang="en-US" sz="1400" dirty="0">
+              <a:solidFill>
+                <a:schemeClr val="bg1"/>
+              </a:solidFill>
+              <a:latin typeface="배달의민족 한나체 Pro OTF" panose="020B0600000101010101" pitchFamily="34" charset="-127"/>
+              <a:ea typeface="배달의민족 한나체 Pro OTF" panose="020B0600000101010101" pitchFamily="34" charset="-127"/>
+            </a:endParaRPr>
+          </a:p>
+        </p:txBody>
+      </p:sp>
     </p:spTree>
     <p:extLst>
       <p:ext uri="{BB962C8B-B14F-4D97-AF65-F5344CB8AC3E}">
-        <p14:creationId xmlns:p14="http://schemas.microsoft.com/office/powerpoint/2010/main" val="3492336288"/>
+        <p14:creationId xmlns:p14="http://schemas.microsoft.com/office/powerpoint/2010/main" val="283135015"/>
       </p:ext>
     </p:extLst>
   </p:cSld>
@@ -10710,10 +14641,10 @@
       </p:sp>
       <p:pic>
         <p:nvPicPr>
-          <p:cNvPr id="5" name="그림 4">
-            <a:extLst>
-              <a:ext uri="{FF2B5EF4-FFF2-40B4-BE49-F238E27FC236}">
-                <a16:creationId xmlns:a16="http://schemas.microsoft.com/office/drawing/2014/main" id="{B922F702-9BB8-77F7-65E7-062E8A4143A1}"/>
+          <p:cNvPr id="6" name="그림 5">
+            <a:extLst>
+              <a:ext uri="{FF2B5EF4-FFF2-40B4-BE49-F238E27FC236}">
+                <a16:creationId xmlns:a16="http://schemas.microsoft.com/office/drawing/2014/main" id="{2E9CEA48-F650-405B-7E45-46A9BED09C37}"/>
               </a:ext>
             </a:extLst>
           </p:cNvPr>
@@ -10730,18 +14661,97 @@
         </p:blipFill>
         <p:spPr>
           <a:xfrm>
-            <a:off x="733407" y="1171562"/>
-            <a:ext cx="6358057" cy="5260237"/>
+            <a:off x="2792687" y="1298712"/>
+            <a:ext cx="6606619" cy="4892244"/>
           </a:xfrm>
           <a:prstGeom prst="rect">
             <a:avLst/>
           </a:prstGeom>
         </p:spPr>
       </p:pic>
+      <p:sp>
+        <p:nvSpPr>
+          <p:cNvPr id="4" name="Rounded Rectangle 319">
+            <a:extLst>
+              <a:ext uri="{FF2B5EF4-FFF2-40B4-BE49-F238E27FC236}">
+                <a16:creationId xmlns:a16="http://schemas.microsoft.com/office/drawing/2014/main" id="{535DAF3C-4100-C5FB-C318-4148EA5434A0}"/>
+              </a:ext>
+            </a:extLst>
+          </p:cNvPr>
+          <p:cNvSpPr>
+            <a:spLocks noChangeArrowheads="1"/>
+          </p:cNvSpPr>
+          <p:nvPr/>
+        </p:nvSpPr>
+        <p:spPr bwMode="auto">
+          <a:xfrm>
+            <a:off x="3790542" y="6360571"/>
+            <a:ext cx="4610911" cy="294283"/>
+          </a:xfrm>
+          <a:prstGeom prst="roundRect">
+            <a:avLst>
+              <a:gd name="adj" fmla="val 50000"/>
+            </a:avLst>
+          </a:prstGeom>
+          <a:solidFill>
+            <a:schemeClr val="accent5">
+              <a:lumMod val="75000"/>
+            </a:schemeClr>
+          </a:solidFill>
+          <a:ln>
+            <a:noFill/>
+          </a:ln>
+          <a:effectLst/>
+        </p:spPr>
+        <p:txBody>
+          <a:bodyPr wrap="none" anchor="ctr"/>
+          <a:lstStyle/>
+          <a:p>
+            <a:pPr algn="ctr"/>
+            <a:r>
+              <a:rPr lang="ko-KR" altLang="en-US" sz="1400" dirty="0">
+                <a:solidFill>
+                  <a:schemeClr val="bg1"/>
+                </a:solidFill>
+                <a:latin typeface="배달의민족 한나체 Pro OTF" panose="020B0600000101010101" pitchFamily="34" charset="-127"/>
+                <a:ea typeface="배달의민족 한나체 Pro OTF" panose="020B0600000101010101" pitchFamily="34" charset="-127"/>
+              </a:rPr>
+              <a:t>단일 특성의 등장 빈도</a:t>
+            </a:r>
+            <a:r>
+              <a:rPr lang="en-US" altLang="ko-KR" sz="1400" dirty="0">
+                <a:solidFill>
+                  <a:schemeClr val="bg1"/>
+                </a:solidFill>
+                <a:latin typeface="배달의민족 한나체 Pro OTF" panose="020B0600000101010101" pitchFamily="34" charset="-127"/>
+                <a:ea typeface="배달의민족 한나체 Pro OTF" panose="020B0600000101010101" pitchFamily="34" charset="-127"/>
+              </a:rPr>
+              <a:t>, </a:t>
+            </a:r>
+            <a:r>
+              <a:rPr lang="ko-KR" altLang="en-US" sz="1400" dirty="0">
+                <a:solidFill>
+                  <a:schemeClr val="bg1"/>
+                </a:solidFill>
+                <a:latin typeface="배달의민족 한나체 Pro OTF" panose="020B0600000101010101" pitchFamily="34" charset="-127"/>
+                <a:ea typeface="배달의민족 한나체 Pro OTF" panose="020B0600000101010101" pitchFamily="34" charset="-127"/>
+              </a:rPr>
+              <a:t>평균순위 기준 전체 히스토그램</a:t>
+            </a:r>
+            <a:endParaRPr lang="en-US" sz="1400" dirty="0">
+              <a:solidFill>
+                <a:schemeClr val="bg1"/>
+              </a:solidFill>
+              <a:latin typeface="배달의민족 한나체 Pro OTF" panose="020B0600000101010101" pitchFamily="34" charset="-127"/>
+              <a:ea typeface="배달의민족 한나체 Pro OTF" panose="020B0600000101010101" pitchFamily="34" charset="-127"/>
+            </a:endParaRPr>
+          </a:p>
+        </p:txBody>
+      </p:sp>
     </p:spTree>
     <p:extLst>
       <p:ext uri="{BB962C8B-B14F-4D97-AF65-F5344CB8AC3E}">
-        <p14:creationId xmlns:p14="http://schemas.microsoft.com/office/powerpoint/2010/main" val="283135015"/>
+        <p14:creationId xmlns:p14="http://schemas.microsoft.com/office/powerpoint/2010/main" val="2000431090"/>
       </p:ext>
     </p:extLst>
   </p:cSld>
@@ -10999,7 +15009,7 @@
           <p:cNvPr id="6" name="그림 5">
             <a:extLst>
               <a:ext uri="{FF2B5EF4-FFF2-40B4-BE49-F238E27FC236}">
-                <a16:creationId xmlns:a16="http://schemas.microsoft.com/office/drawing/2014/main" id="{2E9CEA48-F650-405B-7E45-46A9BED09C37}"/>
+                <a16:creationId xmlns:a16="http://schemas.microsoft.com/office/drawing/2014/main" id="{BD78511D-8BCC-96D8-09A5-979A0A02DC7A}"/>
               </a:ext>
             </a:extLst>
           </p:cNvPr>
@@ -11016,18 +15026,137 @@
         </p:blipFill>
         <p:spPr>
           <a:xfrm>
-            <a:off x="776675" y="1362118"/>
-            <a:ext cx="6606619" cy="4892244"/>
+            <a:off x="2168309" y="1247531"/>
+            <a:ext cx="7855379" cy="4901966"/>
           </a:xfrm>
           <a:prstGeom prst="rect">
             <a:avLst/>
           </a:prstGeom>
         </p:spPr>
       </p:pic>
+      <p:sp>
+        <p:nvSpPr>
+          <p:cNvPr id="4" name="Rounded Rectangle 319">
+            <a:extLst>
+              <a:ext uri="{FF2B5EF4-FFF2-40B4-BE49-F238E27FC236}">
+                <a16:creationId xmlns:a16="http://schemas.microsoft.com/office/drawing/2014/main" id="{2B6C8E1E-1303-3300-3B48-3D336D57E990}"/>
+              </a:ext>
+            </a:extLst>
+          </p:cNvPr>
+          <p:cNvSpPr>
+            <a:spLocks noChangeArrowheads="1"/>
+          </p:cNvSpPr>
+          <p:nvPr/>
+        </p:nvSpPr>
+        <p:spPr bwMode="auto">
+          <a:xfrm>
+            <a:off x="3516548" y="6284657"/>
+            <a:ext cx="5158903" cy="294283"/>
+          </a:xfrm>
+          <a:prstGeom prst="roundRect">
+            <a:avLst>
+              <a:gd name="adj" fmla="val 50000"/>
+            </a:avLst>
+          </a:prstGeom>
+          <a:solidFill>
+            <a:schemeClr val="accent5">
+              <a:lumMod val="75000"/>
+            </a:schemeClr>
+          </a:solidFill>
+          <a:ln>
+            <a:noFill/>
+          </a:ln>
+          <a:effectLst/>
+        </p:spPr>
+        <p:txBody>
+          <a:bodyPr wrap="none" anchor="ctr"/>
+          <a:lstStyle/>
+          <a:p>
+            <a:pPr algn="ctr"/>
+            <a:r>
+              <a:rPr lang="ko-KR" altLang="en-US" sz="1400" dirty="0">
+                <a:solidFill>
+                  <a:schemeClr val="bg1"/>
+                </a:solidFill>
+                <a:latin typeface="배달의민족 한나체 Pro OTF" panose="020B0600000101010101" pitchFamily="34" charset="-127"/>
+                <a:ea typeface="배달의민족 한나체 Pro OTF" panose="020B0600000101010101" pitchFamily="34" charset="-127"/>
+              </a:rPr>
+              <a:t>길이가 </a:t>
+            </a:r>
+            <a:r>
+              <a:rPr lang="en-US" altLang="ko-KR" sz="1400" dirty="0">
+                <a:solidFill>
+                  <a:schemeClr val="bg1"/>
+                </a:solidFill>
+                <a:latin typeface="배달의민족 한나체 Pro OTF" panose="020B0600000101010101" pitchFamily="34" charset="-127"/>
+                <a:ea typeface="배달의민족 한나체 Pro OTF" panose="020B0600000101010101" pitchFamily="34" charset="-127"/>
+              </a:rPr>
+              <a:t>3</a:t>
+            </a:r>
+            <a:r>
+              <a:rPr lang="ko-KR" altLang="en-US" sz="1400" dirty="0">
+                <a:solidFill>
+                  <a:schemeClr val="bg1"/>
+                </a:solidFill>
+                <a:latin typeface="배달의민족 한나체 Pro OTF" panose="020B0600000101010101" pitchFamily="34" charset="-127"/>
+                <a:ea typeface="배달의민족 한나체 Pro OTF" panose="020B0600000101010101" pitchFamily="34" charset="-127"/>
+              </a:rPr>
+              <a:t>인 특성조합의 평균순위</a:t>
+            </a:r>
+            <a:r>
+              <a:rPr lang="en-US" altLang="ko-KR" sz="1400" dirty="0">
+                <a:solidFill>
+                  <a:schemeClr val="bg1"/>
+                </a:solidFill>
+                <a:latin typeface="배달의민족 한나체 Pro OTF" panose="020B0600000101010101" pitchFamily="34" charset="-127"/>
+                <a:ea typeface="배달의민족 한나체 Pro OTF" panose="020B0600000101010101" pitchFamily="34" charset="-127"/>
+              </a:rPr>
+              <a:t>, </a:t>
+            </a:r>
+            <a:r>
+              <a:rPr lang="ko-KR" altLang="en-US" sz="1400" dirty="0">
+                <a:solidFill>
+                  <a:schemeClr val="bg1"/>
+                </a:solidFill>
+                <a:latin typeface="배달의민족 한나체 Pro OTF" panose="020B0600000101010101" pitchFamily="34" charset="-127"/>
+                <a:ea typeface="배달의민족 한나체 Pro OTF" panose="020B0600000101010101" pitchFamily="34" charset="-127"/>
+              </a:rPr>
+              <a:t>비율 기준 </a:t>
+            </a:r>
+            <a:r>
+              <a:rPr lang="en-US" altLang="ko-KR" sz="1400" dirty="0">
+                <a:solidFill>
+                  <a:schemeClr val="bg1"/>
+                </a:solidFill>
+                <a:latin typeface="배달의민족 한나체 Pro OTF" panose="020B0600000101010101" pitchFamily="34" charset="-127"/>
+                <a:ea typeface="배달의민족 한나체 Pro OTF" panose="020B0600000101010101" pitchFamily="34" charset="-127"/>
+              </a:rPr>
+              <a:t>TOP, BOTTOM 10</a:t>
+            </a:r>
+            <a:r>
+              <a:rPr lang="ko-KR" altLang="en-US" sz="1400" dirty="0">
+                <a:solidFill>
+                  <a:schemeClr val="bg1"/>
+                </a:solidFill>
+                <a:latin typeface="배달의민족 한나체 Pro OTF" panose="020B0600000101010101" pitchFamily="34" charset="-127"/>
+                <a:ea typeface="배달의민족 한나체 Pro OTF" panose="020B0600000101010101" pitchFamily="34" charset="-127"/>
+              </a:rPr>
+              <a:t> </a:t>
+            </a:r>
+            <a:endParaRPr lang="en-US" sz="1400" dirty="0">
+              <a:solidFill>
+                <a:schemeClr val="bg1"/>
+              </a:solidFill>
+              <a:latin typeface="배달의민족 한나체 Pro OTF" panose="020B0600000101010101" pitchFamily="34" charset="-127"/>
+              <a:ea typeface="배달의민족 한나체 Pro OTF" panose="020B0600000101010101" pitchFamily="34" charset="-127"/>
+            </a:endParaRPr>
+          </a:p>
+        </p:txBody>
+      </p:sp>
     </p:spTree>
     <p:extLst>
       <p:ext uri="{BB962C8B-B14F-4D97-AF65-F5344CB8AC3E}">
-        <p14:creationId xmlns:p14="http://schemas.microsoft.com/office/powerpoint/2010/main" val="2000431090"/>
+        <p14:creationId xmlns:p14="http://schemas.microsoft.com/office/powerpoint/2010/main" val="2041224539"/>
       </p:ext>
     </p:extLst>
   </p:cSld>
@@ -11179,10 +15308,10 @@
       </p:sp>
       <p:sp>
         <p:nvSpPr>
-          <p:cNvPr id="2" name="TextBox 1">
-            <a:extLst>
-              <a:ext uri="{FF2B5EF4-FFF2-40B4-BE49-F238E27FC236}">
-                <a16:creationId xmlns:a16="http://schemas.microsoft.com/office/drawing/2014/main" id="{7C674086-FAFA-F982-41E9-7673C946EE01}"/>
+          <p:cNvPr id="3" name="TextBox 2">
+            <a:extLst>
+              <a:ext uri="{FF2B5EF4-FFF2-40B4-BE49-F238E27FC236}">
+                <a16:creationId xmlns:a16="http://schemas.microsoft.com/office/drawing/2014/main" id="{77F943B8-3BA5-2E59-0B52-464B77ECD947}"/>
               </a:ext>
             </a:extLst>
           </p:cNvPr>
@@ -11191,8 +15320,8 @@
         </p:nvSpPr>
         <p:spPr>
           <a:xfrm>
-            <a:off x="2401682" y="426201"/>
-            <a:ext cx="3381435" cy="400110"/>
+            <a:off x="390714" y="305108"/>
+            <a:ext cx="4218123" cy="584775"/>
           </a:xfrm>
           <a:prstGeom prst="rect">
             <a:avLst/>
@@ -11209,56 +15338,20 @@
               <a:defRPr/>
             </a:pPr>
             <a:r>
-              <a:rPr lang="ko-KR" altLang="en-US" sz="2000" kern="0" dirty="0">
+              <a:rPr lang="ko-KR" altLang="en-US" sz="3200" kern="0" dirty="0">
                 <a:ln w="9525">
                   <a:noFill/>
                 </a:ln>
                 <a:solidFill>
-                  <a:schemeClr val="tx2">
-                    <a:lumMod val="75000"/>
-                  </a:schemeClr>
+                  <a:srgbClr val="0070C0"/>
                 </a:solidFill>
                 <a:latin typeface="배달의민족 한나체 Pro OTF" panose="020B0600000101010101" pitchFamily="34" charset="-127"/>
                 <a:ea typeface="배달의민족 한나체 Pro OTF" panose="020B0600000101010101" pitchFamily="34" charset="-127"/>
               </a:rPr>
-              <a:t>특성 조합 통계 분석</a:t>
-            </a:r>
-          </a:p>
-        </p:txBody>
-      </p:sp>
-      <p:sp>
-        <p:nvSpPr>
-          <p:cNvPr id="3" name="TextBox 2">
-            <a:extLst>
-              <a:ext uri="{FF2B5EF4-FFF2-40B4-BE49-F238E27FC236}">
-                <a16:creationId xmlns:a16="http://schemas.microsoft.com/office/drawing/2014/main" id="{77F943B8-3BA5-2E59-0B52-464B77ECD947}"/>
-              </a:ext>
-            </a:extLst>
-          </p:cNvPr>
-          <p:cNvSpPr txBox="1"/>
-          <p:nvPr/>
-        </p:nvSpPr>
-        <p:spPr>
-          <a:xfrm>
-            <a:off x="390714" y="305108"/>
-            <a:ext cx="4218123" cy="584775"/>
-          </a:xfrm>
-          <a:prstGeom prst="rect">
-            <a:avLst/>
-          </a:prstGeom>
-          <a:noFill/>
-        </p:spPr>
-        <p:txBody>
-          <a:bodyPr wrap="square">
-            <a:spAutoFit/>
-          </a:bodyPr>
-          <a:lstStyle/>
-          <a:p>
-            <a:pPr>
-              <a:defRPr/>
-            </a:pPr>
-            <a:r>
-              <a:rPr lang="ko-KR" altLang="en-US" sz="3200" kern="0">
+              <a:t>결론 </a:t>
+            </a:r>
+            <a:r>
+              <a:rPr lang="en-US" altLang="ko-KR" sz="3200" kern="0" dirty="0">
                 <a:ln w="9525">
                   <a:noFill/>
                 </a:ln>
@@ -11268,7 +15361,20 @@
                 <a:latin typeface="배달의민족 한나체 Pro OTF" panose="020B0600000101010101" pitchFamily="34" charset="-127"/>
                 <a:ea typeface="배달의민족 한나체 Pro OTF" panose="020B0600000101010101" pitchFamily="34" charset="-127"/>
               </a:rPr>
-              <a:t>데이터 분석</a:t>
+              <a:t>&amp; </a:t>
+            </a:r>
+            <a:r>
+              <a:rPr lang="ko-KR" altLang="en-US" sz="3200" kern="0" dirty="0">
+                <a:ln w="9525">
+                  <a:noFill/>
+                </a:ln>
+                <a:solidFill>
+                  <a:srgbClr val="0070C0"/>
+                </a:solidFill>
+                <a:latin typeface="배달의민족 한나체 Pro OTF" panose="020B0600000101010101" pitchFamily="34" charset="-127"/>
+                <a:ea typeface="배달의민족 한나체 Pro OTF" panose="020B0600000101010101" pitchFamily="34" charset="-127"/>
+              </a:rPr>
+              <a:t>향후 과제</a:t>
             </a:r>
             <a:endParaRPr lang="ko-KR" altLang="en-US" sz="3200" dirty="0">
               <a:solidFill>
@@ -11280,40 +15386,1526 @@
           </a:p>
         </p:txBody>
       </p:sp>
-      <p:pic>
-        <p:nvPicPr>
-          <p:cNvPr id="6" name="그림 5">
-            <a:extLst>
-              <a:ext uri="{FF2B5EF4-FFF2-40B4-BE49-F238E27FC236}">
-                <a16:creationId xmlns:a16="http://schemas.microsoft.com/office/drawing/2014/main" id="{BD78511D-8BCC-96D8-09A5-979A0A02DC7A}"/>
-              </a:ext>
-            </a:extLst>
-          </p:cNvPr>
-          <p:cNvPicPr>
-            <a:picLocks noChangeAspect="1"/>
-          </p:cNvPicPr>
-          <p:nvPr/>
-        </p:nvPicPr>
-        <p:blipFill>
-          <a:blip r:embed="rId2"/>
-          <a:stretch>
-            <a:fillRect/>
-          </a:stretch>
-        </p:blipFill>
+      <p:sp>
+        <p:nvSpPr>
+          <p:cNvPr id="7" name="TextBox 6">
+            <a:extLst>
+              <a:ext uri="{FF2B5EF4-FFF2-40B4-BE49-F238E27FC236}">
+                <a16:creationId xmlns:a16="http://schemas.microsoft.com/office/drawing/2014/main" id="{8DA96729-4405-43E7-F5AF-27E5878F0517}"/>
+              </a:ext>
+            </a:extLst>
+          </p:cNvPr>
+          <p:cNvSpPr txBox="1"/>
+          <p:nvPr/>
+        </p:nvSpPr>
         <p:spPr>
           <a:xfrm>
-            <a:off x="1813915" y="1208621"/>
-            <a:ext cx="8564170" cy="5344271"/>
+            <a:off x="2329052" y="2020685"/>
+            <a:ext cx="2108393" cy="400110"/>
           </a:xfrm>
           <a:prstGeom prst="rect">
             <a:avLst/>
           </a:prstGeom>
-        </p:spPr>
-      </p:pic>
+          <a:noFill/>
+        </p:spPr>
+        <p:txBody>
+          <a:bodyPr wrap="square" rtlCol="0" anchor="b">
+            <a:spAutoFit/>
+          </a:bodyPr>
+          <a:lstStyle/>
+          <a:p>
+            <a:r>
+              <a:rPr lang="ko-KR" altLang="en-US" sz="2000" b="1" spc="-23" dirty="0">
+                <a:solidFill>
+                  <a:srgbClr val="0070C0"/>
+                </a:solidFill>
+                <a:latin typeface="배달의민족 한나체 Pro OTF" panose="020B0600000101010101" pitchFamily="34" charset="-127"/>
+                <a:ea typeface="배달의민족 한나체 Pro OTF" panose="020B0600000101010101" pitchFamily="34" charset="-127"/>
+                <a:cs typeface="Poppins" pitchFamily="2" charset="77"/>
+              </a:rPr>
+              <a:t>사용자 분포 분석</a:t>
+            </a:r>
+            <a:endParaRPr lang="en-US" sz="2000" b="1" spc="-23" dirty="0">
+              <a:solidFill>
+                <a:srgbClr val="0070C0"/>
+              </a:solidFill>
+              <a:latin typeface="배달의민족 한나체 Pro OTF" panose="020B0600000101010101" pitchFamily="34" charset="-127"/>
+              <a:ea typeface="배달의민족 한나체 Pro OTF" panose="020B0600000101010101" pitchFamily="34" charset="-127"/>
+              <a:cs typeface="Poppins" pitchFamily="2" charset="77"/>
+            </a:endParaRPr>
+          </a:p>
+        </p:txBody>
+      </p:sp>
+      <p:sp>
+        <p:nvSpPr>
+          <p:cNvPr id="8" name="TextBox 7">
+            <a:extLst>
+              <a:ext uri="{FF2B5EF4-FFF2-40B4-BE49-F238E27FC236}">
+                <a16:creationId xmlns:a16="http://schemas.microsoft.com/office/drawing/2014/main" id="{011E64F4-5972-9F20-A2AE-05857BDB8BA4}"/>
+              </a:ext>
+            </a:extLst>
+          </p:cNvPr>
+          <p:cNvSpPr txBox="1"/>
+          <p:nvPr/>
+        </p:nvSpPr>
+        <p:spPr>
+          <a:xfrm>
+            <a:off x="1177579" y="2286078"/>
+            <a:ext cx="963036" cy="707886"/>
+          </a:xfrm>
+          <a:prstGeom prst="rect">
+            <a:avLst/>
+          </a:prstGeom>
+          <a:noFill/>
+        </p:spPr>
+        <p:txBody>
+          <a:bodyPr wrap="square" rtlCol="0" anchor="ctr">
+            <a:spAutoFit/>
+          </a:bodyPr>
+          <a:lstStyle/>
+          <a:p>
+            <a:pPr algn="ctr"/>
+            <a:r>
+              <a:rPr lang="es-NI" sz="4000" b="1" spc="-218" dirty="0">
+                <a:solidFill>
+                  <a:srgbClr val="0070C0"/>
+                </a:solidFill>
+                <a:latin typeface="배달의민족 한나체 Pro OTF" panose="020B0600000101010101" pitchFamily="34" charset="-127"/>
+                <a:ea typeface="배달의민족 한나체 Pro OTF" panose="020B0600000101010101" pitchFamily="34" charset="-127"/>
+                <a:cs typeface="Poppins" pitchFamily="2" charset="77"/>
+              </a:rPr>
+              <a:t>A</a:t>
+            </a:r>
+            <a:endParaRPr lang="en-US" sz="4000" b="1" spc="-218" dirty="0">
+              <a:solidFill>
+                <a:srgbClr val="0070C0"/>
+              </a:solidFill>
+              <a:latin typeface="배달의민족 한나체 Pro OTF" panose="020B0600000101010101" pitchFamily="34" charset="-127"/>
+              <a:ea typeface="배달의민족 한나체 Pro OTF" panose="020B0600000101010101" pitchFamily="34" charset="-127"/>
+              <a:cs typeface="Poppins" pitchFamily="2" charset="77"/>
+            </a:endParaRPr>
+          </a:p>
+        </p:txBody>
+      </p:sp>
+      <p:sp>
+        <p:nvSpPr>
+          <p:cNvPr id="11" name="TextBox 10">
+            <a:extLst>
+              <a:ext uri="{FF2B5EF4-FFF2-40B4-BE49-F238E27FC236}">
+                <a16:creationId xmlns:a16="http://schemas.microsoft.com/office/drawing/2014/main" id="{61EA6692-B9F3-6D88-0017-30E6DD12AAC4}"/>
+              </a:ext>
+            </a:extLst>
+          </p:cNvPr>
+          <p:cNvSpPr txBox="1"/>
+          <p:nvPr/>
+        </p:nvSpPr>
+        <p:spPr>
+          <a:xfrm>
+            <a:off x="2329052" y="3409544"/>
+            <a:ext cx="2279785" cy="400110"/>
+          </a:xfrm>
+          <a:prstGeom prst="rect">
+            <a:avLst/>
+          </a:prstGeom>
+          <a:noFill/>
+        </p:spPr>
+        <p:txBody>
+          <a:bodyPr wrap="square" rtlCol="0" anchor="b">
+            <a:spAutoFit/>
+          </a:bodyPr>
+          <a:lstStyle/>
+          <a:p>
+            <a:r>
+              <a:rPr lang="ko-KR" altLang="en-US" sz="2000" b="1" spc="-23">
+                <a:solidFill>
+                  <a:srgbClr val="005A9E"/>
+                </a:solidFill>
+                <a:latin typeface="배달의민족 한나체 Pro OTF" panose="020B0600000101010101" pitchFamily="34" charset="-127"/>
+                <a:ea typeface="배달의민족 한나체 Pro OTF" panose="020B0600000101010101" pitchFamily="34" charset="-127"/>
+                <a:cs typeface="Poppins" pitchFamily="2" charset="77"/>
+              </a:rPr>
+              <a:t>특성 연관 규칙 분석</a:t>
+            </a:r>
+            <a:endParaRPr lang="en-US" sz="2000" b="1" spc="-23" dirty="0">
+              <a:solidFill>
+                <a:srgbClr val="005A9E"/>
+              </a:solidFill>
+              <a:latin typeface="배달의민족 한나체 Pro OTF" panose="020B0600000101010101" pitchFamily="34" charset="-127"/>
+              <a:ea typeface="배달의민족 한나체 Pro OTF" panose="020B0600000101010101" pitchFamily="34" charset="-127"/>
+              <a:cs typeface="Poppins" pitchFamily="2" charset="77"/>
+            </a:endParaRPr>
+          </a:p>
+        </p:txBody>
+      </p:sp>
+      <p:sp>
+        <p:nvSpPr>
+          <p:cNvPr id="12" name="TextBox 11">
+            <a:extLst>
+              <a:ext uri="{FF2B5EF4-FFF2-40B4-BE49-F238E27FC236}">
+                <a16:creationId xmlns:a16="http://schemas.microsoft.com/office/drawing/2014/main" id="{7DAA98D0-BE9C-1D6E-9A07-718F35B0A840}"/>
+              </a:ext>
+            </a:extLst>
+          </p:cNvPr>
+          <p:cNvSpPr txBox="1"/>
+          <p:nvPr/>
+        </p:nvSpPr>
+        <p:spPr>
+          <a:xfrm>
+            <a:off x="1177579" y="3551598"/>
+            <a:ext cx="963036" cy="707886"/>
+          </a:xfrm>
+          <a:prstGeom prst="rect">
+            <a:avLst/>
+          </a:prstGeom>
+          <a:noFill/>
+        </p:spPr>
+        <p:txBody>
+          <a:bodyPr wrap="square" rtlCol="0" anchor="ctr">
+            <a:spAutoFit/>
+          </a:bodyPr>
+          <a:lstStyle/>
+          <a:p>
+            <a:pPr algn="ctr"/>
+            <a:r>
+              <a:rPr lang="en-US" sz="4000" b="1" spc="-218" dirty="0">
+                <a:solidFill>
+                  <a:srgbClr val="005A9E"/>
+                </a:solidFill>
+                <a:latin typeface="배달의민족 한나체 Pro OTF" panose="020B0600000101010101" pitchFamily="34" charset="-127"/>
+                <a:ea typeface="배달의민족 한나체 Pro OTF" panose="020B0600000101010101" pitchFamily="34" charset="-127"/>
+                <a:cs typeface="Poppins" pitchFamily="2" charset="77"/>
+              </a:rPr>
+              <a:t>B</a:t>
+            </a:r>
+          </a:p>
+        </p:txBody>
+      </p:sp>
+      <p:sp>
+        <p:nvSpPr>
+          <p:cNvPr id="16" name="TextBox 15">
+            <a:extLst>
+              <a:ext uri="{FF2B5EF4-FFF2-40B4-BE49-F238E27FC236}">
+                <a16:creationId xmlns:a16="http://schemas.microsoft.com/office/drawing/2014/main" id="{24471B96-6810-AAD4-813C-0B23D5C0B249}"/>
+              </a:ext>
+            </a:extLst>
+          </p:cNvPr>
+          <p:cNvSpPr txBox="1"/>
+          <p:nvPr/>
+        </p:nvSpPr>
+        <p:spPr>
+          <a:xfrm>
+            <a:off x="2329051" y="4771862"/>
+            <a:ext cx="3001705" cy="400110"/>
+          </a:xfrm>
+          <a:prstGeom prst="rect">
+            <a:avLst/>
+          </a:prstGeom>
+          <a:noFill/>
+        </p:spPr>
+        <p:txBody>
+          <a:bodyPr wrap="square" rtlCol="0" anchor="b">
+            <a:spAutoFit/>
+          </a:bodyPr>
+          <a:lstStyle/>
+          <a:p>
+            <a:r>
+              <a:rPr lang="ko-KR" altLang="en-US" sz="2000" b="1" spc="-23" dirty="0">
+                <a:solidFill>
+                  <a:srgbClr val="004D86"/>
+                </a:solidFill>
+                <a:latin typeface="배달의민족 한나체 Pro OTF" panose="020B0600000101010101" pitchFamily="34" charset="-127"/>
+                <a:ea typeface="배달의민족 한나체 Pro OTF" panose="020B0600000101010101" pitchFamily="34" charset="-127"/>
+                <a:cs typeface="Poppins" pitchFamily="2" charset="77"/>
+              </a:rPr>
+              <a:t>유닛</a:t>
+            </a:r>
+            <a:r>
+              <a:rPr lang="en-US" altLang="ko-KR" sz="2000" b="1" spc="-23" dirty="0">
+                <a:solidFill>
+                  <a:srgbClr val="004D86"/>
+                </a:solidFill>
+                <a:latin typeface="배달의민족 한나체 Pro OTF" panose="020B0600000101010101" pitchFamily="34" charset="-127"/>
+                <a:ea typeface="배달의민족 한나체 Pro OTF" panose="020B0600000101010101" pitchFamily="34" charset="-127"/>
+                <a:cs typeface="Poppins" pitchFamily="2" charset="77"/>
+              </a:rPr>
+              <a:t>, </a:t>
+            </a:r>
+            <a:r>
+              <a:rPr lang="ko-KR" altLang="en-US" sz="2000" b="1" spc="-23" dirty="0">
+                <a:solidFill>
+                  <a:srgbClr val="004D86"/>
+                </a:solidFill>
+                <a:latin typeface="배달의민족 한나체 Pro OTF" panose="020B0600000101010101" pitchFamily="34" charset="-127"/>
+                <a:ea typeface="배달의민족 한나체 Pro OTF" panose="020B0600000101010101" pitchFamily="34" charset="-127"/>
+                <a:cs typeface="Poppins" pitchFamily="2" charset="77"/>
+              </a:rPr>
+              <a:t>특성 조합의 통계분석</a:t>
+            </a:r>
+            <a:endParaRPr lang="en-US" sz="2000" b="1" spc="-23" dirty="0">
+              <a:solidFill>
+                <a:srgbClr val="004D86"/>
+              </a:solidFill>
+              <a:latin typeface="배달의민족 한나체 Pro OTF" panose="020B0600000101010101" pitchFamily="34" charset="-127"/>
+              <a:ea typeface="배달의민족 한나체 Pro OTF" panose="020B0600000101010101" pitchFamily="34" charset="-127"/>
+              <a:cs typeface="Poppins" pitchFamily="2" charset="77"/>
+            </a:endParaRPr>
+          </a:p>
+        </p:txBody>
+      </p:sp>
+      <p:sp>
+        <p:nvSpPr>
+          <p:cNvPr id="17" name="TextBox 16">
+            <a:extLst>
+              <a:ext uri="{FF2B5EF4-FFF2-40B4-BE49-F238E27FC236}">
+                <a16:creationId xmlns:a16="http://schemas.microsoft.com/office/drawing/2014/main" id="{E80D260F-5816-904A-3003-8F9B6180979C}"/>
+              </a:ext>
+            </a:extLst>
+          </p:cNvPr>
+          <p:cNvSpPr txBox="1"/>
+          <p:nvPr/>
+        </p:nvSpPr>
+        <p:spPr>
+          <a:xfrm>
+            <a:off x="1177579" y="4889866"/>
+            <a:ext cx="963036" cy="707886"/>
+          </a:xfrm>
+          <a:prstGeom prst="rect">
+            <a:avLst/>
+          </a:prstGeom>
+          <a:noFill/>
+        </p:spPr>
+        <p:txBody>
+          <a:bodyPr wrap="square" rtlCol="0" anchor="ctr">
+            <a:spAutoFit/>
+          </a:bodyPr>
+          <a:lstStyle/>
+          <a:p>
+            <a:pPr algn="ctr"/>
+            <a:r>
+              <a:rPr lang="es-NI" sz="4000" b="1" spc="-218" dirty="0">
+                <a:solidFill>
+                  <a:srgbClr val="004D86"/>
+                </a:solidFill>
+                <a:latin typeface="배달의민족 한나체 Pro OTF" panose="020B0600000101010101" pitchFamily="34" charset="-127"/>
+                <a:ea typeface="배달의민족 한나체 Pro OTF" panose="020B0600000101010101" pitchFamily="34" charset="-127"/>
+                <a:cs typeface="Poppins" pitchFamily="2" charset="77"/>
+              </a:rPr>
+              <a:t>C</a:t>
+            </a:r>
+            <a:endParaRPr lang="en-US" sz="4000" b="1" spc="-218" dirty="0">
+              <a:solidFill>
+                <a:srgbClr val="004D86"/>
+              </a:solidFill>
+              <a:latin typeface="배달의민족 한나체 Pro OTF" panose="020B0600000101010101" pitchFamily="34" charset="-127"/>
+              <a:ea typeface="배달의민족 한나체 Pro OTF" panose="020B0600000101010101" pitchFamily="34" charset="-127"/>
+              <a:cs typeface="Poppins" pitchFamily="2" charset="77"/>
+            </a:endParaRPr>
+          </a:p>
+        </p:txBody>
+      </p:sp>
+      <p:sp>
+        <p:nvSpPr>
+          <p:cNvPr id="23" name="TextBox 22">
+            <a:extLst>
+              <a:ext uri="{FF2B5EF4-FFF2-40B4-BE49-F238E27FC236}">
+                <a16:creationId xmlns:a16="http://schemas.microsoft.com/office/drawing/2014/main" id="{22CFD6B1-D64F-FCC1-0F4E-4CEB1A69105F}"/>
+              </a:ext>
+            </a:extLst>
+          </p:cNvPr>
+          <p:cNvSpPr txBox="1"/>
+          <p:nvPr/>
+        </p:nvSpPr>
+        <p:spPr>
+          <a:xfrm>
+            <a:off x="7312689" y="2416080"/>
+            <a:ext cx="3168075" cy="400110"/>
+          </a:xfrm>
+          <a:prstGeom prst="rect">
+            <a:avLst/>
+          </a:prstGeom>
+          <a:noFill/>
+        </p:spPr>
+        <p:txBody>
+          <a:bodyPr wrap="square" rtlCol="0" anchor="b">
+            <a:spAutoFit/>
+          </a:bodyPr>
+          <a:lstStyle/>
+          <a:p>
+            <a:r>
+              <a:rPr lang="ko-KR" altLang="en-US" sz="2000" b="1" spc="-23" dirty="0">
+                <a:solidFill>
+                  <a:schemeClr val="accent6">
+                    <a:lumMod val="75000"/>
+                  </a:schemeClr>
+                </a:solidFill>
+                <a:latin typeface="배달의민족 한나체 Pro OTF" panose="020B0600000101010101" pitchFamily="34" charset="-127"/>
+                <a:ea typeface="배달의민족 한나체 Pro OTF" panose="020B0600000101010101" pitchFamily="34" charset="-127"/>
+                <a:cs typeface="Poppins" pitchFamily="2" charset="77"/>
+              </a:rPr>
+              <a:t>유닛 조합으로 평균 순위 예측</a:t>
+            </a:r>
+            <a:endParaRPr lang="en-US" sz="2000" b="1" spc="-23" dirty="0">
+              <a:solidFill>
+                <a:schemeClr val="accent6">
+                  <a:lumMod val="75000"/>
+                </a:schemeClr>
+              </a:solidFill>
+              <a:latin typeface="배달의민족 한나체 Pro OTF" panose="020B0600000101010101" pitchFamily="34" charset="-127"/>
+              <a:ea typeface="배달의민족 한나체 Pro OTF" panose="020B0600000101010101" pitchFamily="34" charset="-127"/>
+              <a:cs typeface="Poppins" pitchFamily="2" charset="77"/>
+            </a:endParaRPr>
+          </a:p>
+        </p:txBody>
+      </p:sp>
+      <p:sp>
+        <p:nvSpPr>
+          <p:cNvPr id="24" name="TextBox 23">
+            <a:extLst>
+              <a:ext uri="{FF2B5EF4-FFF2-40B4-BE49-F238E27FC236}">
+                <a16:creationId xmlns:a16="http://schemas.microsoft.com/office/drawing/2014/main" id="{DD5A3F75-4B63-AD23-5856-E36695DBF9B2}"/>
+              </a:ext>
+            </a:extLst>
+          </p:cNvPr>
+          <p:cNvSpPr txBox="1"/>
+          <p:nvPr/>
+        </p:nvSpPr>
+        <p:spPr>
+          <a:xfrm>
+            <a:off x="6479108" y="2262192"/>
+            <a:ext cx="772441" cy="707886"/>
+          </a:xfrm>
+          <a:prstGeom prst="rect">
+            <a:avLst/>
+          </a:prstGeom>
+          <a:noFill/>
+        </p:spPr>
+        <p:txBody>
+          <a:bodyPr wrap="square" rtlCol="0" anchor="ctr">
+            <a:spAutoFit/>
+          </a:bodyPr>
+          <a:lstStyle/>
+          <a:p>
+            <a:pPr algn="ctr"/>
+            <a:r>
+              <a:rPr lang="es-NI" sz="4000" b="1" spc="-218" dirty="0">
+                <a:solidFill>
+                  <a:schemeClr val="accent6">
+                    <a:lumMod val="75000"/>
+                  </a:schemeClr>
+                </a:solidFill>
+                <a:latin typeface="배달의민족 한나체 Pro OTF" panose="020B0600000101010101" pitchFamily="34" charset="-127"/>
+                <a:ea typeface="배달의민족 한나체 Pro OTF" panose="020B0600000101010101" pitchFamily="34" charset="-127"/>
+                <a:cs typeface="Poppins" pitchFamily="2" charset="77"/>
+              </a:rPr>
+              <a:t>A</a:t>
+            </a:r>
+            <a:endParaRPr lang="en-US" sz="4000" b="1" spc="-218" dirty="0">
+              <a:solidFill>
+                <a:schemeClr val="accent6">
+                  <a:lumMod val="75000"/>
+                </a:schemeClr>
+              </a:solidFill>
+              <a:latin typeface="배달의민족 한나체 Pro OTF" panose="020B0600000101010101" pitchFamily="34" charset="-127"/>
+              <a:ea typeface="배달의민족 한나체 Pro OTF" panose="020B0600000101010101" pitchFamily="34" charset="-127"/>
+              <a:cs typeface="Poppins" pitchFamily="2" charset="77"/>
+            </a:endParaRPr>
+          </a:p>
+        </p:txBody>
+      </p:sp>
+      <p:sp>
+        <p:nvSpPr>
+          <p:cNvPr id="25" name="TextBox 24">
+            <a:extLst>
+              <a:ext uri="{FF2B5EF4-FFF2-40B4-BE49-F238E27FC236}">
+                <a16:creationId xmlns:a16="http://schemas.microsoft.com/office/drawing/2014/main" id="{DB196DBE-6406-9AB0-13F0-5A975A54B0F0}"/>
+              </a:ext>
+            </a:extLst>
+          </p:cNvPr>
+          <p:cNvSpPr txBox="1"/>
+          <p:nvPr/>
+        </p:nvSpPr>
+        <p:spPr>
+          <a:xfrm>
+            <a:off x="7312688" y="3488083"/>
+            <a:ext cx="4321591" cy="369332"/>
+          </a:xfrm>
+          <a:prstGeom prst="rect">
+            <a:avLst/>
+          </a:prstGeom>
+          <a:noFill/>
+        </p:spPr>
+        <p:txBody>
+          <a:bodyPr wrap="square" rtlCol="0" anchor="b">
+            <a:spAutoFit/>
+          </a:bodyPr>
+          <a:lstStyle/>
+          <a:p>
+            <a:r>
+              <a:rPr lang="ko-KR" altLang="en-US" b="1" spc="-23" dirty="0">
+                <a:solidFill>
+                  <a:schemeClr val="accent6"/>
+                </a:solidFill>
+                <a:latin typeface="배달의민족 한나체 Pro OTF" panose="020B0600000101010101" pitchFamily="34" charset="-127"/>
+                <a:ea typeface="배달의민족 한나체 Pro OTF" panose="020B0600000101010101" pitchFamily="34" charset="-127"/>
+                <a:cs typeface="Poppins" pitchFamily="2" charset="77"/>
+              </a:rPr>
+              <a:t>유닛 코스트 합</a:t>
+            </a:r>
+            <a:r>
+              <a:rPr lang="en-US" altLang="ko-KR" b="1" spc="-23" dirty="0">
+                <a:solidFill>
+                  <a:schemeClr val="accent6"/>
+                </a:solidFill>
+                <a:latin typeface="배달의민족 한나체 Pro OTF" panose="020B0600000101010101" pitchFamily="34" charset="-127"/>
+                <a:ea typeface="배달의민족 한나체 Pro OTF" panose="020B0600000101010101" pitchFamily="34" charset="-127"/>
+                <a:cs typeface="Poppins" pitchFamily="2" charset="77"/>
+              </a:rPr>
+              <a:t>, </a:t>
+            </a:r>
+            <a:r>
+              <a:rPr lang="ko-KR" altLang="en-US" b="1" spc="-23" dirty="0">
+                <a:solidFill>
+                  <a:schemeClr val="accent6"/>
+                </a:solidFill>
+                <a:latin typeface="배달의민족 한나체 Pro OTF" panose="020B0600000101010101" pitchFamily="34" charset="-127"/>
+                <a:ea typeface="배달의민족 한나체 Pro OTF" panose="020B0600000101010101" pitchFamily="34" charset="-127"/>
+                <a:cs typeface="Poppins" pitchFamily="2" charset="77"/>
+              </a:rPr>
+              <a:t>유닛의 수로 평균 순위 예측</a:t>
+            </a:r>
+            <a:endParaRPr lang="en-US" b="1" spc="-23" dirty="0">
+              <a:solidFill>
+                <a:schemeClr val="accent6"/>
+              </a:solidFill>
+              <a:latin typeface="배달의민족 한나체 Pro OTF" panose="020B0600000101010101" pitchFamily="34" charset="-127"/>
+              <a:ea typeface="배달의민족 한나체 Pro OTF" panose="020B0600000101010101" pitchFamily="34" charset="-127"/>
+              <a:cs typeface="Poppins" pitchFamily="2" charset="77"/>
+            </a:endParaRPr>
+          </a:p>
+        </p:txBody>
+      </p:sp>
+      <p:sp>
+        <p:nvSpPr>
+          <p:cNvPr id="26" name="TextBox 25">
+            <a:extLst>
+              <a:ext uri="{FF2B5EF4-FFF2-40B4-BE49-F238E27FC236}">
+                <a16:creationId xmlns:a16="http://schemas.microsoft.com/office/drawing/2014/main" id="{26DE8081-5454-F0CC-661C-E329C8047E0B}"/>
+              </a:ext>
+            </a:extLst>
+          </p:cNvPr>
+          <p:cNvSpPr txBox="1"/>
+          <p:nvPr/>
+        </p:nvSpPr>
+        <p:spPr>
+          <a:xfrm>
+            <a:off x="6475025" y="3351543"/>
+            <a:ext cx="772441" cy="707886"/>
+          </a:xfrm>
+          <a:prstGeom prst="rect">
+            <a:avLst/>
+          </a:prstGeom>
+          <a:noFill/>
+        </p:spPr>
+        <p:txBody>
+          <a:bodyPr wrap="square" rtlCol="0" anchor="ctr">
+            <a:spAutoFit/>
+          </a:bodyPr>
+          <a:lstStyle/>
+          <a:p>
+            <a:pPr algn="ctr"/>
+            <a:r>
+              <a:rPr lang="en-US" sz="4000" b="1" spc="-218" dirty="0">
+                <a:solidFill>
+                  <a:schemeClr val="accent6"/>
+                </a:solidFill>
+                <a:latin typeface="배달의민족 한나체 Pro OTF" panose="020B0600000101010101" pitchFamily="34" charset="-127"/>
+                <a:ea typeface="배달의민족 한나체 Pro OTF" panose="020B0600000101010101" pitchFamily="34" charset="-127"/>
+                <a:cs typeface="Poppins" pitchFamily="2" charset="77"/>
+              </a:rPr>
+              <a:t>B</a:t>
+            </a:r>
+          </a:p>
+        </p:txBody>
+      </p:sp>
+      <p:sp>
+        <p:nvSpPr>
+          <p:cNvPr id="27" name="TextBox 26">
+            <a:extLst>
+              <a:ext uri="{FF2B5EF4-FFF2-40B4-BE49-F238E27FC236}">
+                <a16:creationId xmlns:a16="http://schemas.microsoft.com/office/drawing/2014/main" id="{97209170-A030-9633-C9ED-21B21F442971}"/>
+              </a:ext>
+            </a:extLst>
+          </p:cNvPr>
+          <p:cNvSpPr txBox="1"/>
+          <p:nvPr/>
+        </p:nvSpPr>
+        <p:spPr>
+          <a:xfrm>
+            <a:off x="7312688" y="4476723"/>
+            <a:ext cx="3168076" cy="707886"/>
+          </a:xfrm>
+          <a:prstGeom prst="rect">
+            <a:avLst/>
+          </a:prstGeom>
+          <a:noFill/>
+        </p:spPr>
+        <p:txBody>
+          <a:bodyPr wrap="square" rtlCol="0" anchor="b">
+            <a:spAutoFit/>
+          </a:bodyPr>
+          <a:lstStyle/>
+          <a:p>
+            <a:r>
+              <a:rPr lang="ko-KR" altLang="en-US" sz="2000" b="1" spc="-23" dirty="0">
+                <a:solidFill>
+                  <a:schemeClr val="accent6">
+                    <a:lumMod val="60000"/>
+                    <a:lumOff val="40000"/>
+                  </a:schemeClr>
+                </a:solidFill>
+                <a:latin typeface="배달의민족 한나체 Pro OTF" panose="020B0600000101010101" pitchFamily="34" charset="-127"/>
+                <a:ea typeface="배달의민족 한나체 Pro OTF" panose="020B0600000101010101" pitchFamily="34" charset="-127"/>
+                <a:cs typeface="Poppins" pitchFamily="2" charset="77"/>
+              </a:rPr>
+              <a:t>클러스터링을 통한 메타분석</a:t>
+            </a:r>
+            <a:endParaRPr lang="en-US" altLang="ko-KR" sz="2000" b="1" spc="-23" dirty="0">
+              <a:solidFill>
+                <a:schemeClr val="accent6">
+                  <a:lumMod val="60000"/>
+                  <a:lumOff val="40000"/>
+                </a:schemeClr>
+              </a:solidFill>
+              <a:latin typeface="배달의민족 한나체 Pro OTF" panose="020B0600000101010101" pitchFamily="34" charset="-127"/>
+              <a:ea typeface="배달의민족 한나체 Pro OTF" panose="020B0600000101010101" pitchFamily="34" charset="-127"/>
+              <a:cs typeface="Poppins" pitchFamily="2" charset="77"/>
+            </a:endParaRPr>
+          </a:p>
+          <a:p>
+            <a:r>
+              <a:rPr lang="en-US" altLang="ko-KR" sz="2000" b="1" spc="-23" dirty="0">
+                <a:solidFill>
+                  <a:schemeClr val="accent6">
+                    <a:lumMod val="60000"/>
+                    <a:lumOff val="40000"/>
+                  </a:schemeClr>
+                </a:solidFill>
+                <a:latin typeface="배달의민족 한나체 Pro OTF" panose="020B0600000101010101" pitchFamily="34" charset="-127"/>
+                <a:ea typeface="배달의민족 한나체 Pro OTF" panose="020B0600000101010101" pitchFamily="34" charset="-127"/>
+                <a:cs typeface="Poppins" pitchFamily="2" charset="77"/>
+              </a:rPr>
+              <a:t>(</a:t>
+            </a:r>
+            <a:r>
+              <a:rPr lang="ko-KR" altLang="en-US" sz="2000" b="1" spc="-23" dirty="0">
+                <a:solidFill>
+                  <a:schemeClr val="accent6">
+                    <a:lumMod val="60000"/>
+                    <a:lumOff val="40000"/>
+                  </a:schemeClr>
+                </a:solidFill>
+                <a:latin typeface="배달의민족 한나체 Pro OTF" panose="020B0600000101010101" pitchFamily="34" charset="-127"/>
+                <a:ea typeface="배달의민족 한나체 Pro OTF" panose="020B0600000101010101" pitchFamily="34" charset="-127"/>
+                <a:cs typeface="Poppins" pitchFamily="2" charset="77"/>
+              </a:rPr>
+              <a:t>자주 등장하는 챔피언 조합</a:t>
+            </a:r>
+            <a:r>
+              <a:rPr lang="en-US" altLang="ko-KR" sz="2000" b="1" spc="-23" dirty="0">
+                <a:solidFill>
+                  <a:schemeClr val="accent6">
+                    <a:lumMod val="60000"/>
+                    <a:lumOff val="40000"/>
+                  </a:schemeClr>
+                </a:solidFill>
+                <a:latin typeface="배달의민족 한나체 Pro OTF" panose="020B0600000101010101" pitchFamily="34" charset="-127"/>
+                <a:ea typeface="배달의민족 한나체 Pro OTF" panose="020B0600000101010101" pitchFamily="34" charset="-127"/>
+                <a:cs typeface="Poppins" pitchFamily="2" charset="77"/>
+              </a:rPr>
+              <a:t>)</a:t>
+            </a:r>
+            <a:endParaRPr lang="en-US" sz="2000" b="1" spc="-23" dirty="0">
+              <a:solidFill>
+                <a:schemeClr val="accent6">
+                  <a:lumMod val="60000"/>
+                  <a:lumOff val="40000"/>
+                </a:schemeClr>
+              </a:solidFill>
+              <a:latin typeface="배달의민족 한나체 Pro OTF" panose="020B0600000101010101" pitchFamily="34" charset="-127"/>
+              <a:ea typeface="배달의민족 한나체 Pro OTF" panose="020B0600000101010101" pitchFamily="34" charset="-127"/>
+              <a:cs typeface="Poppins" pitchFamily="2" charset="77"/>
+            </a:endParaRPr>
+          </a:p>
+        </p:txBody>
+      </p:sp>
+      <p:sp>
+        <p:nvSpPr>
+          <p:cNvPr id="28" name="TextBox 27">
+            <a:extLst>
+              <a:ext uri="{FF2B5EF4-FFF2-40B4-BE49-F238E27FC236}">
+                <a16:creationId xmlns:a16="http://schemas.microsoft.com/office/drawing/2014/main" id="{F12D3026-D0E5-2976-4910-A298A00BA16F}"/>
+              </a:ext>
+            </a:extLst>
+          </p:cNvPr>
+          <p:cNvSpPr txBox="1"/>
+          <p:nvPr/>
+        </p:nvSpPr>
+        <p:spPr>
+          <a:xfrm>
+            <a:off x="6475025" y="4464780"/>
+            <a:ext cx="772441" cy="707886"/>
+          </a:xfrm>
+          <a:prstGeom prst="rect">
+            <a:avLst/>
+          </a:prstGeom>
+          <a:noFill/>
+        </p:spPr>
+        <p:txBody>
+          <a:bodyPr wrap="square" rtlCol="0" anchor="ctr">
+            <a:spAutoFit/>
+          </a:bodyPr>
+          <a:lstStyle/>
+          <a:p>
+            <a:pPr algn="ctr"/>
+            <a:r>
+              <a:rPr lang="es-NI" sz="4000" b="1" spc="-218" dirty="0">
+                <a:solidFill>
+                  <a:schemeClr val="accent6">
+                    <a:lumMod val="60000"/>
+                    <a:lumOff val="40000"/>
+                  </a:schemeClr>
+                </a:solidFill>
+                <a:latin typeface="배달의민족 한나체 Pro OTF" panose="020B0600000101010101" pitchFamily="34" charset="-127"/>
+                <a:ea typeface="배달의민족 한나체 Pro OTF" panose="020B0600000101010101" pitchFamily="34" charset="-127"/>
+                <a:cs typeface="Poppins" pitchFamily="2" charset="77"/>
+              </a:rPr>
+              <a:t>C</a:t>
+            </a:r>
+            <a:endParaRPr lang="en-US" sz="4000" b="1" spc="-218" dirty="0">
+              <a:solidFill>
+                <a:schemeClr val="accent6">
+                  <a:lumMod val="60000"/>
+                  <a:lumOff val="40000"/>
+                </a:schemeClr>
+              </a:solidFill>
+              <a:latin typeface="배달의민족 한나체 Pro OTF" panose="020B0600000101010101" pitchFamily="34" charset="-127"/>
+              <a:ea typeface="배달의민족 한나체 Pro OTF" panose="020B0600000101010101" pitchFamily="34" charset="-127"/>
+              <a:cs typeface="Poppins" pitchFamily="2" charset="77"/>
+            </a:endParaRPr>
+          </a:p>
+        </p:txBody>
+      </p:sp>
+      <p:sp>
+        <p:nvSpPr>
+          <p:cNvPr id="29" name="Line 302">
+            <a:extLst>
+              <a:ext uri="{FF2B5EF4-FFF2-40B4-BE49-F238E27FC236}">
+                <a16:creationId xmlns:a16="http://schemas.microsoft.com/office/drawing/2014/main" id="{F6C9C177-B534-1823-DE19-08D4283AE53B}"/>
+              </a:ext>
+            </a:extLst>
+          </p:cNvPr>
+          <p:cNvSpPr>
+            <a:spLocks noChangeShapeType="1"/>
+          </p:cNvSpPr>
+          <p:nvPr/>
+        </p:nvSpPr>
+        <p:spPr bwMode="auto">
+          <a:xfrm>
+            <a:off x="7255439" y="2286078"/>
+            <a:ext cx="0" cy="684000"/>
+          </a:xfrm>
+          <a:prstGeom prst="line">
+            <a:avLst/>
+          </a:prstGeom>
+          <a:noFill/>
+          <a:ln w="38100" cap="flat">
+            <a:solidFill>
+              <a:schemeClr val="accent6">
+                <a:lumMod val="75000"/>
+              </a:schemeClr>
+            </a:solidFill>
+            <a:round/>
+            <a:headEnd/>
+            <a:tailEnd/>
+          </a:ln>
+          <a:effectLst/>
+          <a:extLst>
+            <a:ext uri="{909E8E84-426E-40DD-AFC4-6F175D3DCCD1}">
+              <a14:hiddenFill xmlns:a14="http://schemas.microsoft.com/office/drawing/2010/main">
+                <a:noFill/>
+              </a14:hiddenFill>
+            </a:ext>
+            <a:ext uri="{AF507438-7753-43E0-B8FC-AC1667EBCBE1}">
+              <a14:hiddenEffects xmlns:a14="http://schemas.microsoft.com/office/drawing/2010/main">
+                <a:effectLst>
+                  <a:outerShdw dist="35921" dir="2700000" algn="ctr" rotWithShape="0">
+                    <a:srgbClr val="808080"/>
+                  </a:outerShdw>
+                </a:effectLst>
+              </a14:hiddenEffects>
+            </a:ext>
+          </a:extLst>
+        </p:spPr>
+        <p:txBody>
+          <a:bodyPr/>
+          <a:lstStyle/>
+          <a:p>
+            <a:endParaRPr lang="en-US" sz="4900" dirty="0">
+              <a:solidFill>
+                <a:srgbClr val="005A9E"/>
+              </a:solidFill>
+              <a:latin typeface="배달의민족 한나체 Pro OTF" panose="020B0600000101010101" pitchFamily="34" charset="-127"/>
+              <a:ea typeface="배달의민족 한나체 Pro OTF" panose="020B0600000101010101" pitchFamily="34" charset="-127"/>
+            </a:endParaRPr>
+          </a:p>
+        </p:txBody>
+      </p:sp>
+      <p:sp>
+        <p:nvSpPr>
+          <p:cNvPr id="30" name="Line 302">
+            <a:extLst>
+              <a:ext uri="{FF2B5EF4-FFF2-40B4-BE49-F238E27FC236}">
+                <a16:creationId xmlns:a16="http://schemas.microsoft.com/office/drawing/2014/main" id="{7DFE4975-AF3D-201F-607E-39C362F64120}"/>
+              </a:ext>
+            </a:extLst>
+          </p:cNvPr>
+          <p:cNvSpPr>
+            <a:spLocks noChangeShapeType="1"/>
+          </p:cNvSpPr>
+          <p:nvPr/>
+        </p:nvSpPr>
+        <p:spPr bwMode="auto">
+          <a:xfrm>
+            <a:off x="7255439" y="3375429"/>
+            <a:ext cx="0" cy="684000"/>
+          </a:xfrm>
+          <a:prstGeom prst="line">
+            <a:avLst/>
+          </a:prstGeom>
+          <a:noFill/>
+          <a:ln w="38100" cap="flat">
+            <a:solidFill>
+              <a:schemeClr val="accent6"/>
+            </a:solidFill>
+            <a:round/>
+            <a:headEnd/>
+            <a:tailEnd/>
+          </a:ln>
+          <a:effectLst/>
+          <a:extLst>
+            <a:ext uri="{909E8E84-426E-40DD-AFC4-6F175D3DCCD1}">
+              <a14:hiddenFill xmlns:a14="http://schemas.microsoft.com/office/drawing/2010/main">
+                <a:noFill/>
+              </a14:hiddenFill>
+            </a:ext>
+            <a:ext uri="{AF507438-7753-43E0-B8FC-AC1667EBCBE1}">
+              <a14:hiddenEffects xmlns:a14="http://schemas.microsoft.com/office/drawing/2010/main">
+                <a:effectLst>
+                  <a:outerShdw dist="35921" dir="2700000" algn="ctr" rotWithShape="0">
+                    <a:srgbClr val="808080"/>
+                  </a:outerShdw>
+                </a:effectLst>
+              </a14:hiddenEffects>
+            </a:ext>
+          </a:extLst>
+        </p:spPr>
+        <p:txBody>
+          <a:bodyPr/>
+          <a:lstStyle/>
+          <a:p>
+            <a:endParaRPr lang="en-US" sz="4900" dirty="0">
+              <a:solidFill>
+                <a:srgbClr val="004D86"/>
+              </a:solidFill>
+              <a:latin typeface="배달의민족 한나체 Pro OTF" panose="020B0600000101010101" pitchFamily="34" charset="-127"/>
+              <a:ea typeface="배달의민족 한나체 Pro OTF" panose="020B0600000101010101" pitchFamily="34" charset="-127"/>
+            </a:endParaRPr>
+          </a:p>
+        </p:txBody>
+      </p:sp>
+      <p:sp>
+        <p:nvSpPr>
+          <p:cNvPr id="31" name="Line 302">
+            <a:extLst>
+              <a:ext uri="{FF2B5EF4-FFF2-40B4-BE49-F238E27FC236}">
+                <a16:creationId xmlns:a16="http://schemas.microsoft.com/office/drawing/2014/main" id="{3F2C5F24-16D3-9A8C-EB7C-7C9875FCA461}"/>
+              </a:ext>
+            </a:extLst>
+          </p:cNvPr>
+          <p:cNvSpPr>
+            <a:spLocks noChangeShapeType="1"/>
+          </p:cNvSpPr>
+          <p:nvPr/>
+        </p:nvSpPr>
+        <p:spPr bwMode="auto">
+          <a:xfrm>
+            <a:off x="7255439" y="4488666"/>
+            <a:ext cx="0" cy="684000"/>
+          </a:xfrm>
+          <a:prstGeom prst="line">
+            <a:avLst/>
+          </a:prstGeom>
+          <a:noFill/>
+          <a:ln w="38100" cap="flat">
+            <a:solidFill>
+              <a:schemeClr val="accent6">
+                <a:lumMod val="60000"/>
+                <a:lumOff val="40000"/>
+              </a:schemeClr>
+            </a:solidFill>
+            <a:round/>
+            <a:headEnd/>
+            <a:tailEnd/>
+          </a:ln>
+          <a:effectLst/>
+          <a:extLst>
+            <a:ext uri="{909E8E84-426E-40DD-AFC4-6F175D3DCCD1}">
+              <a14:hiddenFill xmlns:a14="http://schemas.microsoft.com/office/drawing/2010/main">
+                <a:noFill/>
+              </a14:hiddenFill>
+            </a:ext>
+            <a:ext uri="{AF507438-7753-43E0-B8FC-AC1667EBCBE1}">
+              <a14:hiddenEffects xmlns:a14="http://schemas.microsoft.com/office/drawing/2010/main">
+                <a:effectLst>
+                  <a:outerShdw dist="35921" dir="2700000" algn="ctr" rotWithShape="0">
+                    <a:srgbClr val="808080"/>
+                  </a:outerShdw>
+                </a:effectLst>
+              </a14:hiddenEffects>
+            </a:ext>
+          </a:extLst>
+        </p:spPr>
+        <p:txBody>
+          <a:bodyPr/>
+          <a:lstStyle/>
+          <a:p>
+            <a:endParaRPr lang="en-US" sz="4900" dirty="0">
+              <a:solidFill>
+                <a:srgbClr val="004D86"/>
+              </a:solidFill>
+              <a:latin typeface="배달의민족 한나체 Pro OTF" panose="020B0600000101010101" pitchFamily="34" charset="-127"/>
+              <a:ea typeface="배달의민족 한나체 Pro OTF" panose="020B0600000101010101" pitchFamily="34" charset="-127"/>
+            </a:endParaRPr>
+          </a:p>
+        </p:txBody>
+      </p:sp>
+      <p:sp>
+        <p:nvSpPr>
+          <p:cNvPr id="35" name="Line 302">
+            <a:extLst>
+              <a:ext uri="{FF2B5EF4-FFF2-40B4-BE49-F238E27FC236}">
+                <a16:creationId xmlns:a16="http://schemas.microsoft.com/office/drawing/2014/main" id="{D30E09F5-8F4D-913B-8A80-AE28B2AF7BF4}"/>
+              </a:ext>
+            </a:extLst>
+          </p:cNvPr>
+          <p:cNvSpPr>
+            <a:spLocks noChangeShapeType="1"/>
+          </p:cNvSpPr>
+          <p:nvPr/>
+        </p:nvSpPr>
+        <p:spPr bwMode="auto">
+          <a:xfrm>
+            <a:off x="2183363" y="2061311"/>
+            <a:ext cx="0" cy="1028700"/>
+          </a:xfrm>
+          <a:prstGeom prst="line">
+            <a:avLst/>
+          </a:prstGeom>
+          <a:noFill/>
+          <a:ln w="38100" cap="flat">
+            <a:solidFill>
+              <a:schemeClr val="accent1"/>
+            </a:solidFill>
+            <a:round/>
+            <a:headEnd/>
+            <a:tailEnd/>
+          </a:ln>
+          <a:effectLst/>
+          <a:extLst>
+            <a:ext uri="{909E8E84-426E-40DD-AFC4-6F175D3DCCD1}">
+              <a14:hiddenFill xmlns:a14="http://schemas.microsoft.com/office/drawing/2010/main">
+                <a:noFill/>
+              </a14:hiddenFill>
+            </a:ext>
+            <a:ext uri="{AF507438-7753-43E0-B8FC-AC1667EBCBE1}">
+              <a14:hiddenEffects xmlns:a14="http://schemas.microsoft.com/office/drawing/2010/main">
+                <a:effectLst>
+                  <a:outerShdw dist="35921" dir="2700000" algn="ctr" rotWithShape="0">
+                    <a:srgbClr val="808080"/>
+                  </a:outerShdw>
+                </a:effectLst>
+              </a14:hiddenEffects>
+            </a:ext>
+          </a:extLst>
+        </p:spPr>
+        <p:txBody>
+          <a:bodyPr/>
+          <a:lstStyle/>
+          <a:p>
+            <a:endParaRPr lang="en-US" sz="4900" dirty="0">
+              <a:latin typeface="배달의민족 한나체 Pro OTF" panose="020B0600000101010101" pitchFamily="34" charset="-127"/>
+              <a:ea typeface="배달의민족 한나체 Pro OTF" panose="020B0600000101010101" pitchFamily="34" charset="-127"/>
+            </a:endParaRPr>
+          </a:p>
+        </p:txBody>
+      </p:sp>
+      <p:sp>
+        <p:nvSpPr>
+          <p:cNvPr id="36" name="Line 302">
+            <a:extLst>
+              <a:ext uri="{FF2B5EF4-FFF2-40B4-BE49-F238E27FC236}">
+                <a16:creationId xmlns:a16="http://schemas.microsoft.com/office/drawing/2014/main" id="{A62D56EC-72A5-B0BA-13B1-A34DDFB4B9D3}"/>
+              </a:ext>
+            </a:extLst>
+          </p:cNvPr>
+          <p:cNvSpPr>
+            <a:spLocks noChangeShapeType="1"/>
+          </p:cNvSpPr>
+          <p:nvPr/>
+        </p:nvSpPr>
+        <p:spPr bwMode="auto">
+          <a:xfrm>
+            <a:off x="2183363" y="3429000"/>
+            <a:ext cx="0" cy="1028700"/>
+          </a:xfrm>
+          <a:prstGeom prst="line">
+            <a:avLst/>
+          </a:prstGeom>
+          <a:noFill/>
+          <a:ln w="38100" cap="flat">
+            <a:solidFill>
+              <a:schemeClr val="accent1"/>
+            </a:solidFill>
+            <a:round/>
+            <a:headEnd/>
+            <a:tailEnd/>
+          </a:ln>
+          <a:effectLst/>
+          <a:extLst>
+            <a:ext uri="{909E8E84-426E-40DD-AFC4-6F175D3DCCD1}">
+              <a14:hiddenFill xmlns:a14="http://schemas.microsoft.com/office/drawing/2010/main">
+                <a:noFill/>
+              </a14:hiddenFill>
+            </a:ext>
+            <a:ext uri="{AF507438-7753-43E0-B8FC-AC1667EBCBE1}">
+              <a14:hiddenEffects xmlns:a14="http://schemas.microsoft.com/office/drawing/2010/main">
+                <a:effectLst>
+                  <a:outerShdw dist="35921" dir="2700000" algn="ctr" rotWithShape="0">
+                    <a:srgbClr val="808080"/>
+                  </a:outerShdw>
+                </a:effectLst>
+              </a14:hiddenEffects>
+            </a:ext>
+          </a:extLst>
+        </p:spPr>
+        <p:txBody>
+          <a:bodyPr/>
+          <a:lstStyle/>
+          <a:p>
+            <a:endParaRPr lang="en-US" sz="4900" dirty="0">
+              <a:solidFill>
+                <a:srgbClr val="005A9E"/>
+              </a:solidFill>
+              <a:latin typeface="배달의민족 한나체 Pro OTF" panose="020B0600000101010101" pitchFamily="34" charset="-127"/>
+              <a:ea typeface="배달의민족 한나체 Pro OTF" panose="020B0600000101010101" pitchFamily="34" charset="-127"/>
+            </a:endParaRPr>
+          </a:p>
+        </p:txBody>
+      </p:sp>
+      <p:sp>
+        <p:nvSpPr>
+          <p:cNvPr id="37" name="Line 302">
+            <a:extLst>
+              <a:ext uri="{FF2B5EF4-FFF2-40B4-BE49-F238E27FC236}">
+                <a16:creationId xmlns:a16="http://schemas.microsoft.com/office/drawing/2014/main" id="{0D604BE8-66BE-7A23-BF67-D66B0226D97B}"/>
+              </a:ext>
+            </a:extLst>
+          </p:cNvPr>
+          <p:cNvSpPr>
+            <a:spLocks noChangeShapeType="1"/>
+          </p:cNvSpPr>
+          <p:nvPr/>
+        </p:nvSpPr>
+        <p:spPr bwMode="auto">
+          <a:xfrm>
+            <a:off x="2183363" y="4818723"/>
+            <a:ext cx="0" cy="1028700"/>
+          </a:xfrm>
+          <a:prstGeom prst="line">
+            <a:avLst/>
+          </a:prstGeom>
+          <a:noFill/>
+          <a:ln w="38100" cap="flat">
+            <a:solidFill>
+              <a:schemeClr val="accent1"/>
+            </a:solidFill>
+            <a:round/>
+            <a:headEnd/>
+            <a:tailEnd/>
+          </a:ln>
+          <a:effectLst/>
+          <a:extLst>
+            <a:ext uri="{909E8E84-426E-40DD-AFC4-6F175D3DCCD1}">
+              <a14:hiddenFill xmlns:a14="http://schemas.microsoft.com/office/drawing/2010/main">
+                <a:noFill/>
+              </a14:hiddenFill>
+            </a:ext>
+            <a:ext uri="{AF507438-7753-43E0-B8FC-AC1667EBCBE1}">
+              <a14:hiddenEffects xmlns:a14="http://schemas.microsoft.com/office/drawing/2010/main">
+                <a:effectLst>
+                  <a:outerShdw dist="35921" dir="2700000" algn="ctr" rotWithShape="0">
+                    <a:srgbClr val="808080"/>
+                  </a:outerShdw>
+                </a:effectLst>
+              </a14:hiddenEffects>
+            </a:ext>
+          </a:extLst>
+        </p:spPr>
+        <p:txBody>
+          <a:bodyPr/>
+          <a:lstStyle/>
+          <a:p>
+            <a:endParaRPr lang="en-US" sz="4900" dirty="0">
+              <a:solidFill>
+                <a:srgbClr val="004D86"/>
+              </a:solidFill>
+              <a:latin typeface="배달의민족 한나체 Pro OTF" panose="020B0600000101010101" pitchFamily="34" charset="-127"/>
+              <a:ea typeface="배달의민족 한나체 Pro OTF" panose="020B0600000101010101" pitchFamily="34" charset="-127"/>
+            </a:endParaRPr>
+          </a:p>
+        </p:txBody>
+      </p:sp>
+      <p:sp>
+        <p:nvSpPr>
+          <p:cNvPr id="38" name="TextBox 37">
+            <a:extLst>
+              <a:ext uri="{FF2B5EF4-FFF2-40B4-BE49-F238E27FC236}">
+                <a16:creationId xmlns:a16="http://schemas.microsoft.com/office/drawing/2014/main" id="{623F897F-5323-314B-8DD1-AAEDE10653A2}"/>
+              </a:ext>
+            </a:extLst>
+          </p:cNvPr>
+          <p:cNvSpPr txBox="1"/>
+          <p:nvPr/>
+        </p:nvSpPr>
+        <p:spPr>
+          <a:xfrm>
+            <a:off x="2305133" y="2420795"/>
+            <a:ext cx="2108393" cy="338554"/>
+          </a:xfrm>
+          <a:prstGeom prst="rect">
+            <a:avLst/>
+          </a:prstGeom>
+          <a:noFill/>
+        </p:spPr>
+        <p:txBody>
+          <a:bodyPr wrap="square" rtlCol="0" anchor="b">
+            <a:spAutoFit/>
+          </a:bodyPr>
+          <a:lstStyle/>
+          <a:p>
+            <a:r>
+              <a:rPr lang="ko-KR" altLang="en-US" sz="1600" b="1" spc="-23" dirty="0">
+                <a:solidFill>
+                  <a:schemeClr val="bg2">
+                    <a:lumMod val="25000"/>
+                  </a:schemeClr>
+                </a:solidFill>
+                <a:latin typeface="배달의민족 한나체 Air OTF" panose="020B0600000101010101" pitchFamily="34" charset="-127"/>
+                <a:ea typeface="배달의민족 한나체 Air OTF" panose="020B0600000101010101" pitchFamily="34" charset="-127"/>
+                <a:cs typeface="Poppins" pitchFamily="2" charset="77"/>
+              </a:rPr>
+              <a:t>가장 활성화된 지역 파악</a:t>
+            </a:r>
+            <a:endParaRPr lang="en-US" altLang="ko-KR" sz="1600" b="1" spc="-23" dirty="0">
+              <a:solidFill>
+                <a:schemeClr val="bg2">
+                  <a:lumMod val="25000"/>
+                </a:schemeClr>
+              </a:solidFill>
+              <a:latin typeface="배달의민족 한나체 Air OTF" panose="020B0600000101010101" pitchFamily="34" charset="-127"/>
+              <a:ea typeface="배달의민족 한나체 Air OTF" panose="020B0600000101010101" pitchFamily="34" charset="-127"/>
+              <a:cs typeface="Poppins" pitchFamily="2" charset="77"/>
+            </a:endParaRPr>
+          </a:p>
+        </p:txBody>
+      </p:sp>
+      <p:sp>
+        <p:nvSpPr>
+          <p:cNvPr id="39" name="TextBox 38">
+            <a:extLst>
+              <a:ext uri="{FF2B5EF4-FFF2-40B4-BE49-F238E27FC236}">
+                <a16:creationId xmlns:a16="http://schemas.microsoft.com/office/drawing/2014/main" id="{48838E1F-D599-5068-7C16-6BDF93B11344}"/>
+              </a:ext>
+            </a:extLst>
+          </p:cNvPr>
+          <p:cNvSpPr txBox="1"/>
+          <p:nvPr/>
+        </p:nvSpPr>
+        <p:spPr>
+          <a:xfrm>
+            <a:off x="2286303" y="2751457"/>
+            <a:ext cx="2441340" cy="338554"/>
+          </a:xfrm>
+          <a:prstGeom prst="rect">
+            <a:avLst/>
+          </a:prstGeom>
+          <a:noFill/>
+        </p:spPr>
+        <p:txBody>
+          <a:bodyPr wrap="square" rtlCol="0" anchor="b">
+            <a:spAutoFit/>
+          </a:bodyPr>
+          <a:lstStyle/>
+          <a:p>
+            <a:r>
+              <a:rPr lang="ko-KR" altLang="en-US" sz="1600" b="1" spc="-23">
+                <a:solidFill>
+                  <a:schemeClr val="bg2">
+                    <a:lumMod val="25000"/>
+                  </a:schemeClr>
+                </a:solidFill>
+                <a:latin typeface="배달의민족 한나체 Air OTF" panose="020B0600000101010101" pitchFamily="34" charset="-127"/>
+                <a:ea typeface="배달의민족 한나체 Air OTF" panose="020B0600000101010101" pitchFamily="34" charset="-127"/>
+                <a:cs typeface="Poppins" pitchFamily="2" charset="77"/>
+              </a:rPr>
+              <a:t>메타 분석 대상 지역 선택</a:t>
+            </a:r>
+            <a:endParaRPr lang="en-US" altLang="ko-KR" sz="1600" b="1" spc="-23" dirty="0">
+              <a:solidFill>
+                <a:schemeClr val="bg2">
+                  <a:lumMod val="25000"/>
+                </a:schemeClr>
+              </a:solidFill>
+              <a:latin typeface="배달의민족 한나체 Air OTF" panose="020B0600000101010101" pitchFamily="34" charset="-127"/>
+              <a:ea typeface="배달의민족 한나체 Air OTF" panose="020B0600000101010101" pitchFamily="34" charset="-127"/>
+              <a:cs typeface="Poppins" pitchFamily="2" charset="77"/>
+            </a:endParaRPr>
+          </a:p>
+        </p:txBody>
+      </p:sp>
+      <p:sp>
+        <p:nvSpPr>
+          <p:cNvPr id="40" name="TextBox 39">
+            <a:extLst>
+              <a:ext uri="{FF2B5EF4-FFF2-40B4-BE49-F238E27FC236}">
+                <a16:creationId xmlns:a16="http://schemas.microsoft.com/office/drawing/2014/main" id="{F729D3CC-1B94-4DF2-560C-37BCE8A5781B}"/>
+              </a:ext>
+            </a:extLst>
+          </p:cNvPr>
+          <p:cNvSpPr txBox="1"/>
+          <p:nvPr/>
+        </p:nvSpPr>
+        <p:spPr>
+          <a:xfrm>
+            <a:off x="2305133" y="3944679"/>
+            <a:ext cx="2695948" cy="338554"/>
+          </a:xfrm>
+          <a:prstGeom prst="rect">
+            <a:avLst/>
+          </a:prstGeom>
+          <a:noFill/>
+        </p:spPr>
+        <p:txBody>
+          <a:bodyPr wrap="square" rtlCol="0" anchor="b">
+            <a:spAutoFit/>
+          </a:bodyPr>
+          <a:lstStyle/>
+          <a:p>
+            <a:r>
+              <a:rPr lang="ko-KR" altLang="en-US" sz="1600" b="1" spc="-23" dirty="0">
+                <a:solidFill>
+                  <a:schemeClr val="bg2">
+                    <a:lumMod val="25000"/>
+                  </a:schemeClr>
+                </a:solidFill>
+                <a:latin typeface="배달의민족 한나체 Air OTF" panose="020B0600000101010101" pitchFamily="34" charset="-127"/>
+                <a:ea typeface="배달의민족 한나체 Air OTF" panose="020B0600000101010101" pitchFamily="34" charset="-127"/>
+                <a:cs typeface="Poppins" pitchFamily="2" charset="77"/>
+              </a:rPr>
+              <a:t>밸런스 조절 시 고려 항목 파악</a:t>
+            </a:r>
+            <a:endParaRPr lang="en-US" altLang="ko-KR" sz="1600" b="1" spc="-23" dirty="0">
+              <a:solidFill>
+                <a:schemeClr val="bg2">
+                  <a:lumMod val="25000"/>
+                </a:schemeClr>
+              </a:solidFill>
+              <a:latin typeface="배달의민족 한나체 Air OTF" panose="020B0600000101010101" pitchFamily="34" charset="-127"/>
+              <a:ea typeface="배달의민족 한나체 Air OTF" panose="020B0600000101010101" pitchFamily="34" charset="-127"/>
+              <a:cs typeface="Poppins" pitchFamily="2" charset="77"/>
+            </a:endParaRPr>
+          </a:p>
+        </p:txBody>
+      </p:sp>
+      <p:sp>
+        <p:nvSpPr>
+          <p:cNvPr id="42" name="TextBox 41">
+            <a:extLst>
+              <a:ext uri="{FF2B5EF4-FFF2-40B4-BE49-F238E27FC236}">
+                <a16:creationId xmlns:a16="http://schemas.microsoft.com/office/drawing/2014/main" id="{26E8451F-32F2-93D0-0D4F-558A79B43C47}"/>
+              </a:ext>
+            </a:extLst>
+          </p:cNvPr>
+          <p:cNvSpPr txBox="1"/>
+          <p:nvPr/>
+        </p:nvSpPr>
+        <p:spPr>
+          <a:xfrm>
+            <a:off x="2305133" y="5178207"/>
+            <a:ext cx="2108393" cy="338554"/>
+          </a:xfrm>
+          <a:prstGeom prst="rect">
+            <a:avLst/>
+          </a:prstGeom>
+          <a:noFill/>
+        </p:spPr>
+        <p:txBody>
+          <a:bodyPr wrap="square" rtlCol="0" anchor="b">
+            <a:spAutoFit/>
+          </a:bodyPr>
+          <a:lstStyle/>
+          <a:p>
+            <a:r>
+              <a:rPr lang="ko-KR" altLang="en-US" sz="1600" b="1" spc="-23" dirty="0">
+                <a:solidFill>
+                  <a:schemeClr val="bg2">
+                    <a:lumMod val="25000"/>
+                  </a:schemeClr>
+                </a:solidFill>
+                <a:latin typeface="배달의민족 한나체 Air OTF" panose="020B0600000101010101" pitchFamily="34" charset="-127"/>
+                <a:ea typeface="배달의민족 한나체 Air OTF" panose="020B0600000101010101" pitchFamily="34" charset="-127"/>
+                <a:cs typeface="Poppins" pitchFamily="2" charset="77"/>
+              </a:rPr>
+              <a:t>버프</a:t>
+            </a:r>
+            <a:r>
+              <a:rPr lang="en-US" altLang="ko-KR" sz="1600" b="1" spc="-23" dirty="0">
+                <a:solidFill>
+                  <a:schemeClr val="bg2">
+                    <a:lumMod val="25000"/>
+                  </a:schemeClr>
+                </a:solidFill>
+                <a:latin typeface="배달의민족 한나체 Air OTF" panose="020B0600000101010101" pitchFamily="34" charset="-127"/>
+                <a:ea typeface="배달의민족 한나체 Air OTF" panose="020B0600000101010101" pitchFamily="34" charset="-127"/>
+                <a:cs typeface="Poppins" pitchFamily="2" charset="77"/>
+              </a:rPr>
+              <a:t>, </a:t>
+            </a:r>
+            <a:r>
+              <a:rPr lang="ko-KR" altLang="en-US" sz="1600" b="1" spc="-23" dirty="0" err="1">
+                <a:solidFill>
+                  <a:schemeClr val="bg2">
+                    <a:lumMod val="25000"/>
+                  </a:schemeClr>
+                </a:solidFill>
+                <a:latin typeface="배달의민족 한나체 Air OTF" panose="020B0600000101010101" pitchFamily="34" charset="-127"/>
+                <a:ea typeface="배달의민족 한나체 Air OTF" panose="020B0600000101010101" pitchFamily="34" charset="-127"/>
+                <a:cs typeface="Poppins" pitchFamily="2" charset="77"/>
+              </a:rPr>
+              <a:t>너프의</a:t>
+            </a:r>
+            <a:r>
+              <a:rPr lang="ko-KR" altLang="en-US" sz="1600" b="1" spc="-23" dirty="0">
+                <a:solidFill>
+                  <a:schemeClr val="bg2">
+                    <a:lumMod val="25000"/>
+                  </a:schemeClr>
+                </a:solidFill>
+                <a:latin typeface="배달의민족 한나체 Air OTF" panose="020B0600000101010101" pitchFamily="34" charset="-127"/>
+                <a:ea typeface="배달의민족 한나체 Air OTF" panose="020B0600000101010101" pitchFamily="34" charset="-127"/>
+                <a:cs typeface="Poppins" pitchFamily="2" charset="77"/>
+              </a:rPr>
+              <a:t> 대상 파악</a:t>
+            </a:r>
+            <a:endParaRPr lang="en-US" altLang="ko-KR" sz="1600" b="1" spc="-23" dirty="0">
+              <a:solidFill>
+                <a:schemeClr val="bg2">
+                  <a:lumMod val="25000"/>
+                </a:schemeClr>
+              </a:solidFill>
+              <a:latin typeface="배달의민족 한나체 Air OTF" panose="020B0600000101010101" pitchFamily="34" charset="-127"/>
+              <a:ea typeface="배달의민족 한나체 Air OTF" panose="020B0600000101010101" pitchFamily="34" charset="-127"/>
+              <a:cs typeface="Poppins" pitchFamily="2" charset="77"/>
+            </a:endParaRPr>
+          </a:p>
+        </p:txBody>
+      </p:sp>
+      <p:sp>
+        <p:nvSpPr>
+          <p:cNvPr id="43" name="TextBox 42">
+            <a:extLst>
+              <a:ext uri="{FF2B5EF4-FFF2-40B4-BE49-F238E27FC236}">
+                <a16:creationId xmlns:a16="http://schemas.microsoft.com/office/drawing/2014/main" id="{84895F5E-62CF-3738-99F8-1C8DFCAA6596}"/>
+              </a:ext>
+            </a:extLst>
+          </p:cNvPr>
+          <p:cNvSpPr txBox="1"/>
+          <p:nvPr/>
+        </p:nvSpPr>
+        <p:spPr>
+          <a:xfrm>
+            <a:off x="2286303" y="5508869"/>
+            <a:ext cx="2441340" cy="338554"/>
+          </a:xfrm>
+          <a:prstGeom prst="rect">
+            <a:avLst/>
+          </a:prstGeom>
+          <a:noFill/>
+        </p:spPr>
+        <p:txBody>
+          <a:bodyPr wrap="square" rtlCol="0" anchor="b">
+            <a:spAutoFit/>
+          </a:bodyPr>
+          <a:lstStyle/>
+          <a:p>
+            <a:r>
+              <a:rPr lang="ko-KR" altLang="en-US" sz="1600" b="1" spc="-23" dirty="0">
+                <a:solidFill>
+                  <a:schemeClr val="bg2">
+                    <a:lumMod val="25000"/>
+                  </a:schemeClr>
+                </a:solidFill>
+                <a:latin typeface="배달의민족 한나체 Air OTF" panose="020B0600000101010101" pitchFamily="34" charset="-127"/>
+                <a:ea typeface="배달의민족 한나체 Air OTF" panose="020B0600000101010101" pitchFamily="34" charset="-127"/>
+                <a:cs typeface="Poppins" pitchFamily="2" charset="77"/>
+              </a:rPr>
+              <a:t>전체적인 밸런스 확인</a:t>
+            </a:r>
+            <a:endParaRPr lang="en-US" altLang="ko-KR" sz="1600" b="1" spc="-23" dirty="0">
+              <a:solidFill>
+                <a:schemeClr val="bg2">
+                  <a:lumMod val="25000"/>
+                </a:schemeClr>
+              </a:solidFill>
+              <a:latin typeface="배달의민족 한나체 Air OTF" panose="020B0600000101010101" pitchFamily="34" charset="-127"/>
+              <a:ea typeface="배달의민족 한나체 Air OTF" panose="020B0600000101010101" pitchFamily="34" charset="-127"/>
+              <a:cs typeface="Poppins" pitchFamily="2" charset="77"/>
+            </a:endParaRPr>
+          </a:p>
+        </p:txBody>
+      </p:sp>
+      <p:sp>
+        <p:nvSpPr>
+          <p:cNvPr id="44" name="Rounded Rectangle 319">
+            <a:extLst>
+              <a:ext uri="{FF2B5EF4-FFF2-40B4-BE49-F238E27FC236}">
+                <a16:creationId xmlns:a16="http://schemas.microsoft.com/office/drawing/2014/main" id="{27E20319-30DB-BA2D-5597-67207FFF5F46}"/>
+              </a:ext>
+            </a:extLst>
+          </p:cNvPr>
+          <p:cNvSpPr>
+            <a:spLocks noChangeArrowheads="1"/>
+          </p:cNvSpPr>
+          <p:nvPr/>
+        </p:nvSpPr>
+        <p:spPr bwMode="auto">
+          <a:xfrm>
+            <a:off x="2809662" y="1374855"/>
+            <a:ext cx="905060" cy="334126"/>
+          </a:xfrm>
+          <a:prstGeom prst="roundRect">
+            <a:avLst>
+              <a:gd name="adj" fmla="val 50000"/>
+            </a:avLst>
+          </a:prstGeom>
+          <a:solidFill>
+            <a:schemeClr val="accent5">
+              <a:lumMod val="75000"/>
+            </a:schemeClr>
+          </a:solidFill>
+          <a:ln>
+            <a:noFill/>
+          </a:ln>
+          <a:effectLst/>
+        </p:spPr>
+        <p:txBody>
+          <a:bodyPr wrap="none" anchor="ctr"/>
+          <a:lstStyle/>
+          <a:p>
+            <a:pPr algn="ctr"/>
+            <a:r>
+              <a:rPr lang="ko-KR" altLang="en-US" sz="1600">
+                <a:solidFill>
+                  <a:schemeClr val="bg1"/>
+                </a:solidFill>
+                <a:latin typeface="배달의민족 한나체 Pro OTF" panose="020B0600000101010101" pitchFamily="34" charset="-127"/>
+                <a:ea typeface="배달의민족 한나체 Pro OTF" panose="020B0600000101010101" pitchFamily="34" charset="-127"/>
+              </a:rPr>
+              <a:t>결론</a:t>
+            </a:r>
+            <a:endParaRPr lang="en-US" sz="1600" dirty="0">
+              <a:solidFill>
+                <a:schemeClr val="bg1"/>
+              </a:solidFill>
+              <a:latin typeface="배달의민족 한나체 Pro OTF" panose="020B0600000101010101" pitchFamily="34" charset="-127"/>
+              <a:ea typeface="배달의민족 한나체 Pro OTF" panose="020B0600000101010101" pitchFamily="34" charset="-127"/>
+            </a:endParaRPr>
+          </a:p>
+        </p:txBody>
+      </p:sp>
+      <p:sp>
+        <p:nvSpPr>
+          <p:cNvPr id="45" name="Rounded Rectangle 319">
+            <a:extLst>
+              <a:ext uri="{FF2B5EF4-FFF2-40B4-BE49-F238E27FC236}">
+                <a16:creationId xmlns:a16="http://schemas.microsoft.com/office/drawing/2014/main" id="{2555FCE7-8D84-33F5-8129-B5E0B942AC1B}"/>
+              </a:ext>
+            </a:extLst>
+          </p:cNvPr>
+          <p:cNvSpPr>
+            <a:spLocks noChangeArrowheads="1"/>
+          </p:cNvSpPr>
+          <p:nvPr/>
+        </p:nvSpPr>
+        <p:spPr bwMode="auto">
+          <a:xfrm>
+            <a:off x="8263812" y="1409940"/>
+            <a:ext cx="1265827" cy="334126"/>
+          </a:xfrm>
+          <a:prstGeom prst="roundRect">
+            <a:avLst>
+              <a:gd name="adj" fmla="val 50000"/>
+            </a:avLst>
+          </a:prstGeom>
+          <a:solidFill>
+            <a:schemeClr val="accent6">
+              <a:lumMod val="50000"/>
+            </a:schemeClr>
+          </a:solidFill>
+          <a:ln>
+            <a:noFill/>
+          </a:ln>
+          <a:effectLst/>
+        </p:spPr>
+        <p:txBody>
+          <a:bodyPr wrap="none" anchor="ctr"/>
+          <a:lstStyle/>
+          <a:p>
+            <a:pPr algn="ctr"/>
+            <a:r>
+              <a:rPr lang="ko-KR" altLang="en-US" sz="1600">
+                <a:solidFill>
+                  <a:schemeClr val="bg1"/>
+                </a:solidFill>
+                <a:latin typeface="배달의민족 한나체 Pro OTF" panose="020B0600000101010101" pitchFamily="34" charset="-127"/>
+                <a:ea typeface="배달의민족 한나체 Pro OTF" panose="020B0600000101010101" pitchFamily="34" charset="-127"/>
+              </a:rPr>
+              <a:t>향후 과제</a:t>
+            </a:r>
+            <a:endParaRPr lang="en-US" sz="1600" dirty="0">
+              <a:solidFill>
+                <a:schemeClr val="bg1"/>
+              </a:solidFill>
+              <a:latin typeface="배달의민족 한나체 Pro OTF" panose="020B0600000101010101" pitchFamily="34" charset="-127"/>
+              <a:ea typeface="배달의민족 한나체 Pro OTF" panose="020B0600000101010101" pitchFamily="34" charset="-127"/>
+            </a:endParaRPr>
+          </a:p>
+        </p:txBody>
+      </p:sp>
     </p:spTree>
     <p:extLst>
       <p:ext uri="{BB962C8B-B14F-4D97-AF65-F5344CB8AC3E}">
-        <p14:creationId xmlns:p14="http://schemas.microsoft.com/office/powerpoint/2010/main" val="2041224539"/>
+        <p14:creationId xmlns:p14="http://schemas.microsoft.com/office/powerpoint/2010/main" val="259577006"/>
       </p:ext>
     </p:extLst>
   </p:cSld>
@@ -11354,8 +16946,8 @@
         </p:nvSpPr>
         <p:spPr>
           <a:xfrm>
-            <a:off x="1828395" y="2374966"/>
-            <a:ext cx="8098971" cy="1820050"/>
+            <a:off x="4758244" y="2975029"/>
+            <a:ext cx="2675511" cy="907941"/>
           </a:xfrm>
           <a:prstGeom prst="rect">
             <a:avLst/>
@@ -11375,6 +16967,19 @@
               <a:defRPr/>
             </a:pPr>
             <a:r>
+              <a:rPr lang="ko-KR" altLang="en-US" sz="4000" kern="0" dirty="0">
+                <a:ln w="9525">
+                  <a:noFill/>
+                </a:ln>
+                <a:solidFill>
+                  <a:srgbClr val="0070C0"/>
+                </a:solidFill>
+                <a:latin typeface="배달의민족 한나체 Pro OTF" panose="020B0600000101010101" pitchFamily="34" charset="-127"/>
+                <a:ea typeface="배달의민족 한나체 Pro OTF" panose="020B0600000101010101" pitchFamily="34" charset="-127"/>
+              </a:rPr>
+              <a:t>감사합니다</a:t>
+            </a:r>
+            <a:r>
               <a:rPr lang="en-US" altLang="ko-KR" sz="4000" kern="0" dirty="0">
                 <a:ln w="9525">
                   <a:noFill/>
@@ -11385,51 +16990,206 @@
                 <a:latin typeface="배달의민족 한나체 Pro OTF" panose="020B0600000101010101" pitchFamily="34" charset="-127"/>
                 <a:ea typeface="배달의민족 한나체 Pro OTF" panose="020B0600000101010101" pitchFamily="34" charset="-127"/>
               </a:rPr>
-              <a:t>TFT </a:t>
-            </a:r>
-            <a:r>
-              <a:rPr lang="ko-KR" altLang="en-US" sz="4000" kern="0" dirty="0">
-                <a:ln w="9525">
-                  <a:noFill/>
-                </a:ln>
+              <a:t>.</a:t>
+            </a:r>
+          </a:p>
+        </p:txBody>
+      </p:sp>
+    </p:spTree>
+    <p:extLst>
+      <p:ext uri="{BB962C8B-B14F-4D97-AF65-F5344CB8AC3E}">
+        <p14:creationId xmlns:p14="http://schemas.microsoft.com/office/powerpoint/2010/main" val="2687755353"/>
+      </p:ext>
+    </p:extLst>
+  </p:cSld>
+  <p:clrMapOvr>
+    <a:masterClrMapping/>
+  </p:clrMapOvr>
+</p:sld>
+</file>
+
+<file path=ppt/slides/slide26.xml><?xml version="1.0" encoding="utf-8"?>
+<p:sld xmlns:a="http://schemas.openxmlformats.org/drawingml/2006/main" xmlns:r="http://schemas.openxmlformats.org/officeDocument/2006/relationships" xmlns:p="http://schemas.openxmlformats.org/presentationml/2006/main">
+  <p:cSld>
+    <p:spTree>
+      <p:nvGrpSpPr>
+        <p:cNvPr id="1" name=""/>
+        <p:cNvGrpSpPr/>
+        <p:nvPr/>
+      </p:nvGrpSpPr>
+      <p:grpSpPr>
+        <a:xfrm>
+          <a:off x="0" y="0"/>
+          <a:ext cx="0" cy="0"/>
+          <a:chOff x="0" y="0"/>
+          <a:chExt cx="0" cy="0"/>
+        </a:xfrm>
+      </p:grpSpPr>
+      <p:sp>
+        <p:nvSpPr>
+          <p:cNvPr id="15" name="자유형: 도형 14">
+            <a:extLst>
+              <a:ext uri="{FF2B5EF4-FFF2-40B4-BE49-F238E27FC236}">
+                <a16:creationId xmlns:a16="http://schemas.microsoft.com/office/drawing/2014/main" id="{D94F2873-81E4-DA22-0994-92C436BCA294}"/>
+              </a:ext>
+            </a:extLst>
+          </p:cNvPr>
+          <p:cNvSpPr/>
+          <p:nvPr/>
+        </p:nvSpPr>
+        <p:spPr>
+          <a:xfrm>
+            <a:off x="10652288" y="-37706"/>
+            <a:ext cx="1564849" cy="707010"/>
+          </a:xfrm>
+          <a:custGeom>
+            <a:avLst/>
+            <a:gdLst>
+              <a:gd name="connsiteX0" fmla="*/ 0 w 1564849"/>
+              <a:gd name="connsiteY0" fmla="*/ 0 h 707010"/>
+              <a:gd name="connsiteX1" fmla="*/ 443060 w 1564849"/>
+              <a:gd name="connsiteY1" fmla="*/ 405352 h 707010"/>
+              <a:gd name="connsiteX2" fmla="*/ 622169 w 1564849"/>
+              <a:gd name="connsiteY2" fmla="*/ 226243 h 707010"/>
+              <a:gd name="connsiteX3" fmla="*/ 867266 w 1564849"/>
+              <a:gd name="connsiteY3" fmla="*/ 490193 h 707010"/>
+              <a:gd name="connsiteX4" fmla="*/ 1112363 w 1564849"/>
+              <a:gd name="connsiteY4" fmla="*/ 235670 h 707010"/>
+              <a:gd name="connsiteX5" fmla="*/ 1564849 w 1564849"/>
+              <a:gd name="connsiteY5" fmla="*/ 707010 h 707010"/>
+            </a:gdLst>
+            <a:ahLst/>
+            <a:cxnLst>
+              <a:cxn ang="0">
+                <a:pos x="connsiteX0" y="connsiteY0"/>
+              </a:cxn>
+              <a:cxn ang="0">
+                <a:pos x="connsiteX1" y="connsiteY1"/>
+              </a:cxn>
+              <a:cxn ang="0">
+                <a:pos x="connsiteX2" y="connsiteY2"/>
+              </a:cxn>
+              <a:cxn ang="0">
+                <a:pos x="connsiteX3" y="connsiteY3"/>
+              </a:cxn>
+              <a:cxn ang="0">
+                <a:pos x="connsiteX4" y="connsiteY4"/>
+              </a:cxn>
+              <a:cxn ang="0">
+                <a:pos x="connsiteX5" y="connsiteY5"/>
+              </a:cxn>
+            </a:cxnLst>
+            <a:rect l="l" t="t" r="r" b="b"/>
+            <a:pathLst>
+              <a:path w="1564849" h="707010">
+                <a:moveTo>
+                  <a:pt x="0" y="0"/>
+                </a:moveTo>
+                <a:lnTo>
+                  <a:pt x="443060" y="405352"/>
+                </a:lnTo>
+                <a:lnTo>
+                  <a:pt x="622169" y="226243"/>
+                </a:lnTo>
+                <a:lnTo>
+                  <a:pt x="867266" y="490193"/>
+                </a:lnTo>
+                <a:lnTo>
+                  <a:pt x="1112363" y="235670"/>
+                </a:lnTo>
+                <a:lnTo>
+                  <a:pt x="1564849" y="707010"/>
+                </a:lnTo>
+              </a:path>
+            </a:pathLst>
+          </a:custGeom>
+          <a:noFill/>
+          <a:ln w="69850">
+            <a:gradFill flip="none" rotWithShape="1">
+              <a:gsLst>
+                <a:gs pos="0">
+                  <a:srgbClr val="0070C0"/>
+                </a:gs>
+                <a:gs pos="100000">
+                  <a:srgbClr val="00B0F0"/>
+                </a:gs>
+              </a:gsLst>
+              <a:lin ang="0" scaled="1"/>
+              <a:tileRect/>
+            </a:gradFill>
+          </a:ln>
+        </p:spPr>
+        <p:style>
+          <a:lnRef idx="2">
+            <a:schemeClr val="accent1">
+              <a:shade val="50000"/>
+            </a:schemeClr>
+          </a:lnRef>
+          <a:fillRef idx="1">
+            <a:schemeClr val="accent1"/>
+          </a:fillRef>
+          <a:effectRef idx="0">
+            <a:schemeClr val="accent1"/>
+          </a:effectRef>
+          <a:fontRef idx="minor">
+            <a:schemeClr val="lt1"/>
+          </a:fontRef>
+        </p:style>
+        <p:txBody>
+          <a:bodyPr rtlCol="0" anchor="ctr"/>
+          <a:lstStyle/>
+          <a:p>
+            <a:pPr algn="ctr"/>
+            <a:endParaRPr lang="ko-KR" altLang="en-US">
+              <a:solidFill>
+                <a:prstClr val="white"/>
+              </a:solidFill>
+            </a:endParaRPr>
+          </a:p>
+        </p:txBody>
+      </p:sp>
+      <p:sp>
+        <p:nvSpPr>
+          <p:cNvPr id="3" name="TextBox 2">
+            <a:extLst>
+              <a:ext uri="{FF2B5EF4-FFF2-40B4-BE49-F238E27FC236}">
+                <a16:creationId xmlns:a16="http://schemas.microsoft.com/office/drawing/2014/main" id="{77F943B8-3BA5-2E59-0B52-464B77ECD947}"/>
+              </a:ext>
+            </a:extLst>
+          </p:cNvPr>
+          <p:cNvSpPr txBox="1"/>
+          <p:nvPr/>
+        </p:nvSpPr>
+        <p:spPr>
+          <a:xfrm>
+            <a:off x="390714" y="305108"/>
+            <a:ext cx="4218123" cy="584775"/>
+          </a:xfrm>
+          <a:prstGeom prst="rect">
+            <a:avLst/>
+          </a:prstGeom>
+          <a:noFill/>
+        </p:spPr>
+        <p:txBody>
+          <a:bodyPr wrap="square">
+            <a:spAutoFit/>
+          </a:bodyPr>
+          <a:lstStyle/>
+          <a:p>
+            <a:pPr>
+              <a:defRPr/>
+            </a:pPr>
+            <a:r>
+              <a:rPr lang="en-US" altLang="ko-KR" sz="3200" dirty="0">
                 <a:solidFill>
                   <a:srgbClr val="0070C0"/>
                 </a:solidFill>
                 <a:latin typeface="배달의민족 한나체 Pro OTF" panose="020B0600000101010101" pitchFamily="34" charset="-127"/>
                 <a:ea typeface="배달의민족 한나체 Pro OTF" panose="020B0600000101010101" pitchFamily="34" charset="-127"/>
               </a:rPr>
-              <a:t>게임 전 서버 </a:t>
-            </a:r>
-            <a:r>
-              <a:rPr lang="en-US" altLang="ko-KR" sz="4000" kern="0" dirty="0">
-                <a:ln w="9525">
-                  <a:noFill/>
-                </a:ln>
-                <a:solidFill>
-                  <a:srgbClr val="0070C0"/>
-                </a:solidFill>
-                <a:latin typeface="배달의민족 한나체 Pro OTF" panose="020B0600000101010101" pitchFamily="34" charset="-127"/>
-                <a:ea typeface="배달의민족 한나체 Pro OTF" panose="020B0600000101010101" pitchFamily="34" charset="-127"/>
-              </a:rPr>
-              <a:t>Top10 </a:t>
-            </a:r>
-            <a:r>
-              <a:rPr lang="ko-KR" altLang="en-US" sz="4000" kern="0" dirty="0">
-                <a:ln w="9525">
-                  <a:noFill/>
-                </a:ln>
-                <a:solidFill>
-                  <a:srgbClr val="0070C0"/>
-                </a:solidFill>
-                <a:latin typeface="배달의민족 한나체 Pro OTF" panose="020B0600000101010101" pitchFamily="34" charset="-127"/>
-                <a:ea typeface="배달의민족 한나체 Pro OTF" panose="020B0600000101010101" pitchFamily="34" charset="-127"/>
-              </a:rPr>
-              <a:t>플레이어</a:t>
-            </a:r>
-            <a:endParaRPr lang="en-US" altLang="ko-KR" sz="4000" kern="0" dirty="0">
-              <a:ln w="9525">
-                <a:noFill/>
-              </a:ln>
+              <a:t>Site</a:t>
+            </a:r>
+            <a:endParaRPr lang="ko-KR" altLang="en-US" sz="3200" dirty="0">
               <a:solidFill>
                 <a:srgbClr val="0070C0"/>
               </a:solidFill>
@@ -11437,43 +17197,435 @@
               <a:ea typeface="배달의민족 한나체 Pro OTF" panose="020B0600000101010101" pitchFamily="34" charset="-127"/>
             </a:endParaRPr>
           </a:p>
-          <a:p>
-            <a:pPr algn="ctr">
-              <a:lnSpc>
-                <a:spcPct val="150000"/>
-              </a:lnSpc>
-              <a:defRPr/>
-            </a:pPr>
-            <a:r>
-              <a:rPr lang="ko-KR" altLang="en-US" sz="4000" kern="0" dirty="0">
-                <a:ln w="9525">
-                  <a:noFill/>
-                </a:ln>
+        </p:txBody>
+      </p:sp>
+      <p:sp>
+        <p:nvSpPr>
+          <p:cNvPr id="2" name="TextBox 1">
+            <a:extLst>
+              <a:ext uri="{FF2B5EF4-FFF2-40B4-BE49-F238E27FC236}">
+                <a16:creationId xmlns:a16="http://schemas.microsoft.com/office/drawing/2014/main" id="{1265CCF2-6387-9DA8-393E-B1B497669C5F}"/>
+              </a:ext>
+            </a:extLst>
+          </p:cNvPr>
+          <p:cNvSpPr txBox="1"/>
+          <p:nvPr/>
+        </p:nvSpPr>
+        <p:spPr>
+          <a:xfrm>
+            <a:off x="2329052" y="2020685"/>
+            <a:ext cx="2108393" cy="400110"/>
+          </a:xfrm>
+          <a:prstGeom prst="rect">
+            <a:avLst/>
+          </a:prstGeom>
+          <a:noFill/>
+        </p:spPr>
+        <p:txBody>
+          <a:bodyPr wrap="square" rtlCol="0" anchor="b">
+            <a:spAutoFit/>
+          </a:bodyPr>
+          <a:lstStyle/>
+          <a:p>
+            <a:r>
+              <a:rPr lang="en-US" altLang="ko-KR" sz="2000" b="1" spc="-23" dirty="0" err="1">
                 <a:solidFill>
                   <a:srgbClr val="0070C0"/>
                 </a:solidFill>
                 <a:latin typeface="배달의민족 한나체 Pro OTF" panose="020B0600000101010101" pitchFamily="34" charset="-127"/>
                 <a:ea typeface="배달의민족 한나체 Pro OTF" panose="020B0600000101010101" pitchFamily="34" charset="-127"/>
-              </a:rPr>
-              <a:t>매치 데이터 분석</a:t>
-            </a:r>
-            <a:endParaRPr lang="en-US" altLang="ko-KR" sz="4000" kern="0" dirty="0">
-              <a:ln w="9525">
-                <a:noFill/>
-              </a:ln>
+                <a:cs typeface="Poppins" pitchFamily="2" charset="77"/>
+              </a:rPr>
+              <a:t>Tistory</a:t>
+            </a:r>
+            <a:endParaRPr lang="en-US" sz="2000" b="1" spc="-23" dirty="0">
               <a:solidFill>
                 <a:srgbClr val="0070C0"/>
               </a:solidFill>
               <a:latin typeface="배달의민족 한나체 Pro OTF" panose="020B0600000101010101" pitchFamily="34" charset="-127"/>
               <a:ea typeface="배달의민족 한나체 Pro OTF" panose="020B0600000101010101" pitchFamily="34" charset="-127"/>
-            </a:endParaRPr>
-          </a:p>
-        </p:txBody>
-      </p:sp>
+              <a:cs typeface="Poppins" pitchFamily="2" charset="77"/>
+            </a:endParaRPr>
+          </a:p>
+        </p:txBody>
+      </p:sp>
+      <p:sp>
+        <p:nvSpPr>
+          <p:cNvPr id="5" name="TextBox 4">
+            <a:extLst>
+              <a:ext uri="{FF2B5EF4-FFF2-40B4-BE49-F238E27FC236}">
+                <a16:creationId xmlns:a16="http://schemas.microsoft.com/office/drawing/2014/main" id="{C8DC9316-6DDC-412B-8291-BD9E896B8A25}"/>
+              </a:ext>
+            </a:extLst>
+          </p:cNvPr>
+          <p:cNvSpPr txBox="1"/>
+          <p:nvPr/>
+        </p:nvSpPr>
+        <p:spPr>
+          <a:xfrm>
+            <a:off x="2329052" y="3895728"/>
+            <a:ext cx="2279785" cy="400110"/>
+          </a:xfrm>
+          <a:prstGeom prst="rect">
+            <a:avLst/>
+          </a:prstGeom>
+          <a:noFill/>
+        </p:spPr>
+        <p:txBody>
+          <a:bodyPr wrap="square" rtlCol="0" anchor="b">
+            <a:spAutoFit/>
+          </a:bodyPr>
+          <a:lstStyle/>
+          <a:p>
+            <a:r>
+              <a:rPr lang="en-US" altLang="ko-KR" sz="2000" b="1" spc="-23" dirty="0" err="1">
+                <a:solidFill>
+                  <a:srgbClr val="005A9E"/>
+                </a:solidFill>
+                <a:latin typeface="배달의민족 한나체 Pro OTF" panose="020B0600000101010101" pitchFamily="34" charset="-127"/>
+                <a:ea typeface="배달의민족 한나체 Pro OTF" panose="020B0600000101010101" pitchFamily="34" charset="-127"/>
+                <a:cs typeface="Poppins" pitchFamily="2" charset="77"/>
+              </a:rPr>
+              <a:t>Github</a:t>
+            </a:r>
+            <a:endParaRPr lang="en-US" sz="2000" b="1" spc="-23" dirty="0">
+              <a:solidFill>
+                <a:srgbClr val="005A9E"/>
+              </a:solidFill>
+              <a:latin typeface="배달의민족 한나체 Pro OTF" panose="020B0600000101010101" pitchFamily="34" charset="-127"/>
+              <a:ea typeface="배달의민족 한나체 Pro OTF" panose="020B0600000101010101" pitchFamily="34" charset="-127"/>
+              <a:cs typeface="Poppins" pitchFamily="2" charset="77"/>
+            </a:endParaRPr>
+          </a:p>
+        </p:txBody>
+      </p:sp>
+      <p:sp>
+        <p:nvSpPr>
+          <p:cNvPr id="9" name="Line 302">
+            <a:extLst>
+              <a:ext uri="{FF2B5EF4-FFF2-40B4-BE49-F238E27FC236}">
+                <a16:creationId xmlns:a16="http://schemas.microsoft.com/office/drawing/2014/main" id="{D00A0940-AB54-F303-BE77-DD32EF8B023F}"/>
+              </a:ext>
+            </a:extLst>
+          </p:cNvPr>
+          <p:cNvSpPr>
+            <a:spLocks noChangeShapeType="1"/>
+          </p:cNvSpPr>
+          <p:nvPr/>
+        </p:nvSpPr>
+        <p:spPr bwMode="auto">
+          <a:xfrm>
+            <a:off x="2183363" y="2061311"/>
+            <a:ext cx="0" cy="1028700"/>
+          </a:xfrm>
+          <a:prstGeom prst="line">
+            <a:avLst/>
+          </a:prstGeom>
+          <a:noFill/>
+          <a:ln w="38100" cap="flat">
+            <a:solidFill>
+              <a:schemeClr val="accent1"/>
+            </a:solidFill>
+            <a:round/>
+            <a:headEnd/>
+            <a:tailEnd/>
+          </a:ln>
+          <a:effectLst/>
+          <a:extLst>
+            <a:ext uri="{909E8E84-426E-40DD-AFC4-6F175D3DCCD1}">
+              <a14:hiddenFill xmlns:a14="http://schemas.microsoft.com/office/drawing/2010/main">
+                <a:noFill/>
+              </a14:hiddenFill>
+            </a:ext>
+            <a:ext uri="{AF507438-7753-43E0-B8FC-AC1667EBCBE1}">
+              <a14:hiddenEffects xmlns:a14="http://schemas.microsoft.com/office/drawing/2010/main">
+                <a:effectLst>
+                  <a:outerShdw dist="35921" dir="2700000" algn="ctr" rotWithShape="0">
+                    <a:srgbClr val="808080"/>
+                  </a:outerShdw>
+                </a:effectLst>
+              </a14:hiddenEffects>
+            </a:ext>
+          </a:extLst>
+        </p:spPr>
+        <p:txBody>
+          <a:bodyPr/>
+          <a:lstStyle/>
+          <a:p>
+            <a:endParaRPr lang="en-US" sz="4900" dirty="0">
+              <a:latin typeface="배달의민족 한나체 Pro OTF" panose="020B0600000101010101" pitchFamily="34" charset="-127"/>
+              <a:ea typeface="배달의민족 한나체 Pro OTF" panose="020B0600000101010101" pitchFamily="34" charset="-127"/>
+            </a:endParaRPr>
+          </a:p>
+        </p:txBody>
+      </p:sp>
+      <p:sp>
+        <p:nvSpPr>
+          <p:cNvPr id="10" name="Line 302">
+            <a:extLst>
+              <a:ext uri="{FF2B5EF4-FFF2-40B4-BE49-F238E27FC236}">
+                <a16:creationId xmlns:a16="http://schemas.microsoft.com/office/drawing/2014/main" id="{9D23B9B5-EA5C-0F57-D720-F18F02474E35}"/>
+              </a:ext>
+            </a:extLst>
+          </p:cNvPr>
+          <p:cNvSpPr>
+            <a:spLocks noChangeShapeType="1"/>
+          </p:cNvSpPr>
+          <p:nvPr/>
+        </p:nvSpPr>
+        <p:spPr bwMode="auto">
+          <a:xfrm>
+            <a:off x="2183363" y="3915184"/>
+            <a:ext cx="0" cy="1028700"/>
+          </a:xfrm>
+          <a:prstGeom prst="line">
+            <a:avLst/>
+          </a:prstGeom>
+          <a:noFill/>
+          <a:ln w="38100" cap="flat">
+            <a:solidFill>
+              <a:schemeClr val="accent1"/>
+            </a:solidFill>
+            <a:round/>
+            <a:headEnd/>
+            <a:tailEnd/>
+          </a:ln>
+          <a:effectLst/>
+          <a:extLst>
+            <a:ext uri="{909E8E84-426E-40DD-AFC4-6F175D3DCCD1}">
+              <a14:hiddenFill xmlns:a14="http://schemas.microsoft.com/office/drawing/2010/main">
+                <a:noFill/>
+              </a14:hiddenFill>
+            </a:ext>
+            <a:ext uri="{AF507438-7753-43E0-B8FC-AC1667EBCBE1}">
+              <a14:hiddenEffects xmlns:a14="http://schemas.microsoft.com/office/drawing/2010/main">
+                <a:effectLst>
+                  <a:outerShdw dist="35921" dir="2700000" algn="ctr" rotWithShape="0">
+                    <a:srgbClr val="808080"/>
+                  </a:outerShdw>
+                </a:effectLst>
+              </a14:hiddenEffects>
+            </a:ext>
+          </a:extLst>
+        </p:spPr>
+        <p:txBody>
+          <a:bodyPr/>
+          <a:lstStyle/>
+          <a:p>
+            <a:endParaRPr lang="en-US" sz="4900" dirty="0">
+              <a:solidFill>
+                <a:srgbClr val="005A9E"/>
+              </a:solidFill>
+              <a:latin typeface="배달의민족 한나체 Pro OTF" panose="020B0600000101010101" pitchFamily="34" charset="-127"/>
+              <a:ea typeface="배달의민족 한나체 Pro OTF" panose="020B0600000101010101" pitchFamily="34" charset="-127"/>
+            </a:endParaRPr>
+          </a:p>
+        </p:txBody>
+      </p:sp>
+      <p:sp>
+        <p:nvSpPr>
+          <p:cNvPr id="13" name="TextBox 12">
+            <a:extLst>
+              <a:ext uri="{FF2B5EF4-FFF2-40B4-BE49-F238E27FC236}">
+                <a16:creationId xmlns:a16="http://schemas.microsoft.com/office/drawing/2014/main" id="{9F294683-DEAE-655E-8032-D9891EE761B4}"/>
+              </a:ext>
+            </a:extLst>
+          </p:cNvPr>
+          <p:cNvSpPr txBox="1"/>
+          <p:nvPr/>
+        </p:nvSpPr>
+        <p:spPr>
+          <a:xfrm>
+            <a:off x="2305133" y="2478325"/>
+            <a:ext cx="7305793" cy="338554"/>
+          </a:xfrm>
+          <a:prstGeom prst="rect">
+            <a:avLst/>
+          </a:prstGeom>
+          <a:noFill/>
+        </p:spPr>
+        <p:txBody>
+          <a:bodyPr wrap="square" rtlCol="0" anchor="b">
+            <a:spAutoFit/>
+          </a:bodyPr>
+          <a:lstStyle/>
+          <a:p>
+            <a:r>
+              <a:rPr lang="en-US" altLang="ko-KR" sz="1600" b="1" spc="-23" dirty="0">
+                <a:solidFill>
+                  <a:schemeClr val="bg2">
+                    <a:lumMod val="25000"/>
+                  </a:schemeClr>
+                </a:solidFill>
+                <a:latin typeface="배달의민족 한나체 Air OTF" panose="020B0600000101010101" pitchFamily="34" charset="-127"/>
+                <a:ea typeface="배달의민족 한나체 Air OTF" panose="020B0600000101010101" pitchFamily="34" charset="-127"/>
+                <a:cs typeface="Poppins" pitchFamily="2" charset="77"/>
+                <a:hlinkClick r:id="rId2">
+                  <a:extLst>
+                    <a:ext uri="{A12FA001-AC4F-418D-AE19-62706E023703}">
+                      <ahyp:hlinkClr xmlns:ahyp="http://schemas.microsoft.com/office/drawing/2018/hyperlinkcolor" val="tx"/>
+                    </a:ext>
+                  </a:extLst>
+                </a:hlinkClick>
+              </a:rPr>
+              <a:t>https://wikinist.tistory.com/category/Project/TeamFightTactics</a:t>
+            </a:r>
+            <a:endParaRPr lang="en-US" altLang="ko-KR" sz="1600" b="1" spc="-23" dirty="0">
+              <a:solidFill>
+                <a:schemeClr val="bg2">
+                  <a:lumMod val="25000"/>
+                </a:schemeClr>
+              </a:solidFill>
+              <a:latin typeface="배달의민족 한나체 Air OTF" panose="020B0600000101010101" pitchFamily="34" charset="-127"/>
+              <a:ea typeface="배달의민족 한나체 Air OTF" panose="020B0600000101010101" pitchFamily="34" charset="-127"/>
+              <a:cs typeface="Poppins" pitchFamily="2" charset="77"/>
+            </a:endParaRPr>
+          </a:p>
+        </p:txBody>
+      </p:sp>
+      <p:sp>
+        <p:nvSpPr>
+          <p:cNvPr id="18" name="TextBox 17">
+            <a:extLst>
+              <a:ext uri="{FF2B5EF4-FFF2-40B4-BE49-F238E27FC236}">
+                <a16:creationId xmlns:a16="http://schemas.microsoft.com/office/drawing/2014/main" id="{3C95729D-B569-92E9-69DF-9B4BED1CFE77}"/>
+              </a:ext>
+            </a:extLst>
+          </p:cNvPr>
+          <p:cNvSpPr txBox="1"/>
+          <p:nvPr/>
+        </p:nvSpPr>
+        <p:spPr>
+          <a:xfrm>
+            <a:off x="2305133" y="4430863"/>
+            <a:ext cx="6401122" cy="338554"/>
+          </a:xfrm>
+          <a:prstGeom prst="rect">
+            <a:avLst/>
+          </a:prstGeom>
+          <a:noFill/>
+        </p:spPr>
+        <p:txBody>
+          <a:bodyPr wrap="square" rtlCol="0" anchor="b">
+            <a:spAutoFit/>
+          </a:bodyPr>
+          <a:lstStyle/>
+          <a:p>
+            <a:r>
+              <a:rPr lang="en-US" altLang="ko-KR" sz="1600" b="1" spc="-23" dirty="0">
+                <a:solidFill>
+                  <a:schemeClr val="bg2">
+                    <a:lumMod val="25000"/>
+                  </a:schemeClr>
+                </a:solidFill>
+                <a:latin typeface="배달의민족 한나체 Air OTF" panose="020B0600000101010101" pitchFamily="34" charset="-127"/>
+                <a:ea typeface="배달의민족 한나체 Air OTF" panose="020B0600000101010101" pitchFamily="34" charset="-127"/>
+                <a:cs typeface="Poppins" pitchFamily="2" charset="77"/>
+                <a:hlinkClick r:id="rId3">
+                  <a:extLst>
+                    <a:ext uri="{A12FA001-AC4F-418D-AE19-62706E023703}">
+                      <ahyp:hlinkClr xmlns:ahyp="http://schemas.microsoft.com/office/drawing/2018/hyperlinkcolor" val="tx"/>
+                    </a:ext>
+                  </a:extLst>
+                </a:hlinkClick>
+              </a:rPr>
+              <a:t>https://github.com/tooha289/TeamFightTactics</a:t>
+            </a:r>
+            <a:endParaRPr lang="en-US" altLang="ko-KR" sz="1600" b="1" spc="-23" dirty="0">
+              <a:solidFill>
+                <a:schemeClr val="bg2">
+                  <a:lumMod val="25000"/>
+                </a:schemeClr>
+              </a:solidFill>
+              <a:latin typeface="배달의민족 한나체 Air OTF" panose="020B0600000101010101" pitchFamily="34" charset="-127"/>
+              <a:ea typeface="배달의민족 한나체 Air OTF" panose="020B0600000101010101" pitchFamily="34" charset="-127"/>
+              <a:cs typeface="Poppins" pitchFamily="2" charset="77"/>
+            </a:endParaRPr>
+          </a:p>
+        </p:txBody>
+      </p:sp>
+      <p:pic>
+        <p:nvPicPr>
+          <p:cNvPr id="22" name="그래픽 21">
+            <a:extLst>
+              <a:ext uri="{FF2B5EF4-FFF2-40B4-BE49-F238E27FC236}">
+                <a16:creationId xmlns:a16="http://schemas.microsoft.com/office/drawing/2014/main" id="{62DAD5F1-A86C-4BC2-ED4C-C9EDD9C85122}"/>
+              </a:ext>
+            </a:extLst>
+          </p:cNvPr>
+          <p:cNvPicPr>
+            <a:picLocks noChangeAspect="1"/>
+          </p:cNvPicPr>
+          <p:nvPr/>
+        </p:nvPicPr>
+        <p:blipFill>
+          <a:blip r:embed="rId4" cstate="print">
+            <a:extLst>
+              <a:ext uri="{28A0092B-C50C-407E-A947-70E740481C1C}">
+                <a14:useLocalDpi xmlns:a14="http://schemas.microsoft.com/office/drawing/2010/main" val="0"/>
+              </a:ext>
+              <a:ext uri="{96DAC541-7B7A-43D3-8B79-37D633B846F1}">
+                <asvg:svgBlip xmlns:asvg="http://schemas.microsoft.com/office/drawing/2016/SVG/main" r:embed="rId5"/>
+              </a:ext>
+            </a:extLst>
+          </a:blip>
+          <a:stretch>
+            <a:fillRect/>
+          </a:stretch>
+        </p:blipFill>
+        <p:spPr>
+          <a:xfrm>
+            <a:off x="1094202" y="2188325"/>
+            <a:ext cx="774671" cy="774671"/>
+          </a:xfrm>
+          <a:prstGeom prst="rect">
+            <a:avLst/>
+          </a:prstGeom>
+        </p:spPr>
+      </p:pic>
+      <p:pic>
+        <p:nvPicPr>
+          <p:cNvPr id="33" name="그래픽 32">
+            <a:extLst>
+              <a:ext uri="{FF2B5EF4-FFF2-40B4-BE49-F238E27FC236}">
+                <a16:creationId xmlns:a16="http://schemas.microsoft.com/office/drawing/2014/main" id="{F0AD090B-56A7-3887-71C1-E389ACDF1FCA}"/>
+              </a:ext>
+            </a:extLst>
+          </p:cNvPr>
+          <p:cNvPicPr>
+            <a:picLocks noChangeAspect="1"/>
+          </p:cNvPicPr>
+          <p:nvPr/>
+        </p:nvPicPr>
+        <p:blipFill>
+          <a:blip r:embed="rId6" cstate="print">
+            <a:extLst>
+              <a:ext uri="{28A0092B-C50C-407E-A947-70E740481C1C}">
+                <a14:useLocalDpi xmlns:a14="http://schemas.microsoft.com/office/drawing/2010/main" val="0"/>
+              </a:ext>
+              <a:ext uri="{96DAC541-7B7A-43D3-8B79-37D633B846F1}">
+                <asvg:svgBlip xmlns:asvg="http://schemas.microsoft.com/office/drawing/2016/SVG/main" r:embed="rId7"/>
+              </a:ext>
+            </a:extLst>
+          </a:blip>
+          <a:stretch>
+            <a:fillRect/>
+          </a:stretch>
+        </p:blipFill>
+        <p:spPr>
+          <a:xfrm>
+            <a:off x="1094202" y="4043624"/>
+            <a:ext cx="774477" cy="774477"/>
+          </a:xfrm>
+          <a:prstGeom prst="rect">
+            <a:avLst/>
+          </a:prstGeom>
+        </p:spPr>
+      </p:pic>
     </p:spTree>
     <p:extLst>
       <p:ext uri="{BB962C8B-B14F-4D97-AF65-F5344CB8AC3E}">
-        <p14:creationId xmlns:p14="http://schemas.microsoft.com/office/powerpoint/2010/main" val="2687755353"/>
+        <p14:creationId xmlns:p14="http://schemas.microsoft.com/office/powerpoint/2010/main" val="2216284021"/>
       </p:ext>
     </p:extLst>
   </p:cSld>
@@ -12176,8 +18328,8 @@
         </p:nvSpPr>
         <p:spPr bwMode="auto">
           <a:xfrm>
-            <a:off x="742866" y="2132565"/>
-            <a:ext cx="4976998" cy="4099179"/>
+            <a:off x="1103621" y="2476879"/>
+            <a:ext cx="4234251" cy="3487434"/>
           </a:xfrm>
           <a:prstGeom prst="roundRect">
             <a:avLst>
@@ -12459,8 +18611,8 @@
         </p:nvSpPr>
         <p:spPr bwMode="auto">
           <a:xfrm>
-            <a:off x="6248721" y="2132565"/>
-            <a:ext cx="4976998" cy="4099179"/>
+            <a:off x="6832893" y="2476879"/>
+            <a:ext cx="4234251" cy="3487434"/>
           </a:xfrm>
           <a:prstGeom prst="roundRect">
             <a:avLst>
@@ -12500,7 +18652,7 @@
         </p:nvSpPr>
         <p:spPr>
           <a:xfrm>
-            <a:off x="6441226" y="3162387"/>
+            <a:off x="6664643" y="3162387"/>
             <a:ext cx="4591987" cy="1896994"/>
           </a:xfrm>
           <a:prstGeom prst="rect">
@@ -12625,7 +18777,7 @@
         </p:nvSpPr>
         <p:spPr>
           <a:xfrm>
-            <a:off x="7621420" y="1495823"/>
+            <a:off x="7844837" y="1495823"/>
             <a:ext cx="2210365" cy="523220"/>
           </a:xfrm>
           <a:prstGeom prst="rect">
@@ -12681,6 +18833,51 @@
           </a:p>
         </p:txBody>
       </p:sp>
+      <p:pic>
+        <p:nvPicPr>
+          <p:cNvPr id="6" name="그림 5">
+            <a:extLst>
+              <a:ext uri="{FF2B5EF4-FFF2-40B4-BE49-F238E27FC236}">
+                <a16:creationId xmlns:a16="http://schemas.microsoft.com/office/drawing/2014/main" id="{6A62AAEA-00FC-EF9B-C9BD-6FCD4A35D110}"/>
+              </a:ext>
+            </a:extLst>
+          </p:cNvPr>
+          <p:cNvPicPr>
+            <a:picLocks noChangeAspect="1"/>
+          </p:cNvPicPr>
+          <p:nvPr/>
+        </p:nvPicPr>
+        <p:blipFill>
+          <a:blip r:embed="rId2" cstate="print">
+            <a:extLst>
+              <a:ext uri="{BEBA8EAE-BF5A-486C-A8C5-ECC9F3942E4B}">
+                <a14:imgProps xmlns:a14="http://schemas.microsoft.com/office/drawing/2010/main">
+                  <a14:imgLayer r:embed="rId3">
+                    <a14:imgEffect>
+                      <a14:colorTemperature colorTemp="7300"/>
+                    </a14:imgEffect>
+                  </a14:imgLayer>
+                </a14:imgProps>
+              </a:ext>
+              <a:ext uri="{28A0092B-C50C-407E-A947-70E740481C1C}">
+                <a14:useLocalDpi xmlns:a14="http://schemas.microsoft.com/office/drawing/2010/main" val="0"/>
+              </a:ext>
+            </a:extLst>
+          </a:blip>
+          <a:stretch>
+            <a:fillRect/>
+          </a:stretch>
+        </p:blipFill>
+        <p:spPr>
+          <a:xfrm>
+            <a:off x="5081982" y="3807033"/>
+            <a:ext cx="2028036" cy="596580"/>
+          </a:xfrm>
+          <a:prstGeom prst="rect">
+            <a:avLst/>
+          </a:prstGeom>
+        </p:spPr>
+      </p:pic>
     </p:spTree>
     <p:extLst>
       <p:ext uri="{BB962C8B-B14F-4D97-AF65-F5344CB8AC3E}">
@@ -13075,7 +19272,7 @@
         </p:nvSpPr>
         <p:spPr bwMode="auto">
           <a:xfrm>
-            <a:off x="6248721" y="2132565"/>
+            <a:off x="6472136" y="2132565"/>
             <a:ext cx="4976998" cy="4099179"/>
           </a:xfrm>
           <a:prstGeom prst="roundRect">
@@ -13116,7 +19313,7 @@
         </p:nvSpPr>
         <p:spPr>
           <a:xfrm>
-            <a:off x="7621420" y="1495823"/>
+            <a:off x="7844835" y="1495823"/>
             <a:ext cx="2210365" cy="523220"/>
           </a:xfrm>
           <a:prstGeom prst="rect">
@@ -13186,7 +19383,7 @@
         </p:nvGrpSpPr>
         <p:grpSpPr>
           <a:xfrm>
-            <a:off x="6692640" y="2673306"/>
+            <a:off x="6916055" y="2673306"/>
             <a:ext cx="1024885" cy="1024885"/>
             <a:chOff x="11781354" y="5209742"/>
             <a:chExt cx="1922534" cy="1922534"/>
@@ -13237,7 +19434,7 @@
         </p:nvGrpSpPr>
         <p:grpSpPr>
           <a:xfrm>
-            <a:off x="8078598" y="2541028"/>
+            <a:off x="8302013" y="2541028"/>
             <a:ext cx="3011382" cy="960429"/>
             <a:chOff x="13990255" y="5501964"/>
             <a:chExt cx="3085714" cy="960429"/>
@@ -13305,7 +19502,7 @@
         </p:blipFill>
         <p:spPr>
           <a:xfrm>
-            <a:off x="6450443" y="3960647"/>
+            <a:off x="6673858" y="3960647"/>
             <a:ext cx="2697759" cy="647462"/>
           </a:xfrm>
           <a:prstGeom prst="rect">
@@ -13341,7 +19538,7 @@
         </p:blipFill>
         <p:spPr>
           <a:xfrm>
-            <a:off x="7621420" y="4988601"/>
+            <a:off x="7844835" y="4988601"/>
             <a:ext cx="2073100" cy="724273"/>
           </a:xfrm>
           <a:prstGeom prst="rect">
@@ -13397,7 +19594,7 @@
         </p:blipFill>
         <p:spPr>
           <a:xfrm>
-            <a:off x="9471622" y="3935518"/>
+            <a:off x="9695037" y="3935518"/>
             <a:ext cx="1363565" cy="618987"/>
           </a:xfrm>
           <a:prstGeom prst="rect">
@@ -15070,7 +21267,7 @@
                 <a:latin typeface="배달의민족 한나체 Pro OTF" panose="020B0600000101010101" pitchFamily="34" charset="-127"/>
                 <a:ea typeface="배달의민족 한나체 Pro OTF" panose="020B0600000101010101" pitchFamily="34" charset="-127"/>
               </a:rPr>
-              <a:t>한글화 작업</a:t>
+              <a:t>이상치 검출</a:t>
             </a:r>
             <a:endParaRPr lang="ko-KR" altLang="en-US" sz="2000" dirty="0">
               <a:solidFill>
@@ -15151,10 +21348,443 @@
           </a:p>
         </p:txBody>
       </p:sp>
+      <p:pic>
+        <p:nvPicPr>
+          <p:cNvPr id="7" name="그림 6">
+            <a:extLst>
+              <a:ext uri="{FF2B5EF4-FFF2-40B4-BE49-F238E27FC236}">
+                <a16:creationId xmlns:a16="http://schemas.microsoft.com/office/drawing/2014/main" id="{B3A5AFFD-D817-E097-33DC-E39CAB3A6AF5}"/>
+              </a:ext>
+            </a:extLst>
+          </p:cNvPr>
+          <p:cNvPicPr>
+            <a:picLocks noChangeAspect="1"/>
+          </p:cNvPicPr>
+          <p:nvPr/>
+        </p:nvPicPr>
+        <p:blipFill>
+          <a:blip r:embed="rId2"/>
+          <a:stretch>
+            <a:fillRect/>
+          </a:stretch>
+        </p:blipFill>
+        <p:spPr>
+          <a:xfrm>
+            <a:off x="660370" y="1524445"/>
+            <a:ext cx="7896933" cy="4428000"/>
+          </a:xfrm>
+          <a:prstGeom prst="rect">
+            <a:avLst/>
+          </a:prstGeom>
+        </p:spPr>
+      </p:pic>
+      <p:sp>
+        <p:nvSpPr>
+          <p:cNvPr id="9" name="Line 283">
+            <a:extLst>
+              <a:ext uri="{FF2B5EF4-FFF2-40B4-BE49-F238E27FC236}">
+                <a16:creationId xmlns:a16="http://schemas.microsoft.com/office/drawing/2014/main" id="{AC038C8A-70E8-3A92-76DC-C3B11CC70FC2}"/>
+              </a:ext>
+            </a:extLst>
+          </p:cNvPr>
+          <p:cNvSpPr>
+            <a:spLocks noChangeShapeType="1"/>
+          </p:cNvSpPr>
+          <p:nvPr/>
+        </p:nvSpPr>
+        <p:spPr bwMode="auto">
+          <a:xfrm>
+            <a:off x="9028286" y="2328336"/>
+            <a:ext cx="2265527" cy="0"/>
+          </a:xfrm>
+          <a:prstGeom prst="line">
+            <a:avLst/>
+          </a:prstGeom>
+          <a:noFill/>
+          <a:ln w="25400" cap="rnd">
+            <a:solidFill>
+              <a:schemeClr val="accent4"/>
+            </a:solidFill>
+            <a:round/>
+            <a:headEnd/>
+            <a:tailEnd/>
+          </a:ln>
+          <a:effectLst/>
+          <a:extLst>
+            <a:ext uri="{909E8E84-426E-40DD-AFC4-6F175D3DCCD1}">
+              <a14:hiddenFill xmlns:a14="http://schemas.microsoft.com/office/drawing/2010/main">
+                <a:noFill/>
+              </a14:hiddenFill>
+            </a:ext>
+            <a:ext uri="{AF507438-7753-43E0-B8FC-AC1667EBCBE1}">
+              <a14:hiddenEffects xmlns:a14="http://schemas.microsoft.com/office/drawing/2010/main">
+                <a:effectLst>
+                  <a:outerShdw dist="35921" dir="2700000" algn="ctr" rotWithShape="0">
+                    <a:srgbClr val="808080"/>
+                  </a:outerShdw>
+                </a:effectLst>
+              </a14:hiddenEffects>
+            </a:ext>
+          </a:extLst>
+        </p:spPr>
+        <p:txBody>
+          <a:bodyPr/>
+          <a:lstStyle/>
+          <a:p>
+            <a:endParaRPr lang="en-US" sz="4900" dirty="0">
+              <a:latin typeface="Poppins" panose="00000500000000000000" pitchFamily="2" charset="0"/>
+            </a:endParaRPr>
+          </a:p>
+        </p:txBody>
+      </p:sp>
+      <p:sp>
+        <p:nvSpPr>
+          <p:cNvPr id="10" name="TextBox 9">
+            <a:extLst>
+              <a:ext uri="{FF2B5EF4-FFF2-40B4-BE49-F238E27FC236}">
+                <a16:creationId xmlns:a16="http://schemas.microsoft.com/office/drawing/2014/main" id="{242523E3-833E-4E9C-5B9B-D14D7E7FE53B}"/>
+              </a:ext>
+            </a:extLst>
+          </p:cNvPr>
+          <p:cNvSpPr txBox="1"/>
+          <p:nvPr/>
+        </p:nvSpPr>
+        <p:spPr>
+          <a:xfrm>
+            <a:off x="9223180" y="1913228"/>
+            <a:ext cx="1875733" cy="400110"/>
+          </a:xfrm>
+          <a:prstGeom prst="rect">
+            <a:avLst/>
+          </a:prstGeom>
+          <a:noFill/>
+        </p:spPr>
+        <p:txBody>
+          <a:bodyPr wrap="square">
+            <a:spAutoFit/>
+          </a:bodyPr>
+          <a:lstStyle/>
+          <a:p>
+            <a:pPr>
+              <a:defRPr/>
+            </a:pPr>
+            <a:r>
+              <a:rPr lang="ko-KR" altLang="en-US" sz="2000" kern="0" dirty="0">
+                <a:ln w="9525">
+                  <a:noFill/>
+                </a:ln>
+                <a:solidFill>
+                  <a:srgbClr val="005A9E"/>
+                </a:solidFill>
+                <a:latin typeface="배달의민족 한나체 Pro OTF" panose="020B0600000101010101" pitchFamily="34" charset="-127"/>
+                <a:ea typeface="배달의민족 한나체 Pro OTF" panose="020B0600000101010101" pitchFamily="34" charset="-127"/>
+              </a:rPr>
+              <a:t>항복 </a:t>
+            </a:r>
+            <a:r>
+              <a:rPr lang="en-US" altLang="ko-KR" sz="2000" kern="0" dirty="0">
+                <a:ln w="9525">
+                  <a:noFill/>
+                </a:ln>
+                <a:solidFill>
+                  <a:srgbClr val="005A9E"/>
+                </a:solidFill>
+                <a:latin typeface="배달의민족 한나체 Pro OTF" panose="020B0600000101010101" pitchFamily="34" charset="-127"/>
+                <a:ea typeface="배달의민족 한나체 Pro OTF" panose="020B0600000101010101" pitchFamily="34" charset="-127"/>
+              </a:rPr>
+              <a:t>&amp; </a:t>
+            </a:r>
+            <a:r>
+              <a:rPr lang="ko-KR" altLang="en-US" sz="2000" kern="0" dirty="0" err="1">
+                <a:ln w="9525">
+                  <a:noFill/>
+                </a:ln>
+                <a:solidFill>
+                  <a:srgbClr val="005A9E"/>
+                </a:solidFill>
+                <a:latin typeface="배달의민족 한나체 Pro OTF" panose="020B0600000101010101" pitchFamily="34" charset="-127"/>
+                <a:ea typeface="배달의민족 한나체 Pro OTF" panose="020B0600000101010101" pitchFamily="34" charset="-127"/>
+              </a:rPr>
+              <a:t>자리비움</a:t>
+            </a:r>
+            <a:endParaRPr lang="ko-KR" altLang="en-US" sz="2000" dirty="0">
+              <a:solidFill>
+                <a:srgbClr val="005A9E"/>
+              </a:solidFill>
+              <a:latin typeface="배달의민족 한나체 Pro OTF" panose="020B0600000101010101" pitchFamily="34" charset="-127"/>
+              <a:ea typeface="배달의민족 한나체 Pro OTF" panose="020B0600000101010101" pitchFamily="34" charset="-127"/>
+            </a:endParaRPr>
+          </a:p>
+        </p:txBody>
+      </p:sp>
+      <p:sp>
+        <p:nvSpPr>
+          <p:cNvPr id="11" name="TextBox 10">
+            <a:extLst>
+              <a:ext uri="{FF2B5EF4-FFF2-40B4-BE49-F238E27FC236}">
+                <a16:creationId xmlns:a16="http://schemas.microsoft.com/office/drawing/2014/main" id="{1DB4CCA5-375C-4C91-861B-281307B1F650}"/>
+              </a:ext>
+            </a:extLst>
+          </p:cNvPr>
+          <p:cNvSpPr txBox="1"/>
+          <p:nvPr/>
+        </p:nvSpPr>
+        <p:spPr>
+          <a:xfrm>
+            <a:off x="8796358" y="2358333"/>
+            <a:ext cx="2729382" cy="949234"/>
+          </a:xfrm>
+          <a:prstGeom prst="rect">
+            <a:avLst/>
+          </a:prstGeom>
+          <a:noFill/>
+        </p:spPr>
+        <p:txBody>
+          <a:bodyPr wrap="square" rtlCol="0">
+            <a:spAutoFit/>
+          </a:bodyPr>
+          <a:lstStyle/>
+          <a:p>
+            <a:pPr algn="ctr">
+              <a:lnSpc>
+                <a:spcPts val="3600"/>
+              </a:lnSpc>
+            </a:pPr>
+            <a:r>
+              <a:rPr lang="ko-KR" altLang="en-US" sz="1600" spc="-20" dirty="0">
+                <a:latin typeface="Noto Sans KR Light" panose="020B0200000000000000" pitchFamily="50" charset="-127"/>
+                <a:ea typeface="Noto Sans KR Light" panose="020B0200000000000000" pitchFamily="50" charset="-127"/>
+                <a:cs typeface="Poppins" panose="00000500000000000000" pitchFamily="2" charset="0"/>
+              </a:rPr>
+              <a:t>비정상적인 플레이로 인한</a:t>
+            </a:r>
+            <a:endParaRPr lang="en-US" altLang="ko-KR" sz="1600" spc="-20" dirty="0">
+              <a:latin typeface="Noto Sans KR Light" panose="020B0200000000000000" pitchFamily="50" charset="-127"/>
+              <a:ea typeface="Noto Sans KR Light" panose="020B0200000000000000" pitchFamily="50" charset="-127"/>
+              <a:cs typeface="Poppins" panose="00000500000000000000" pitchFamily="2" charset="0"/>
+            </a:endParaRPr>
+          </a:p>
+          <a:p>
+            <a:pPr algn="ctr">
+              <a:lnSpc>
+                <a:spcPts val="3600"/>
+              </a:lnSpc>
+            </a:pPr>
+            <a:r>
+              <a:rPr lang="ko-KR" altLang="en-US" sz="1600" spc="-20" dirty="0">
+                <a:latin typeface="Noto Sans KR Light" panose="020B0200000000000000" pitchFamily="50" charset="-127"/>
+                <a:ea typeface="Noto Sans KR Light" panose="020B0200000000000000" pitchFamily="50" charset="-127"/>
+                <a:cs typeface="Poppins" panose="00000500000000000000" pitchFamily="2" charset="0"/>
+              </a:rPr>
+              <a:t>빠른 탈락</a:t>
+            </a:r>
+            <a:endParaRPr lang="en-US" sz="1600" spc="-20" dirty="0">
+              <a:latin typeface="Noto Sans KR Light" panose="020B0200000000000000" pitchFamily="50" charset="-127"/>
+              <a:ea typeface="Noto Sans KR Light" panose="020B0200000000000000" pitchFamily="50" charset="-127"/>
+              <a:cs typeface="Poppins" panose="00000500000000000000" pitchFamily="2" charset="0"/>
+            </a:endParaRPr>
+          </a:p>
+        </p:txBody>
+      </p:sp>
+      <p:sp>
+        <p:nvSpPr>
+          <p:cNvPr id="12" name="Line 283">
+            <a:extLst>
+              <a:ext uri="{FF2B5EF4-FFF2-40B4-BE49-F238E27FC236}">
+                <a16:creationId xmlns:a16="http://schemas.microsoft.com/office/drawing/2014/main" id="{A97A5511-B550-EE5D-3BC7-AC499336217A}"/>
+              </a:ext>
+            </a:extLst>
+          </p:cNvPr>
+          <p:cNvSpPr>
+            <a:spLocks noChangeShapeType="1"/>
+          </p:cNvSpPr>
+          <p:nvPr/>
+        </p:nvSpPr>
+        <p:spPr bwMode="auto">
+          <a:xfrm>
+            <a:off x="9028286" y="4153553"/>
+            <a:ext cx="2265527" cy="0"/>
+          </a:xfrm>
+          <a:prstGeom prst="line">
+            <a:avLst/>
+          </a:prstGeom>
+          <a:noFill/>
+          <a:ln w="25400" cap="rnd">
+            <a:solidFill>
+              <a:schemeClr val="accent4"/>
+            </a:solidFill>
+            <a:round/>
+            <a:headEnd/>
+            <a:tailEnd/>
+          </a:ln>
+          <a:effectLst/>
+          <a:extLst>
+            <a:ext uri="{909E8E84-426E-40DD-AFC4-6F175D3DCCD1}">
+              <a14:hiddenFill xmlns:a14="http://schemas.microsoft.com/office/drawing/2010/main">
+                <a:noFill/>
+              </a14:hiddenFill>
+            </a:ext>
+            <a:ext uri="{AF507438-7753-43E0-B8FC-AC1667EBCBE1}">
+              <a14:hiddenEffects xmlns:a14="http://schemas.microsoft.com/office/drawing/2010/main">
+                <a:effectLst>
+                  <a:outerShdw dist="35921" dir="2700000" algn="ctr" rotWithShape="0">
+                    <a:srgbClr val="808080"/>
+                  </a:outerShdw>
+                </a:effectLst>
+              </a14:hiddenEffects>
+            </a:ext>
+          </a:extLst>
+        </p:spPr>
+        <p:txBody>
+          <a:bodyPr/>
+          <a:lstStyle/>
+          <a:p>
+            <a:endParaRPr lang="en-US" sz="4900" dirty="0">
+              <a:latin typeface="Poppins" panose="00000500000000000000" pitchFamily="2" charset="0"/>
+            </a:endParaRPr>
+          </a:p>
+        </p:txBody>
+      </p:sp>
+      <p:sp>
+        <p:nvSpPr>
+          <p:cNvPr id="13" name="TextBox 12">
+            <a:extLst>
+              <a:ext uri="{FF2B5EF4-FFF2-40B4-BE49-F238E27FC236}">
+                <a16:creationId xmlns:a16="http://schemas.microsoft.com/office/drawing/2014/main" id="{A4F29E35-47AD-B2CC-832A-0D8D39728448}"/>
+              </a:ext>
+            </a:extLst>
+          </p:cNvPr>
+          <p:cNvSpPr txBox="1"/>
+          <p:nvPr/>
+        </p:nvSpPr>
+        <p:spPr>
+          <a:xfrm>
+            <a:off x="9362068" y="3738445"/>
+            <a:ext cx="1597959" cy="400110"/>
+          </a:xfrm>
+          <a:prstGeom prst="rect">
+            <a:avLst/>
+          </a:prstGeom>
+          <a:noFill/>
+        </p:spPr>
+        <p:txBody>
+          <a:bodyPr wrap="square">
+            <a:spAutoFit/>
+          </a:bodyPr>
+          <a:lstStyle/>
+          <a:p>
+            <a:pPr>
+              <a:defRPr/>
+            </a:pPr>
+            <a:r>
+              <a:rPr lang="ko-KR" altLang="en-US" sz="2000" kern="0" dirty="0" err="1">
+                <a:ln w="9525">
+                  <a:noFill/>
+                </a:ln>
+                <a:solidFill>
+                  <a:srgbClr val="005A9E"/>
+                </a:solidFill>
+                <a:latin typeface="배달의민족 한나체 Pro OTF" panose="020B0600000101010101" pitchFamily="34" charset="-127"/>
+                <a:ea typeface="배달의민족 한나체 Pro OTF" panose="020B0600000101010101" pitchFamily="34" charset="-127"/>
+              </a:rPr>
+              <a:t>필트오버</a:t>
+            </a:r>
+            <a:r>
+              <a:rPr lang="ko-KR" altLang="en-US" sz="2000" kern="0" dirty="0">
+                <a:ln w="9525">
+                  <a:noFill/>
+                </a:ln>
+                <a:solidFill>
+                  <a:srgbClr val="005A9E"/>
+                </a:solidFill>
+                <a:latin typeface="배달의민족 한나체 Pro OTF" panose="020B0600000101010101" pitchFamily="34" charset="-127"/>
+                <a:ea typeface="배달의민족 한나체 Pro OTF" panose="020B0600000101010101" pitchFamily="34" charset="-127"/>
+              </a:rPr>
+              <a:t> 조합</a:t>
+            </a:r>
+            <a:endParaRPr lang="ko-KR" altLang="en-US" sz="2000" dirty="0">
+              <a:solidFill>
+                <a:srgbClr val="005A9E"/>
+              </a:solidFill>
+              <a:latin typeface="배달의민족 한나체 Pro OTF" panose="020B0600000101010101" pitchFamily="34" charset="-127"/>
+              <a:ea typeface="배달의민족 한나체 Pro OTF" panose="020B0600000101010101" pitchFamily="34" charset="-127"/>
+            </a:endParaRPr>
+          </a:p>
+        </p:txBody>
+      </p:sp>
+      <p:sp>
+        <p:nvSpPr>
+          <p:cNvPr id="14" name="TextBox 13">
+            <a:extLst>
+              <a:ext uri="{FF2B5EF4-FFF2-40B4-BE49-F238E27FC236}">
+                <a16:creationId xmlns:a16="http://schemas.microsoft.com/office/drawing/2014/main" id="{743745C5-681D-C5F2-EEBB-0035104B7165}"/>
+              </a:ext>
+            </a:extLst>
+          </p:cNvPr>
+          <p:cNvSpPr txBox="1"/>
+          <p:nvPr/>
+        </p:nvSpPr>
+        <p:spPr>
+          <a:xfrm>
+            <a:off x="8796358" y="4183550"/>
+            <a:ext cx="2729382" cy="949234"/>
+          </a:xfrm>
+          <a:prstGeom prst="rect">
+            <a:avLst/>
+          </a:prstGeom>
+          <a:noFill/>
+        </p:spPr>
+        <p:txBody>
+          <a:bodyPr wrap="square" rtlCol="0">
+            <a:spAutoFit/>
+          </a:bodyPr>
+          <a:lstStyle/>
+          <a:p>
+            <a:pPr algn="ctr">
+              <a:lnSpc>
+                <a:spcPts val="3600"/>
+              </a:lnSpc>
+            </a:pPr>
+            <a:r>
+              <a:rPr lang="ko-KR" altLang="en-US" sz="1600" spc="-20" dirty="0">
+                <a:latin typeface="Noto Sans KR Light" panose="020B0200000000000000" pitchFamily="50" charset="-127"/>
+                <a:ea typeface="Noto Sans KR Light" panose="020B0200000000000000" pitchFamily="50" charset="-127"/>
+                <a:cs typeface="Poppins" panose="00000500000000000000" pitchFamily="2" charset="0"/>
+              </a:rPr>
+              <a:t>정상적인 플레이지만</a:t>
+            </a:r>
+            <a:endParaRPr lang="en-US" altLang="ko-KR" sz="1600" spc="-20" dirty="0">
+              <a:latin typeface="Noto Sans KR Light" panose="020B0200000000000000" pitchFamily="50" charset="-127"/>
+              <a:ea typeface="Noto Sans KR Light" panose="020B0200000000000000" pitchFamily="50" charset="-127"/>
+              <a:cs typeface="Poppins" panose="00000500000000000000" pitchFamily="2" charset="0"/>
+            </a:endParaRPr>
+          </a:p>
+          <a:p>
+            <a:pPr algn="ctr">
+              <a:lnSpc>
+                <a:spcPts val="3600"/>
+              </a:lnSpc>
+            </a:pPr>
+            <a:r>
+              <a:rPr lang="ko-KR" altLang="en-US" sz="1600" spc="-20" dirty="0">
+                <a:latin typeface="Noto Sans KR Light" panose="020B0200000000000000" pitchFamily="50" charset="-127"/>
+                <a:ea typeface="Noto Sans KR Light" panose="020B0200000000000000" pitchFamily="50" charset="-127"/>
+                <a:cs typeface="Poppins" panose="00000500000000000000" pitchFamily="2" charset="0"/>
+              </a:rPr>
+              <a:t>위험도가 높아 빠른 탈락</a:t>
+            </a:r>
+            <a:endParaRPr lang="en-US" sz="1600" spc="-20" dirty="0">
+              <a:latin typeface="Noto Sans KR Light" panose="020B0200000000000000" pitchFamily="50" charset="-127"/>
+              <a:ea typeface="Noto Sans KR Light" panose="020B0200000000000000" pitchFamily="50" charset="-127"/>
+              <a:cs typeface="Poppins" panose="00000500000000000000" pitchFamily="2" charset="0"/>
+            </a:endParaRPr>
+          </a:p>
+        </p:txBody>
+      </p:sp>
     </p:spTree>
     <p:extLst>
       <p:ext uri="{BB962C8B-B14F-4D97-AF65-F5344CB8AC3E}">
-        <p14:creationId xmlns:p14="http://schemas.microsoft.com/office/powerpoint/2010/main" val="2217377535"/>
+        <p14:creationId xmlns:p14="http://schemas.microsoft.com/office/powerpoint/2010/main" val="3480902383"/>
       </p:ext>
     </p:extLst>
   </p:cSld>
@@ -15431,10 +22061,10 @@
       </p:sp>
       <p:pic>
         <p:nvPicPr>
-          <p:cNvPr id="7" name="그림 6">
-            <a:extLst>
-              <a:ext uri="{FF2B5EF4-FFF2-40B4-BE49-F238E27FC236}">
-                <a16:creationId xmlns:a16="http://schemas.microsoft.com/office/drawing/2014/main" id="{B3A5AFFD-D817-E097-33DC-E39CAB3A6AF5}"/>
+          <p:cNvPr id="5" name="그림 4">
+            <a:extLst>
+              <a:ext uri="{FF2B5EF4-FFF2-40B4-BE49-F238E27FC236}">
+                <a16:creationId xmlns:a16="http://schemas.microsoft.com/office/drawing/2014/main" id="{12B68892-9CC1-78E0-3A62-93E1E5E606B1}"/>
               </a:ext>
             </a:extLst>
           </p:cNvPr>
@@ -15451,8 +22081,8 @@
         </p:blipFill>
         <p:spPr>
           <a:xfrm>
-            <a:off x="660370" y="1524445"/>
-            <a:ext cx="7896933" cy="4428000"/>
+            <a:off x="1997858" y="1405088"/>
+            <a:ext cx="8196284" cy="4447933"/>
           </a:xfrm>
           <a:prstGeom prst="rect">
             <a:avLst/>
@@ -15461,136 +22091,56 @@
       </p:pic>
       <p:sp>
         <p:nvSpPr>
-          <p:cNvPr id="9" name="Line 283">
-            <a:extLst>
-              <a:ext uri="{FF2B5EF4-FFF2-40B4-BE49-F238E27FC236}">
-                <a16:creationId xmlns:a16="http://schemas.microsoft.com/office/drawing/2014/main" id="{AC038C8A-70E8-3A92-76DC-C3B11CC70FC2}"/>
+          <p:cNvPr id="4" name="Rounded Rectangle 319">
+            <a:extLst>
+              <a:ext uri="{FF2B5EF4-FFF2-40B4-BE49-F238E27FC236}">
+                <a16:creationId xmlns:a16="http://schemas.microsoft.com/office/drawing/2014/main" id="{F793A4DC-95D7-AD8D-BE25-1CADC5B2FF69}"/>
               </a:ext>
             </a:extLst>
           </p:cNvPr>
           <p:cNvSpPr>
-            <a:spLocks noChangeShapeType="1"/>
+            <a:spLocks noChangeArrowheads="1"/>
           </p:cNvSpPr>
           <p:nvPr/>
         </p:nvSpPr>
         <p:spPr bwMode="auto">
           <a:xfrm>
-            <a:off x="9028286" y="2328336"/>
-            <a:ext cx="2265527" cy="0"/>
-          </a:xfrm>
-          <a:prstGeom prst="line">
-            <a:avLst/>
+            <a:off x="4983788" y="6149059"/>
+            <a:ext cx="2224424" cy="294283"/>
+          </a:xfrm>
+          <a:prstGeom prst="roundRect">
+            <a:avLst>
+              <a:gd name="adj" fmla="val 50000"/>
+            </a:avLst>
           </a:prstGeom>
-          <a:noFill/>
-          <a:ln w="25400" cap="rnd">
-            <a:solidFill>
-              <a:schemeClr val="accent4"/>
-            </a:solidFill>
-            <a:round/>
-            <a:headEnd/>
-            <a:tailEnd/>
+          <a:solidFill>
+            <a:schemeClr val="accent5">
+              <a:lumMod val="75000"/>
+            </a:schemeClr>
+          </a:solidFill>
+          <a:ln>
+            <a:noFill/>
           </a:ln>
           <a:effectLst/>
-          <a:extLst>
-            <a:ext uri="{909E8E84-426E-40DD-AFC4-6F175D3DCCD1}">
-              <a14:hiddenFill xmlns:a14="http://schemas.microsoft.com/office/drawing/2010/main">
-                <a:noFill/>
-              </a14:hiddenFill>
-            </a:ext>
-            <a:ext uri="{AF507438-7753-43E0-B8FC-AC1667EBCBE1}">
-              <a14:hiddenEffects xmlns:a14="http://schemas.microsoft.com/office/drawing/2010/main">
-                <a:effectLst>
-                  <a:outerShdw dist="35921" dir="2700000" algn="ctr" rotWithShape="0">
-                    <a:srgbClr val="808080"/>
-                  </a:outerShdw>
-                </a:effectLst>
-              </a14:hiddenEffects>
-            </a:ext>
-          </a:extLst>
-        </p:spPr>
-        <p:txBody>
-          <a:bodyPr/>
-          <a:lstStyle/>
-          <a:p>
-            <a:endParaRPr lang="en-US" sz="4900" dirty="0">
-              <a:latin typeface="Poppins" panose="00000500000000000000" pitchFamily="2" charset="0"/>
-            </a:endParaRPr>
-          </a:p>
-        </p:txBody>
-      </p:sp>
-      <p:sp>
-        <p:nvSpPr>
-          <p:cNvPr id="10" name="TextBox 9">
-            <a:extLst>
-              <a:ext uri="{FF2B5EF4-FFF2-40B4-BE49-F238E27FC236}">
-                <a16:creationId xmlns:a16="http://schemas.microsoft.com/office/drawing/2014/main" id="{242523E3-833E-4E9C-5B9B-D14D7E7FE53B}"/>
-              </a:ext>
-            </a:extLst>
-          </p:cNvPr>
-          <p:cNvSpPr txBox="1"/>
-          <p:nvPr/>
-        </p:nvSpPr>
-        <p:spPr>
-          <a:xfrm>
-            <a:off x="9223180" y="1913228"/>
-            <a:ext cx="1875733" cy="400110"/>
-          </a:xfrm>
-          <a:prstGeom prst="rect">
-            <a:avLst/>
-          </a:prstGeom>
-          <a:noFill/>
-        </p:spPr>
-        <p:txBody>
-          <a:bodyPr wrap="square">
-            <a:spAutoFit/>
-          </a:bodyPr>
-          <a:lstStyle/>
-          <a:p>
-            <a:pPr>
-              <a:defRPr/>
-            </a:pPr>
-            <a:r>
-              <a:rPr lang="ko-KR" altLang="en-US" sz="2000" kern="0" dirty="0">
-                <a:ln w="9525">
-                  <a:noFill/>
-                </a:ln>
-                <a:solidFill>
-                  <a:srgbClr val="005A9E"/>
+        </p:spPr>
+        <p:txBody>
+          <a:bodyPr wrap="none" anchor="ctr"/>
+          <a:lstStyle/>
+          <a:p>
+            <a:pPr algn="ctr"/>
+            <a:r>
+              <a:rPr lang="ko-KR" altLang="en-US" sz="1400">
+                <a:solidFill>
+                  <a:schemeClr val="bg1"/>
                 </a:solidFill>
                 <a:latin typeface="배달의민족 한나체 Pro OTF" panose="020B0600000101010101" pitchFamily="34" charset="-127"/>
                 <a:ea typeface="배달의민족 한나체 Pro OTF" panose="020B0600000101010101" pitchFamily="34" charset="-127"/>
               </a:rPr>
-              <a:t>항복 </a:t>
-            </a:r>
-            <a:r>
-              <a:rPr lang="en-US" altLang="ko-KR" sz="2000" kern="0" dirty="0">
-                <a:ln w="9525">
-                  <a:noFill/>
-                </a:ln>
-                <a:solidFill>
-                  <a:srgbClr val="005A9E"/>
-                </a:solidFill>
-                <a:latin typeface="배달의민족 한나체 Pro OTF" panose="020B0600000101010101" pitchFamily="34" charset="-127"/>
-                <a:ea typeface="배달의민족 한나체 Pro OTF" panose="020B0600000101010101" pitchFamily="34" charset="-127"/>
-              </a:rPr>
-              <a:t>&amp; </a:t>
-            </a:r>
-            <a:r>
-              <a:rPr lang="ko-KR" altLang="en-US" sz="2000" kern="0" dirty="0" err="1">
-                <a:ln w="9525">
-                  <a:noFill/>
-                </a:ln>
-                <a:solidFill>
-                  <a:srgbClr val="005A9E"/>
-                </a:solidFill>
-                <a:latin typeface="배달의민족 한나체 Pro OTF" panose="020B0600000101010101" pitchFamily="34" charset="-127"/>
-                <a:ea typeface="배달의민족 한나체 Pro OTF" panose="020B0600000101010101" pitchFamily="34" charset="-127"/>
-              </a:rPr>
-              <a:t>자리비움</a:t>
-            </a:r>
-            <a:endParaRPr lang="ko-KR" altLang="en-US" sz="2000" dirty="0">
+              <a:t>이상치 검출 후</a:t>
+            </a:r>
+            <a:endParaRPr lang="en-US" sz="1400" dirty="0">
               <a:solidFill>
-                <a:srgbClr val="005A9E"/>
+                <a:schemeClr val="bg1"/>
               </a:solidFill>
               <a:latin typeface="배달의민족 한나체 Pro OTF" panose="020B0600000101010101" pitchFamily="34" charset="-127"/>
               <a:ea typeface="배달의민족 한나체 Pro OTF" panose="020B0600000101010101" pitchFamily="34" charset="-127"/>
@@ -15598,274 +22148,10 @@
           </a:p>
         </p:txBody>
       </p:sp>
-      <p:sp>
-        <p:nvSpPr>
-          <p:cNvPr id="11" name="TextBox 10">
-            <a:extLst>
-              <a:ext uri="{FF2B5EF4-FFF2-40B4-BE49-F238E27FC236}">
-                <a16:creationId xmlns:a16="http://schemas.microsoft.com/office/drawing/2014/main" id="{1DB4CCA5-375C-4C91-861B-281307B1F650}"/>
-              </a:ext>
-            </a:extLst>
-          </p:cNvPr>
-          <p:cNvSpPr txBox="1"/>
-          <p:nvPr/>
-        </p:nvSpPr>
-        <p:spPr>
-          <a:xfrm>
-            <a:off x="8796358" y="2358333"/>
-            <a:ext cx="2729382" cy="949234"/>
-          </a:xfrm>
-          <a:prstGeom prst="rect">
-            <a:avLst/>
-          </a:prstGeom>
-          <a:noFill/>
-        </p:spPr>
-        <p:txBody>
-          <a:bodyPr wrap="square" rtlCol="0">
-            <a:spAutoFit/>
-          </a:bodyPr>
-          <a:lstStyle/>
-          <a:p>
-            <a:pPr algn="ctr">
-              <a:lnSpc>
-                <a:spcPts val="3600"/>
-              </a:lnSpc>
-            </a:pPr>
-            <a:r>
-              <a:rPr lang="ko-KR" altLang="en-US" sz="1600" spc="-20" dirty="0">
-                <a:latin typeface="Noto Sans KR Light" panose="020B0200000000000000" pitchFamily="50" charset="-127"/>
-                <a:ea typeface="Noto Sans KR Light" panose="020B0200000000000000" pitchFamily="50" charset="-127"/>
-                <a:cs typeface="Poppins" panose="00000500000000000000" pitchFamily="2" charset="0"/>
-              </a:rPr>
-              <a:t>비정상적인 플레이로 인한</a:t>
-            </a:r>
-            <a:endParaRPr lang="en-US" altLang="ko-KR" sz="1600" spc="-20" dirty="0">
-              <a:latin typeface="Noto Sans KR Light" panose="020B0200000000000000" pitchFamily="50" charset="-127"/>
-              <a:ea typeface="Noto Sans KR Light" panose="020B0200000000000000" pitchFamily="50" charset="-127"/>
-              <a:cs typeface="Poppins" panose="00000500000000000000" pitchFamily="2" charset="0"/>
-            </a:endParaRPr>
-          </a:p>
-          <a:p>
-            <a:pPr algn="ctr">
-              <a:lnSpc>
-                <a:spcPts val="3600"/>
-              </a:lnSpc>
-            </a:pPr>
-            <a:r>
-              <a:rPr lang="ko-KR" altLang="en-US" sz="1600" spc="-20" dirty="0">
-                <a:latin typeface="Noto Sans KR Light" panose="020B0200000000000000" pitchFamily="50" charset="-127"/>
-                <a:ea typeface="Noto Sans KR Light" panose="020B0200000000000000" pitchFamily="50" charset="-127"/>
-                <a:cs typeface="Poppins" panose="00000500000000000000" pitchFamily="2" charset="0"/>
-              </a:rPr>
-              <a:t>빠른 탈락</a:t>
-            </a:r>
-            <a:endParaRPr lang="en-US" sz="1600" spc="-20" dirty="0">
-              <a:latin typeface="Noto Sans KR Light" panose="020B0200000000000000" pitchFamily="50" charset="-127"/>
-              <a:ea typeface="Noto Sans KR Light" panose="020B0200000000000000" pitchFamily="50" charset="-127"/>
-              <a:cs typeface="Poppins" panose="00000500000000000000" pitchFamily="2" charset="0"/>
-            </a:endParaRPr>
-          </a:p>
-        </p:txBody>
-      </p:sp>
-      <p:sp>
-        <p:nvSpPr>
-          <p:cNvPr id="12" name="Line 283">
-            <a:extLst>
-              <a:ext uri="{FF2B5EF4-FFF2-40B4-BE49-F238E27FC236}">
-                <a16:creationId xmlns:a16="http://schemas.microsoft.com/office/drawing/2014/main" id="{A97A5511-B550-EE5D-3BC7-AC499336217A}"/>
-              </a:ext>
-            </a:extLst>
-          </p:cNvPr>
-          <p:cNvSpPr>
-            <a:spLocks noChangeShapeType="1"/>
-          </p:cNvSpPr>
-          <p:nvPr/>
-        </p:nvSpPr>
-        <p:spPr bwMode="auto">
-          <a:xfrm>
-            <a:off x="9028286" y="4153553"/>
-            <a:ext cx="2265527" cy="0"/>
-          </a:xfrm>
-          <a:prstGeom prst="line">
-            <a:avLst/>
-          </a:prstGeom>
-          <a:noFill/>
-          <a:ln w="25400" cap="rnd">
-            <a:solidFill>
-              <a:schemeClr val="accent4"/>
-            </a:solidFill>
-            <a:round/>
-            <a:headEnd/>
-            <a:tailEnd/>
-          </a:ln>
-          <a:effectLst/>
-          <a:extLst>
-            <a:ext uri="{909E8E84-426E-40DD-AFC4-6F175D3DCCD1}">
-              <a14:hiddenFill xmlns:a14="http://schemas.microsoft.com/office/drawing/2010/main">
-                <a:noFill/>
-              </a14:hiddenFill>
-            </a:ext>
-            <a:ext uri="{AF507438-7753-43E0-B8FC-AC1667EBCBE1}">
-              <a14:hiddenEffects xmlns:a14="http://schemas.microsoft.com/office/drawing/2010/main">
-                <a:effectLst>
-                  <a:outerShdw dist="35921" dir="2700000" algn="ctr" rotWithShape="0">
-                    <a:srgbClr val="808080"/>
-                  </a:outerShdw>
-                </a:effectLst>
-              </a14:hiddenEffects>
-            </a:ext>
-          </a:extLst>
-        </p:spPr>
-        <p:txBody>
-          <a:bodyPr/>
-          <a:lstStyle/>
-          <a:p>
-            <a:endParaRPr lang="en-US" sz="4900" dirty="0">
-              <a:latin typeface="Poppins" panose="00000500000000000000" pitchFamily="2" charset="0"/>
-            </a:endParaRPr>
-          </a:p>
-        </p:txBody>
-      </p:sp>
-      <p:sp>
-        <p:nvSpPr>
-          <p:cNvPr id="13" name="TextBox 12">
-            <a:extLst>
-              <a:ext uri="{FF2B5EF4-FFF2-40B4-BE49-F238E27FC236}">
-                <a16:creationId xmlns:a16="http://schemas.microsoft.com/office/drawing/2014/main" id="{A4F29E35-47AD-B2CC-832A-0D8D39728448}"/>
-              </a:ext>
-            </a:extLst>
-          </p:cNvPr>
-          <p:cNvSpPr txBox="1"/>
-          <p:nvPr/>
-        </p:nvSpPr>
-        <p:spPr>
-          <a:xfrm>
-            <a:off x="9362068" y="3738445"/>
-            <a:ext cx="1597959" cy="400110"/>
-          </a:xfrm>
-          <a:prstGeom prst="rect">
-            <a:avLst/>
-          </a:prstGeom>
-          <a:noFill/>
-        </p:spPr>
-        <p:txBody>
-          <a:bodyPr wrap="square">
-            <a:spAutoFit/>
-          </a:bodyPr>
-          <a:lstStyle/>
-          <a:p>
-            <a:pPr>
-              <a:defRPr/>
-            </a:pPr>
-            <a:r>
-              <a:rPr lang="ko-KR" altLang="en-US" sz="2000" kern="0" dirty="0" err="1">
-                <a:ln w="9525">
-                  <a:noFill/>
-                </a:ln>
-                <a:solidFill>
-                  <a:srgbClr val="005A9E"/>
-                </a:solidFill>
-                <a:latin typeface="배달의민족 한나체 Pro OTF" panose="020B0600000101010101" pitchFamily="34" charset="-127"/>
-                <a:ea typeface="배달의민족 한나체 Pro OTF" panose="020B0600000101010101" pitchFamily="34" charset="-127"/>
-              </a:rPr>
-              <a:t>필트오버</a:t>
-            </a:r>
-            <a:r>
-              <a:rPr lang="ko-KR" altLang="en-US" sz="2000" kern="0" dirty="0">
-                <a:ln w="9525">
-                  <a:noFill/>
-                </a:ln>
-                <a:solidFill>
-                  <a:srgbClr val="005A9E"/>
-                </a:solidFill>
-                <a:latin typeface="배달의민족 한나체 Pro OTF" panose="020B0600000101010101" pitchFamily="34" charset="-127"/>
-                <a:ea typeface="배달의민족 한나체 Pro OTF" panose="020B0600000101010101" pitchFamily="34" charset="-127"/>
-              </a:rPr>
-              <a:t> 조합</a:t>
-            </a:r>
-            <a:endParaRPr lang="ko-KR" altLang="en-US" sz="2000" dirty="0">
-              <a:solidFill>
-                <a:srgbClr val="005A9E"/>
-              </a:solidFill>
-              <a:latin typeface="배달의민족 한나체 Pro OTF" panose="020B0600000101010101" pitchFamily="34" charset="-127"/>
-              <a:ea typeface="배달의민족 한나체 Pro OTF" panose="020B0600000101010101" pitchFamily="34" charset="-127"/>
-            </a:endParaRPr>
-          </a:p>
-        </p:txBody>
-      </p:sp>
-      <p:sp>
-        <p:nvSpPr>
-          <p:cNvPr id="14" name="TextBox 13">
-            <a:extLst>
-              <a:ext uri="{FF2B5EF4-FFF2-40B4-BE49-F238E27FC236}">
-                <a16:creationId xmlns:a16="http://schemas.microsoft.com/office/drawing/2014/main" id="{743745C5-681D-C5F2-EEBB-0035104B7165}"/>
-              </a:ext>
-            </a:extLst>
-          </p:cNvPr>
-          <p:cNvSpPr txBox="1"/>
-          <p:nvPr/>
-        </p:nvSpPr>
-        <p:spPr>
-          <a:xfrm>
-            <a:off x="8796358" y="4183550"/>
-            <a:ext cx="2729382" cy="949234"/>
-          </a:xfrm>
-          <a:prstGeom prst="rect">
-            <a:avLst/>
-          </a:prstGeom>
-          <a:noFill/>
-        </p:spPr>
-        <p:txBody>
-          <a:bodyPr wrap="square" rtlCol="0">
-            <a:spAutoFit/>
-          </a:bodyPr>
-          <a:lstStyle/>
-          <a:p>
-            <a:pPr algn="ctr">
-              <a:lnSpc>
-                <a:spcPts val="3600"/>
-              </a:lnSpc>
-            </a:pPr>
-            <a:r>
-              <a:rPr lang="ko-KR" altLang="en-US" sz="1600" spc="-20" dirty="0">
-                <a:latin typeface="Noto Sans KR Light" panose="020B0200000000000000" pitchFamily="50" charset="-127"/>
-                <a:ea typeface="Noto Sans KR Light" panose="020B0200000000000000" pitchFamily="50" charset="-127"/>
-                <a:cs typeface="Poppins" panose="00000500000000000000" pitchFamily="2" charset="0"/>
-              </a:rPr>
-              <a:t>정상적인 플레이지만</a:t>
-            </a:r>
-            <a:endParaRPr lang="en-US" altLang="ko-KR" sz="1600" spc="-20" dirty="0">
-              <a:latin typeface="Noto Sans KR Light" panose="020B0200000000000000" pitchFamily="50" charset="-127"/>
-              <a:ea typeface="Noto Sans KR Light" panose="020B0200000000000000" pitchFamily="50" charset="-127"/>
-              <a:cs typeface="Poppins" panose="00000500000000000000" pitchFamily="2" charset="0"/>
-            </a:endParaRPr>
-          </a:p>
-          <a:p>
-            <a:pPr algn="ctr">
-              <a:lnSpc>
-                <a:spcPts val="3600"/>
-              </a:lnSpc>
-            </a:pPr>
-            <a:r>
-              <a:rPr lang="ko-KR" altLang="en-US" sz="1600" spc="-20" dirty="0">
-                <a:latin typeface="Noto Sans KR Light" panose="020B0200000000000000" pitchFamily="50" charset="-127"/>
-                <a:ea typeface="Noto Sans KR Light" panose="020B0200000000000000" pitchFamily="50" charset="-127"/>
-                <a:cs typeface="Poppins" panose="00000500000000000000" pitchFamily="2" charset="0"/>
-              </a:rPr>
-              <a:t>위험도가 높아 빠른 탈락</a:t>
-            </a:r>
-            <a:endParaRPr lang="en-US" sz="1600" spc="-20" dirty="0">
-              <a:latin typeface="Noto Sans KR Light" panose="020B0200000000000000" pitchFamily="50" charset="-127"/>
-              <a:ea typeface="Noto Sans KR Light" panose="020B0200000000000000" pitchFamily="50" charset="-127"/>
-              <a:cs typeface="Poppins" panose="00000500000000000000" pitchFamily="2" charset="0"/>
-            </a:endParaRPr>
-          </a:p>
-        </p:txBody>
-      </p:sp>
     </p:spTree>
     <p:extLst>
       <p:ext uri="{BB962C8B-B14F-4D97-AF65-F5344CB8AC3E}">
-        <p14:creationId xmlns:p14="http://schemas.microsoft.com/office/powerpoint/2010/main" val="3480902383"/>
+        <p14:creationId xmlns:p14="http://schemas.microsoft.com/office/powerpoint/2010/main" val="849717157"/>
       </p:ext>
     </p:extLst>
   </p:cSld>
@@ -16029,7 +22315,7 @@
         </p:nvSpPr>
         <p:spPr>
           <a:xfrm>
-            <a:off x="4029146" y="426201"/>
+            <a:off x="2401682" y="426201"/>
             <a:ext cx="3381435" cy="400110"/>
           </a:xfrm>
           <a:prstGeom prst="rect">
@@ -16059,17 +22345,8 @@
                 <a:latin typeface="배달의민족 한나체 Pro OTF" panose="020B0600000101010101" pitchFamily="34" charset="-127"/>
                 <a:ea typeface="배달의민족 한나체 Pro OTF" panose="020B0600000101010101" pitchFamily="34" charset="-127"/>
               </a:rPr>
-              <a:t>이상치 검출</a:t>
-            </a:r>
-            <a:endParaRPr lang="ko-KR" altLang="en-US" sz="2000" dirty="0">
-              <a:solidFill>
-                <a:schemeClr val="tx2">
-                  <a:lumMod val="75000"/>
-                </a:schemeClr>
-              </a:solidFill>
-              <a:latin typeface="배달의민족 한나체 Pro OTF" panose="020B0600000101010101" pitchFamily="34" charset="-127"/>
-              <a:ea typeface="배달의민족 한나체 Pro OTF" panose="020B0600000101010101" pitchFamily="34" charset="-127"/>
-            </a:endParaRPr>
+              <a:t>플레이어 분포 분석</a:t>
+            </a:r>
           </a:p>
         </p:txBody>
       </p:sp>
@@ -16105,7 +22382,7 @@
               <a:defRPr/>
             </a:pPr>
             <a:r>
-              <a:rPr lang="ko-KR" altLang="en-US" sz="3200" kern="0" dirty="0">
+              <a:rPr lang="ko-KR" altLang="en-US" sz="3200" kern="0">
                 <a:ln w="9525">
                   <a:noFill/>
                 </a:ln>
@@ -16115,20 +22392,7 @@
                 <a:latin typeface="배달의민족 한나체 Pro OTF" panose="020B0600000101010101" pitchFamily="34" charset="-127"/>
                 <a:ea typeface="배달의민족 한나체 Pro OTF" panose="020B0600000101010101" pitchFamily="34" charset="-127"/>
               </a:rPr>
-              <a:t>데이터 수집 및 </a:t>
-            </a:r>
-            <a:r>
-              <a:rPr lang="ko-KR" altLang="en-US" sz="3200" kern="0" dirty="0" err="1">
-                <a:ln w="9525">
-                  <a:noFill/>
-                </a:ln>
-                <a:solidFill>
-                  <a:srgbClr val="0070C0"/>
-                </a:solidFill>
-                <a:latin typeface="배달의민족 한나체 Pro OTF" panose="020B0600000101010101" pitchFamily="34" charset="-127"/>
-                <a:ea typeface="배달의민족 한나체 Pro OTF" panose="020B0600000101010101" pitchFamily="34" charset="-127"/>
-              </a:rPr>
-              <a:t>전처리</a:t>
+              <a:t>데이터 분석</a:t>
             </a:r>
             <a:endParaRPr lang="ko-KR" altLang="en-US" sz="3200" dirty="0">
               <a:solidFill>
@@ -16145,7 +22409,7 @@
           <p:cNvPr id="5" name="그림 4">
             <a:extLst>
               <a:ext uri="{FF2B5EF4-FFF2-40B4-BE49-F238E27FC236}">
-                <a16:creationId xmlns:a16="http://schemas.microsoft.com/office/drawing/2014/main" id="{12B68892-9CC1-78E0-3A62-93E1E5E606B1}"/>
+                <a16:creationId xmlns:a16="http://schemas.microsoft.com/office/drawing/2014/main" id="{33ACD538-C2C4-671F-08BA-54A862822B14}"/>
               </a:ext>
             </a:extLst>
           </p:cNvPr>
@@ -16162,8 +22426,8 @@
         </p:blipFill>
         <p:spPr>
           <a:xfrm>
-            <a:off x="1997858" y="1405088"/>
-            <a:ext cx="8196284" cy="4447933"/>
+            <a:off x="813650" y="1546335"/>
+            <a:ext cx="10564699" cy="3010320"/>
           </a:xfrm>
           <a:prstGeom prst="rect">
             <a:avLst/>
@@ -16172,10 +22436,10 @@
       </p:pic>
       <p:sp>
         <p:nvSpPr>
-          <p:cNvPr id="6" name="Rounded Rectangle 319">
-            <a:extLst>
-              <a:ext uri="{FF2B5EF4-FFF2-40B4-BE49-F238E27FC236}">
-                <a16:creationId xmlns:a16="http://schemas.microsoft.com/office/drawing/2014/main" id="{7220673F-4653-37B4-96E2-587DE1B87D41}"/>
+          <p:cNvPr id="6" name="Freeform 135">
+            <a:extLst>
+              <a:ext uri="{FF2B5EF4-FFF2-40B4-BE49-F238E27FC236}">
+                <a16:creationId xmlns:a16="http://schemas.microsoft.com/office/drawing/2014/main" id="{DA683B02-4DCC-BF4C-9297-04DADCD48AF3}"/>
               </a:ext>
             </a:extLst>
           </p:cNvPr>
@@ -16186,17 +22450,18 @@
         </p:nvSpPr>
         <p:spPr bwMode="auto">
           <a:xfrm>
-            <a:off x="4661880" y="6052340"/>
-            <a:ext cx="2868240" cy="379458"/>
+            <a:off x="813650" y="5056640"/>
+            <a:ext cx="10564699" cy="1052329"/>
           </a:xfrm>
           <a:prstGeom prst="roundRect">
             <a:avLst>
-              <a:gd name="adj" fmla="val 50000"/>
+              <a:gd name="adj" fmla="val 6484"/>
             </a:avLst>
           </a:prstGeom>
           <a:solidFill>
-            <a:schemeClr val="accent1">
-              <a:lumMod val="75000"/>
+            <a:schemeClr val="bg1">
+              <a:lumMod val="85000"/>
+              <a:alpha val="15000"/>
             </a:schemeClr>
           </a:solidFill>
           <a:ln>
@@ -16206,25 +22471,203 @@
         </p:spPr>
         <p:txBody>
           <a:bodyPr wrap="none" anchor="ctr"/>
-          <a:lstStyle/>
-          <a:p>
-            <a:pPr algn="ctr"/>
-            <a:r>
-              <a:rPr lang="ko-KR" altLang="en-US" dirty="0">
-                <a:solidFill>
-                  <a:schemeClr val="bg1"/>
-                </a:solidFill>
-                <a:latin typeface="배달의민족 한나체 Pro OTF" panose="020B0600000101010101" pitchFamily="34" charset="-127"/>
-                <a:ea typeface="배달의민족 한나체 Pro OTF" panose="020B0600000101010101" pitchFamily="34" charset="-127"/>
-              </a:rPr>
-              <a:t>이상치 제거 후</a:t>
-            </a:r>
-            <a:endParaRPr lang="en-US" dirty="0">
-              <a:solidFill>
-                <a:schemeClr val="bg1"/>
-              </a:solidFill>
-              <a:latin typeface="배달의민족 한나체 Pro OTF" panose="020B0600000101010101" pitchFamily="34" charset="-127"/>
-              <a:ea typeface="배달의민족 한나체 Pro OTF" panose="020B0600000101010101" pitchFamily="34" charset="-127"/>
+          <a:lstStyle>
+            <a:defPPr>
+              <a:defRPr lang="en-US"/>
+            </a:defPPr>
+            <a:lvl1pPr marL="0" algn="l" defTabSz="1828434" rtl="0" eaLnBrk="1" latinLnBrk="0" hangingPunct="1">
+              <a:defRPr sz="3600" kern="1200">
+                <a:solidFill>
+                  <a:schemeClr val="tx1"/>
+                </a:solidFill>
+                <a:latin typeface="+mn-lt"/>
+                <a:ea typeface="+mn-ea"/>
+                <a:cs typeface="+mn-cs"/>
+              </a:defRPr>
+            </a:lvl1pPr>
+            <a:lvl2pPr marL="914217" algn="l" defTabSz="1828434" rtl="0" eaLnBrk="1" latinLnBrk="0" hangingPunct="1">
+              <a:defRPr sz="3600" kern="1200">
+                <a:solidFill>
+                  <a:schemeClr val="tx1"/>
+                </a:solidFill>
+                <a:latin typeface="+mn-lt"/>
+                <a:ea typeface="+mn-ea"/>
+                <a:cs typeface="+mn-cs"/>
+              </a:defRPr>
+            </a:lvl2pPr>
+            <a:lvl3pPr marL="1828434" algn="l" defTabSz="1828434" rtl="0" eaLnBrk="1" latinLnBrk="0" hangingPunct="1">
+              <a:defRPr sz="3600" kern="1200">
+                <a:solidFill>
+                  <a:schemeClr val="tx1"/>
+                </a:solidFill>
+                <a:latin typeface="+mn-lt"/>
+                <a:ea typeface="+mn-ea"/>
+                <a:cs typeface="+mn-cs"/>
+              </a:defRPr>
+            </a:lvl3pPr>
+            <a:lvl4pPr marL="2742651" algn="l" defTabSz="1828434" rtl="0" eaLnBrk="1" latinLnBrk="0" hangingPunct="1">
+              <a:defRPr sz="3600" kern="1200">
+                <a:solidFill>
+                  <a:schemeClr val="tx1"/>
+                </a:solidFill>
+                <a:latin typeface="+mn-lt"/>
+                <a:ea typeface="+mn-ea"/>
+                <a:cs typeface="+mn-cs"/>
+              </a:defRPr>
+            </a:lvl4pPr>
+            <a:lvl5pPr marL="3656868" algn="l" defTabSz="1828434" rtl="0" eaLnBrk="1" latinLnBrk="0" hangingPunct="1">
+              <a:defRPr sz="3600" kern="1200">
+                <a:solidFill>
+                  <a:schemeClr val="tx1"/>
+                </a:solidFill>
+                <a:latin typeface="+mn-lt"/>
+                <a:ea typeface="+mn-ea"/>
+                <a:cs typeface="+mn-cs"/>
+              </a:defRPr>
+            </a:lvl5pPr>
+            <a:lvl6pPr marL="4571086" algn="l" defTabSz="1828434" rtl="0" eaLnBrk="1" latinLnBrk="0" hangingPunct="1">
+              <a:defRPr sz="3600" kern="1200">
+                <a:solidFill>
+                  <a:schemeClr val="tx1"/>
+                </a:solidFill>
+                <a:latin typeface="+mn-lt"/>
+                <a:ea typeface="+mn-ea"/>
+                <a:cs typeface="+mn-cs"/>
+              </a:defRPr>
+            </a:lvl6pPr>
+            <a:lvl7pPr marL="5485303" algn="l" defTabSz="1828434" rtl="0" eaLnBrk="1" latinLnBrk="0" hangingPunct="1">
+              <a:defRPr sz="3600" kern="1200">
+                <a:solidFill>
+                  <a:schemeClr val="tx1"/>
+                </a:solidFill>
+                <a:latin typeface="+mn-lt"/>
+                <a:ea typeface="+mn-ea"/>
+                <a:cs typeface="+mn-cs"/>
+              </a:defRPr>
+            </a:lvl7pPr>
+            <a:lvl8pPr marL="6399520" algn="l" defTabSz="1828434" rtl="0" eaLnBrk="1" latinLnBrk="0" hangingPunct="1">
+              <a:defRPr sz="3600" kern="1200">
+                <a:solidFill>
+                  <a:schemeClr val="tx1"/>
+                </a:solidFill>
+                <a:latin typeface="+mn-lt"/>
+                <a:ea typeface="+mn-ea"/>
+                <a:cs typeface="+mn-cs"/>
+              </a:defRPr>
+            </a:lvl8pPr>
+            <a:lvl9pPr marL="7313737" algn="l" defTabSz="1828434" rtl="0" eaLnBrk="1" latinLnBrk="0" hangingPunct="1">
+              <a:defRPr sz="3600" kern="1200">
+                <a:solidFill>
+                  <a:schemeClr val="tx1"/>
+                </a:solidFill>
+                <a:latin typeface="+mn-lt"/>
+                <a:ea typeface="+mn-ea"/>
+                <a:cs typeface="+mn-cs"/>
+              </a:defRPr>
+            </a:lvl9pPr>
+          </a:lstStyle>
+          <a:p>
+            <a:endParaRPr lang="en-US" dirty="0"/>
+          </a:p>
+        </p:txBody>
+      </p:sp>
+      <p:sp>
+        <p:nvSpPr>
+          <p:cNvPr id="7" name="TextBox 6">
+            <a:extLst>
+              <a:ext uri="{FF2B5EF4-FFF2-40B4-BE49-F238E27FC236}">
+                <a16:creationId xmlns:a16="http://schemas.microsoft.com/office/drawing/2014/main" id="{572A1A11-ADB6-E438-E48C-7CC3784C416E}"/>
+              </a:ext>
+            </a:extLst>
+          </p:cNvPr>
+          <p:cNvSpPr txBox="1"/>
+          <p:nvPr/>
+        </p:nvSpPr>
+        <p:spPr>
+          <a:xfrm>
+            <a:off x="1028646" y="5075957"/>
+            <a:ext cx="10134706" cy="955326"/>
+          </a:xfrm>
+          <a:prstGeom prst="rect">
+            <a:avLst/>
+          </a:prstGeom>
+          <a:noFill/>
+        </p:spPr>
+        <p:txBody>
+          <a:bodyPr wrap="square" rtlCol="0">
+            <a:spAutoFit/>
+          </a:bodyPr>
+          <a:lstStyle/>
+          <a:p>
+            <a:pPr algn="ctr">
+              <a:lnSpc>
+                <a:spcPts val="3600"/>
+              </a:lnSpc>
+            </a:pPr>
+            <a:r>
+              <a:rPr lang="ko-KR" altLang="en-US" sz="1600" spc="-20" dirty="0">
+                <a:latin typeface="Noto Sans KR Light" panose="020B0200000000000000" pitchFamily="50" charset="-127"/>
+                <a:ea typeface="Noto Sans KR Light" panose="020B0200000000000000" pitchFamily="50" charset="-127"/>
+                <a:cs typeface="Poppins" panose="00000500000000000000" pitchFamily="2" charset="0"/>
+              </a:rPr>
+              <a:t>각 서버 별 </a:t>
+            </a:r>
+            <a:r>
+              <a:rPr lang="en-US" altLang="ko-KR" sz="1600" spc="-20" dirty="0">
+                <a:latin typeface="Noto Sans KR Light" panose="020B0200000000000000" pitchFamily="50" charset="-127"/>
+                <a:ea typeface="Noto Sans KR Light" panose="020B0200000000000000" pitchFamily="50" charset="-127"/>
+                <a:cs typeface="Poppins" panose="00000500000000000000" pitchFamily="2" charset="0"/>
+              </a:rPr>
+              <a:t>TOP 10 </a:t>
+            </a:r>
+            <a:r>
+              <a:rPr lang="ko-KR" altLang="en-US" sz="1600" spc="-20" dirty="0">
+                <a:latin typeface="Noto Sans KR Light" panose="020B0200000000000000" pitchFamily="50" charset="-127"/>
+                <a:ea typeface="Noto Sans KR Light" panose="020B0200000000000000" pitchFamily="50" charset="-127"/>
+                <a:cs typeface="Poppins" panose="00000500000000000000" pitchFamily="2" charset="0"/>
+              </a:rPr>
+              <a:t>플레이어가 최근 </a:t>
+            </a:r>
+            <a:r>
+              <a:rPr lang="en-US" altLang="ko-KR" sz="1600" spc="-20" dirty="0">
+                <a:latin typeface="Noto Sans KR Light" panose="020B0200000000000000" pitchFamily="50" charset="-127"/>
+                <a:ea typeface="Noto Sans KR Light" panose="020B0200000000000000" pitchFamily="50" charset="-127"/>
+                <a:cs typeface="Poppins" panose="00000500000000000000" pitchFamily="2" charset="0"/>
+              </a:rPr>
+              <a:t>20</a:t>
+            </a:r>
+            <a:r>
+              <a:rPr lang="ko-KR" altLang="en-US" sz="1600" spc="-20" dirty="0">
+                <a:latin typeface="Noto Sans KR Light" panose="020B0200000000000000" pitchFamily="50" charset="-127"/>
+                <a:ea typeface="Noto Sans KR Light" panose="020B0200000000000000" pitchFamily="50" charset="-127"/>
+                <a:cs typeface="Poppins" panose="00000500000000000000" pitchFamily="2" charset="0"/>
+              </a:rPr>
+              <a:t>경기동안 만난 플레이어</a:t>
+            </a:r>
+            <a:endParaRPr lang="en-US" altLang="ko-KR" sz="1600" spc="-20" dirty="0">
+              <a:latin typeface="Noto Sans KR Light" panose="020B0200000000000000" pitchFamily="50" charset="-127"/>
+              <a:ea typeface="Noto Sans KR Light" panose="020B0200000000000000" pitchFamily="50" charset="-127"/>
+              <a:cs typeface="Poppins" panose="00000500000000000000" pitchFamily="2" charset="0"/>
+            </a:endParaRPr>
+          </a:p>
+          <a:p>
+            <a:pPr algn="ctr">
+              <a:lnSpc>
+                <a:spcPts val="3600"/>
+              </a:lnSpc>
+            </a:pPr>
+            <a:r>
+              <a:rPr lang="ko-KR" altLang="en-US" sz="1600" spc="-20" dirty="0">
+                <a:latin typeface="Noto Sans KR Light" panose="020B0200000000000000" pitchFamily="50" charset="-127"/>
+                <a:ea typeface="Noto Sans KR Light" panose="020B0200000000000000" pitchFamily="50" charset="-127"/>
+                <a:cs typeface="Poppins" panose="00000500000000000000" pitchFamily="2" charset="0"/>
+              </a:rPr>
+              <a:t>집계가 많이 될수록 해당 서버의 상위랭크가 활발하다는 것을 뜻함</a:t>
+            </a:r>
+            <a:endParaRPr lang="en-US" sz="1600" spc="-20" dirty="0">
+              <a:latin typeface="Noto Sans KR Light" panose="020B0200000000000000" pitchFamily="50" charset="-127"/>
+              <a:ea typeface="Noto Sans KR Light" panose="020B0200000000000000" pitchFamily="50" charset="-127"/>
+              <a:cs typeface="Poppins" panose="00000500000000000000" pitchFamily="2" charset="0"/>
             </a:endParaRPr>
           </a:p>
         </p:txBody>
@@ -16232,7 +22675,7 @@
     </p:spTree>
     <p:extLst>
       <p:ext uri="{BB962C8B-B14F-4D97-AF65-F5344CB8AC3E}">
-        <p14:creationId xmlns:p14="http://schemas.microsoft.com/office/powerpoint/2010/main" val="849717157"/>
+        <p14:creationId xmlns:p14="http://schemas.microsoft.com/office/powerpoint/2010/main" val="3424877905"/>
       </p:ext>
     </p:extLst>
   </p:cSld>
@@ -16487,10 +22930,10 @@
       </p:sp>
       <p:pic>
         <p:nvPicPr>
-          <p:cNvPr id="5" name="그림 4">
-            <a:extLst>
-              <a:ext uri="{FF2B5EF4-FFF2-40B4-BE49-F238E27FC236}">
-                <a16:creationId xmlns:a16="http://schemas.microsoft.com/office/drawing/2014/main" id="{33ACD538-C2C4-671F-08BA-54A862822B14}"/>
+          <p:cNvPr id="6" name="그림 5">
+            <a:extLst>
+              <a:ext uri="{FF2B5EF4-FFF2-40B4-BE49-F238E27FC236}">
+                <a16:creationId xmlns:a16="http://schemas.microsoft.com/office/drawing/2014/main" id="{5AF1F0A8-07CA-502F-2662-37D29F555E5D}"/>
               </a:ext>
             </a:extLst>
           </p:cNvPr>
@@ -16507,8 +22950,8 @@
         </p:blipFill>
         <p:spPr>
           <a:xfrm>
-            <a:off x="813650" y="1923840"/>
-            <a:ext cx="10564699" cy="3010320"/>
+            <a:off x="2040360" y="1389546"/>
+            <a:ext cx="8111279" cy="4847700"/>
           </a:xfrm>
           <a:prstGeom prst="rect">
             <a:avLst/>
@@ -16518,7 +22961,7 @@
     </p:spTree>
     <p:extLst>
       <p:ext uri="{BB962C8B-B14F-4D97-AF65-F5344CB8AC3E}">
-        <p14:creationId xmlns:p14="http://schemas.microsoft.com/office/powerpoint/2010/main" val="3424877905"/>
+        <p14:creationId xmlns:p14="http://schemas.microsoft.com/office/powerpoint/2010/main" val="67581241"/>
       </p:ext>
     </p:extLst>
   </p:cSld>
